--- a/pics/2022-01-14-sampling_CT_to_DT/pics.pptx
+++ b/pics/2022-01-14-sampling_CT_to_DT/pics.pptx
@@ -6,6 +6,8 @@
   </p:sldMasterIdLst>
   <p:sldIdLst>
     <p:sldId id="256" r:id="rId2"/>
+    <p:sldId id="257" r:id="rId3"/>
+    <p:sldId id="258" r:id="rId4"/>
   </p:sldIdLst>
   <p:sldSz cx="9144000" cy="6858000" type="screen4x3"/>
   <p:notesSz cx="6858000" cy="9144000"/>
@@ -3262,14 +3264,14 @@
           <a:lstStyle/>
           <a:p>
             <a:r>
-              <a:rPr lang="ko-KR" altLang="en-US" smtClean="0">
+              <a:rPr lang="ko-KR" altLang="en-US" dirty="0" smtClean="0">
                 <a:latin typeface="마루 부리 Beta" pitchFamily="50" charset="-127"/>
                 <a:ea typeface="마루 부리 Beta" pitchFamily="50" charset="-127"/>
               </a:rPr>
               <a:t>아날로</a:t>
             </a:r>
             <a:r>
-              <a:rPr lang="ko-KR" altLang="en-US">
+              <a:rPr lang="ko-KR" altLang="en-US" dirty="0">
                 <a:latin typeface="마루 부리 Beta" pitchFamily="50" charset="-127"/>
                 <a:ea typeface="마루 부리 Beta" pitchFamily="50" charset="-127"/>
               </a:rPr>
@@ -3585,8 +3587,8 @@
           </a:fontRef>
         </p:style>
       </p:cxnSp>
-      <mc:AlternateContent xmlns:mc="http://schemas.openxmlformats.org/markup-compatibility/2006">
-        <mc:Choice xmlns:a14="http://schemas.microsoft.com/office/drawing/2010/main" Requires="a14">
+      <mc:AlternateContent xmlns:mc="http://schemas.openxmlformats.org/markup-compatibility/2006" xmlns:a14="http://schemas.microsoft.com/office/drawing/2010/main">
+        <mc:Choice Requires="a14">
           <p:sp>
             <p:nvSpPr>
               <p:cNvPr id="9" name="TextBox 8"/>
@@ -3609,6 +3611,7 @@
               </a:bodyPr>
               <a:lstStyle/>
               <a:p>
+                <a:pPr/>
                 <a14:m>
                   <m:oMathPara xmlns:m="http://schemas.openxmlformats.org/officeDocument/2006/math">
                     <m:oMathParaPr>
@@ -3647,7 +3650,7 @@
             </p:txBody>
           </p:sp>
         </mc:Choice>
-        <mc:Fallback>
+        <mc:Fallback xmlns="">
           <p:sp>
             <p:nvSpPr>
               <p:cNvPr id="9" name="TextBox 8"/>
@@ -3686,8 +3689,8 @@
           </p:sp>
         </mc:Fallback>
       </mc:AlternateContent>
-      <mc:AlternateContent xmlns:mc="http://schemas.openxmlformats.org/markup-compatibility/2006">
-        <mc:Choice xmlns:a14="http://schemas.microsoft.com/office/drawing/2010/main" Requires="a14">
+      <mc:AlternateContent xmlns:mc="http://schemas.openxmlformats.org/markup-compatibility/2006" xmlns:a14="http://schemas.microsoft.com/office/drawing/2010/main">
+        <mc:Choice Requires="a14">
           <p:sp>
             <p:nvSpPr>
               <p:cNvPr id="24" name="TextBox 23"/>
@@ -3710,6 +3713,7 @@
               </a:bodyPr>
               <a:lstStyle/>
               <a:p>
+                <a:pPr/>
                 <a14:m>
                   <m:oMathPara xmlns:m="http://schemas.openxmlformats.org/officeDocument/2006/math">
                     <m:oMathParaPr>
@@ -3748,7 +3752,7 @@
             </p:txBody>
           </p:sp>
         </mc:Choice>
-        <mc:Fallback>
+        <mc:Fallback xmlns="">
           <p:sp>
             <p:nvSpPr>
               <p:cNvPr id="24" name="TextBox 23"/>
@@ -3787,8 +3791,8 @@
           </p:sp>
         </mc:Fallback>
       </mc:AlternateContent>
-      <mc:AlternateContent xmlns:mc="http://schemas.openxmlformats.org/markup-compatibility/2006">
-        <mc:Choice xmlns:a14="http://schemas.microsoft.com/office/drawing/2010/main" Requires="a14">
+      <mc:AlternateContent xmlns:mc="http://schemas.openxmlformats.org/markup-compatibility/2006" xmlns:a14="http://schemas.microsoft.com/office/drawing/2010/main">
+        <mc:Choice Requires="a14">
           <p:sp>
             <p:nvSpPr>
               <p:cNvPr id="25" name="TextBox 24"/>
@@ -3811,6 +3815,7 @@
               </a:bodyPr>
               <a:lstStyle/>
               <a:p>
+                <a:pPr/>
                 <a14:m>
                   <m:oMathPara xmlns:m="http://schemas.openxmlformats.org/officeDocument/2006/math">
                     <m:oMathParaPr>
@@ -3849,7 +3854,7 @@
             </p:txBody>
           </p:sp>
         </mc:Choice>
-        <mc:Fallback>
+        <mc:Fallback xmlns="">
           <p:sp>
             <p:nvSpPr>
               <p:cNvPr id="25" name="TextBox 24"/>
@@ -3888,8 +3893,8 @@
           </p:sp>
         </mc:Fallback>
       </mc:AlternateContent>
-      <mc:AlternateContent xmlns:mc="http://schemas.openxmlformats.org/markup-compatibility/2006">
-        <mc:Choice xmlns:a14="http://schemas.microsoft.com/office/drawing/2010/main" Requires="a14">
+      <mc:AlternateContent xmlns:mc="http://schemas.openxmlformats.org/markup-compatibility/2006" xmlns:a14="http://schemas.microsoft.com/office/drawing/2010/main">
+        <mc:Choice Requires="a14">
           <p:sp>
             <p:nvSpPr>
               <p:cNvPr id="26" name="TextBox 25"/>
@@ -3912,6 +3917,7 @@
               </a:bodyPr>
               <a:lstStyle/>
               <a:p>
+                <a:pPr/>
                 <a14:m>
                   <m:oMathPara xmlns:m="http://schemas.openxmlformats.org/officeDocument/2006/math">
                     <m:oMathParaPr>
@@ -3950,7 +3956,7 @@
             </p:txBody>
           </p:sp>
         </mc:Choice>
-        <mc:Fallback>
+        <mc:Fallback xmlns="">
           <p:sp>
             <p:nvSpPr>
               <p:cNvPr id="26" name="TextBox 25"/>
@@ -9653,6 +9659,345 @@
     <p:extLst>
       <p:ext uri="{BB962C8B-B14F-4D97-AF65-F5344CB8AC3E}">
         <p14:creationId xmlns:p14="http://schemas.microsoft.com/office/powerpoint/2010/main" val="2393448403"/>
+      </p:ext>
+    </p:extLst>
+  </p:cSld>
+  <p:clrMapOvr>
+    <a:masterClrMapping/>
+  </p:clrMapOvr>
+</p:sld>
+</file>
+
+<file path=ppt/slides/slide2.xml><?xml version="1.0" encoding="utf-8"?>
+<p:sld xmlns:a="http://schemas.openxmlformats.org/drawingml/2006/main" xmlns:r="http://schemas.openxmlformats.org/officeDocument/2006/relationships" xmlns:p="http://schemas.openxmlformats.org/presentationml/2006/main">
+  <p:cSld>
+    <p:spTree>
+      <p:nvGrpSpPr>
+        <p:cNvPr id="1" name=""/>
+        <p:cNvGrpSpPr/>
+        <p:nvPr/>
+      </p:nvGrpSpPr>
+      <p:grpSpPr>
+        <a:xfrm>
+          <a:off x="0" y="0"/>
+          <a:ext cx="0" cy="0"/>
+          <a:chOff x="0" y="0"/>
+          <a:chExt cx="0" cy="0"/>
+        </a:xfrm>
+      </p:grpSpPr>
+      <p:grpSp>
+        <p:nvGrpSpPr>
+          <p:cNvPr id="4" name="그룹 3"/>
+          <p:cNvGrpSpPr/>
+          <p:nvPr/>
+        </p:nvGrpSpPr>
+        <p:grpSpPr>
+          <a:xfrm>
+            <a:off x="755576" y="579110"/>
+            <a:ext cx="6711029" cy="5477532"/>
+            <a:chOff x="755576" y="579110"/>
+            <a:chExt cx="6711029" cy="5477532"/>
+          </a:xfrm>
+        </p:grpSpPr>
+        <p:pic>
+          <p:nvPicPr>
+            <p:cNvPr id="1026" name="Picture 2"/>
+            <p:cNvPicPr>
+              <a:picLocks noChangeAspect="1" noChangeArrowheads="1"/>
+            </p:cNvPicPr>
+            <p:nvPr/>
+          </p:nvPicPr>
+          <p:blipFill>
+            <a:blip r:embed="rId2">
+              <a:extLst>
+                <a:ext uri="{28A0092B-C50C-407E-A947-70E740481C1C}">
+                  <a14:useLocalDpi xmlns:a14="http://schemas.microsoft.com/office/drawing/2010/main" val="0"/>
+                </a:ext>
+              </a:extLst>
+            </a:blip>
+            <a:srcRect/>
+            <a:stretch>
+              <a:fillRect/>
+            </a:stretch>
+          </p:blipFill>
+          <p:spPr bwMode="auto">
+            <a:xfrm>
+              <a:off x="1690093" y="980728"/>
+              <a:ext cx="5762228" cy="2206810"/>
+            </a:xfrm>
+            <a:prstGeom prst="rect">
+              <a:avLst/>
+            </a:prstGeom>
+            <a:noFill/>
+            <a:ln>
+              <a:noFill/>
+            </a:ln>
+            <a:effectLst/>
+            <a:extLst>
+              <a:ext uri="{909E8E84-426E-40DD-AFC4-6F175D3DCCD1}">
+                <a14:hiddenFill xmlns:a14="http://schemas.microsoft.com/office/drawing/2010/main">
+                  <a:solidFill>
+                    <a:schemeClr val="accent1"/>
+                  </a:solidFill>
+                </a14:hiddenFill>
+              </a:ext>
+              <a:ext uri="{91240B29-F687-4F45-9708-019B960494DF}">
+                <a14:hiddenLine xmlns:a14="http://schemas.microsoft.com/office/drawing/2010/main" w="9525">
+                  <a:solidFill>
+                    <a:schemeClr val="tx1"/>
+                  </a:solidFill>
+                  <a:miter lim="800000"/>
+                  <a:headEnd/>
+                  <a:tailEnd/>
+                </a14:hiddenLine>
+              </a:ext>
+              <a:ext uri="{AF507438-7753-43E0-B8FC-AC1667EBCBE1}">
+                <a14:hiddenEffects xmlns:a14="http://schemas.microsoft.com/office/drawing/2010/main">
+                  <a:effectLst>
+                    <a:outerShdw dist="35921" dir="2700000" algn="ctr" rotWithShape="0">
+                      <a:schemeClr val="bg2"/>
+                    </a:outerShdw>
+                  </a:effectLst>
+                </a14:hiddenEffects>
+              </a:ext>
+            </a:extLst>
+          </p:spPr>
+        </p:pic>
+        <p:pic>
+          <p:nvPicPr>
+            <p:cNvPr id="1027" name="Picture 3"/>
+            <p:cNvPicPr>
+              <a:picLocks noChangeAspect="1" noChangeArrowheads="1"/>
+            </p:cNvPicPr>
+            <p:nvPr/>
+          </p:nvPicPr>
+          <p:blipFill>
+            <a:blip r:embed="rId3">
+              <a:extLst>
+                <a:ext uri="{28A0092B-C50C-407E-A947-70E740481C1C}">
+                  <a14:useLocalDpi xmlns:a14="http://schemas.microsoft.com/office/drawing/2010/main" val="0"/>
+                </a:ext>
+              </a:extLst>
+            </a:blip>
+            <a:srcRect/>
+            <a:stretch>
+              <a:fillRect/>
+            </a:stretch>
+          </p:blipFill>
+          <p:spPr bwMode="auto">
+            <a:xfrm>
+              <a:off x="1675809" y="3849832"/>
+              <a:ext cx="5790796" cy="2206810"/>
+            </a:xfrm>
+            <a:prstGeom prst="rect">
+              <a:avLst/>
+            </a:prstGeom>
+            <a:noFill/>
+            <a:ln>
+              <a:noFill/>
+            </a:ln>
+            <a:effectLst/>
+            <a:extLst>
+              <a:ext uri="{909E8E84-426E-40DD-AFC4-6F175D3DCCD1}">
+                <a14:hiddenFill xmlns:a14="http://schemas.microsoft.com/office/drawing/2010/main">
+                  <a:solidFill>
+                    <a:schemeClr val="accent1"/>
+                  </a:solidFill>
+                </a14:hiddenFill>
+              </a:ext>
+              <a:ext uri="{91240B29-F687-4F45-9708-019B960494DF}">
+                <a14:hiddenLine xmlns:a14="http://schemas.microsoft.com/office/drawing/2010/main" w="9525">
+                  <a:solidFill>
+                    <a:schemeClr val="tx1"/>
+                  </a:solidFill>
+                  <a:miter lim="800000"/>
+                  <a:headEnd/>
+                  <a:tailEnd/>
+                </a14:hiddenLine>
+              </a:ext>
+              <a:ext uri="{AF507438-7753-43E0-B8FC-AC1667EBCBE1}">
+                <a14:hiddenEffects xmlns:a14="http://schemas.microsoft.com/office/drawing/2010/main">
+                  <a:effectLst>
+                    <a:outerShdw dist="35921" dir="2700000" algn="ctr" rotWithShape="0">
+                      <a:schemeClr val="bg2"/>
+                    </a:outerShdw>
+                  </a:effectLst>
+                </a14:hiddenEffects>
+              </a:ext>
+            </a:extLst>
+          </p:spPr>
+        </p:pic>
+        <p:sp>
+          <p:nvSpPr>
+            <p:cNvPr id="6" name="TextBox 5"/>
+            <p:cNvSpPr txBox="1"/>
+            <p:nvPr/>
+          </p:nvSpPr>
+          <p:spPr>
+            <a:xfrm>
+              <a:off x="755576" y="579110"/>
+              <a:ext cx="3005951" cy="369332"/>
+            </a:xfrm>
+            <a:prstGeom prst="rect">
+              <a:avLst/>
+            </a:prstGeom>
+            <a:noFill/>
+          </p:spPr>
+          <p:txBody>
+            <a:bodyPr wrap="none" rtlCol="0">
+              <a:spAutoFit/>
+            </a:bodyPr>
+            <a:lstStyle/>
+            <a:p>
+              <a:r>
+                <a:rPr lang="ko-KR" altLang="en-US" dirty="0" smtClean="0">
+                  <a:latin typeface="마루 부리 Beta" pitchFamily="50" charset="-127"/>
+                  <a:ea typeface="마루 부리 Beta" pitchFamily="50" charset="-127"/>
+                </a:rPr>
+                <a:t>에일리어싱이 일어나는 경우</a:t>
+              </a:r>
+              <a:endParaRPr lang="ko-KR" altLang="en-US" dirty="0">
+                <a:latin typeface="마루 부리 Beta" pitchFamily="50" charset="-127"/>
+                <a:ea typeface="마루 부리 Beta" pitchFamily="50" charset="-127"/>
+              </a:endParaRPr>
+            </a:p>
+          </p:txBody>
+        </p:sp>
+        <p:sp>
+          <p:nvSpPr>
+            <p:cNvPr id="7" name="TextBox 6"/>
+            <p:cNvSpPr txBox="1"/>
+            <p:nvPr/>
+          </p:nvSpPr>
+          <p:spPr>
+            <a:xfrm>
+              <a:off x="755576" y="3473014"/>
+              <a:ext cx="6179897" cy="369332"/>
+            </a:xfrm>
+            <a:prstGeom prst="rect">
+              <a:avLst/>
+            </a:prstGeom>
+            <a:noFill/>
+          </p:spPr>
+          <p:txBody>
+            <a:bodyPr wrap="none" rtlCol="0">
+              <a:spAutoFit/>
+            </a:bodyPr>
+            <a:lstStyle/>
+            <a:p>
+              <a:r>
+                <a:rPr lang="ko-KR" altLang="en-US" dirty="0" smtClean="0">
+                  <a:latin typeface="마루 부리 Beta" pitchFamily="50" charset="-127"/>
+                  <a:ea typeface="마루 부리 Beta" pitchFamily="50" charset="-127"/>
+                </a:rPr>
+                <a:t>충분히 높은 주파수로 샘플링해서 에일리어싱을 방지한 경우</a:t>
+              </a:r>
+              <a:endParaRPr lang="ko-KR" altLang="en-US" dirty="0">
+                <a:latin typeface="마루 부리 Beta" pitchFamily="50" charset="-127"/>
+                <a:ea typeface="마루 부리 Beta" pitchFamily="50" charset="-127"/>
+              </a:endParaRPr>
+            </a:p>
+          </p:txBody>
+        </p:sp>
+      </p:grpSp>
+    </p:spTree>
+    <p:extLst>
+      <p:ext uri="{BB962C8B-B14F-4D97-AF65-F5344CB8AC3E}">
+        <p14:creationId xmlns:p14="http://schemas.microsoft.com/office/powerpoint/2010/main" val="907403153"/>
+      </p:ext>
+    </p:extLst>
+  </p:cSld>
+  <p:clrMapOvr>
+    <a:masterClrMapping/>
+  </p:clrMapOvr>
+</p:sld>
+</file>
+
+<file path=ppt/slides/slide3.xml><?xml version="1.0" encoding="utf-8"?>
+<p:sld xmlns:a="http://schemas.openxmlformats.org/drawingml/2006/main" xmlns:r="http://schemas.openxmlformats.org/officeDocument/2006/relationships" xmlns:p="http://schemas.openxmlformats.org/presentationml/2006/main">
+  <p:cSld>
+    <p:spTree>
+      <p:nvGrpSpPr>
+        <p:cNvPr id="1" name=""/>
+        <p:cNvGrpSpPr/>
+        <p:nvPr/>
+      </p:nvGrpSpPr>
+      <p:grpSpPr>
+        <a:xfrm>
+          <a:off x="0" y="0"/>
+          <a:ext cx="0" cy="0"/>
+          <a:chOff x="0" y="0"/>
+          <a:chExt cx="0" cy="0"/>
+        </a:xfrm>
+      </p:grpSpPr>
+      <p:pic>
+        <p:nvPicPr>
+          <p:cNvPr id="1027" name="Picture 3"/>
+          <p:cNvPicPr>
+            <a:picLocks noChangeAspect="1" noChangeArrowheads="1"/>
+          </p:cNvPicPr>
+          <p:nvPr/>
+        </p:nvPicPr>
+        <p:blipFill>
+          <a:blip r:embed="rId2">
+            <a:extLst>
+              <a:ext uri="{28A0092B-C50C-407E-A947-70E740481C1C}">
+                <a14:useLocalDpi xmlns:a14="http://schemas.microsoft.com/office/drawing/2010/main" val="0"/>
+              </a:ext>
+            </a:extLst>
+          </a:blip>
+          <a:srcRect/>
+          <a:stretch>
+            <a:fillRect/>
+          </a:stretch>
+        </p:blipFill>
+        <p:spPr bwMode="auto">
+          <a:xfrm>
+            <a:off x="-661988" y="728663"/>
+            <a:ext cx="10467976" cy="5400675"/>
+          </a:xfrm>
+          <a:prstGeom prst="rect">
+            <a:avLst/>
+          </a:prstGeom>
+          <a:noFill/>
+          <a:ln>
+            <a:noFill/>
+          </a:ln>
+          <a:effectLst/>
+          <a:extLst>
+            <a:ext uri="{909E8E84-426E-40DD-AFC4-6F175D3DCCD1}">
+              <a14:hiddenFill xmlns:a14="http://schemas.microsoft.com/office/drawing/2010/main">
+                <a:solidFill>
+                  <a:schemeClr val="accent1"/>
+                </a:solidFill>
+              </a14:hiddenFill>
+            </a:ext>
+            <a:ext uri="{91240B29-F687-4F45-9708-019B960494DF}">
+              <a14:hiddenLine xmlns:a14="http://schemas.microsoft.com/office/drawing/2010/main" w="9525">
+                <a:solidFill>
+                  <a:schemeClr val="tx1"/>
+                </a:solidFill>
+                <a:miter lim="800000"/>
+                <a:headEnd/>
+                <a:tailEnd/>
+              </a14:hiddenLine>
+            </a:ext>
+            <a:ext uri="{AF507438-7753-43E0-B8FC-AC1667EBCBE1}">
+              <a14:hiddenEffects xmlns:a14="http://schemas.microsoft.com/office/drawing/2010/main">
+                <a:effectLst>
+                  <a:outerShdw dist="35921" dir="2700000" algn="ctr" rotWithShape="0">
+                    <a:schemeClr val="bg2"/>
+                  </a:outerShdw>
+                </a:effectLst>
+              </a14:hiddenEffects>
+            </a:ext>
+          </a:extLst>
+        </p:spPr>
+      </p:pic>
+    </p:spTree>
+    <p:extLst>
+      <p:ext uri="{BB962C8B-B14F-4D97-AF65-F5344CB8AC3E}">
+        <p14:creationId xmlns:p14="http://schemas.microsoft.com/office/powerpoint/2010/main" val="3842279371"/>
       </p:ext>
     </p:extLst>
   </p:cSld>

--- a/pics/2022-01-14-sampling_CT_to_DT/pics.pptx
+++ b/pics/2022-01-14-sampling_CT_to_DT/pics.pptx
@@ -8,6 +8,7 @@
     <p:sldId id="256" r:id="rId2"/>
     <p:sldId id="257" r:id="rId3"/>
     <p:sldId id="258" r:id="rId4"/>
+    <p:sldId id="259" r:id="rId5"/>
   </p:sldIdLst>
   <p:sldSz cx="9144000" cy="6858000" type="screen4x3"/>
   <p:notesSz cx="6858000" cy="9144000"/>
@@ -10007,6 +10008,100 @@
 </p:sld>
 </file>
 
+<file path=ppt/slides/slide4.xml><?xml version="1.0" encoding="utf-8"?>
+<p:sld xmlns:a="http://schemas.openxmlformats.org/drawingml/2006/main" xmlns:r="http://schemas.openxmlformats.org/officeDocument/2006/relationships" xmlns:p="http://schemas.openxmlformats.org/presentationml/2006/main">
+  <p:cSld>
+    <p:spTree>
+      <p:nvGrpSpPr>
+        <p:cNvPr id="1" name=""/>
+        <p:cNvGrpSpPr/>
+        <p:nvPr/>
+      </p:nvGrpSpPr>
+      <p:grpSpPr>
+        <a:xfrm>
+          <a:off x="0" y="0"/>
+          <a:ext cx="0" cy="0"/>
+          <a:chOff x="0" y="0"/>
+          <a:chExt cx="0" cy="0"/>
+        </a:xfrm>
+      </p:grpSpPr>
+      <p:pic>
+        <p:nvPicPr>
+          <p:cNvPr id="1026" name="Picture 2"/>
+          <p:cNvPicPr>
+            <a:picLocks noChangeAspect="1" noChangeArrowheads="1"/>
+          </p:cNvPicPr>
+          <p:nvPr/>
+        </p:nvPicPr>
+        <p:blipFill>
+          <a:blip r:embed="rId2">
+            <a:extLst>
+              <a:ext uri="{28A0092B-C50C-407E-A947-70E740481C1C}">
+                <a14:useLocalDpi xmlns:a14="http://schemas.microsoft.com/office/drawing/2010/main" val="0"/>
+              </a:ext>
+            </a:extLst>
+          </a:blip>
+          <a:srcRect/>
+          <a:stretch>
+            <a:fillRect/>
+          </a:stretch>
+        </p:blipFill>
+        <p:spPr bwMode="auto">
+          <a:xfrm>
+            <a:off x="623888" y="1157288"/>
+            <a:ext cx="7896225" cy="4543425"/>
+          </a:xfrm>
+          <a:prstGeom prst="rect">
+            <a:avLst/>
+          </a:prstGeom>
+          <a:noFill/>
+          <a:ln>
+            <a:noFill/>
+          </a:ln>
+          <a:effectLst/>
+          <a:extLst>
+            <a:ext uri="{909E8E84-426E-40DD-AFC4-6F175D3DCCD1}">
+              <a14:hiddenFill xmlns:a14="http://schemas.microsoft.com/office/drawing/2010/main">
+                <a:solidFill>
+                  <a:schemeClr val="accent1"/>
+                </a:solidFill>
+              </a14:hiddenFill>
+            </a:ext>
+            <a:ext uri="{91240B29-F687-4F45-9708-019B960494DF}">
+              <a14:hiddenLine xmlns:a14="http://schemas.microsoft.com/office/drawing/2010/main" w="9525">
+                <a:solidFill>
+                  <a:schemeClr val="tx1"/>
+                </a:solidFill>
+                <a:miter lim="800000"/>
+                <a:headEnd/>
+                <a:tailEnd/>
+              </a14:hiddenLine>
+            </a:ext>
+            <a:ext uri="{AF507438-7753-43E0-B8FC-AC1667EBCBE1}">
+              <a14:hiddenEffects xmlns:a14="http://schemas.microsoft.com/office/drawing/2010/main">
+                <a:effectLst>
+                  <a:outerShdw dist="35921" dir="2700000" algn="ctr" rotWithShape="0">
+                    <a:schemeClr val="bg2"/>
+                  </a:outerShdw>
+                </a:effectLst>
+              </a14:hiddenEffects>
+            </a:ext>
+          </a:extLst>
+        </p:spPr>
+      </p:pic>
+    </p:spTree>
+    <p:extLst>
+      <p:ext uri="{BB962C8B-B14F-4D97-AF65-F5344CB8AC3E}">
+        <p14:creationId xmlns:p14="http://schemas.microsoft.com/office/powerpoint/2010/main" val="3289364427"/>
+      </p:ext>
+    </p:extLst>
+  </p:cSld>
+  <p:clrMapOvr>
+    <a:masterClrMapping/>
+  </p:clrMapOvr>
+</p:sld>
+</file>
+
 <file path=ppt/theme/theme1.xml><?xml version="1.0" encoding="utf-8"?>
 <a:theme xmlns:a="http://schemas.openxmlformats.org/drawingml/2006/main" name="Office 테마">
   <a:themeElements>

--- a/pics/2022-01-14-sampling_CT_to_DT/pics.pptx
+++ b/pics/2022-01-14-sampling_CT_to_DT/pics.pptx
@@ -9,6 +9,7 @@
     <p:sldId id="257" r:id="rId3"/>
     <p:sldId id="258" r:id="rId4"/>
     <p:sldId id="259" r:id="rId5"/>
+    <p:sldId id="260" r:id="rId6"/>
   </p:sldIdLst>
   <p:sldSz cx="9144000" cy="6858000" type="screen4x3"/>
   <p:notesSz cx="6858000" cy="9144000"/>
@@ -10102,6 +10103,100 @@
 </p:sld>
 </file>
 
+<file path=ppt/slides/slide5.xml><?xml version="1.0" encoding="utf-8"?>
+<p:sld xmlns:a="http://schemas.openxmlformats.org/drawingml/2006/main" xmlns:r="http://schemas.openxmlformats.org/officeDocument/2006/relationships" xmlns:p="http://schemas.openxmlformats.org/presentationml/2006/main">
+  <p:cSld>
+    <p:spTree>
+      <p:nvGrpSpPr>
+        <p:cNvPr id="1" name=""/>
+        <p:cNvGrpSpPr/>
+        <p:nvPr/>
+      </p:nvGrpSpPr>
+      <p:grpSpPr>
+        <a:xfrm>
+          <a:off x="0" y="0"/>
+          <a:ext cx="0" cy="0"/>
+          <a:chOff x="0" y="0"/>
+          <a:chExt cx="0" cy="0"/>
+        </a:xfrm>
+      </p:grpSpPr>
+      <p:pic>
+        <p:nvPicPr>
+          <p:cNvPr id="1026" name="Picture 2"/>
+          <p:cNvPicPr>
+            <a:picLocks noChangeAspect="1" noChangeArrowheads="1"/>
+          </p:cNvPicPr>
+          <p:nvPr/>
+        </p:nvPicPr>
+        <p:blipFill>
+          <a:blip r:embed="rId2">
+            <a:extLst>
+              <a:ext uri="{28A0092B-C50C-407E-A947-70E740481C1C}">
+                <a14:useLocalDpi xmlns:a14="http://schemas.microsoft.com/office/drawing/2010/main" val="0"/>
+              </a:ext>
+            </a:extLst>
+          </a:blip>
+          <a:srcRect/>
+          <a:stretch>
+            <a:fillRect/>
+          </a:stretch>
+        </p:blipFill>
+        <p:spPr bwMode="auto">
+          <a:xfrm>
+            <a:off x="100013" y="1528763"/>
+            <a:ext cx="8943975" cy="3800475"/>
+          </a:xfrm>
+          <a:prstGeom prst="rect">
+            <a:avLst/>
+          </a:prstGeom>
+          <a:noFill/>
+          <a:ln>
+            <a:noFill/>
+          </a:ln>
+          <a:effectLst/>
+          <a:extLst>
+            <a:ext uri="{909E8E84-426E-40DD-AFC4-6F175D3DCCD1}">
+              <a14:hiddenFill xmlns:a14="http://schemas.microsoft.com/office/drawing/2010/main">
+                <a:solidFill>
+                  <a:schemeClr val="accent1"/>
+                </a:solidFill>
+              </a14:hiddenFill>
+            </a:ext>
+            <a:ext uri="{91240B29-F687-4F45-9708-019B960494DF}">
+              <a14:hiddenLine xmlns:a14="http://schemas.microsoft.com/office/drawing/2010/main" w="9525">
+                <a:solidFill>
+                  <a:schemeClr val="tx1"/>
+                </a:solidFill>
+                <a:miter lim="800000"/>
+                <a:headEnd/>
+                <a:tailEnd/>
+              </a14:hiddenLine>
+            </a:ext>
+            <a:ext uri="{AF507438-7753-43E0-B8FC-AC1667EBCBE1}">
+              <a14:hiddenEffects xmlns:a14="http://schemas.microsoft.com/office/drawing/2010/main">
+                <a:effectLst>
+                  <a:outerShdw dist="35921" dir="2700000" algn="ctr" rotWithShape="0">
+                    <a:schemeClr val="bg2"/>
+                  </a:outerShdw>
+                </a:effectLst>
+              </a14:hiddenEffects>
+            </a:ext>
+          </a:extLst>
+        </p:spPr>
+      </p:pic>
+    </p:spTree>
+    <p:extLst>
+      <p:ext uri="{BB962C8B-B14F-4D97-AF65-F5344CB8AC3E}">
+        <p14:creationId xmlns:p14="http://schemas.microsoft.com/office/powerpoint/2010/main" val="2768521767"/>
+      </p:ext>
+    </p:extLst>
+  </p:cSld>
+  <p:clrMapOvr>
+    <a:masterClrMapping/>
+  </p:clrMapOvr>
+</p:sld>
+</file>
+
 <file path=ppt/theme/theme1.xml><?xml version="1.0" encoding="utf-8"?>
 <a:theme xmlns:a="http://schemas.openxmlformats.org/drawingml/2006/main" name="Office 테마">
   <a:themeElements>

--- a/pics/2022-01-14-sampling_CT_to_DT/pics.pptx
+++ b/pics/2022-01-14-sampling_CT_to_DT/pics.pptx
@@ -4,12 +4,16 @@
   <p:sldMasterIdLst>
     <p:sldMasterId id="2147483648" r:id="rId1"/>
   </p:sldMasterIdLst>
+  <p:notesMasterIdLst>
+    <p:notesMasterId r:id="rId8"/>
+  </p:notesMasterIdLst>
   <p:sldIdLst>
     <p:sldId id="256" r:id="rId2"/>
     <p:sldId id="257" r:id="rId3"/>
     <p:sldId id="258" r:id="rId4"/>
     <p:sldId id="259" r:id="rId5"/>
-    <p:sldId id="260" r:id="rId6"/>
+    <p:sldId id="261" r:id="rId6"/>
+    <p:sldId id="260" r:id="rId7"/>
   </p:sldIdLst>
   <p:sldSz cx="9144000" cy="6858000" type="screen4x3"/>
   <p:notesSz cx="6858000" cy="9144000"/>
@@ -111,6 +115,356 @@
 </p:presentation>
 </file>
 
+<file path=ppt/notesMasters/notesMaster1.xml><?xml version="1.0" encoding="utf-8"?>
+<p:notesMaster xmlns:a="http://schemas.openxmlformats.org/drawingml/2006/main" xmlns:r="http://schemas.openxmlformats.org/officeDocument/2006/relationships" xmlns:p="http://schemas.openxmlformats.org/presentationml/2006/main">
+  <p:cSld>
+    <p:bg>
+      <p:bgRef idx="1001">
+        <a:schemeClr val="bg1"/>
+      </p:bgRef>
+    </p:bg>
+    <p:spTree>
+      <p:nvGrpSpPr>
+        <p:cNvPr id="1" name=""/>
+        <p:cNvGrpSpPr/>
+        <p:nvPr/>
+      </p:nvGrpSpPr>
+      <p:grpSpPr>
+        <a:xfrm>
+          <a:off x="0" y="0"/>
+          <a:ext cx="0" cy="0"/>
+          <a:chOff x="0" y="0"/>
+          <a:chExt cx="0" cy="0"/>
+        </a:xfrm>
+      </p:grpSpPr>
+      <p:sp>
+        <p:nvSpPr>
+          <p:cNvPr id="2" name="머리글 개체 틀 1"/>
+          <p:cNvSpPr>
+            <a:spLocks noGrp="1"/>
+          </p:cNvSpPr>
+          <p:nvPr>
+            <p:ph type="hdr" sz="quarter"/>
+          </p:nvPr>
+        </p:nvSpPr>
+        <p:spPr>
+          <a:xfrm>
+            <a:off x="0" y="0"/>
+            <a:ext cx="2971800" cy="457200"/>
+          </a:xfrm>
+          <a:prstGeom prst="rect">
+            <a:avLst/>
+          </a:prstGeom>
+        </p:spPr>
+        <p:txBody>
+          <a:bodyPr vert="horz" lIns="91440" tIns="45720" rIns="91440" bIns="45720" rtlCol="0"/>
+          <a:lstStyle>
+            <a:lvl1pPr algn="l">
+              <a:defRPr sz="1200"/>
+            </a:lvl1pPr>
+          </a:lstStyle>
+          <a:p>
+            <a:endParaRPr lang="ko-KR" altLang="en-US"/>
+          </a:p>
+        </p:txBody>
+      </p:sp>
+      <p:sp>
+        <p:nvSpPr>
+          <p:cNvPr id="3" name="날짜 개체 틀 2"/>
+          <p:cNvSpPr>
+            <a:spLocks noGrp="1"/>
+          </p:cNvSpPr>
+          <p:nvPr>
+            <p:ph type="dt" idx="1"/>
+          </p:nvPr>
+        </p:nvSpPr>
+        <p:spPr>
+          <a:xfrm>
+            <a:off x="3884613" y="0"/>
+            <a:ext cx="2971800" cy="457200"/>
+          </a:xfrm>
+          <a:prstGeom prst="rect">
+            <a:avLst/>
+          </a:prstGeom>
+        </p:spPr>
+        <p:txBody>
+          <a:bodyPr vert="horz" lIns="91440" tIns="45720" rIns="91440" bIns="45720" rtlCol="0"/>
+          <a:lstStyle>
+            <a:lvl1pPr algn="r">
+              <a:defRPr sz="1200"/>
+            </a:lvl1pPr>
+          </a:lstStyle>
+          <a:p>
+            <a:fld id="{B54345CD-515E-4582-9059-C9845D1CC563}" type="datetimeFigureOut">
+              <a:rPr lang="ko-KR" altLang="en-US" smtClean="0"/>
+              <a:t>2022-01-20</a:t>
+            </a:fld>
+            <a:endParaRPr lang="ko-KR" altLang="en-US"/>
+          </a:p>
+        </p:txBody>
+      </p:sp>
+      <p:sp>
+        <p:nvSpPr>
+          <p:cNvPr id="4" name="슬라이드 이미지 개체 틀 3"/>
+          <p:cNvSpPr>
+            <a:spLocks noGrp="1" noRot="1" noChangeAspect="1"/>
+          </p:cNvSpPr>
+          <p:nvPr>
+            <p:ph type="sldImg" idx="2"/>
+          </p:nvPr>
+        </p:nvSpPr>
+        <p:spPr>
+          <a:xfrm>
+            <a:off x="1143000" y="685800"/>
+            <a:ext cx="4572000" cy="3429000"/>
+          </a:xfrm>
+          <a:prstGeom prst="rect">
+            <a:avLst/>
+          </a:prstGeom>
+          <a:noFill/>
+          <a:ln w="12700">
+            <a:solidFill>
+              <a:prstClr val="black"/>
+            </a:solidFill>
+          </a:ln>
+        </p:spPr>
+        <p:txBody>
+          <a:bodyPr vert="horz" lIns="91440" tIns="45720" rIns="91440" bIns="45720" rtlCol="0" anchor="ctr"/>
+          <a:lstStyle/>
+          <a:p>
+            <a:endParaRPr lang="ko-KR" altLang="en-US"/>
+          </a:p>
+        </p:txBody>
+      </p:sp>
+      <p:sp>
+        <p:nvSpPr>
+          <p:cNvPr id="5" name="슬라이드 노트 개체 틀 4"/>
+          <p:cNvSpPr>
+            <a:spLocks noGrp="1"/>
+          </p:cNvSpPr>
+          <p:nvPr>
+            <p:ph type="body" sz="quarter" idx="3"/>
+          </p:nvPr>
+        </p:nvSpPr>
+        <p:spPr>
+          <a:xfrm>
+            <a:off x="685800" y="4343400"/>
+            <a:ext cx="5486400" cy="4114800"/>
+          </a:xfrm>
+          <a:prstGeom prst="rect">
+            <a:avLst/>
+          </a:prstGeom>
+        </p:spPr>
+        <p:txBody>
+          <a:bodyPr vert="horz" lIns="91440" tIns="45720" rIns="91440" bIns="45720" rtlCol="0"/>
+          <a:lstStyle/>
+          <a:p>
+            <a:pPr lvl="0"/>
+            <a:r>
+              <a:rPr lang="ko-KR" altLang="en-US" smtClean="0"/>
+              <a:t>마스터 텍스트 스타일을 편집합니다</a:t>
+            </a:r>
+          </a:p>
+          <a:p>
+            <a:pPr lvl="1"/>
+            <a:r>
+              <a:rPr lang="ko-KR" altLang="en-US" smtClean="0"/>
+              <a:t>둘째 수준</a:t>
+            </a:r>
+          </a:p>
+          <a:p>
+            <a:pPr lvl="2"/>
+            <a:r>
+              <a:rPr lang="ko-KR" altLang="en-US" smtClean="0"/>
+              <a:t>셋째 수준</a:t>
+            </a:r>
+          </a:p>
+          <a:p>
+            <a:pPr lvl="3"/>
+            <a:r>
+              <a:rPr lang="ko-KR" altLang="en-US" smtClean="0"/>
+              <a:t>넷째 수준</a:t>
+            </a:r>
+          </a:p>
+          <a:p>
+            <a:pPr lvl="4"/>
+            <a:r>
+              <a:rPr lang="ko-KR" altLang="en-US" smtClean="0"/>
+              <a:t>다섯째 수준</a:t>
+            </a:r>
+            <a:endParaRPr lang="ko-KR" altLang="en-US"/>
+          </a:p>
+        </p:txBody>
+      </p:sp>
+      <p:sp>
+        <p:nvSpPr>
+          <p:cNvPr id="6" name="바닥글 개체 틀 5"/>
+          <p:cNvSpPr>
+            <a:spLocks noGrp="1"/>
+          </p:cNvSpPr>
+          <p:nvPr>
+            <p:ph type="ftr" sz="quarter" idx="4"/>
+          </p:nvPr>
+        </p:nvSpPr>
+        <p:spPr>
+          <a:xfrm>
+            <a:off x="0" y="8685213"/>
+            <a:ext cx="2971800" cy="457200"/>
+          </a:xfrm>
+          <a:prstGeom prst="rect">
+            <a:avLst/>
+          </a:prstGeom>
+        </p:spPr>
+        <p:txBody>
+          <a:bodyPr vert="horz" lIns="91440" tIns="45720" rIns="91440" bIns="45720" rtlCol="0" anchor="b"/>
+          <a:lstStyle>
+            <a:lvl1pPr algn="l">
+              <a:defRPr sz="1200"/>
+            </a:lvl1pPr>
+          </a:lstStyle>
+          <a:p>
+            <a:endParaRPr lang="ko-KR" altLang="en-US"/>
+          </a:p>
+        </p:txBody>
+      </p:sp>
+      <p:sp>
+        <p:nvSpPr>
+          <p:cNvPr id="7" name="슬라이드 번호 개체 틀 6"/>
+          <p:cNvSpPr>
+            <a:spLocks noGrp="1"/>
+          </p:cNvSpPr>
+          <p:nvPr>
+            <p:ph type="sldNum" sz="quarter" idx="5"/>
+          </p:nvPr>
+        </p:nvSpPr>
+        <p:spPr>
+          <a:xfrm>
+            <a:off x="3884613" y="8685213"/>
+            <a:ext cx="2971800" cy="457200"/>
+          </a:xfrm>
+          <a:prstGeom prst="rect">
+            <a:avLst/>
+          </a:prstGeom>
+        </p:spPr>
+        <p:txBody>
+          <a:bodyPr vert="horz" lIns="91440" tIns="45720" rIns="91440" bIns="45720" rtlCol="0" anchor="b"/>
+          <a:lstStyle>
+            <a:lvl1pPr algn="r">
+              <a:defRPr sz="1200"/>
+            </a:lvl1pPr>
+          </a:lstStyle>
+          <a:p>
+            <a:fld id="{FF4E47DF-8832-4A88-B6A1-4F2A6DA2C809}" type="slidenum">
+              <a:rPr lang="ko-KR" altLang="en-US" smtClean="0"/>
+              <a:t>‹#›</a:t>
+            </a:fld>
+            <a:endParaRPr lang="ko-KR" altLang="en-US"/>
+          </a:p>
+        </p:txBody>
+      </p:sp>
+    </p:spTree>
+    <p:extLst>
+      <p:ext uri="{BB962C8B-B14F-4D97-AF65-F5344CB8AC3E}">
+        <p14:creationId xmlns:p14="http://schemas.microsoft.com/office/powerpoint/2010/main" val="1064623505"/>
+      </p:ext>
+    </p:extLst>
+  </p:cSld>
+  <p:clrMap bg1="lt1" tx1="dk1" bg2="lt2" tx2="dk2" accent1="accent1" accent2="accent2" accent3="accent3" accent4="accent4" accent5="accent5" accent6="accent6" hlink="hlink" folHlink="folHlink"/>
+  <p:notesStyle>
+    <a:lvl1pPr marL="0" algn="l" defTabSz="914400" rtl="0" eaLnBrk="1" latinLnBrk="1" hangingPunct="1">
+      <a:defRPr sz="1200" kern="1200">
+        <a:solidFill>
+          <a:schemeClr val="tx1"/>
+        </a:solidFill>
+        <a:latin typeface="+mn-lt"/>
+        <a:ea typeface="+mn-ea"/>
+        <a:cs typeface="+mn-cs"/>
+      </a:defRPr>
+    </a:lvl1pPr>
+    <a:lvl2pPr marL="457200" algn="l" defTabSz="914400" rtl="0" eaLnBrk="1" latinLnBrk="1" hangingPunct="1">
+      <a:defRPr sz="1200" kern="1200">
+        <a:solidFill>
+          <a:schemeClr val="tx1"/>
+        </a:solidFill>
+        <a:latin typeface="+mn-lt"/>
+        <a:ea typeface="+mn-ea"/>
+        <a:cs typeface="+mn-cs"/>
+      </a:defRPr>
+    </a:lvl2pPr>
+    <a:lvl3pPr marL="914400" algn="l" defTabSz="914400" rtl="0" eaLnBrk="1" latinLnBrk="1" hangingPunct="1">
+      <a:defRPr sz="1200" kern="1200">
+        <a:solidFill>
+          <a:schemeClr val="tx1"/>
+        </a:solidFill>
+        <a:latin typeface="+mn-lt"/>
+        <a:ea typeface="+mn-ea"/>
+        <a:cs typeface="+mn-cs"/>
+      </a:defRPr>
+    </a:lvl3pPr>
+    <a:lvl4pPr marL="1371600" algn="l" defTabSz="914400" rtl="0" eaLnBrk="1" latinLnBrk="1" hangingPunct="1">
+      <a:defRPr sz="1200" kern="1200">
+        <a:solidFill>
+          <a:schemeClr val="tx1"/>
+        </a:solidFill>
+        <a:latin typeface="+mn-lt"/>
+        <a:ea typeface="+mn-ea"/>
+        <a:cs typeface="+mn-cs"/>
+      </a:defRPr>
+    </a:lvl4pPr>
+    <a:lvl5pPr marL="1828800" algn="l" defTabSz="914400" rtl="0" eaLnBrk="1" latinLnBrk="1" hangingPunct="1">
+      <a:defRPr sz="1200" kern="1200">
+        <a:solidFill>
+          <a:schemeClr val="tx1"/>
+        </a:solidFill>
+        <a:latin typeface="+mn-lt"/>
+        <a:ea typeface="+mn-ea"/>
+        <a:cs typeface="+mn-cs"/>
+      </a:defRPr>
+    </a:lvl5pPr>
+    <a:lvl6pPr marL="2286000" algn="l" defTabSz="914400" rtl="0" eaLnBrk="1" latinLnBrk="1" hangingPunct="1">
+      <a:defRPr sz="1200" kern="1200">
+        <a:solidFill>
+          <a:schemeClr val="tx1"/>
+        </a:solidFill>
+        <a:latin typeface="+mn-lt"/>
+        <a:ea typeface="+mn-ea"/>
+        <a:cs typeface="+mn-cs"/>
+      </a:defRPr>
+    </a:lvl6pPr>
+    <a:lvl7pPr marL="2743200" algn="l" defTabSz="914400" rtl="0" eaLnBrk="1" latinLnBrk="1" hangingPunct="1">
+      <a:defRPr sz="1200" kern="1200">
+        <a:solidFill>
+          <a:schemeClr val="tx1"/>
+        </a:solidFill>
+        <a:latin typeface="+mn-lt"/>
+        <a:ea typeface="+mn-ea"/>
+        <a:cs typeface="+mn-cs"/>
+      </a:defRPr>
+    </a:lvl7pPr>
+    <a:lvl8pPr marL="3200400" algn="l" defTabSz="914400" rtl="0" eaLnBrk="1" latinLnBrk="1" hangingPunct="1">
+      <a:defRPr sz="1200" kern="1200">
+        <a:solidFill>
+          <a:schemeClr val="tx1"/>
+        </a:solidFill>
+        <a:latin typeface="+mn-lt"/>
+        <a:ea typeface="+mn-ea"/>
+        <a:cs typeface="+mn-cs"/>
+      </a:defRPr>
+    </a:lvl8pPr>
+    <a:lvl9pPr marL="3657600" algn="l" defTabSz="914400" rtl="0" eaLnBrk="1" latinLnBrk="1" hangingPunct="1">
+      <a:defRPr sz="1200" kern="1200">
+        <a:solidFill>
+          <a:schemeClr val="tx1"/>
+        </a:solidFill>
+        <a:latin typeface="+mn-lt"/>
+        <a:ea typeface="+mn-ea"/>
+        <a:cs typeface="+mn-cs"/>
+      </a:defRPr>
+    </a:lvl9pPr>
+  </p:notesStyle>
+</p:notesMaster>
+</file>
+
 <file path=ppt/slideLayouts/slideLayout1.xml><?xml version="1.0" encoding="utf-8"?>
 <p:sldLayout xmlns:a="http://schemas.openxmlformats.org/drawingml/2006/main" xmlns:r="http://schemas.openxmlformats.org/officeDocument/2006/relationships" xmlns:p="http://schemas.openxmlformats.org/presentationml/2006/main" type="title" preserve="1">
   <p:cSld name="제목 슬라이드">
@@ -292,7 +646,7 @@
           <a:p>
             <a:fld id="{7D8F0F1F-57AA-4266-8D3E-C578A305E637}" type="datetimeFigureOut">
               <a:rPr lang="ko-KR" altLang="en-US" smtClean="0"/>
-              <a:t>2022-01-17</a:t>
+              <a:t>2022-01-20</a:t>
             </a:fld>
             <a:endParaRPr lang="ko-KR" altLang="en-US"/>
           </a:p>
@@ -462,7 +816,7 @@
           <a:p>
             <a:fld id="{7D8F0F1F-57AA-4266-8D3E-C578A305E637}" type="datetimeFigureOut">
               <a:rPr lang="ko-KR" altLang="en-US" smtClean="0"/>
-              <a:t>2022-01-17</a:t>
+              <a:t>2022-01-20</a:t>
             </a:fld>
             <a:endParaRPr lang="ko-KR" altLang="en-US"/>
           </a:p>
@@ -642,7 +996,7 @@
           <a:p>
             <a:fld id="{7D8F0F1F-57AA-4266-8D3E-C578A305E637}" type="datetimeFigureOut">
               <a:rPr lang="ko-KR" altLang="en-US" smtClean="0"/>
-              <a:t>2022-01-17</a:t>
+              <a:t>2022-01-20</a:t>
             </a:fld>
             <a:endParaRPr lang="ko-KR" altLang="en-US"/>
           </a:p>
@@ -812,7 +1166,7 @@
           <a:p>
             <a:fld id="{7D8F0F1F-57AA-4266-8D3E-C578A305E637}" type="datetimeFigureOut">
               <a:rPr lang="ko-KR" altLang="en-US" smtClean="0"/>
-              <a:t>2022-01-17</a:t>
+              <a:t>2022-01-20</a:t>
             </a:fld>
             <a:endParaRPr lang="ko-KR" altLang="en-US"/>
           </a:p>
@@ -1058,7 +1412,7 @@
           <a:p>
             <a:fld id="{7D8F0F1F-57AA-4266-8D3E-C578A305E637}" type="datetimeFigureOut">
               <a:rPr lang="ko-KR" altLang="en-US" smtClean="0"/>
-              <a:t>2022-01-17</a:t>
+              <a:t>2022-01-20</a:t>
             </a:fld>
             <a:endParaRPr lang="ko-KR" altLang="en-US"/>
           </a:p>
@@ -1346,7 +1700,7 @@
           <a:p>
             <a:fld id="{7D8F0F1F-57AA-4266-8D3E-C578A305E637}" type="datetimeFigureOut">
               <a:rPr lang="ko-KR" altLang="en-US" smtClean="0"/>
-              <a:t>2022-01-17</a:t>
+              <a:t>2022-01-20</a:t>
             </a:fld>
             <a:endParaRPr lang="ko-KR" altLang="en-US"/>
           </a:p>
@@ -1768,7 +2122,7 @@
           <a:p>
             <a:fld id="{7D8F0F1F-57AA-4266-8D3E-C578A305E637}" type="datetimeFigureOut">
               <a:rPr lang="ko-KR" altLang="en-US" smtClean="0"/>
-              <a:t>2022-01-17</a:t>
+              <a:t>2022-01-20</a:t>
             </a:fld>
             <a:endParaRPr lang="ko-KR" altLang="en-US"/>
           </a:p>
@@ -1886,7 +2240,7 @@
           <a:p>
             <a:fld id="{7D8F0F1F-57AA-4266-8D3E-C578A305E637}" type="datetimeFigureOut">
               <a:rPr lang="ko-KR" altLang="en-US" smtClean="0"/>
-              <a:t>2022-01-17</a:t>
+              <a:t>2022-01-20</a:t>
             </a:fld>
             <a:endParaRPr lang="ko-KR" altLang="en-US"/>
           </a:p>
@@ -1981,7 +2335,7 @@
           <a:p>
             <a:fld id="{7D8F0F1F-57AA-4266-8D3E-C578A305E637}" type="datetimeFigureOut">
               <a:rPr lang="ko-KR" altLang="en-US" smtClean="0"/>
-              <a:t>2022-01-17</a:t>
+              <a:t>2022-01-20</a:t>
             </a:fld>
             <a:endParaRPr lang="ko-KR" altLang="en-US"/>
           </a:p>
@@ -2258,7 +2612,7 @@
           <a:p>
             <a:fld id="{7D8F0F1F-57AA-4266-8D3E-C578A305E637}" type="datetimeFigureOut">
               <a:rPr lang="ko-KR" altLang="en-US" smtClean="0"/>
-              <a:t>2022-01-17</a:t>
+              <a:t>2022-01-20</a:t>
             </a:fld>
             <a:endParaRPr lang="ko-KR" altLang="en-US"/>
           </a:p>
@@ -2511,7 +2865,7 @@
           <a:p>
             <a:fld id="{7D8F0F1F-57AA-4266-8D3E-C578A305E637}" type="datetimeFigureOut">
               <a:rPr lang="ko-KR" altLang="en-US" smtClean="0"/>
-              <a:t>2022-01-17</a:t>
+              <a:t>2022-01-20</a:t>
             </a:fld>
             <a:endParaRPr lang="ko-KR" altLang="en-US"/>
           </a:p>
@@ -2724,7 +3078,7 @@
           <a:p>
             <a:fld id="{7D8F0F1F-57AA-4266-8D3E-C578A305E637}" type="datetimeFigureOut">
               <a:rPr lang="ko-KR" altLang="en-US" smtClean="0"/>
-              <a:t>2022-01-17</a:t>
+              <a:t>2022-01-20</a:t>
             </a:fld>
             <a:endParaRPr lang="ko-KR" altLang="en-US"/>
           </a:p>
@@ -10122,7 +10476,267 @@
       </p:grpSpPr>
       <p:pic>
         <p:nvPicPr>
-          <p:cNvPr id="1026" name="Picture 2"/>
+          <p:cNvPr id="1027" name="Picture 3"/>
+          <p:cNvPicPr>
+            <a:picLocks noChangeAspect="1" noChangeArrowheads="1"/>
+          </p:cNvPicPr>
+          <p:nvPr/>
+        </p:nvPicPr>
+        <p:blipFill>
+          <a:blip r:embed="rId2">
+            <a:extLst>
+              <a:ext uri="{28A0092B-C50C-407E-A947-70E740481C1C}">
+                <a14:useLocalDpi xmlns:a14="http://schemas.microsoft.com/office/drawing/2010/main" val="0"/>
+              </a:ext>
+            </a:extLst>
+          </a:blip>
+          <a:srcRect/>
+          <a:stretch>
+            <a:fillRect/>
+          </a:stretch>
+        </p:blipFill>
+        <p:spPr bwMode="auto">
+          <a:xfrm>
+            <a:off x="100013" y="1528763"/>
+            <a:ext cx="8943975" cy="3800475"/>
+          </a:xfrm>
+          <a:prstGeom prst="rect">
+            <a:avLst/>
+          </a:prstGeom>
+          <a:noFill/>
+          <a:ln>
+            <a:noFill/>
+          </a:ln>
+          <a:effectLst/>
+          <a:extLst>
+            <a:ext uri="{909E8E84-426E-40DD-AFC4-6F175D3DCCD1}">
+              <a14:hiddenFill xmlns:a14="http://schemas.microsoft.com/office/drawing/2010/main">
+                <a:solidFill>
+                  <a:schemeClr val="accent1"/>
+                </a:solidFill>
+              </a14:hiddenFill>
+            </a:ext>
+            <a:ext uri="{91240B29-F687-4F45-9708-019B960494DF}">
+              <a14:hiddenLine xmlns:a14="http://schemas.microsoft.com/office/drawing/2010/main" w="9525">
+                <a:solidFill>
+                  <a:schemeClr val="tx1"/>
+                </a:solidFill>
+                <a:miter lim="800000"/>
+                <a:headEnd/>
+                <a:tailEnd/>
+              </a14:hiddenLine>
+            </a:ext>
+            <a:ext uri="{AF507438-7753-43E0-B8FC-AC1667EBCBE1}">
+              <a14:hiddenEffects xmlns:a14="http://schemas.microsoft.com/office/drawing/2010/main">
+                <a:effectLst>
+                  <a:outerShdw dist="35921" dir="2700000" algn="ctr" rotWithShape="0">
+                    <a:schemeClr val="bg2"/>
+                  </a:outerShdw>
+                </a:effectLst>
+              </a14:hiddenEffects>
+            </a:ext>
+          </a:extLst>
+        </p:spPr>
+      </p:pic>
+      <mc:AlternateContent xmlns:mc="http://schemas.openxmlformats.org/markup-compatibility/2006">
+        <mc:Choice xmlns:a14="http://schemas.microsoft.com/office/drawing/2010/main" Requires="a14">
+          <p:sp>
+            <p:nvSpPr>
+              <p:cNvPr id="4" name="TextBox 3"/>
+              <p:cNvSpPr txBox="1"/>
+              <p:nvPr/>
+            </p:nvSpPr>
+            <p:spPr>
+              <a:xfrm>
+                <a:off x="3347864" y="2276872"/>
+                <a:ext cx="463588" cy="369332"/>
+              </a:xfrm>
+              <a:prstGeom prst="rect">
+                <a:avLst/>
+              </a:prstGeom>
+              <a:noFill/>
+            </p:spPr>
+            <p:txBody>
+              <a:bodyPr wrap="none" rtlCol="0">
+                <a:spAutoFit/>
+              </a:bodyPr>
+              <a:lstStyle/>
+              <a:p>
+                <a14:m>
+                  <m:oMathPara xmlns:m="http://schemas.openxmlformats.org/officeDocument/2006/math">
+                    <m:oMathParaPr>
+                      <m:jc m:val="centerGroup"/>
+                    </m:oMathParaPr>
+                    <m:oMath xmlns:m="http://schemas.openxmlformats.org/officeDocument/2006/math">
+                      <m:r>
+                        <a:rPr lang="en-US" altLang="ko-KR" b="0" i="1" smtClean="0">
+                          <a:latin typeface="Cambria Math"/>
+                        </a:rPr>
+                        <m:t>⋯</m:t>
+                      </m:r>
+                    </m:oMath>
+                  </m:oMathPara>
+                </a14:m>
+                <a:endParaRPr lang="ko-KR" altLang="en-US" dirty="0"/>
+              </a:p>
+            </p:txBody>
+          </p:sp>
+        </mc:Choice>
+        <mc:Fallback>
+          <p:sp>
+            <p:nvSpPr>
+              <p:cNvPr id="4" name="TextBox 3"/>
+              <p:cNvSpPr txBox="1">
+                <a:spLocks noRot="1" noChangeAspect="1" noMove="1" noResize="1" noEditPoints="1" noAdjustHandles="1" noChangeArrowheads="1" noChangeShapeType="1" noTextEdit="1"/>
+              </p:cNvSpPr>
+              <p:nvPr/>
+            </p:nvSpPr>
+            <p:spPr>
+              <a:xfrm>
+                <a:off x="3347864" y="2276872"/>
+                <a:ext cx="463588" cy="369332"/>
+              </a:xfrm>
+              <a:prstGeom prst="rect">
+                <a:avLst/>
+              </a:prstGeom>
+              <a:blipFill rotWithShape="1">
+                <a:blip r:embed="rId3"/>
+                <a:stretch>
+                  <a:fillRect/>
+                </a:stretch>
+              </a:blipFill>
+            </p:spPr>
+            <p:txBody>
+              <a:bodyPr/>
+              <a:lstStyle/>
+              <a:p>
+                <a:r>
+                  <a:rPr lang="ko-KR" altLang="en-US">
+                    <a:noFill/>
+                  </a:rPr>
+                  <a:t> </a:t>
+                </a:r>
+              </a:p>
+            </p:txBody>
+          </p:sp>
+        </mc:Fallback>
+      </mc:AlternateContent>
+      <mc:AlternateContent xmlns:mc="http://schemas.openxmlformats.org/markup-compatibility/2006">
+        <mc:Choice xmlns:a14="http://schemas.microsoft.com/office/drawing/2010/main" Requires="a14">
+          <p:sp>
+            <p:nvSpPr>
+              <p:cNvPr id="7" name="TextBox 6"/>
+              <p:cNvSpPr txBox="1"/>
+              <p:nvPr/>
+            </p:nvSpPr>
+            <p:spPr>
+              <a:xfrm>
+                <a:off x="5580112" y="2276872"/>
+                <a:ext cx="463588" cy="369332"/>
+              </a:xfrm>
+              <a:prstGeom prst="rect">
+                <a:avLst/>
+              </a:prstGeom>
+              <a:noFill/>
+            </p:spPr>
+            <p:txBody>
+              <a:bodyPr wrap="none" rtlCol="0">
+                <a:spAutoFit/>
+              </a:bodyPr>
+              <a:lstStyle/>
+              <a:p>
+                <a14:m>
+                  <m:oMathPara xmlns:m="http://schemas.openxmlformats.org/officeDocument/2006/math">
+                    <m:oMathParaPr>
+                      <m:jc m:val="centerGroup"/>
+                    </m:oMathParaPr>
+                    <m:oMath xmlns:m="http://schemas.openxmlformats.org/officeDocument/2006/math">
+                      <m:r>
+                        <a:rPr lang="en-US" altLang="ko-KR" b="0" i="1" smtClean="0">
+                          <a:latin typeface="Cambria Math"/>
+                        </a:rPr>
+                        <m:t>⋯</m:t>
+                      </m:r>
+                    </m:oMath>
+                  </m:oMathPara>
+                </a14:m>
+                <a:endParaRPr lang="ko-KR" altLang="en-US" dirty="0"/>
+              </a:p>
+            </p:txBody>
+          </p:sp>
+        </mc:Choice>
+        <mc:Fallback>
+          <p:sp>
+            <p:nvSpPr>
+              <p:cNvPr id="7" name="TextBox 6"/>
+              <p:cNvSpPr txBox="1">
+                <a:spLocks noRot="1" noChangeAspect="1" noMove="1" noResize="1" noEditPoints="1" noAdjustHandles="1" noChangeArrowheads="1" noChangeShapeType="1" noTextEdit="1"/>
+              </p:cNvSpPr>
+              <p:nvPr/>
+            </p:nvSpPr>
+            <p:spPr>
+              <a:xfrm>
+                <a:off x="5580112" y="2276872"/>
+                <a:ext cx="463588" cy="369332"/>
+              </a:xfrm>
+              <a:prstGeom prst="rect">
+                <a:avLst/>
+              </a:prstGeom>
+              <a:blipFill rotWithShape="1">
+                <a:blip r:embed="rId4"/>
+                <a:stretch>
+                  <a:fillRect/>
+                </a:stretch>
+              </a:blipFill>
+            </p:spPr>
+            <p:txBody>
+              <a:bodyPr/>
+              <a:lstStyle/>
+              <a:p>
+                <a:r>
+                  <a:rPr lang="ko-KR" altLang="en-US">
+                    <a:noFill/>
+                  </a:rPr>
+                  <a:t> </a:t>
+                </a:r>
+              </a:p>
+            </p:txBody>
+          </p:sp>
+        </mc:Fallback>
+      </mc:AlternateContent>
+    </p:spTree>
+    <p:extLst>
+      <p:ext uri="{BB962C8B-B14F-4D97-AF65-F5344CB8AC3E}">
+        <p14:creationId xmlns:p14="http://schemas.microsoft.com/office/powerpoint/2010/main" val="2639853143"/>
+      </p:ext>
+    </p:extLst>
+  </p:cSld>
+  <p:clrMapOvr>
+    <a:masterClrMapping/>
+  </p:clrMapOvr>
+</p:sld>
+</file>
+
+<file path=ppt/slides/slide6.xml><?xml version="1.0" encoding="utf-8"?>
+<p:sld xmlns:a="http://schemas.openxmlformats.org/drawingml/2006/main" xmlns:r="http://schemas.openxmlformats.org/officeDocument/2006/relationships" xmlns:p="http://schemas.openxmlformats.org/presentationml/2006/main">
+  <p:cSld>
+    <p:spTree>
+      <p:nvGrpSpPr>
+        <p:cNvPr id="1" name=""/>
+        <p:cNvGrpSpPr/>
+        <p:nvPr/>
+      </p:nvGrpSpPr>
+      <p:grpSpPr>
+        <a:xfrm>
+          <a:off x="0" y="0"/>
+          <a:ext cx="0" cy="0"/>
+          <a:chOff x="0" y="0"/>
+          <a:chExt cx="0" cy="0"/>
+        </a:xfrm>
+      </p:grpSpPr>
+      <p:pic>
+        <p:nvPicPr>
+          <p:cNvPr id="2051" name="Picture 3"/>
           <p:cNvPicPr>
             <a:picLocks noChangeAspect="1" noChangeArrowheads="1"/>
           </p:cNvPicPr>
@@ -10480,4 +11094,289 @@
   <a:objectDefaults/>
   <a:extraClrSchemeLst/>
 </a:theme>
+</file>
+
+<file path=ppt/theme/theme2.xml><?xml version="1.0" encoding="utf-8"?>
+<a:theme xmlns:a="http://schemas.openxmlformats.org/drawingml/2006/main" name="Office 테마">
+  <a:themeElements>
+    <a:clrScheme name="Office">
+      <a:dk1>
+        <a:sysClr val="windowText" lastClr="000000"/>
+      </a:dk1>
+      <a:lt1>
+        <a:sysClr val="window" lastClr="FFFFFF"/>
+      </a:lt1>
+      <a:dk2>
+        <a:srgbClr val="1F497D"/>
+      </a:dk2>
+      <a:lt2>
+        <a:srgbClr val="EEECE1"/>
+      </a:lt2>
+      <a:accent1>
+        <a:srgbClr val="4F81BD"/>
+      </a:accent1>
+      <a:accent2>
+        <a:srgbClr val="C0504D"/>
+      </a:accent2>
+      <a:accent3>
+        <a:srgbClr val="9BBB59"/>
+      </a:accent3>
+      <a:accent4>
+        <a:srgbClr val="8064A2"/>
+      </a:accent4>
+      <a:accent5>
+        <a:srgbClr val="4BACC6"/>
+      </a:accent5>
+      <a:accent6>
+        <a:srgbClr val="F79646"/>
+      </a:accent6>
+      <a:hlink>
+        <a:srgbClr val="0000FF"/>
+      </a:hlink>
+      <a:folHlink>
+        <a:srgbClr val="800080"/>
+      </a:folHlink>
+    </a:clrScheme>
+    <a:fontScheme name="Office">
+      <a:majorFont>
+        <a:latin typeface="맑은 고딕"/>
+        <a:ea typeface=""/>
+        <a:cs typeface=""/>
+        <a:font script="Jpan" typeface="ＭＳ Ｐゴシック"/>
+        <a:font script="Hang" typeface="맑은 고딕"/>
+        <a:font script="Hans" typeface="宋体"/>
+        <a:font script="Hant" typeface="新細明體"/>
+        <a:font script="Arab" typeface="Times New Roman"/>
+        <a:font script="Hebr" typeface="Times New Roman"/>
+        <a:font script="Thai" typeface="Angsana New"/>
+        <a:font script="Ethi" typeface="Nyala"/>
+        <a:font script="Beng" typeface="Vrinda"/>
+        <a:font script="Gujr" typeface="Shruti"/>
+        <a:font script="Khmr" typeface="MoolBoran"/>
+        <a:font script="Knda" typeface="Tunga"/>
+        <a:font script="Guru" typeface="Raavi"/>
+        <a:font script="Cans" typeface="Euphemia"/>
+        <a:font script="Cher" typeface="Plantagenet Cherokee"/>
+        <a:font script="Yiii" typeface="Microsoft Yi Baiti"/>
+        <a:font script="Tibt" typeface="Microsoft Himalaya"/>
+        <a:font script="Thaa" typeface="MV Boli"/>
+        <a:font script="Deva" typeface="Mangal"/>
+        <a:font script="Telu" typeface="Gautami"/>
+        <a:font script="Taml" typeface="Latha"/>
+        <a:font script="Syrc" typeface="Estrangelo Edessa"/>
+        <a:font script="Orya" typeface="Kalinga"/>
+        <a:font script="Mlym" typeface="Kartika"/>
+        <a:font script="Laoo" typeface="DokChampa"/>
+        <a:font script="Sinh" typeface="Iskoola Pota"/>
+        <a:font script="Mong" typeface="Mongolian Baiti"/>
+        <a:font script="Viet" typeface="Times New Roman"/>
+        <a:font script="Uigh" typeface="Microsoft Uighur"/>
+        <a:font script="Geor" typeface="Sylfaen"/>
+      </a:majorFont>
+      <a:minorFont>
+        <a:latin typeface="맑은 고딕"/>
+        <a:ea typeface=""/>
+        <a:cs typeface=""/>
+        <a:font script="Jpan" typeface="ＭＳ Ｐゴシック"/>
+        <a:font script="Hang" typeface="맑은 고딕"/>
+        <a:font script="Hans" typeface="宋体"/>
+        <a:font script="Hant" typeface="新細明體"/>
+        <a:font script="Arab" typeface="Arial"/>
+        <a:font script="Hebr" typeface="Arial"/>
+        <a:font script="Thai" typeface="Cordia New"/>
+        <a:font script="Ethi" typeface="Nyala"/>
+        <a:font script="Beng" typeface="Vrinda"/>
+        <a:font script="Gujr" typeface="Shruti"/>
+        <a:font script="Khmr" typeface="DaunPenh"/>
+        <a:font script="Knda" typeface="Tunga"/>
+        <a:font script="Guru" typeface="Raavi"/>
+        <a:font script="Cans" typeface="Euphemia"/>
+        <a:font script="Cher" typeface="Plantagenet Cherokee"/>
+        <a:font script="Yiii" typeface="Microsoft Yi Baiti"/>
+        <a:font script="Tibt" typeface="Microsoft Himalaya"/>
+        <a:font script="Thaa" typeface="MV Boli"/>
+        <a:font script="Deva" typeface="Mangal"/>
+        <a:font script="Telu" typeface="Gautami"/>
+        <a:font script="Taml" typeface="Latha"/>
+        <a:font script="Syrc" typeface="Estrangelo Edessa"/>
+        <a:font script="Orya" typeface="Kalinga"/>
+        <a:font script="Mlym" typeface="Kartika"/>
+        <a:font script="Laoo" typeface="DokChampa"/>
+        <a:font script="Sinh" typeface="Iskoola Pota"/>
+        <a:font script="Mong" typeface="Mongolian Baiti"/>
+        <a:font script="Viet" typeface="Arial"/>
+        <a:font script="Uigh" typeface="Microsoft Uighur"/>
+        <a:font script="Geor" typeface="Sylfaen"/>
+      </a:minorFont>
+    </a:fontScheme>
+    <a:fmtScheme name="Office">
+      <a:fillStyleLst>
+        <a:solidFill>
+          <a:schemeClr val="phClr"/>
+        </a:solidFill>
+        <a:gradFill rotWithShape="1">
+          <a:gsLst>
+            <a:gs pos="0">
+              <a:schemeClr val="phClr">
+                <a:tint val="50000"/>
+                <a:satMod val="300000"/>
+              </a:schemeClr>
+            </a:gs>
+            <a:gs pos="35000">
+              <a:schemeClr val="phClr">
+                <a:tint val="37000"/>
+                <a:satMod val="300000"/>
+              </a:schemeClr>
+            </a:gs>
+            <a:gs pos="100000">
+              <a:schemeClr val="phClr">
+                <a:tint val="15000"/>
+                <a:satMod val="350000"/>
+              </a:schemeClr>
+            </a:gs>
+          </a:gsLst>
+          <a:lin ang="16200000" scaled="1"/>
+        </a:gradFill>
+        <a:gradFill rotWithShape="1">
+          <a:gsLst>
+            <a:gs pos="0">
+              <a:schemeClr val="phClr">
+                <a:shade val="51000"/>
+                <a:satMod val="130000"/>
+              </a:schemeClr>
+            </a:gs>
+            <a:gs pos="80000">
+              <a:schemeClr val="phClr">
+                <a:shade val="93000"/>
+                <a:satMod val="130000"/>
+              </a:schemeClr>
+            </a:gs>
+            <a:gs pos="100000">
+              <a:schemeClr val="phClr">
+                <a:shade val="94000"/>
+                <a:satMod val="135000"/>
+              </a:schemeClr>
+            </a:gs>
+          </a:gsLst>
+          <a:lin ang="16200000" scaled="0"/>
+        </a:gradFill>
+      </a:fillStyleLst>
+      <a:lnStyleLst>
+        <a:ln w="9525" cap="flat" cmpd="sng" algn="ctr">
+          <a:solidFill>
+            <a:schemeClr val="phClr">
+              <a:shade val="95000"/>
+              <a:satMod val="105000"/>
+            </a:schemeClr>
+          </a:solidFill>
+          <a:prstDash val="solid"/>
+        </a:ln>
+        <a:ln w="25400" cap="flat" cmpd="sng" algn="ctr">
+          <a:solidFill>
+            <a:schemeClr val="phClr"/>
+          </a:solidFill>
+          <a:prstDash val="solid"/>
+        </a:ln>
+        <a:ln w="38100" cap="flat" cmpd="sng" algn="ctr">
+          <a:solidFill>
+            <a:schemeClr val="phClr"/>
+          </a:solidFill>
+          <a:prstDash val="solid"/>
+        </a:ln>
+      </a:lnStyleLst>
+      <a:effectStyleLst>
+        <a:effectStyle>
+          <a:effectLst>
+            <a:outerShdw blurRad="40000" dist="20000" dir="5400000" rotWithShape="0">
+              <a:srgbClr val="000000">
+                <a:alpha val="38000"/>
+              </a:srgbClr>
+            </a:outerShdw>
+          </a:effectLst>
+        </a:effectStyle>
+        <a:effectStyle>
+          <a:effectLst>
+            <a:outerShdw blurRad="40000" dist="23000" dir="5400000" rotWithShape="0">
+              <a:srgbClr val="000000">
+                <a:alpha val="35000"/>
+              </a:srgbClr>
+            </a:outerShdw>
+          </a:effectLst>
+        </a:effectStyle>
+        <a:effectStyle>
+          <a:effectLst>
+            <a:outerShdw blurRad="40000" dist="23000" dir="5400000" rotWithShape="0">
+              <a:srgbClr val="000000">
+                <a:alpha val="35000"/>
+              </a:srgbClr>
+            </a:outerShdw>
+          </a:effectLst>
+          <a:scene3d>
+            <a:camera prst="orthographicFront">
+              <a:rot lat="0" lon="0" rev="0"/>
+            </a:camera>
+            <a:lightRig rig="threePt" dir="t">
+              <a:rot lat="0" lon="0" rev="1200000"/>
+            </a:lightRig>
+          </a:scene3d>
+          <a:sp3d>
+            <a:bevelT w="63500" h="25400"/>
+          </a:sp3d>
+        </a:effectStyle>
+      </a:effectStyleLst>
+      <a:bgFillStyleLst>
+        <a:solidFill>
+          <a:schemeClr val="phClr"/>
+        </a:solidFill>
+        <a:gradFill rotWithShape="1">
+          <a:gsLst>
+            <a:gs pos="0">
+              <a:schemeClr val="phClr">
+                <a:tint val="40000"/>
+                <a:satMod val="350000"/>
+              </a:schemeClr>
+            </a:gs>
+            <a:gs pos="40000">
+              <a:schemeClr val="phClr">
+                <a:tint val="45000"/>
+                <a:shade val="99000"/>
+                <a:satMod val="350000"/>
+              </a:schemeClr>
+            </a:gs>
+            <a:gs pos="100000">
+              <a:schemeClr val="phClr">
+                <a:shade val="20000"/>
+                <a:satMod val="255000"/>
+              </a:schemeClr>
+            </a:gs>
+          </a:gsLst>
+          <a:path path="circle">
+            <a:fillToRect l="50000" t="-80000" r="50000" b="180000"/>
+          </a:path>
+        </a:gradFill>
+        <a:gradFill rotWithShape="1">
+          <a:gsLst>
+            <a:gs pos="0">
+              <a:schemeClr val="phClr">
+                <a:tint val="80000"/>
+                <a:satMod val="300000"/>
+              </a:schemeClr>
+            </a:gs>
+            <a:gs pos="100000">
+              <a:schemeClr val="phClr">
+                <a:shade val="30000"/>
+                <a:satMod val="200000"/>
+              </a:schemeClr>
+            </a:gs>
+          </a:gsLst>
+          <a:path path="circle">
+            <a:fillToRect l="50000" t="50000" r="50000" b="50000"/>
+          </a:path>
+        </a:gradFill>
+      </a:bgFillStyleLst>
+    </a:fmtScheme>
+  </a:themeElements>
+  <a:objectDefaults/>
+  <a:extraClrSchemeLst/>
+</a:theme>
 </file>
--- a/pics/2022-01-14-sampling_CT_to_DT/pics.pptx
+++ b/pics/2022-01-14-sampling_CT_to_DT/pics.pptx
@@ -5,7 +5,7 @@
     <p:sldMasterId id="2147483648" r:id="rId1"/>
   </p:sldMasterIdLst>
   <p:notesMasterIdLst>
-    <p:notesMasterId r:id="rId8"/>
+    <p:notesMasterId r:id="rId10"/>
   </p:notesMasterIdLst>
   <p:sldIdLst>
     <p:sldId id="256" r:id="rId2"/>
@@ -13,7 +13,9 @@
     <p:sldId id="258" r:id="rId4"/>
     <p:sldId id="259" r:id="rId5"/>
     <p:sldId id="261" r:id="rId6"/>
-    <p:sldId id="260" r:id="rId7"/>
+    <p:sldId id="262" r:id="rId7"/>
+    <p:sldId id="260" r:id="rId8"/>
+    <p:sldId id="263" r:id="rId9"/>
   </p:sldIdLst>
   <p:sldSz cx="9144000" cy="6858000" type="screen4x3"/>
   <p:notesSz cx="6858000" cy="9144000"/>
@@ -112,6 +114,22 @@
       </a:defRPr>
     </a:lvl9pPr>
   </p:defaultTextStyle>
+  <p:extLst>
+    <p:ext uri="{EFAFB233-063F-42B5-8137-9DF3F51BA10A}">
+      <p15:sldGuideLst xmlns:p15="http://schemas.microsoft.com/office/powerpoint/2012/main">
+        <p15:guide id="1" orient="horz" pos="2160">
+          <p15:clr>
+            <a:srgbClr val="A4A3A4"/>
+          </p15:clr>
+        </p15:guide>
+        <p15:guide id="2" pos="2880">
+          <p15:clr>
+            <a:srgbClr val="A4A3A4"/>
+          </p15:clr>
+        </p15:guide>
+      </p15:sldGuideLst>
+    </p:ext>
+  </p:extLst>
 </p:presentation>
 </file>
 
@@ -197,7 +215,7 @@
           <a:p>
             <a:fld id="{B54345CD-515E-4582-9059-C9845D1CC563}" type="datetimeFigureOut">
               <a:rPr lang="ko-KR" altLang="en-US" smtClean="0"/>
-              <a:t>2022-01-20</a:t>
+              <a:t>2023-04-18</a:t>
             </a:fld>
             <a:endParaRPr lang="ko-KR" altLang="en-US"/>
           </a:p>
@@ -261,38 +279,37 @@
           <a:p>
             <a:pPr lvl="0"/>
             <a:r>
-              <a:rPr lang="ko-KR" altLang="en-US" smtClean="0"/>
+              <a:rPr lang="ko-KR" altLang="en-US"/>
               <a:t>마스터 텍스트 스타일을 편집합니다</a:t>
             </a:r>
           </a:p>
           <a:p>
             <a:pPr lvl="1"/>
             <a:r>
-              <a:rPr lang="ko-KR" altLang="en-US" smtClean="0"/>
+              <a:rPr lang="ko-KR" altLang="en-US"/>
               <a:t>둘째 수준</a:t>
             </a:r>
           </a:p>
           <a:p>
             <a:pPr lvl="2"/>
             <a:r>
-              <a:rPr lang="ko-KR" altLang="en-US" smtClean="0"/>
+              <a:rPr lang="ko-KR" altLang="en-US"/>
               <a:t>셋째 수준</a:t>
             </a:r>
           </a:p>
           <a:p>
             <a:pPr lvl="3"/>
             <a:r>
-              <a:rPr lang="ko-KR" altLang="en-US" smtClean="0"/>
+              <a:rPr lang="ko-KR" altLang="en-US"/>
               <a:t>넷째 수준</a:t>
             </a:r>
           </a:p>
           <a:p>
             <a:pPr lvl="4"/>
             <a:r>
-              <a:rPr lang="ko-KR" altLang="en-US" smtClean="0"/>
+              <a:rPr lang="ko-KR" altLang="en-US"/>
               <a:t>다섯째 수준</a:t>
             </a:r>
-            <a:endParaRPr lang="ko-KR" altLang="en-US"/>
           </a:p>
         </p:txBody>
       </p:sp>
@@ -503,10 +520,9 @@
           <a:lstStyle/>
           <a:p>
             <a:r>
-              <a:rPr lang="ko-KR" altLang="en-US" smtClean="0"/>
+              <a:rPr lang="ko-KR" altLang="en-US"/>
               <a:t>마스터 제목 스타일 편집</a:t>
             </a:r>
-            <a:endParaRPr lang="ko-KR" altLang="en-US"/>
           </a:p>
         </p:txBody>
       </p:sp>
@@ -622,10 +638,9 @@
           </a:lstStyle>
           <a:p>
             <a:r>
-              <a:rPr lang="ko-KR" altLang="en-US" smtClean="0"/>
+              <a:rPr lang="ko-KR" altLang="en-US"/>
               <a:t>마스터 부제목 스타일 편집</a:t>
             </a:r>
-            <a:endParaRPr lang="ko-KR" altLang="en-US"/>
           </a:p>
         </p:txBody>
       </p:sp>
@@ -646,7 +661,7 @@
           <a:p>
             <a:fld id="{7D8F0F1F-57AA-4266-8D3E-C578A305E637}" type="datetimeFigureOut">
               <a:rPr lang="ko-KR" altLang="en-US" smtClean="0"/>
-              <a:t>2022-01-20</a:t>
+              <a:t>2023-04-18</a:t>
             </a:fld>
             <a:endParaRPr lang="ko-KR" altLang="en-US"/>
           </a:p>
@@ -740,10 +755,9 @@
           <a:lstStyle/>
           <a:p>
             <a:r>
-              <a:rPr lang="ko-KR" altLang="en-US" smtClean="0"/>
+              <a:rPr lang="ko-KR" altLang="en-US"/>
               <a:t>마스터 제목 스타일 편집</a:t>
             </a:r>
-            <a:endParaRPr lang="ko-KR" altLang="en-US"/>
           </a:p>
         </p:txBody>
       </p:sp>
@@ -764,38 +778,37 @@
           <a:p>
             <a:pPr lvl="0"/>
             <a:r>
-              <a:rPr lang="ko-KR" altLang="en-US" smtClean="0"/>
+              <a:rPr lang="ko-KR" altLang="en-US"/>
               <a:t>마스터 텍스트 스타일을 편집합니다</a:t>
             </a:r>
           </a:p>
           <a:p>
             <a:pPr lvl="1"/>
             <a:r>
-              <a:rPr lang="ko-KR" altLang="en-US" smtClean="0"/>
+              <a:rPr lang="ko-KR" altLang="en-US"/>
               <a:t>둘째 수준</a:t>
             </a:r>
           </a:p>
           <a:p>
             <a:pPr lvl="2"/>
             <a:r>
-              <a:rPr lang="ko-KR" altLang="en-US" smtClean="0"/>
+              <a:rPr lang="ko-KR" altLang="en-US"/>
               <a:t>셋째 수준</a:t>
             </a:r>
           </a:p>
           <a:p>
             <a:pPr lvl="3"/>
             <a:r>
-              <a:rPr lang="ko-KR" altLang="en-US" smtClean="0"/>
+              <a:rPr lang="ko-KR" altLang="en-US"/>
               <a:t>넷째 수준</a:t>
             </a:r>
           </a:p>
           <a:p>
             <a:pPr lvl="4"/>
             <a:r>
-              <a:rPr lang="ko-KR" altLang="en-US" smtClean="0"/>
+              <a:rPr lang="ko-KR" altLang="en-US"/>
               <a:t>다섯째 수준</a:t>
             </a:r>
-            <a:endParaRPr lang="ko-KR" altLang="en-US"/>
           </a:p>
         </p:txBody>
       </p:sp>
@@ -816,7 +829,7 @@
           <a:p>
             <a:fld id="{7D8F0F1F-57AA-4266-8D3E-C578A305E637}" type="datetimeFigureOut">
               <a:rPr lang="ko-KR" altLang="en-US" smtClean="0"/>
-              <a:t>2022-01-20</a:t>
+              <a:t>2023-04-18</a:t>
             </a:fld>
             <a:endParaRPr lang="ko-KR" altLang="en-US"/>
           </a:p>
@@ -915,10 +928,9 @@
           <a:lstStyle/>
           <a:p>
             <a:r>
-              <a:rPr lang="ko-KR" altLang="en-US" smtClean="0"/>
+              <a:rPr lang="ko-KR" altLang="en-US"/>
               <a:t>마스터 제목 스타일 편집</a:t>
             </a:r>
-            <a:endParaRPr lang="ko-KR" altLang="en-US"/>
           </a:p>
         </p:txBody>
       </p:sp>
@@ -944,38 +956,37 @@
           <a:p>
             <a:pPr lvl="0"/>
             <a:r>
-              <a:rPr lang="ko-KR" altLang="en-US" smtClean="0"/>
+              <a:rPr lang="ko-KR" altLang="en-US"/>
               <a:t>마스터 텍스트 스타일을 편집합니다</a:t>
             </a:r>
           </a:p>
           <a:p>
             <a:pPr lvl="1"/>
             <a:r>
-              <a:rPr lang="ko-KR" altLang="en-US" smtClean="0"/>
+              <a:rPr lang="ko-KR" altLang="en-US"/>
               <a:t>둘째 수준</a:t>
             </a:r>
           </a:p>
           <a:p>
             <a:pPr lvl="2"/>
             <a:r>
-              <a:rPr lang="ko-KR" altLang="en-US" smtClean="0"/>
+              <a:rPr lang="ko-KR" altLang="en-US"/>
               <a:t>셋째 수준</a:t>
             </a:r>
           </a:p>
           <a:p>
             <a:pPr lvl="3"/>
             <a:r>
-              <a:rPr lang="ko-KR" altLang="en-US" smtClean="0"/>
+              <a:rPr lang="ko-KR" altLang="en-US"/>
               <a:t>넷째 수준</a:t>
             </a:r>
           </a:p>
           <a:p>
             <a:pPr lvl="4"/>
             <a:r>
-              <a:rPr lang="ko-KR" altLang="en-US" smtClean="0"/>
+              <a:rPr lang="ko-KR" altLang="en-US"/>
               <a:t>다섯째 수준</a:t>
             </a:r>
-            <a:endParaRPr lang="ko-KR" altLang="en-US"/>
           </a:p>
         </p:txBody>
       </p:sp>
@@ -996,7 +1007,7 @@
           <a:p>
             <a:fld id="{7D8F0F1F-57AA-4266-8D3E-C578A305E637}" type="datetimeFigureOut">
               <a:rPr lang="ko-KR" altLang="en-US" smtClean="0"/>
-              <a:t>2022-01-20</a:t>
+              <a:t>2023-04-18</a:t>
             </a:fld>
             <a:endParaRPr lang="ko-KR" altLang="en-US"/>
           </a:p>
@@ -1090,10 +1101,9 @@
           <a:lstStyle/>
           <a:p>
             <a:r>
-              <a:rPr lang="ko-KR" altLang="en-US" smtClean="0"/>
+              <a:rPr lang="ko-KR" altLang="en-US"/>
               <a:t>마스터 제목 스타일 편집</a:t>
             </a:r>
-            <a:endParaRPr lang="ko-KR" altLang="en-US"/>
           </a:p>
         </p:txBody>
       </p:sp>
@@ -1114,38 +1124,37 @@
           <a:p>
             <a:pPr lvl="0"/>
             <a:r>
-              <a:rPr lang="ko-KR" altLang="en-US" smtClean="0"/>
+              <a:rPr lang="ko-KR" altLang="en-US"/>
               <a:t>마스터 텍스트 스타일을 편집합니다</a:t>
             </a:r>
           </a:p>
           <a:p>
             <a:pPr lvl="1"/>
             <a:r>
-              <a:rPr lang="ko-KR" altLang="en-US" smtClean="0"/>
+              <a:rPr lang="ko-KR" altLang="en-US"/>
               <a:t>둘째 수준</a:t>
             </a:r>
           </a:p>
           <a:p>
             <a:pPr lvl="2"/>
             <a:r>
-              <a:rPr lang="ko-KR" altLang="en-US" smtClean="0"/>
+              <a:rPr lang="ko-KR" altLang="en-US"/>
               <a:t>셋째 수준</a:t>
             </a:r>
           </a:p>
           <a:p>
             <a:pPr lvl="3"/>
             <a:r>
-              <a:rPr lang="ko-KR" altLang="en-US" smtClean="0"/>
+              <a:rPr lang="ko-KR" altLang="en-US"/>
               <a:t>넷째 수준</a:t>
             </a:r>
           </a:p>
           <a:p>
             <a:pPr lvl="4"/>
             <a:r>
-              <a:rPr lang="ko-KR" altLang="en-US" smtClean="0"/>
+              <a:rPr lang="ko-KR" altLang="en-US"/>
               <a:t>다섯째 수준</a:t>
             </a:r>
-            <a:endParaRPr lang="ko-KR" altLang="en-US"/>
           </a:p>
         </p:txBody>
       </p:sp>
@@ -1166,7 +1175,7 @@
           <a:p>
             <a:fld id="{7D8F0F1F-57AA-4266-8D3E-C578A305E637}" type="datetimeFigureOut">
               <a:rPr lang="ko-KR" altLang="en-US" smtClean="0"/>
-              <a:t>2022-01-20</a:t>
+              <a:t>2023-04-18</a:t>
             </a:fld>
             <a:endParaRPr lang="ko-KR" altLang="en-US"/>
           </a:p>
@@ -1269,10 +1278,9 @@
           </a:lstStyle>
           <a:p>
             <a:r>
-              <a:rPr lang="ko-KR" altLang="en-US" smtClean="0"/>
+              <a:rPr lang="ko-KR" altLang="en-US"/>
               <a:t>마스터 제목 스타일 편집</a:t>
             </a:r>
-            <a:endParaRPr lang="ko-KR" altLang="en-US"/>
           </a:p>
         </p:txBody>
       </p:sp>
@@ -1389,7 +1397,7 @@
           <a:p>
             <a:pPr lvl="0"/>
             <a:r>
-              <a:rPr lang="ko-KR" altLang="en-US" smtClean="0"/>
+              <a:rPr lang="ko-KR" altLang="en-US"/>
               <a:t>마스터 텍스트 스타일을 편집합니다</a:t>
             </a:r>
           </a:p>
@@ -1412,7 +1420,7 @@
           <a:p>
             <a:fld id="{7D8F0F1F-57AA-4266-8D3E-C578A305E637}" type="datetimeFigureOut">
               <a:rPr lang="ko-KR" altLang="en-US" smtClean="0"/>
-              <a:t>2022-01-20</a:t>
+              <a:t>2023-04-18</a:t>
             </a:fld>
             <a:endParaRPr lang="ko-KR" altLang="en-US"/>
           </a:p>
@@ -1506,10 +1514,9 @@
           <a:lstStyle/>
           <a:p>
             <a:r>
-              <a:rPr lang="ko-KR" altLang="en-US" smtClean="0"/>
+              <a:rPr lang="ko-KR" altLang="en-US"/>
               <a:t>마스터 제목 스타일 편집</a:t>
             </a:r>
-            <a:endParaRPr lang="ko-KR" altLang="en-US"/>
           </a:p>
         </p:txBody>
       </p:sp>
@@ -1563,38 +1570,37 @@
           <a:p>
             <a:pPr lvl="0"/>
             <a:r>
-              <a:rPr lang="ko-KR" altLang="en-US" smtClean="0"/>
+              <a:rPr lang="ko-KR" altLang="en-US"/>
               <a:t>마스터 텍스트 스타일을 편집합니다</a:t>
             </a:r>
           </a:p>
           <a:p>
             <a:pPr lvl="1"/>
             <a:r>
-              <a:rPr lang="ko-KR" altLang="en-US" smtClean="0"/>
+              <a:rPr lang="ko-KR" altLang="en-US"/>
               <a:t>둘째 수준</a:t>
             </a:r>
           </a:p>
           <a:p>
             <a:pPr lvl="2"/>
             <a:r>
-              <a:rPr lang="ko-KR" altLang="en-US" smtClean="0"/>
+              <a:rPr lang="ko-KR" altLang="en-US"/>
               <a:t>셋째 수준</a:t>
             </a:r>
           </a:p>
           <a:p>
             <a:pPr lvl="3"/>
             <a:r>
-              <a:rPr lang="ko-KR" altLang="en-US" smtClean="0"/>
+              <a:rPr lang="ko-KR" altLang="en-US"/>
               <a:t>넷째 수준</a:t>
             </a:r>
           </a:p>
           <a:p>
             <a:pPr lvl="4"/>
             <a:r>
-              <a:rPr lang="ko-KR" altLang="en-US" smtClean="0"/>
+              <a:rPr lang="ko-KR" altLang="en-US"/>
               <a:t>다섯째 수준</a:t>
             </a:r>
-            <a:endParaRPr lang="ko-KR" altLang="en-US"/>
           </a:p>
         </p:txBody>
       </p:sp>
@@ -1648,38 +1654,37 @@
           <a:p>
             <a:pPr lvl="0"/>
             <a:r>
-              <a:rPr lang="ko-KR" altLang="en-US" smtClean="0"/>
+              <a:rPr lang="ko-KR" altLang="en-US"/>
               <a:t>마스터 텍스트 스타일을 편집합니다</a:t>
             </a:r>
           </a:p>
           <a:p>
             <a:pPr lvl="1"/>
             <a:r>
-              <a:rPr lang="ko-KR" altLang="en-US" smtClean="0"/>
+              <a:rPr lang="ko-KR" altLang="en-US"/>
               <a:t>둘째 수준</a:t>
             </a:r>
           </a:p>
           <a:p>
             <a:pPr lvl="2"/>
             <a:r>
-              <a:rPr lang="ko-KR" altLang="en-US" smtClean="0"/>
+              <a:rPr lang="ko-KR" altLang="en-US"/>
               <a:t>셋째 수준</a:t>
             </a:r>
           </a:p>
           <a:p>
             <a:pPr lvl="3"/>
             <a:r>
-              <a:rPr lang="ko-KR" altLang="en-US" smtClean="0"/>
+              <a:rPr lang="ko-KR" altLang="en-US"/>
               <a:t>넷째 수준</a:t>
             </a:r>
           </a:p>
           <a:p>
             <a:pPr lvl="4"/>
             <a:r>
-              <a:rPr lang="ko-KR" altLang="en-US" smtClean="0"/>
+              <a:rPr lang="ko-KR" altLang="en-US"/>
               <a:t>다섯째 수준</a:t>
             </a:r>
-            <a:endParaRPr lang="ko-KR" altLang="en-US"/>
           </a:p>
         </p:txBody>
       </p:sp>
@@ -1700,7 +1705,7 @@
           <a:p>
             <a:fld id="{7D8F0F1F-57AA-4266-8D3E-C578A305E637}" type="datetimeFigureOut">
               <a:rPr lang="ko-KR" altLang="en-US" smtClean="0"/>
-              <a:t>2022-01-20</a:t>
+              <a:t>2023-04-18</a:t>
             </a:fld>
             <a:endParaRPr lang="ko-KR" altLang="en-US"/>
           </a:p>
@@ -1798,10 +1803,9 @@
           </a:lstStyle>
           <a:p>
             <a:r>
-              <a:rPr lang="ko-KR" altLang="en-US" smtClean="0"/>
+              <a:rPr lang="ko-KR" altLang="en-US"/>
               <a:t>마스터 제목 스타일 편집</a:t>
             </a:r>
-            <a:endParaRPr lang="ko-KR" altLang="en-US"/>
           </a:p>
         </p:txBody>
       </p:sp>
@@ -1864,7 +1868,7 @@
           <a:p>
             <a:pPr lvl="0"/>
             <a:r>
-              <a:rPr lang="ko-KR" altLang="en-US" smtClean="0"/>
+              <a:rPr lang="ko-KR" altLang="en-US"/>
               <a:t>마스터 텍스트 스타일을 편집합니다</a:t>
             </a:r>
           </a:p>
@@ -1920,38 +1924,37 @@
           <a:p>
             <a:pPr lvl="0"/>
             <a:r>
-              <a:rPr lang="ko-KR" altLang="en-US" smtClean="0"/>
+              <a:rPr lang="ko-KR" altLang="en-US"/>
               <a:t>마스터 텍스트 스타일을 편집합니다</a:t>
             </a:r>
           </a:p>
           <a:p>
             <a:pPr lvl="1"/>
             <a:r>
-              <a:rPr lang="ko-KR" altLang="en-US" smtClean="0"/>
+              <a:rPr lang="ko-KR" altLang="en-US"/>
               <a:t>둘째 수준</a:t>
             </a:r>
           </a:p>
           <a:p>
             <a:pPr lvl="2"/>
             <a:r>
-              <a:rPr lang="ko-KR" altLang="en-US" smtClean="0"/>
+              <a:rPr lang="ko-KR" altLang="en-US"/>
               <a:t>셋째 수준</a:t>
             </a:r>
           </a:p>
           <a:p>
             <a:pPr lvl="3"/>
             <a:r>
-              <a:rPr lang="ko-KR" altLang="en-US" smtClean="0"/>
+              <a:rPr lang="ko-KR" altLang="en-US"/>
               <a:t>넷째 수준</a:t>
             </a:r>
           </a:p>
           <a:p>
             <a:pPr lvl="4"/>
             <a:r>
-              <a:rPr lang="ko-KR" altLang="en-US" smtClean="0"/>
+              <a:rPr lang="ko-KR" altLang="en-US"/>
               <a:t>다섯째 수준</a:t>
             </a:r>
-            <a:endParaRPr lang="ko-KR" altLang="en-US"/>
           </a:p>
         </p:txBody>
       </p:sp>
@@ -2014,7 +2017,7 @@
           <a:p>
             <a:pPr lvl="0"/>
             <a:r>
-              <a:rPr lang="ko-KR" altLang="en-US" smtClean="0"/>
+              <a:rPr lang="ko-KR" altLang="en-US"/>
               <a:t>마스터 텍스트 스타일을 편집합니다</a:t>
             </a:r>
           </a:p>
@@ -2070,38 +2073,37 @@
           <a:p>
             <a:pPr lvl="0"/>
             <a:r>
-              <a:rPr lang="ko-KR" altLang="en-US" smtClean="0"/>
+              <a:rPr lang="ko-KR" altLang="en-US"/>
               <a:t>마스터 텍스트 스타일을 편집합니다</a:t>
             </a:r>
           </a:p>
           <a:p>
             <a:pPr lvl="1"/>
             <a:r>
-              <a:rPr lang="ko-KR" altLang="en-US" smtClean="0"/>
+              <a:rPr lang="ko-KR" altLang="en-US"/>
               <a:t>둘째 수준</a:t>
             </a:r>
           </a:p>
           <a:p>
             <a:pPr lvl="2"/>
             <a:r>
-              <a:rPr lang="ko-KR" altLang="en-US" smtClean="0"/>
+              <a:rPr lang="ko-KR" altLang="en-US"/>
               <a:t>셋째 수준</a:t>
             </a:r>
           </a:p>
           <a:p>
             <a:pPr lvl="3"/>
             <a:r>
-              <a:rPr lang="ko-KR" altLang="en-US" smtClean="0"/>
+              <a:rPr lang="ko-KR" altLang="en-US"/>
               <a:t>넷째 수준</a:t>
             </a:r>
           </a:p>
           <a:p>
             <a:pPr lvl="4"/>
             <a:r>
-              <a:rPr lang="ko-KR" altLang="en-US" smtClean="0"/>
+              <a:rPr lang="ko-KR" altLang="en-US"/>
               <a:t>다섯째 수준</a:t>
             </a:r>
-            <a:endParaRPr lang="ko-KR" altLang="en-US"/>
           </a:p>
         </p:txBody>
       </p:sp>
@@ -2122,7 +2124,7 @@
           <a:p>
             <a:fld id="{7D8F0F1F-57AA-4266-8D3E-C578A305E637}" type="datetimeFigureOut">
               <a:rPr lang="ko-KR" altLang="en-US" smtClean="0"/>
-              <a:t>2022-01-20</a:t>
+              <a:t>2023-04-18</a:t>
             </a:fld>
             <a:endParaRPr lang="ko-KR" altLang="en-US"/>
           </a:p>
@@ -2216,10 +2218,9 @@
           <a:lstStyle/>
           <a:p>
             <a:r>
-              <a:rPr lang="ko-KR" altLang="en-US" smtClean="0"/>
+              <a:rPr lang="ko-KR" altLang="en-US"/>
               <a:t>마스터 제목 스타일 편집</a:t>
             </a:r>
-            <a:endParaRPr lang="ko-KR" altLang="en-US"/>
           </a:p>
         </p:txBody>
       </p:sp>
@@ -2240,7 +2241,7 @@
           <a:p>
             <a:fld id="{7D8F0F1F-57AA-4266-8D3E-C578A305E637}" type="datetimeFigureOut">
               <a:rPr lang="ko-KR" altLang="en-US" smtClean="0"/>
-              <a:t>2022-01-20</a:t>
+              <a:t>2023-04-18</a:t>
             </a:fld>
             <a:endParaRPr lang="ko-KR" altLang="en-US"/>
           </a:p>
@@ -2335,7 +2336,7 @@
           <a:p>
             <a:fld id="{7D8F0F1F-57AA-4266-8D3E-C578A305E637}" type="datetimeFigureOut">
               <a:rPr lang="ko-KR" altLang="en-US" smtClean="0"/>
-              <a:t>2022-01-20</a:t>
+              <a:t>2023-04-18</a:t>
             </a:fld>
             <a:endParaRPr lang="ko-KR" altLang="en-US"/>
           </a:p>
@@ -2438,10 +2439,9 @@
           </a:lstStyle>
           <a:p>
             <a:r>
-              <a:rPr lang="ko-KR" altLang="en-US" smtClean="0"/>
+              <a:rPr lang="ko-KR" altLang="en-US"/>
               <a:t>마스터 제목 스타일 편집</a:t>
             </a:r>
-            <a:endParaRPr lang="ko-KR" altLang="en-US"/>
           </a:p>
         </p:txBody>
       </p:sp>
@@ -2495,38 +2495,37 @@
           <a:p>
             <a:pPr lvl="0"/>
             <a:r>
-              <a:rPr lang="ko-KR" altLang="en-US" smtClean="0"/>
+              <a:rPr lang="ko-KR" altLang="en-US"/>
               <a:t>마스터 텍스트 스타일을 편집합니다</a:t>
             </a:r>
           </a:p>
           <a:p>
             <a:pPr lvl="1"/>
             <a:r>
-              <a:rPr lang="ko-KR" altLang="en-US" smtClean="0"/>
+              <a:rPr lang="ko-KR" altLang="en-US"/>
               <a:t>둘째 수준</a:t>
             </a:r>
           </a:p>
           <a:p>
             <a:pPr lvl="2"/>
             <a:r>
-              <a:rPr lang="ko-KR" altLang="en-US" smtClean="0"/>
+              <a:rPr lang="ko-KR" altLang="en-US"/>
               <a:t>셋째 수준</a:t>
             </a:r>
           </a:p>
           <a:p>
             <a:pPr lvl="3"/>
             <a:r>
-              <a:rPr lang="ko-KR" altLang="en-US" smtClean="0"/>
+              <a:rPr lang="ko-KR" altLang="en-US"/>
               <a:t>넷째 수준</a:t>
             </a:r>
           </a:p>
           <a:p>
             <a:pPr lvl="4"/>
             <a:r>
-              <a:rPr lang="ko-KR" altLang="en-US" smtClean="0"/>
+              <a:rPr lang="ko-KR" altLang="en-US"/>
               <a:t>다섯째 수준</a:t>
             </a:r>
-            <a:endParaRPr lang="ko-KR" altLang="en-US"/>
           </a:p>
         </p:txBody>
       </p:sp>
@@ -2589,7 +2588,7 @@
           <a:p>
             <a:pPr lvl="0"/>
             <a:r>
-              <a:rPr lang="ko-KR" altLang="en-US" smtClean="0"/>
+              <a:rPr lang="ko-KR" altLang="en-US"/>
               <a:t>마스터 텍스트 스타일을 편집합니다</a:t>
             </a:r>
           </a:p>
@@ -2612,7 +2611,7 @@
           <a:p>
             <a:fld id="{7D8F0F1F-57AA-4266-8D3E-C578A305E637}" type="datetimeFigureOut">
               <a:rPr lang="ko-KR" altLang="en-US" smtClean="0"/>
-              <a:t>2022-01-20</a:t>
+              <a:t>2023-04-18</a:t>
             </a:fld>
             <a:endParaRPr lang="ko-KR" altLang="en-US"/>
           </a:p>
@@ -2715,10 +2714,9 @@
           </a:lstStyle>
           <a:p>
             <a:r>
-              <a:rPr lang="ko-KR" altLang="en-US" smtClean="0"/>
+              <a:rPr lang="ko-KR" altLang="en-US"/>
               <a:t>마스터 제목 스타일 편집</a:t>
             </a:r>
-            <a:endParaRPr lang="ko-KR" altLang="en-US"/>
           </a:p>
         </p:txBody>
       </p:sp>
@@ -2842,7 +2840,7 @@
           <a:p>
             <a:pPr lvl="0"/>
             <a:r>
-              <a:rPr lang="ko-KR" altLang="en-US" smtClean="0"/>
+              <a:rPr lang="ko-KR" altLang="en-US"/>
               <a:t>마스터 텍스트 스타일을 편집합니다</a:t>
             </a:r>
           </a:p>
@@ -2865,7 +2863,7 @@
           <a:p>
             <a:fld id="{7D8F0F1F-57AA-4266-8D3E-C578A305E637}" type="datetimeFigureOut">
               <a:rPr lang="ko-KR" altLang="en-US" smtClean="0"/>
-              <a:t>2022-01-20</a:t>
+              <a:t>2023-04-18</a:t>
             </a:fld>
             <a:endParaRPr lang="ko-KR" altLang="en-US"/>
           </a:p>
@@ -2974,10 +2972,9 @@
           <a:lstStyle/>
           <a:p>
             <a:r>
-              <a:rPr lang="ko-KR" altLang="en-US" smtClean="0"/>
+              <a:rPr lang="ko-KR" altLang="en-US"/>
               <a:t>마스터 제목 스타일 편집</a:t>
             </a:r>
-            <a:endParaRPr lang="ko-KR" altLang="en-US"/>
           </a:p>
         </p:txBody>
       </p:sp>
@@ -3008,38 +3005,37 @@
           <a:p>
             <a:pPr lvl="0"/>
             <a:r>
-              <a:rPr lang="ko-KR" altLang="en-US" smtClean="0"/>
+              <a:rPr lang="ko-KR" altLang="en-US"/>
               <a:t>마스터 텍스트 스타일을 편집합니다</a:t>
             </a:r>
           </a:p>
           <a:p>
             <a:pPr lvl="1"/>
             <a:r>
-              <a:rPr lang="ko-KR" altLang="en-US" smtClean="0"/>
+              <a:rPr lang="ko-KR" altLang="en-US"/>
               <a:t>둘째 수준</a:t>
             </a:r>
           </a:p>
           <a:p>
             <a:pPr lvl="2"/>
             <a:r>
-              <a:rPr lang="ko-KR" altLang="en-US" smtClean="0"/>
+              <a:rPr lang="ko-KR" altLang="en-US"/>
               <a:t>셋째 수준</a:t>
             </a:r>
           </a:p>
           <a:p>
             <a:pPr lvl="3"/>
             <a:r>
-              <a:rPr lang="ko-KR" altLang="en-US" smtClean="0"/>
+              <a:rPr lang="ko-KR" altLang="en-US"/>
               <a:t>넷째 수준</a:t>
             </a:r>
           </a:p>
           <a:p>
             <a:pPr lvl="4"/>
             <a:r>
-              <a:rPr lang="ko-KR" altLang="en-US" smtClean="0"/>
+              <a:rPr lang="ko-KR" altLang="en-US"/>
               <a:t>다섯째 수준</a:t>
             </a:r>
-            <a:endParaRPr lang="ko-KR" altLang="en-US"/>
           </a:p>
         </p:txBody>
       </p:sp>
@@ -3078,7 +3074,7 @@
           <a:p>
             <a:fld id="{7D8F0F1F-57AA-4266-8D3E-C578A305E637}" type="datetimeFigureOut">
               <a:rPr lang="ko-KR" altLang="en-US" smtClean="0"/>
-              <a:t>2022-01-20</a:t>
+              <a:t>2023-04-18</a:t>
             </a:fld>
             <a:endParaRPr lang="ko-KR" altLang="en-US"/>
           </a:p>
@@ -3620,18 +3616,11 @@
           <a:lstStyle/>
           <a:p>
             <a:r>
-              <a:rPr lang="ko-KR" altLang="en-US" dirty="0" smtClean="0">
-                <a:latin typeface="마루 부리 Beta" pitchFamily="50" charset="-127"/>
-                <a:ea typeface="마루 부리 Beta" pitchFamily="50" charset="-127"/>
-              </a:rPr>
-              <a:t>아날로</a:t>
-            </a:r>
-            <a:r>
               <a:rPr lang="ko-KR" altLang="en-US" dirty="0">
                 <a:latin typeface="마루 부리 Beta" pitchFamily="50" charset="-127"/>
                 <a:ea typeface="마루 부리 Beta" pitchFamily="50" charset="-127"/>
               </a:rPr>
-              <a:t>그</a:t>
+              <a:t>아날로그</a:t>
             </a:r>
           </a:p>
         </p:txBody>
@@ -3659,7 +3648,7 @@
           <a:lstStyle/>
           <a:p>
             <a:r>
-              <a:rPr lang="en-US" altLang="ko-KR" dirty="0" smtClean="0">
+              <a:rPr lang="en-US" altLang="ko-KR" dirty="0">
                 <a:latin typeface="마루 부리 Beta" pitchFamily="50" charset="-127"/>
                 <a:ea typeface="마루 부리 Beta" pitchFamily="50" charset="-127"/>
               </a:rPr>
@@ -3695,29 +3684,25 @@
           <a:lstStyle/>
           <a:p>
             <a:r>
-              <a:rPr lang="ko-KR" altLang="en-US" dirty="0" smtClean="0">
+              <a:rPr lang="ko-KR" altLang="en-US" dirty="0">
                 <a:latin typeface="마루 부리 Beta" pitchFamily="50" charset="-127"/>
                 <a:ea typeface="마루 부리 Beta" pitchFamily="50" charset="-127"/>
               </a:rPr>
               <a:t>디지털</a:t>
             </a:r>
-            <a:endParaRPr lang="en-US" altLang="ko-KR" dirty="0" smtClean="0">
+            <a:endParaRPr lang="en-US" altLang="ko-KR" dirty="0">
               <a:latin typeface="마루 부리 Beta" pitchFamily="50" charset="-127"/>
               <a:ea typeface="마루 부리 Beta" pitchFamily="50" charset="-127"/>
             </a:endParaRPr>
           </a:p>
           <a:p>
             <a:r>
-              <a:rPr lang="ko-KR" altLang="en-US" dirty="0" smtClean="0">
+              <a:rPr lang="ko-KR" altLang="en-US" dirty="0">
                 <a:latin typeface="마루 부리 Beta" pitchFamily="50" charset="-127"/>
                 <a:ea typeface="마루 부리 Beta" pitchFamily="50" charset="-127"/>
               </a:rPr>
               <a:t>시스템</a:t>
             </a:r>
-            <a:endParaRPr lang="ko-KR" altLang="en-US" dirty="0">
-              <a:latin typeface="마루 부리 Beta" pitchFamily="50" charset="-127"/>
-              <a:ea typeface="마루 부리 Beta" pitchFamily="50" charset="-127"/>
-            </a:endParaRPr>
           </a:p>
         </p:txBody>
       </p:sp>
@@ -3744,7 +3729,7 @@
           <a:lstStyle/>
           <a:p>
             <a:r>
-              <a:rPr lang="en-US" altLang="ko-KR" dirty="0" smtClean="0">
+              <a:rPr lang="en-US" altLang="ko-KR" dirty="0">
                 <a:latin typeface="마루 부리 Beta" pitchFamily="50" charset="-127"/>
                 <a:ea typeface="마루 부리 Beta" pitchFamily="50" charset="-127"/>
               </a:rPr>
@@ -3780,18 +3765,11 @@
           <a:lstStyle/>
           <a:p>
             <a:r>
-              <a:rPr lang="ko-KR" altLang="en-US" dirty="0" smtClean="0">
-                <a:latin typeface="마루 부리 Beta" pitchFamily="50" charset="-127"/>
-                <a:ea typeface="마루 부리 Beta" pitchFamily="50" charset="-127"/>
-              </a:rPr>
-              <a:t>아날로</a:t>
-            </a:r>
-            <a:r>
               <a:rPr lang="ko-KR" altLang="en-US" dirty="0">
                 <a:latin typeface="마루 부리 Beta" pitchFamily="50" charset="-127"/>
                 <a:ea typeface="마루 부리 Beta" pitchFamily="50" charset="-127"/>
               </a:rPr>
-              <a:t>그</a:t>
+              <a:t>아날로그</a:t>
             </a:r>
           </a:p>
         </p:txBody>
@@ -10206,16 +10184,12 @@
             <a:lstStyle/>
             <a:p>
               <a:r>
-                <a:rPr lang="ko-KR" altLang="en-US" dirty="0" smtClean="0">
+                <a:rPr lang="ko-KR" altLang="en-US" dirty="0">
                   <a:latin typeface="마루 부리 Beta" pitchFamily="50" charset="-127"/>
                   <a:ea typeface="마루 부리 Beta" pitchFamily="50" charset="-127"/>
                 </a:rPr>
                 <a:t>에일리어싱이 일어나는 경우</a:t>
               </a:r>
-              <a:endParaRPr lang="ko-KR" altLang="en-US" dirty="0">
-                <a:latin typeface="마루 부리 Beta" pitchFamily="50" charset="-127"/>
-                <a:ea typeface="마루 부리 Beta" pitchFamily="50" charset="-127"/>
-              </a:endParaRPr>
             </a:p>
           </p:txBody>
         </p:sp>
@@ -10242,16 +10216,12 @@
             <a:lstStyle/>
             <a:p>
               <a:r>
-                <a:rPr lang="ko-KR" altLang="en-US" dirty="0" smtClean="0">
+                <a:rPr lang="ko-KR" altLang="en-US" dirty="0">
                   <a:latin typeface="마루 부리 Beta" pitchFamily="50" charset="-127"/>
                   <a:ea typeface="마루 부리 Beta" pitchFamily="50" charset="-127"/>
                 </a:rPr>
                 <a:t>충분히 높은 주파수로 샘플링해서 에일리어싱을 방지한 경우</a:t>
               </a:r>
-              <a:endParaRPr lang="ko-KR" altLang="en-US" dirty="0">
-                <a:latin typeface="마루 부리 Beta" pitchFamily="50" charset="-127"/>
-                <a:ea typeface="마루 부리 Beta" pitchFamily="50" charset="-127"/>
-              </a:endParaRPr>
             </a:p>
           </p:txBody>
         </p:sp>
@@ -10538,8 +10508,8 @@
           </a:extLst>
         </p:spPr>
       </p:pic>
-      <mc:AlternateContent xmlns:mc="http://schemas.openxmlformats.org/markup-compatibility/2006">
-        <mc:Choice xmlns:a14="http://schemas.microsoft.com/office/drawing/2010/main" Requires="a14">
+      <mc:AlternateContent xmlns:mc="http://schemas.openxmlformats.org/markup-compatibility/2006" xmlns:a14="http://schemas.microsoft.com/office/drawing/2010/main">
+        <mc:Choice Requires="a14">
           <p:sp>
             <p:nvSpPr>
               <p:cNvPr id="4" name="TextBox 3"/>
@@ -10562,6 +10532,7 @@
               </a:bodyPr>
               <a:lstStyle/>
               <a:p>
+                <a:pPr/>
                 <a14:m>
                   <m:oMathPara xmlns:m="http://schemas.openxmlformats.org/officeDocument/2006/math">
                     <m:oMathParaPr>
@@ -10582,7 +10553,7 @@
             </p:txBody>
           </p:sp>
         </mc:Choice>
-        <mc:Fallback>
+        <mc:Fallback xmlns="">
           <p:sp>
             <p:nvSpPr>
               <p:cNvPr id="4" name="TextBox 3"/>
@@ -10621,8 +10592,8 @@
           </p:sp>
         </mc:Fallback>
       </mc:AlternateContent>
-      <mc:AlternateContent xmlns:mc="http://schemas.openxmlformats.org/markup-compatibility/2006">
-        <mc:Choice xmlns:a14="http://schemas.microsoft.com/office/drawing/2010/main" Requires="a14">
+      <mc:AlternateContent xmlns:mc="http://schemas.openxmlformats.org/markup-compatibility/2006" xmlns:a14="http://schemas.microsoft.com/office/drawing/2010/main">
+        <mc:Choice Requires="a14">
           <p:sp>
             <p:nvSpPr>
               <p:cNvPr id="7" name="TextBox 6"/>
@@ -10645,6 +10616,7 @@
               </a:bodyPr>
               <a:lstStyle/>
               <a:p>
+                <a:pPr/>
                 <a14:m>
                   <m:oMathPara xmlns:m="http://schemas.openxmlformats.org/officeDocument/2006/math">
                     <m:oMathParaPr>
@@ -10665,7 +10637,7 @@
             </p:txBody>
           </p:sp>
         </mc:Choice>
-        <mc:Fallback>
+        <mc:Fallback xmlns="">
           <p:sp>
             <p:nvSpPr>
               <p:cNvPr id="7" name="TextBox 6"/>
@@ -10718,6 +10690,655 @@
 </file>
 
 <file path=ppt/slides/slide6.xml><?xml version="1.0" encoding="utf-8"?>
+<p:sld xmlns:a="http://schemas.openxmlformats.org/drawingml/2006/main" xmlns:r="http://schemas.openxmlformats.org/officeDocument/2006/relationships" xmlns:p="http://schemas.openxmlformats.org/presentationml/2006/main">
+  <p:cSld>
+    <p:spTree>
+      <p:nvGrpSpPr>
+        <p:cNvPr id="1" name=""/>
+        <p:cNvGrpSpPr/>
+        <p:nvPr/>
+      </p:nvGrpSpPr>
+      <p:grpSpPr>
+        <a:xfrm>
+          <a:off x="0" y="0"/>
+          <a:ext cx="0" cy="0"/>
+          <a:chOff x="0" y="0"/>
+          <a:chExt cx="0" cy="0"/>
+        </a:xfrm>
+      </p:grpSpPr>
+      <p:pic>
+        <p:nvPicPr>
+          <p:cNvPr id="1027" name="Picture 3"/>
+          <p:cNvPicPr>
+            <a:picLocks noChangeAspect="1" noChangeArrowheads="1"/>
+          </p:cNvPicPr>
+          <p:nvPr/>
+        </p:nvPicPr>
+        <p:blipFill>
+          <a:blip r:embed="rId2">
+            <a:extLst>
+              <a:ext uri="{28A0092B-C50C-407E-A947-70E740481C1C}">
+                <a14:useLocalDpi xmlns:a14="http://schemas.microsoft.com/office/drawing/2010/main" val="0"/>
+              </a:ext>
+            </a:extLst>
+          </a:blip>
+          <a:srcRect/>
+          <a:stretch>
+            <a:fillRect/>
+          </a:stretch>
+        </p:blipFill>
+        <p:spPr bwMode="auto">
+          <a:xfrm>
+            <a:off x="100013" y="1528763"/>
+            <a:ext cx="8943975" cy="3800475"/>
+          </a:xfrm>
+          <a:prstGeom prst="rect">
+            <a:avLst/>
+          </a:prstGeom>
+          <a:noFill/>
+          <a:ln>
+            <a:noFill/>
+          </a:ln>
+          <a:effectLst/>
+          <a:extLst>
+            <a:ext uri="{909E8E84-426E-40DD-AFC4-6F175D3DCCD1}">
+              <a14:hiddenFill xmlns:a14="http://schemas.microsoft.com/office/drawing/2010/main">
+                <a:solidFill>
+                  <a:schemeClr val="accent1"/>
+                </a:solidFill>
+              </a14:hiddenFill>
+            </a:ext>
+            <a:ext uri="{91240B29-F687-4F45-9708-019B960494DF}">
+              <a14:hiddenLine xmlns:a14="http://schemas.microsoft.com/office/drawing/2010/main" w="9525">
+                <a:solidFill>
+                  <a:schemeClr val="tx1"/>
+                </a:solidFill>
+                <a:miter lim="800000"/>
+                <a:headEnd/>
+                <a:tailEnd/>
+              </a14:hiddenLine>
+            </a:ext>
+            <a:ext uri="{AF507438-7753-43E0-B8FC-AC1667EBCBE1}">
+              <a14:hiddenEffects xmlns:a14="http://schemas.microsoft.com/office/drawing/2010/main">
+                <a:effectLst>
+                  <a:outerShdw dist="35921" dir="2700000" algn="ctr" rotWithShape="0">
+                    <a:schemeClr val="bg2"/>
+                  </a:outerShdw>
+                </a:effectLst>
+              </a14:hiddenEffects>
+            </a:ext>
+          </a:extLst>
+        </p:spPr>
+      </p:pic>
+      <mc:AlternateContent xmlns:mc="http://schemas.openxmlformats.org/markup-compatibility/2006" xmlns:a14="http://schemas.microsoft.com/office/drawing/2010/main">
+        <mc:Choice Requires="a14">
+          <p:sp>
+            <p:nvSpPr>
+              <p:cNvPr id="4" name="TextBox 3"/>
+              <p:cNvSpPr txBox="1"/>
+              <p:nvPr/>
+            </p:nvSpPr>
+            <p:spPr>
+              <a:xfrm>
+                <a:off x="3347864" y="2276872"/>
+                <a:ext cx="463588" cy="369332"/>
+              </a:xfrm>
+              <a:prstGeom prst="rect">
+                <a:avLst/>
+              </a:prstGeom>
+              <a:noFill/>
+            </p:spPr>
+            <p:txBody>
+              <a:bodyPr wrap="none" rtlCol="0">
+                <a:spAutoFit/>
+              </a:bodyPr>
+              <a:lstStyle/>
+              <a:p>
+                <a:pPr/>
+                <a14:m>
+                  <m:oMathPara xmlns:m="http://schemas.openxmlformats.org/officeDocument/2006/math">
+                    <m:oMathParaPr>
+                      <m:jc m:val="centerGroup"/>
+                    </m:oMathParaPr>
+                    <m:oMath xmlns:m="http://schemas.openxmlformats.org/officeDocument/2006/math">
+                      <m:r>
+                        <a:rPr lang="en-US" altLang="ko-KR" b="0" i="1" smtClean="0">
+                          <a:latin typeface="Cambria Math"/>
+                        </a:rPr>
+                        <m:t>⋯</m:t>
+                      </m:r>
+                    </m:oMath>
+                  </m:oMathPara>
+                </a14:m>
+                <a:endParaRPr lang="ko-KR" altLang="en-US" dirty="0"/>
+              </a:p>
+            </p:txBody>
+          </p:sp>
+        </mc:Choice>
+        <mc:Fallback xmlns="">
+          <p:sp>
+            <p:nvSpPr>
+              <p:cNvPr id="4" name="TextBox 3"/>
+              <p:cNvSpPr txBox="1">
+                <a:spLocks noRot="1" noChangeAspect="1" noMove="1" noResize="1" noEditPoints="1" noAdjustHandles="1" noChangeArrowheads="1" noChangeShapeType="1" noTextEdit="1"/>
+              </p:cNvSpPr>
+              <p:nvPr/>
+            </p:nvSpPr>
+            <p:spPr>
+              <a:xfrm>
+                <a:off x="3347864" y="2276872"/>
+                <a:ext cx="463588" cy="369332"/>
+              </a:xfrm>
+              <a:prstGeom prst="rect">
+                <a:avLst/>
+              </a:prstGeom>
+              <a:blipFill rotWithShape="1">
+                <a:blip r:embed="rId3"/>
+                <a:stretch>
+                  <a:fillRect/>
+                </a:stretch>
+              </a:blipFill>
+            </p:spPr>
+            <p:txBody>
+              <a:bodyPr/>
+              <a:lstStyle/>
+              <a:p>
+                <a:r>
+                  <a:rPr lang="ko-KR" altLang="en-US">
+                    <a:noFill/>
+                  </a:rPr>
+                  <a:t> </a:t>
+                </a:r>
+              </a:p>
+            </p:txBody>
+          </p:sp>
+        </mc:Fallback>
+      </mc:AlternateContent>
+      <mc:AlternateContent xmlns:mc="http://schemas.openxmlformats.org/markup-compatibility/2006" xmlns:a14="http://schemas.microsoft.com/office/drawing/2010/main">
+        <mc:Choice Requires="a14">
+          <p:sp>
+            <p:nvSpPr>
+              <p:cNvPr id="7" name="TextBox 6"/>
+              <p:cNvSpPr txBox="1"/>
+              <p:nvPr/>
+            </p:nvSpPr>
+            <p:spPr>
+              <a:xfrm>
+                <a:off x="5580112" y="2276872"/>
+                <a:ext cx="463588" cy="369332"/>
+              </a:xfrm>
+              <a:prstGeom prst="rect">
+                <a:avLst/>
+              </a:prstGeom>
+              <a:noFill/>
+            </p:spPr>
+            <p:txBody>
+              <a:bodyPr wrap="none" rtlCol="0">
+                <a:spAutoFit/>
+              </a:bodyPr>
+              <a:lstStyle/>
+              <a:p>
+                <a:pPr/>
+                <a14:m>
+                  <m:oMathPara xmlns:m="http://schemas.openxmlformats.org/officeDocument/2006/math">
+                    <m:oMathParaPr>
+                      <m:jc m:val="centerGroup"/>
+                    </m:oMathParaPr>
+                    <m:oMath xmlns:m="http://schemas.openxmlformats.org/officeDocument/2006/math">
+                      <m:r>
+                        <a:rPr lang="en-US" altLang="ko-KR" b="0" i="1" smtClean="0">
+                          <a:latin typeface="Cambria Math"/>
+                        </a:rPr>
+                        <m:t>⋯</m:t>
+                      </m:r>
+                    </m:oMath>
+                  </m:oMathPara>
+                </a14:m>
+                <a:endParaRPr lang="ko-KR" altLang="en-US" dirty="0"/>
+              </a:p>
+            </p:txBody>
+          </p:sp>
+        </mc:Choice>
+        <mc:Fallback xmlns="">
+          <p:sp>
+            <p:nvSpPr>
+              <p:cNvPr id="7" name="TextBox 6"/>
+              <p:cNvSpPr txBox="1">
+                <a:spLocks noRot="1" noChangeAspect="1" noMove="1" noResize="1" noEditPoints="1" noAdjustHandles="1" noChangeArrowheads="1" noChangeShapeType="1" noTextEdit="1"/>
+              </p:cNvSpPr>
+              <p:nvPr/>
+            </p:nvSpPr>
+            <p:spPr>
+              <a:xfrm>
+                <a:off x="5580112" y="2276872"/>
+                <a:ext cx="463588" cy="369332"/>
+              </a:xfrm>
+              <a:prstGeom prst="rect">
+                <a:avLst/>
+              </a:prstGeom>
+              <a:blipFill rotWithShape="1">
+                <a:blip r:embed="rId4"/>
+                <a:stretch>
+                  <a:fillRect/>
+                </a:stretch>
+              </a:blipFill>
+            </p:spPr>
+            <p:txBody>
+              <a:bodyPr/>
+              <a:lstStyle/>
+              <a:p>
+                <a:r>
+                  <a:rPr lang="ko-KR" altLang="en-US">
+                    <a:noFill/>
+                  </a:rPr>
+                  <a:t> </a:t>
+                </a:r>
+              </a:p>
+            </p:txBody>
+          </p:sp>
+        </mc:Fallback>
+      </mc:AlternateContent>
+      <p:sp>
+        <p:nvSpPr>
+          <p:cNvPr id="2" name="TextBox 1">
+            <a:extLst>
+              <a:ext uri="{FF2B5EF4-FFF2-40B4-BE49-F238E27FC236}">
+                <a16:creationId xmlns:a16="http://schemas.microsoft.com/office/drawing/2014/main" id="{3E152CF4-D847-4A27-E1F0-9A0ED2097ACC}"/>
+              </a:ext>
+            </a:extLst>
+          </p:cNvPr>
+          <p:cNvSpPr txBox="1"/>
+          <p:nvPr/>
+        </p:nvSpPr>
+        <p:spPr>
+          <a:xfrm>
+            <a:off x="2633381" y="1539250"/>
+            <a:ext cx="4233147" cy="276999"/>
+          </a:xfrm>
+          <a:prstGeom prst="rect">
+            <a:avLst/>
+          </a:prstGeom>
+          <a:solidFill>
+            <a:schemeClr val="bg1"/>
+          </a:solidFill>
+        </p:spPr>
+        <p:txBody>
+          <a:bodyPr wrap="none" rtlCol="0">
+            <a:spAutoFit/>
+          </a:bodyPr>
+          <a:lstStyle/>
+          <a:p>
+            <a:pPr algn="ctr"/>
+            <a:r>
+              <a:rPr lang="en-US" sz="1200" dirty="0"/>
+              <a:t>Frequency Spectrum of Continuous Periodic Signal (CTFS)</a:t>
+            </a:r>
+          </a:p>
+        </p:txBody>
+      </p:sp>
+      <p:sp>
+        <p:nvSpPr>
+          <p:cNvPr id="5" name="Rectangle 4">
+            <a:extLst>
+              <a:ext uri="{FF2B5EF4-FFF2-40B4-BE49-F238E27FC236}">
+                <a16:creationId xmlns:a16="http://schemas.microsoft.com/office/drawing/2014/main" id="{FEF35BB6-98AA-2637-F7CD-B7A0A64E479C}"/>
+              </a:ext>
+            </a:extLst>
+          </p:cNvPr>
+          <p:cNvSpPr/>
+          <p:nvPr/>
+        </p:nvSpPr>
+        <p:spPr>
+          <a:xfrm>
+            <a:off x="4067944" y="3247358"/>
+            <a:ext cx="1296144" cy="191710"/>
+          </a:xfrm>
+          <a:prstGeom prst="rect">
+            <a:avLst/>
+          </a:prstGeom>
+          <a:solidFill>
+            <a:schemeClr val="bg1"/>
+          </a:solidFill>
+          <a:ln>
+            <a:noFill/>
+          </a:ln>
+        </p:spPr>
+        <p:style>
+          <a:lnRef idx="2">
+            <a:schemeClr val="accent1">
+              <a:shade val="50000"/>
+            </a:schemeClr>
+          </a:lnRef>
+          <a:fillRef idx="1">
+            <a:schemeClr val="accent1"/>
+          </a:fillRef>
+          <a:effectRef idx="0">
+            <a:schemeClr val="accent1"/>
+          </a:effectRef>
+          <a:fontRef idx="minor">
+            <a:schemeClr val="lt1"/>
+          </a:fontRef>
+        </p:style>
+        <p:txBody>
+          <a:bodyPr rtlCol="0" anchor="ctr"/>
+          <a:lstStyle/>
+          <a:p>
+            <a:pPr algn="ctr"/>
+            <a:endParaRPr lang="en-US"/>
+          </a:p>
+        </p:txBody>
+      </p:sp>
+      <p:sp>
+        <p:nvSpPr>
+          <p:cNvPr id="6" name="Rectangle 5">
+            <a:extLst>
+              <a:ext uri="{FF2B5EF4-FFF2-40B4-BE49-F238E27FC236}">
+                <a16:creationId xmlns:a16="http://schemas.microsoft.com/office/drawing/2014/main" id="{32E2205F-E519-57DB-E459-CF783CCB4AD0}"/>
+              </a:ext>
+            </a:extLst>
+          </p:cNvPr>
+          <p:cNvSpPr/>
+          <p:nvPr/>
+        </p:nvSpPr>
+        <p:spPr>
+          <a:xfrm>
+            <a:off x="3923928" y="5367839"/>
+            <a:ext cx="1656184" cy="191710"/>
+          </a:xfrm>
+          <a:prstGeom prst="rect">
+            <a:avLst/>
+          </a:prstGeom>
+          <a:solidFill>
+            <a:schemeClr val="bg1"/>
+          </a:solidFill>
+          <a:ln>
+            <a:noFill/>
+          </a:ln>
+        </p:spPr>
+        <p:style>
+          <a:lnRef idx="2">
+            <a:schemeClr val="accent1">
+              <a:shade val="50000"/>
+            </a:schemeClr>
+          </a:lnRef>
+          <a:fillRef idx="1">
+            <a:schemeClr val="accent1"/>
+          </a:fillRef>
+          <a:effectRef idx="0">
+            <a:schemeClr val="accent1"/>
+          </a:effectRef>
+          <a:fontRef idx="minor">
+            <a:schemeClr val="lt1"/>
+          </a:fontRef>
+        </p:style>
+        <p:txBody>
+          <a:bodyPr rtlCol="0" anchor="ctr"/>
+          <a:lstStyle/>
+          <a:p>
+            <a:pPr algn="ctr"/>
+            <a:endParaRPr lang="en-US"/>
+          </a:p>
+        </p:txBody>
+      </p:sp>
+      <mc:AlternateContent xmlns:mc="http://schemas.openxmlformats.org/markup-compatibility/2006">
+        <mc:Choice xmlns:a14="http://schemas.microsoft.com/office/drawing/2010/main" Requires="a14">
+          <p:sp>
+            <p:nvSpPr>
+              <p:cNvPr id="3" name="TextBox 2">
+                <a:extLst>
+                  <a:ext uri="{FF2B5EF4-FFF2-40B4-BE49-F238E27FC236}">
+                    <a16:creationId xmlns:a16="http://schemas.microsoft.com/office/drawing/2014/main" id="{1C87D610-C04C-8F86-3585-3A2A3279092D}"/>
+                  </a:ext>
+                </a:extLst>
+              </p:cNvPr>
+              <p:cNvSpPr txBox="1"/>
+              <p:nvPr/>
+            </p:nvSpPr>
+            <p:spPr>
+              <a:xfrm>
+                <a:off x="3984487" y="3151582"/>
+                <a:ext cx="1530933" cy="253916"/>
+              </a:xfrm>
+              <a:prstGeom prst="rect">
+                <a:avLst/>
+              </a:prstGeom>
+              <a:noFill/>
+            </p:spPr>
+            <p:txBody>
+              <a:bodyPr wrap="none" rtlCol="0">
+                <a:spAutoFit/>
+              </a:bodyPr>
+              <a:lstStyle/>
+              <a:p>
+                <a:pPr algn="ctr"/>
+                <a:r>
+                  <a:rPr lang="en-US" sz="1050" dirty="0"/>
+                  <a:t>angular freq </a:t>
+                </a:r>
+                <a14:m>
+                  <m:oMath xmlns:m="http://schemas.openxmlformats.org/officeDocument/2006/math">
+                    <m:r>
+                      <a:rPr lang="en-US" sz="1050" b="0" i="1" smtClean="0">
+                        <a:latin typeface="Cambria Math" panose="02040503050406030204" pitchFamily="18" charset="0"/>
+                      </a:rPr>
+                      <m:t>𝜔</m:t>
+                    </m:r>
+                  </m:oMath>
+                </a14:m>
+                <a:r>
+                  <a:rPr lang="en-US" sz="1050" dirty="0"/>
+                  <a:t> [rad/s]</a:t>
+                </a:r>
+              </a:p>
+            </p:txBody>
+          </p:sp>
+        </mc:Choice>
+        <mc:Fallback>
+          <p:sp>
+            <p:nvSpPr>
+              <p:cNvPr id="3" name="TextBox 2">
+                <a:extLst>
+                  <a:ext uri="{FF2B5EF4-FFF2-40B4-BE49-F238E27FC236}">
+                    <a16:creationId xmlns:a16="http://schemas.microsoft.com/office/drawing/2014/main" id="{1C87D610-C04C-8F86-3585-3A2A3279092D}"/>
+                  </a:ext>
+                </a:extLst>
+              </p:cNvPr>
+              <p:cNvSpPr txBox="1">
+                <a:spLocks noRot="1" noChangeAspect="1" noMove="1" noResize="1" noEditPoints="1" noAdjustHandles="1" noChangeArrowheads="1" noChangeShapeType="1" noTextEdit="1"/>
+              </p:cNvSpPr>
+              <p:nvPr/>
+            </p:nvSpPr>
+            <p:spPr>
+              <a:xfrm>
+                <a:off x="3984487" y="3151582"/>
+                <a:ext cx="1530933" cy="253916"/>
+              </a:xfrm>
+              <a:prstGeom prst="rect">
+                <a:avLst/>
+              </a:prstGeom>
+              <a:blipFill>
+                <a:blip r:embed="rId5"/>
+                <a:stretch>
+                  <a:fillRect t="-2381" b="-9524"/>
+                </a:stretch>
+              </a:blipFill>
+            </p:spPr>
+            <p:txBody>
+              <a:bodyPr/>
+              <a:lstStyle/>
+              <a:p>
+                <a:r>
+                  <a:rPr lang="en-US">
+                    <a:noFill/>
+                  </a:rPr>
+                  <a:t> </a:t>
+                </a:r>
+              </a:p>
+            </p:txBody>
+          </p:sp>
+        </mc:Fallback>
+      </mc:AlternateContent>
+      <p:sp>
+        <p:nvSpPr>
+          <p:cNvPr id="8" name="TextBox 7">
+            <a:extLst>
+              <a:ext uri="{FF2B5EF4-FFF2-40B4-BE49-F238E27FC236}">
+                <a16:creationId xmlns:a16="http://schemas.microsoft.com/office/drawing/2014/main" id="{8A9B20B8-EC4D-9764-C964-DBEADE85FD12}"/>
+              </a:ext>
+            </a:extLst>
+          </p:cNvPr>
+          <p:cNvSpPr txBox="1"/>
+          <p:nvPr/>
+        </p:nvSpPr>
+        <p:spPr>
+          <a:xfrm>
+            <a:off x="2741849" y="3371281"/>
+            <a:ext cx="3987630" cy="236229"/>
+          </a:xfrm>
+          <a:prstGeom prst="rect">
+            <a:avLst/>
+          </a:prstGeom>
+          <a:solidFill>
+            <a:schemeClr val="bg1"/>
+          </a:solidFill>
+        </p:spPr>
+        <p:txBody>
+          <a:bodyPr wrap="none" rtlCol="0">
+            <a:spAutoFit/>
+          </a:bodyPr>
+          <a:lstStyle/>
+          <a:p>
+            <a:pPr algn="ctr"/>
+            <a:r>
+              <a:rPr lang="en-US" sz="1200" dirty="0"/>
+              <a:t>Frequency Spectrum of Discrete Periodic Signal (DTFS)</a:t>
+            </a:r>
+          </a:p>
+        </p:txBody>
+      </p:sp>
+      <mc:AlternateContent xmlns:mc="http://schemas.openxmlformats.org/markup-compatibility/2006">
+        <mc:Choice xmlns:a14="http://schemas.microsoft.com/office/drawing/2010/main" Requires="a14">
+          <p:sp>
+            <p:nvSpPr>
+              <p:cNvPr id="9" name="TextBox 8">
+                <a:extLst>
+                  <a:ext uri="{FF2B5EF4-FFF2-40B4-BE49-F238E27FC236}">
+                    <a16:creationId xmlns:a16="http://schemas.microsoft.com/office/drawing/2014/main" id="{64E53EBE-2812-1DFE-48E6-AA7CF71EC910}"/>
+                  </a:ext>
+                </a:extLst>
+              </p:cNvPr>
+              <p:cNvSpPr txBox="1"/>
+              <p:nvPr/>
+            </p:nvSpPr>
+            <p:spPr>
+              <a:xfrm>
+                <a:off x="3818824" y="5047059"/>
+                <a:ext cx="1835759" cy="253916"/>
+              </a:xfrm>
+              <a:prstGeom prst="rect">
+                <a:avLst/>
+              </a:prstGeom>
+              <a:solidFill>
+                <a:schemeClr val="bg1"/>
+              </a:solidFill>
+            </p:spPr>
+            <p:txBody>
+              <a:bodyPr wrap="none" rtlCol="0">
+                <a:spAutoFit/>
+              </a:bodyPr>
+              <a:lstStyle/>
+              <a:p>
+                <a:pPr algn="ctr"/>
+                <a:r>
+                  <a:rPr lang="en-US" sz="1050" dirty="0"/>
+                  <a:t>Digital angular freq </a:t>
+                </a:r>
+                <a14:m>
+                  <m:oMath xmlns:m="http://schemas.openxmlformats.org/officeDocument/2006/math">
+                    <m:r>
+                      <m:rPr>
+                        <m:sty m:val="p"/>
+                      </m:rPr>
+                      <a:rPr lang="en-US" sz="1050" b="0" i="0" smtClean="0">
+                        <a:latin typeface="Cambria Math" panose="02040503050406030204" pitchFamily="18" charset="0"/>
+                      </a:rPr>
+                      <m:t>Ω</m:t>
+                    </m:r>
+                    <m:r>
+                      <a:rPr lang="en-US" sz="1050" b="0" i="1" smtClean="0">
+                        <a:latin typeface="Cambria Math" panose="02040503050406030204" pitchFamily="18" charset="0"/>
+                      </a:rPr>
+                      <m:t> </m:t>
+                    </m:r>
+                  </m:oMath>
+                </a14:m>
+                <a:r>
+                  <a:rPr lang="en-US" sz="1050" dirty="0"/>
+                  <a:t>[rad]</a:t>
+                </a:r>
+              </a:p>
+            </p:txBody>
+          </p:sp>
+        </mc:Choice>
+        <mc:Fallback>
+          <p:sp>
+            <p:nvSpPr>
+              <p:cNvPr id="9" name="TextBox 8">
+                <a:extLst>
+                  <a:ext uri="{FF2B5EF4-FFF2-40B4-BE49-F238E27FC236}">
+                    <a16:creationId xmlns:a16="http://schemas.microsoft.com/office/drawing/2014/main" id="{64E53EBE-2812-1DFE-48E6-AA7CF71EC910}"/>
+                  </a:ext>
+                </a:extLst>
+              </p:cNvPr>
+              <p:cNvSpPr txBox="1">
+                <a:spLocks noRot="1" noChangeAspect="1" noMove="1" noResize="1" noEditPoints="1" noAdjustHandles="1" noChangeArrowheads="1" noChangeShapeType="1" noTextEdit="1"/>
+              </p:cNvSpPr>
+              <p:nvPr/>
+            </p:nvSpPr>
+            <p:spPr>
+              <a:xfrm>
+                <a:off x="3818824" y="5047059"/>
+                <a:ext cx="1835759" cy="253916"/>
+              </a:xfrm>
+              <a:prstGeom prst="rect">
+                <a:avLst/>
+              </a:prstGeom>
+              <a:blipFill>
+                <a:blip r:embed="rId6"/>
+                <a:stretch>
+                  <a:fillRect t="-2381" b="-9524"/>
+                </a:stretch>
+              </a:blipFill>
+            </p:spPr>
+            <p:txBody>
+              <a:bodyPr/>
+              <a:lstStyle/>
+              <a:p>
+                <a:r>
+                  <a:rPr lang="en-US">
+                    <a:noFill/>
+                  </a:rPr>
+                  <a:t> </a:t>
+                </a:r>
+              </a:p>
+            </p:txBody>
+          </p:sp>
+        </mc:Fallback>
+      </mc:AlternateContent>
+    </p:spTree>
+    <p:extLst>
+      <p:ext uri="{BB962C8B-B14F-4D97-AF65-F5344CB8AC3E}">
+        <p14:creationId xmlns:p14="http://schemas.microsoft.com/office/powerpoint/2010/main" val="3979242755"/>
+      </p:ext>
+    </p:extLst>
+  </p:cSld>
+  <p:clrMapOvr>
+    <a:masterClrMapping/>
+  </p:clrMapOvr>
+</p:sld>
+</file>
+
+<file path=ppt/slides/slide7.xml><?xml version="1.0" encoding="utf-8"?>
 <p:sld xmlns:a="http://schemas.openxmlformats.org/drawingml/2006/main" xmlns:r="http://schemas.openxmlformats.org/officeDocument/2006/relationships" xmlns:p="http://schemas.openxmlformats.org/presentationml/2006/main">
   <p:cSld>
     <p:spTree>
@@ -10798,10 +11419,595 @@
           </a:extLst>
         </p:spPr>
       </p:pic>
+      <p:sp>
+        <p:nvSpPr>
+          <p:cNvPr id="3" name="Rectangle 2">
+            <a:extLst>
+              <a:ext uri="{FF2B5EF4-FFF2-40B4-BE49-F238E27FC236}">
+                <a16:creationId xmlns:a16="http://schemas.microsoft.com/office/drawing/2014/main" id="{C438C1A2-12AA-231F-4B99-8F832D8C480B}"/>
+              </a:ext>
+            </a:extLst>
+          </p:cNvPr>
+          <p:cNvSpPr/>
+          <p:nvPr/>
+        </p:nvSpPr>
+        <p:spPr>
+          <a:xfrm>
+            <a:off x="4067944" y="3247358"/>
+            <a:ext cx="1296144" cy="191710"/>
+          </a:xfrm>
+          <a:prstGeom prst="rect">
+            <a:avLst/>
+          </a:prstGeom>
+          <a:solidFill>
+            <a:schemeClr val="bg1"/>
+          </a:solidFill>
+          <a:ln>
+            <a:noFill/>
+          </a:ln>
+        </p:spPr>
+        <p:style>
+          <a:lnRef idx="2">
+            <a:schemeClr val="accent1">
+              <a:shade val="50000"/>
+            </a:schemeClr>
+          </a:lnRef>
+          <a:fillRef idx="1">
+            <a:schemeClr val="accent1"/>
+          </a:fillRef>
+          <a:effectRef idx="0">
+            <a:schemeClr val="accent1"/>
+          </a:effectRef>
+          <a:fontRef idx="minor">
+            <a:schemeClr val="lt1"/>
+          </a:fontRef>
+        </p:style>
+        <p:txBody>
+          <a:bodyPr rtlCol="0" anchor="ctr"/>
+          <a:lstStyle/>
+          <a:p>
+            <a:pPr algn="ctr"/>
+            <a:endParaRPr lang="en-US"/>
+          </a:p>
+        </p:txBody>
+      </p:sp>
+      <p:sp>
+        <p:nvSpPr>
+          <p:cNvPr id="4" name="Rectangle 3">
+            <a:extLst>
+              <a:ext uri="{FF2B5EF4-FFF2-40B4-BE49-F238E27FC236}">
+                <a16:creationId xmlns:a16="http://schemas.microsoft.com/office/drawing/2014/main" id="{E3B836A8-4837-AB4E-CDB8-56657E053D55}"/>
+              </a:ext>
+            </a:extLst>
+          </p:cNvPr>
+          <p:cNvSpPr/>
+          <p:nvPr/>
+        </p:nvSpPr>
+        <p:spPr>
+          <a:xfrm>
+            <a:off x="3923928" y="5367839"/>
+            <a:ext cx="1656184" cy="191710"/>
+          </a:xfrm>
+          <a:prstGeom prst="rect">
+            <a:avLst/>
+          </a:prstGeom>
+          <a:solidFill>
+            <a:schemeClr val="bg1"/>
+          </a:solidFill>
+          <a:ln>
+            <a:noFill/>
+          </a:ln>
+        </p:spPr>
+        <p:style>
+          <a:lnRef idx="2">
+            <a:schemeClr val="accent1">
+              <a:shade val="50000"/>
+            </a:schemeClr>
+          </a:lnRef>
+          <a:fillRef idx="1">
+            <a:schemeClr val="accent1"/>
+          </a:fillRef>
+          <a:effectRef idx="0">
+            <a:schemeClr val="accent1"/>
+          </a:effectRef>
+          <a:fontRef idx="minor">
+            <a:schemeClr val="lt1"/>
+          </a:fontRef>
+        </p:style>
+        <p:txBody>
+          <a:bodyPr rtlCol="0" anchor="ctr"/>
+          <a:lstStyle/>
+          <a:p>
+            <a:pPr algn="ctr"/>
+            <a:endParaRPr lang="en-US"/>
+          </a:p>
+        </p:txBody>
+      </p:sp>
     </p:spTree>
     <p:extLst>
       <p:ext uri="{BB962C8B-B14F-4D97-AF65-F5344CB8AC3E}">
         <p14:creationId xmlns:p14="http://schemas.microsoft.com/office/powerpoint/2010/main" val="2768521767"/>
+      </p:ext>
+    </p:extLst>
+  </p:cSld>
+  <p:clrMapOvr>
+    <a:masterClrMapping/>
+  </p:clrMapOvr>
+</p:sld>
+</file>
+
+<file path=ppt/slides/slide8.xml><?xml version="1.0" encoding="utf-8"?>
+<p:sld xmlns:a="http://schemas.openxmlformats.org/drawingml/2006/main" xmlns:r="http://schemas.openxmlformats.org/officeDocument/2006/relationships" xmlns:p="http://schemas.openxmlformats.org/presentationml/2006/main">
+  <p:cSld>
+    <p:spTree>
+      <p:nvGrpSpPr>
+        <p:cNvPr id="1" name=""/>
+        <p:cNvGrpSpPr/>
+        <p:nvPr/>
+      </p:nvGrpSpPr>
+      <p:grpSpPr>
+        <a:xfrm>
+          <a:off x="0" y="0"/>
+          <a:ext cx="0" cy="0"/>
+          <a:chOff x="0" y="0"/>
+          <a:chExt cx="0" cy="0"/>
+        </a:xfrm>
+      </p:grpSpPr>
+      <p:pic>
+        <p:nvPicPr>
+          <p:cNvPr id="2051" name="Picture 3"/>
+          <p:cNvPicPr>
+            <a:picLocks noChangeAspect="1" noChangeArrowheads="1"/>
+          </p:cNvPicPr>
+          <p:nvPr/>
+        </p:nvPicPr>
+        <p:blipFill>
+          <a:blip r:embed="rId2">
+            <a:extLst>
+              <a:ext uri="{28A0092B-C50C-407E-A947-70E740481C1C}">
+                <a14:useLocalDpi xmlns:a14="http://schemas.microsoft.com/office/drawing/2010/main" val="0"/>
+              </a:ext>
+            </a:extLst>
+          </a:blip>
+          <a:srcRect/>
+          <a:stretch>
+            <a:fillRect/>
+          </a:stretch>
+        </p:blipFill>
+        <p:spPr bwMode="auto">
+          <a:xfrm>
+            <a:off x="100013" y="1528763"/>
+            <a:ext cx="8943975" cy="3800475"/>
+          </a:xfrm>
+          <a:prstGeom prst="rect">
+            <a:avLst/>
+          </a:prstGeom>
+          <a:noFill/>
+          <a:ln>
+            <a:noFill/>
+          </a:ln>
+          <a:effectLst/>
+          <a:extLst>
+            <a:ext uri="{909E8E84-426E-40DD-AFC4-6F175D3DCCD1}">
+              <a14:hiddenFill xmlns:a14="http://schemas.microsoft.com/office/drawing/2010/main">
+                <a:solidFill>
+                  <a:schemeClr val="accent1"/>
+                </a:solidFill>
+              </a14:hiddenFill>
+            </a:ext>
+            <a:ext uri="{91240B29-F687-4F45-9708-019B960494DF}">
+              <a14:hiddenLine xmlns:a14="http://schemas.microsoft.com/office/drawing/2010/main" w="9525">
+                <a:solidFill>
+                  <a:schemeClr val="tx1"/>
+                </a:solidFill>
+                <a:miter lim="800000"/>
+                <a:headEnd/>
+                <a:tailEnd/>
+              </a14:hiddenLine>
+            </a:ext>
+            <a:ext uri="{AF507438-7753-43E0-B8FC-AC1667EBCBE1}">
+              <a14:hiddenEffects xmlns:a14="http://schemas.microsoft.com/office/drawing/2010/main">
+                <a:effectLst>
+                  <a:outerShdw dist="35921" dir="2700000" algn="ctr" rotWithShape="0">
+                    <a:schemeClr val="bg2"/>
+                  </a:outerShdw>
+                </a:effectLst>
+              </a14:hiddenEffects>
+            </a:ext>
+          </a:extLst>
+        </p:spPr>
+      </p:pic>
+      <p:sp>
+        <p:nvSpPr>
+          <p:cNvPr id="2" name="TextBox 1">
+            <a:extLst>
+              <a:ext uri="{FF2B5EF4-FFF2-40B4-BE49-F238E27FC236}">
+                <a16:creationId xmlns:a16="http://schemas.microsoft.com/office/drawing/2014/main" id="{8AA6AECE-E7A7-19B3-63C6-74AC1958731C}"/>
+              </a:ext>
+            </a:extLst>
+          </p:cNvPr>
+          <p:cNvSpPr txBox="1"/>
+          <p:nvPr/>
+        </p:nvSpPr>
+        <p:spPr>
+          <a:xfrm>
+            <a:off x="2633381" y="1539250"/>
+            <a:ext cx="4233147" cy="276999"/>
+          </a:xfrm>
+          <a:prstGeom prst="rect">
+            <a:avLst/>
+          </a:prstGeom>
+          <a:solidFill>
+            <a:schemeClr val="bg1"/>
+          </a:solidFill>
+        </p:spPr>
+        <p:txBody>
+          <a:bodyPr wrap="none" rtlCol="0">
+            <a:spAutoFit/>
+          </a:bodyPr>
+          <a:lstStyle/>
+          <a:p>
+            <a:pPr algn="ctr"/>
+            <a:r>
+              <a:rPr lang="en-US" sz="1200" dirty="0"/>
+              <a:t>Frequency Spectrum of Continuous Periodic Signal (CTFS)</a:t>
+            </a:r>
+          </a:p>
+        </p:txBody>
+      </p:sp>
+      <p:sp>
+        <p:nvSpPr>
+          <p:cNvPr id="3" name="Rectangle 2">
+            <a:extLst>
+              <a:ext uri="{FF2B5EF4-FFF2-40B4-BE49-F238E27FC236}">
+                <a16:creationId xmlns:a16="http://schemas.microsoft.com/office/drawing/2014/main" id="{C438C1A2-12AA-231F-4B99-8F832D8C480B}"/>
+              </a:ext>
+            </a:extLst>
+          </p:cNvPr>
+          <p:cNvSpPr/>
+          <p:nvPr/>
+        </p:nvSpPr>
+        <p:spPr>
+          <a:xfrm>
+            <a:off x="4067944" y="3247358"/>
+            <a:ext cx="1296144" cy="191710"/>
+          </a:xfrm>
+          <a:prstGeom prst="rect">
+            <a:avLst/>
+          </a:prstGeom>
+          <a:solidFill>
+            <a:schemeClr val="bg1"/>
+          </a:solidFill>
+          <a:ln>
+            <a:noFill/>
+          </a:ln>
+        </p:spPr>
+        <p:style>
+          <a:lnRef idx="2">
+            <a:schemeClr val="accent1">
+              <a:shade val="50000"/>
+            </a:schemeClr>
+          </a:lnRef>
+          <a:fillRef idx="1">
+            <a:schemeClr val="accent1"/>
+          </a:fillRef>
+          <a:effectRef idx="0">
+            <a:schemeClr val="accent1"/>
+          </a:effectRef>
+          <a:fontRef idx="minor">
+            <a:schemeClr val="lt1"/>
+          </a:fontRef>
+        </p:style>
+        <p:txBody>
+          <a:bodyPr rtlCol="0" anchor="ctr"/>
+          <a:lstStyle/>
+          <a:p>
+            <a:pPr algn="ctr"/>
+            <a:endParaRPr lang="en-US"/>
+          </a:p>
+        </p:txBody>
+      </p:sp>
+      <p:sp>
+        <p:nvSpPr>
+          <p:cNvPr id="4" name="Rectangle 3">
+            <a:extLst>
+              <a:ext uri="{FF2B5EF4-FFF2-40B4-BE49-F238E27FC236}">
+                <a16:creationId xmlns:a16="http://schemas.microsoft.com/office/drawing/2014/main" id="{E3B836A8-4837-AB4E-CDB8-56657E053D55}"/>
+              </a:ext>
+            </a:extLst>
+          </p:cNvPr>
+          <p:cNvSpPr/>
+          <p:nvPr/>
+        </p:nvSpPr>
+        <p:spPr>
+          <a:xfrm>
+            <a:off x="3923928" y="5367839"/>
+            <a:ext cx="1656184" cy="191710"/>
+          </a:xfrm>
+          <a:prstGeom prst="rect">
+            <a:avLst/>
+          </a:prstGeom>
+          <a:solidFill>
+            <a:schemeClr val="bg1"/>
+          </a:solidFill>
+          <a:ln>
+            <a:noFill/>
+          </a:ln>
+        </p:spPr>
+        <p:style>
+          <a:lnRef idx="2">
+            <a:schemeClr val="accent1">
+              <a:shade val="50000"/>
+            </a:schemeClr>
+          </a:lnRef>
+          <a:fillRef idx="1">
+            <a:schemeClr val="accent1"/>
+          </a:fillRef>
+          <a:effectRef idx="0">
+            <a:schemeClr val="accent1"/>
+          </a:effectRef>
+          <a:fontRef idx="minor">
+            <a:schemeClr val="lt1"/>
+          </a:fontRef>
+        </p:style>
+        <p:txBody>
+          <a:bodyPr rtlCol="0" anchor="ctr"/>
+          <a:lstStyle/>
+          <a:p>
+            <a:pPr algn="ctr"/>
+            <a:endParaRPr lang="en-US"/>
+          </a:p>
+        </p:txBody>
+      </p:sp>
+      <mc:AlternateContent xmlns:mc="http://schemas.openxmlformats.org/markup-compatibility/2006">
+        <mc:Choice xmlns:a14="http://schemas.microsoft.com/office/drawing/2010/main" Requires="a14">
+          <p:sp>
+            <p:nvSpPr>
+              <p:cNvPr id="5" name="TextBox 4">
+                <a:extLst>
+                  <a:ext uri="{FF2B5EF4-FFF2-40B4-BE49-F238E27FC236}">
+                    <a16:creationId xmlns:a16="http://schemas.microsoft.com/office/drawing/2014/main" id="{9BAC8743-1DE3-F5B5-8AE1-C8AAB05EE45D}"/>
+                  </a:ext>
+                </a:extLst>
+              </p:cNvPr>
+              <p:cNvSpPr txBox="1"/>
+              <p:nvPr/>
+            </p:nvSpPr>
+            <p:spPr>
+              <a:xfrm>
+                <a:off x="3984487" y="3151582"/>
+                <a:ext cx="1530933" cy="253916"/>
+              </a:xfrm>
+              <a:prstGeom prst="rect">
+                <a:avLst/>
+              </a:prstGeom>
+              <a:noFill/>
+            </p:spPr>
+            <p:txBody>
+              <a:bodyPr wrap="none" rtlCol="0">
+                <a:spAutoFit/>
+              </a:bodyPr>
+              <a:lstStyle/>
+              <a:p>
+                <a:pPr algn="ctr"/>
+                <a:r>
+                  <a:rPr lang="en-US" sz="1050" dirty="0"/>
+                  <a:t>angular freq </a:t>
+                </a:r>
+                <a14:m>
+                  <m:oMath xmlns:m="http://schemas.openxmlformats.org/officeDocument/2006/math">
+                    <m:r>
+                      <a:rPr lang="en-US" sz="1050" b="0" i="1" smtClean="0">
+                        <a:latin typeface="Cambria Math" panose="02040503050406030204" pitchFamily="18" charset="0"/>
+                      </a:rPr>
+                      <m:t>𝜔</m:t>
+                    </m:r>
+                  </m:oMath>
+                </a14:m>
+                <a:r>
+                  <a:rPr lang="en-US" sz="1050" dirty="0"/>
+                  <a:t> [rad/s]</a:t>
+                </a:r>
+              </a:p>
+            </p:txBody>
+          </p:sp>
+        </mc:Choice>
+        <mc:Fallback>
+          <p:sp>
+            <p:nvSpPr>
+              <p:cNvPr id="5" name="TextBox 4">
+                <a:extLst>
+                  <a:ext uri="{FF2B5EF4-FFF2-40B4-BE49-F238E27FC236}">
+                    <a16:creationId xmlns:a16="http://schemas.microsoft.com/office/drawing/2014/main" id="{9BAC8743-1DE3-F5B5-8AE1-C8AAB05EE45D}"/>
+                  </a:ext>
+                </a:extLst>
+              </p:cNvPr>
+              <p:cNvSpPr txBox="1">
+                <a:spLocks noRot="1" noChangeAspect="1" noMove="1" noResize="1" noEditPoints="1" noAdjustHandles="1" noChangeArrowheads="1" noChangeShapeType="1" noTextEdit="1"/>
+              </p:cNvSpPr>
+              <p:nvPr/>
+            </p:nvSpPr>
+            <p:spPr>
+              <a:xfrm>
+                <a:off x="3984487" y="3151582"/>
+                <a:ext cx="1530933" cy="253916"/>
+              </a:xfrm>
+              <a:prstGeom prst="rect">
+                <a:avLst/>
+              </a:prstGeom>
+              <a:blipFill>
+                <a:blip r:embed="rId3"/>
+                <a:stretch>
+                  <a:fillRect t="-2381" b="-9524"/>
+                </a:stretch>
+              </a:blipFill>
+            </p:spPr>
+            <p:txBody>
+              <a:bodyPr/>
+              <a:lstStyle/>
+              <a:p>
+                <a:r>
+                  <a:rPr lang="en-US">
+                    <a:noFill/>
+                  </a:rPr>
+                  <a:t> </a:t>
+                </a:r>
+              </a:p>
+            </p:txBody>
+          </p:sp>
+        </mc:Fallback>
+      </mc:AlternateContent>
+      <p:sp>
+        <p:nvSpPr>
+          <p:cNvPr id="6" name="TextBox 5">
+            <a:extLst>
+              <a:ext uri="{FF2B5EF4-FFF2-40B4-BE49-F238E27FC236}">
+                <a16:creationId xmlns:a16="http://schemas.microsoft.com/office/drawing/2014/main" id="{EDE5C153-791A-5AD9-3EE4-AACBD3F30456}"/>
+              </a:ext>
+            </a:extLst>
+          </p:cNvPr>
+          <p:cNvSpPr txBox="1"/>
+          <p:nvPr/>
+        </p:nvSpPr>
+        <p:spPr>
+          <a:xfrm>
+            <a:off x="2741849" y="3371281"/>
+            <a:ext cx="3987630" cy="236229"/>
+          </a:xfrm>
+          <a:prstGeom prst="rect">
+            <a:avLst/>
+          </a:prstGeom>
+          <a:solidFill>
+            <a:schemeClr val="bg1"/>
+          </a:solidFill>
+        </p:spPr>
+        <p:txBody>
+          <a:bodyPr wrap="none" rtlCol="0">
+            <a:spAutoFit/>
+          </a:bodyPr>
+          <a:lstStyle/>
+          <a:p>
+            <a:pPr algn="ctr"/>
+            <a:r>
+              <a:rPr lang="en-US" sz="1200" dirty="0"/>
+              <a:t>Frequency Spectrum of Discrete Periodic Signal (DTFS)</a:t>
+            </a:r>
+          </a:p>
+        </p:txBody>
+      </p:sp>
+      <mc:AlternateContent xmlns:mc="http://schemas.openxmlformats.org/markup-compatibility/2006">
+        <mc:Choice xmlns:a14="http://schemas.microsoft.com/office/drawing/2010/main" Requires="a14">
+          <p:sp>
+            <p:nvSpPr>
+              <p:cNvPr id="7" name="TextBox 6">
+                <a:extLst>
+                  <a:ext uri="{FF2B5EF4-FFF2-40B4-BE49-F238E27FC236}">
+                    <a16:creationId xmlns:a16="http://schemas.microsoft.com/office/drawing/2014/main" id="{31BB373C-6E9A-2BE0-A6F0-77BA6D777035}"/>
+                  </a:ext>
+                </a:extLst>
+              </p:cNvPr>
+              <p:cNvSpPr txBox="1"/>
+              <p:nvPr/>
+            </p:nvSpPr>
+            <p:spPr>
+              <a:xfrm>
+                <a:off x="3818824" y="5047059"/>
+                <a:ext cx="1835759" cy="253916"/>
+              </a:xfrm>
+              <a:prstGeom prst="rect">
+                <a:avLst/>
+              </a:prstGeom>
+              <a:solidFill>
+                <a:schemeClr val="bg1"/>
+              </a:solidFill>
+            </p:spPr>
+            <p:txBody>
+              <a:bodyPr wrap="none" rtlCol="0">
+                <a:spAutoFit/>
+              </a:bodyPr>
+              <a:lstStyle/>
+              <a:p>
+                <a:pPr algn="ctr"/>
+                <a:r>
+                  <a:rPr lang="en-US" sz="1050" dirty="0"/>
+                  <a:t>Digital angular freq </a:t>
+                </a:r>
+                <a14:m>
+                  <m:oMath xmlns:m="http://schemas.openxmlformats.org/officeDocument/2006/math">
+                    <m:r>
+                      <m:rPr>
+                        <m:sty m:val="p"/>
+                      </m:rPr>
+                      <a:rPr lang="en-US" sz="1050" b="0" i="0" smtClean="0">
+                        <a:latin typeface="Cambria Math" panose="02040503050406030204" pitchFamily="18" charset="0"/>
+                      </a:rPr>
+                      <m:t>Ω</m:t>
+                    </m:r>
+                    <m:r>
+                      <a:rPr lang="en-US" sz="1050" b="0" i="1" smtClean="0">
+                        <a:latin typeface="Cambria Math" panose="02040503050406030204" pitchFamily="18" charset="0"/>
+                      </a:rPr>
+                      <m:t> </m:t>
+                    </m:r>
+                  </m:oMath>
+                </a14:m>
+                <a:r>
+                  <a:rPr lang="en-US" sz="1050" dirty="0"/>
+                  <a:t>[rad]</a:t>
+                </a:r>
+              </a:p>
+            </p:txBody>
+          </p:sp>
+        </mc:Choice>
+        <mc:Fallback>
+          <p:sp>
+            <p:nvSpPr>
+              <p:cNvPr id="7" name="TextBox 6">
+                <a:extLst>
+                  <a:ext uri="{FF2B5EF4-FFF2-40B4-BE49-F238E27FC236}">
+                    <a16:creationId xmlns:a16="http://schemas.microsoft.com/office/drawing/2014/main" id="{31BB373C-6E9A-2BE0-A6F0-77BA6D777035}"/>
+                  </a:ext>
+                </a:extLst>
+              </p:cNvPr>
+              <p:cNvSpPr txBox="1">
+                <a:spLocks noRot="1" noChangeAspect="1" noMove="1" noResize="1" noEditPoints="1" noAdjustHandles="1" noChangeArrowheads="1" noChangeShapeType="1" noTextEdit="1"/>
+              </p:cNvSpPr>
+              <p:nvPr/>
+            </p:nvSpPr>
+            <p:spPr>
+              <a:xfrm>
+                <a:off x="3818824" y="5047059"/>
+                <a:ext cx="1835759" cy="253916"/>
+              </a:xfrm>
+              <a:prstGeom prst="rect">
+                <a:avLst/>
+              </a:prstGeom>
+              <a:blipFill>
+                <a:blip r:embed="rId4"/>
+                <a:stretch>
+                  <a:fillRect t="-2381" b="-9524"/>
+                </a:stretch>
+              </a:blipFill>
+            </p:spPr>
+            <p:txBody>
+              <a:bodyPr/>
+              <a:lstStyle/>
+              <a:p>
+                <a:r>
+                  <a:rPr lang="en-US">
+                    <a:noFill/>
+                  </a:rPr>
+                  <a:t> </a:t>
+                </a:r>
+              </a:p>
+            </p:txBody>
+          </p:sp>
+        </mc:Fallback>
+      </mc:AlternateContent>
+    </p:spTree>
+    <p:extLst>
+      <p:ext uri="{BB962C8B-B14F-4D97-AF65-F5344CB8AC3E}">
+        <p14:creationId xmlns:p14="http://schemas.microsoft.com/office/powerpoint/2010/main" val="3070032314"/>
       </p:ext>
     </p:extLst>
   </p:cSld>

--- a/pics/2022-01-14-sampling_CT_to_DT/pics.pptx
+++ b/pics/2022-01-14-sampling_CT_to_DT/pics.pptx
@@ -5,17 +5,21 @@
     <p:sldMasterId id="2147483648" r:id="rId1"/>
   </p:sldMasterIdLst>
   <p:notesMasterIdLst>
-    <p:notesMasterId r:id="rId10"/>
+    <p:notesMasterId r:id="rId14"/>
   </p:notesMasterIdLst>
   <p:sldIdLst>
     <p:sldId id="256" r:id="rId2"/>
-    <p:sldId id="257" r:id="rId3"/>
-    <p:sldId id="258" r:id="rId4"/>
-    <p:sldId id="259" r:id="rId5"/>
-    <p:sldId id="261" r:id="rId6"/>
-    <p:sldId id="262" r:id="rId7"/>
-    <p:sldId id="260" r:id="rId8"/>
-    <p:sldId id="263" r:id="rId9"/>
+    <p:sldId id="264" r:id="rId3"/>
+    <p:sldId id="257" r:id="rId4"/>
+    <p:sldId id="265" r:id="rId5"/>
+    <p:sldId id="258" r:id="rId6"/>
+    <p:sldId id="259" r:id="rId7"/>
+    <p:sldId id="266" r:id="rId8"/>
+    <p:sldId id="261" r:id="rId9"/>
+    <p:sldId id="267" r:id="rId10"/>
+    <p:sldId id="262" r:id="rId11"/>
+    <p:sldId id="260" r:id="rId12"/>
+    <p:sldId id="263" r:id="rId13"/>
   </p:sldIdLst>
   <p:sldSz cx="9144000" cy="6858000" type="screen4x3"/>
   <p:notesSz cx="6858000" cy="9144000"/>
@@ -115,6 +119,26 @@
     </a:lvl9pPr>
   </p:defaultTextStyle>
   <p:extLst>
+    <p:ext uri="{521415D9-36F7-43E2-AB2F-B90AF26B5E84}">
+      <p14:sectionLst xmlns:p14="http://schemas.microsoft.com/office/powerpoint/2010/main">
+        <p14:section name="Default Section" id="{A6C0F19E-8995-4C4B-9777-F1873BB67860}">
+          <p14:sldIdLst>
+            <p14:sldId id="256"/>
+            <p14:sldId id="264"/>
+            <p14:sldId id="257"/>
+            <p14:sldId id="265"/>
+            <p14:sldId id="258"/>
+            <p14:sldId id="259"/>
+            <p14:sldId id="266"/>
+            <p14:sldId id="261"/>
+            <p14:sldId id="267"/>
+            <p14:sldId id="262"/>
+            <p14:sldId id="260"/>
+            <p14:sldId id="263"/>
+          </p14:sldIdLst>
+        </p14:section>
+      </p14:sectionLst>
+    </p:ext>
     <p:ext uri="{EFAFB233-063F-42B5-8137-9DF3F51BA10A}">
       <p15:sldGuideLst xmlns:p15="http://schemas.microsoft.com/office/powerpoint/2012/main">
         <p15:guide id="1" orient="horz" pos="2160">
@@ -215,7 +239,7 @@
           <a:p>
             <a:fld id="{B54345CD-515E-4582-9059-C9845D1CC563}" type="datetimeFigureOut">
               <a:rPr lang="ko-KR" altLang="en-US" smtClean="0"/>
-              <a:t>2023-04-18</a:t>
+              <a:t>2023-05-14</a:t>
             </a:fld>
             <a:endParaRPr lang="ko-KR" altLang="en-US"/>
           </a:p>
@@ -661,7 +685,7 @@
           <a:p>
             <a:fld id="{7D8F0F1F-57AA-4266-8D3E-C578A305E637}" type="datetimeFigureOut">
               <a:rPr lang="ko-KR" altLang="en-US" smtClean="0"/>
-              <a:t>2023-04-18</a:t>
+              <a:t>2023-05-14</a:t>
             </a:fld>
             <a:endParaRPr lang="ko-KR" altLang="en-US"/>
           </a:p>
@@ -829,7 +853,7 @@
           <a:p>
             <a:fld id="{7D8F0F1F-57AA-4266-8D3E-C578A305E637}" type="datetimeFigureOut">
               <a:rPr lang="ko-KR" altLang="en-US" smtClean="0"/>
-              <a:t>2023-04-18</a:t>
+              <a:t>2023-05-14</a:t>
             </a:fld>
             <a:endParaRPr lang="ko-KR" altLang="en-US"/>
           </a:p>
@@ -1007,7 +1031,7 @@
           <a:p>
             <a:fld id="{7D8F0F1F-57AA-4266-8D3E-C578A305E637}" type="datetimeFigureOut">
               <a:rPr lang="ko-KR" altLang="en-US" smtClean="0"/>
-              <a:t>2023-04-18</a:t>
+              <a:t>2023-05-14</a:t>
             </a:fld>
             <a:endParaRPr lang="ko-KR" altLang="en-US"/>
           </a:p>
@@ -1175,7 +1199,7 @@
           <a:p>
             <a:fld id="{7D8F0F1F-57AA-4266-8D3E-C578A305E637}" type="datetimeFigureOut">
               <a:rPr lang="ko-KR" altLang="en-US" smtClean="0"/>
-              <a:t>2023-04-18</a:t>
+              <a:t>2023-05-14</a:t>
             </a:fld>
             <a:endParaRPr lang="ko-KR" altLang="en-US"/>
           </a:p>
@@ -1420,7 +1444,7 @@
           <a:p>
             <a:fld id="{7D8F0F1F-57AA-4266-8D3E-C578A305E637}" type="datetimeFigureOut">
               <a:rPr lang="ko-KR" altLang="en-US" smtClean="0"/>
-              <a:t>2023-04-18</a:t>
+              <a:t>2023-05-14</a:t>
             </a:fld>
             <a:endParaRPr lang="ko-KR" altLang="en-US"/>
           </a:p>
@@ -1705,7 +1729,7 @@
           <a:p>
             <a:fld id="{7D8F0F1F-57AA-4266-8D3E-C578A305E637}" type="datetimeFigureOut">
               <a:rPr lang="ko-KR" altLang="en-US" smtClean="0"/>
-              <a:t>2023-04-18</a:t>
+              <a:t>2023-05-14</a:t>
             </a:fld>
             <a:endParaRPr lang="ko-KR" altLang="en-US"/>
           </a:p>
@@ -2124,7 +2148,7 @@
           <a:p>
             <a:fld id="{7D8F0F1F-57AA-4266-8D3E-C578A305E637}" type="datetimeFigureOut">
               <a:rPr lang="ko-KR" altLang="en-US" smtClean="0"/>
-              <a:t>2023-04-18</a:t>
+              <a:t>2023-05-14</a:t>
             </a:fld>
             <a:endParaRPr lang="ko-KR" altLang="en-US"/>
           </a:p>
@@ -2241,7 +2265,7 @@
           <a:p>
             <a:fld id="{7D8F0F1F-57AA-4266-8D3E-C578A305E637}" type="datetimeFigureOut">
               <a:rPr lang="ko-KR" altLang="en-US" smtClean="0"/>
-              <a:t>2023-04-18</a:t>
+              <a:t>2023-05-14</a:t>
             </a:fld>
             <a:endParaRPr lang="ko-KR" altLang="en-US"/>
           </a:p>
@@ -2336,7 +2360,7 @@
           <a:p>
             <a:fld id="{7D8F0F1F-57AA-4266-8D3E-C578A305E637}" type="datetimeFigureOut">
               <a:rPr lang="ko-KR" altLang="en-US" smtClean="0"/>
-              <a:t>2023-04-18</a:t>
+              <a:t>2023-05-14</a:t>
             </a:fld>
             <a:endParaRPr lang="ko-KR" altLang="en-US"/>
           </a:p>
@@ -2611,7 +2635,7 @@
           <a:p>
             <a:fld id="{7D8F0F1F-57AA-4266-8D3E-C578A305E637}" type="datetimeFigureOut">
               <a:rPr lang="ko-KR" altLang="en-US" smtClean="0"/>
-              <a:t>2023-04-18</a:t>
+              <a:t>2023-05-14</a:t>
             </a:fld>
             <a:endParaRPr lang="ko-KR" altLang="en-US"/>
           </a:p>
@@ -2863,7 +2887,7 @@
           <a:p>
             <a:fld id="{7D8F0F1F-57AA-4266-8D3E-C578A305E637}" type="datetimeFigureOut">
               <a:rPr lang="ko-KR" altLang="en-US" smtClean="0"/>
-              <a:t>2023-04-18</a:t>
+              <a:t>2023-05-14</a:t>
             </a:fld>
             <a:endParaRPr lang="ko-KR" altLang="en-US"/>
           </a:p>
@@ -3074,7 +3098,7 @@
           <a:p>
             <a:fld id="{7D8F0F1F-57AA-4266-8D3E-C578A305E637}" type="datetimeFigureOut">
               <a:rPr lang="ko-KR" altLang="en-US" smtClean="0"/>
-              <a:t>2023-04-18</a:t>
+              <a:t>2023-05-14</a:t>
             </a:fld>
             <a:endParaRPr lang="ko-KR" altLang="en-US"/>
           </a:p>
@@ -10002,694 +10026,7 @@
 </p:sld>
 </file>
 
-<file path=ppt/slides/slide2.xml><?xml version="1.0" encoding="utf-8"?>
-<p:sld xmlns:a="http://schemas.openxmlformats.org/drawingml/2006/main" xmlns:r="http://schemas.openxmlformats.org/officeDocument/2006/relationships" xmlns:p="http://schemas.openxmlformats.org/presentationml/2006/main">
-  <p:cSld>
-    <p:spTree>
-      <p:nvGrpSpPr>
-        <p:cNvPr id="1" name=""/>
-        <p:cNvGrpSpPr/>
-        <p:nvPr/>
-      </p:nvGrpSpPr>
-      <p:grpSpPr>
-        <a:xfrm>
-          <a:off x="0" y="0"/>
-          <a:ext cx="0" cy="0"/>
-          <a:chOff x="0" y="0"/>
-          <a:chExt cx="0" cy="0"/>
-        </a:xfrm>
-      </p:grpSpPr>
-      <p:grpSp>
-        <p:nvGrpSpPr>
-          <p:cNvPr id="4" name="그룹 3"/>
-          <p:cNvGrpSpPr/>
-          <p:nvPr/>
-        </p:nvGrpSpPr>
-        <p:grpSpPr>
-          <a:xfrm>
-            <a:off x="755576" y="579110"/>
-            <a:ext cx="6711029" cy="5477532"/>
-            <a:chOff x="755576" y="579110"/>
-            <a:chExt cx="6711029" cy="5477532"/>
-          </a:xfrm>
-        </p:grpSpPr>
-        <p:pic>
-          <p:nvPicPr>
-            <p:cNvPr id="1026" name="Picture 2"/>
-            <p:cNvPicPr>
-              <a:picLocks noChangeAspect="1" noChangeArrowheads="1"/>
-            </p:cNvPicPr>
-            <p:nvPr/>
-          </p:nvPicPr>
-          <p:blipFill>
-            <a:blip r:embed="rId2">
-              <a:extLst>
-                <a:ext uri="{28A0092B-C50C-407E-A947-70E740481C1C}">
-                  <a14:useLocalDpi xmlns:a14="http://schemas.microsoft.com/office/drawing/2010/main" val="0"/>
-                </a:ext>
-              </a:extLst>
-            </a:blip>
-            <a:srcRect/>
-            <a:stretch>
-              <a:fillRect/>
-            </a:stretch>
-          </p:blipFill>
-          <p:spPr bwMode="auto">
-            <a:xfrm>
-              <a:off x="1690093" y="980728"/>
-              <a:ext cx="5762228" cy="2206810"/>
-            </a:xfrm>
-            <a:prstGeom prst="rect">
-              <a:avLst/>
-            </a:prstGeom>
-            <a:noFill/>
-            <a:ln>
-              <a:noFill/>
-            </a:ln>
-            <a:effectLst/>
-            <a:extLst>
-              <a:ext uri="{909E8E84-426E-40DD-AFC4-6F175D3DCCD1}">
-                <a14:hiddenFill xmlns:a14="http://schemas.microsoft.com/office/drawing/2010/main">
-                  <a:solidFill>
-                    <a:schemeClr val="accent1"/>
-                  </a:solidFill>
-                </a14:hiddenFill>
-              </a:ext>
-              <a:ext uri="{91240B29-F687-4F45-9708-019B960494DF}">
-                <a14:hiddenLine xmlns:a14="http://schemas.microsoft.com/office/drawing/2010/main" w="9525">
-                  <a:solidFill>
-                    <a:schemeClr val="tx1"/>
-                  </a:solidFill>
-                  <a:miter lim="800000"/>
-                  <a:headEnd/>
-                  <a:tailEnd/>
-                </a14:hiddenLine>
-              </a:ext>
-              <a:ext uri="{AF507438-7753-43E0-B8FC-AC1667EBCBE1}">
-                <a14:hiddenEffects xmlns:a14="http://schemas.microsoft.com/office/drawing/2010/main">
-                  <a:effectLst>
-                    <a:outerShdw dist="35921" dir="2700000" algn="ctr" rotWithShape="0">
-                      <a:schemeClr val="bg2"/>
-                    </a:outerShdw>
-                  </a:effectLst>
-                </a14:hiddenEffects>
-              </a:ext>
-            </a:extLst>
-          </p:spPr>
-        </p:pic>
-        <p:pic>
-          <p:nvPicPr>
-            <p:cNvPr id="1027" name="Picture 3"/>
-            <p:cNvPicPr>
-              <a:picLocks noChangeAspect="1" noChangeArrowheads="1"/>
-            </p:cNvPicPr>
-            <p:nvPr/>
-          </p:nvPicPr>
-          <p:blipFill>
-            <a:blip r:embed="rId3">
-              <a:extLst>
-                <a:ext uri="{28A0092B-C50C-407E-A947-70E740481C1C}">
-                  <a14:useLocalDpi xmlns:a14="http://schemas.microsoft.com/office/drawing/2010/main" val="0"/>
-                </a:ext>
-              </a:extLst>
-            </a:blip>
-            <a:srcRect/>
-            <a:stretch>
-              <a:fillRect/>
-            </a:stretch>
-          </p:blipFill>
-          <p:spPr bwMode="auto">
-            <a:xfrm>
-              <a:off x="1675809" y="3849832"/>
-              <a:ext cx="5790796" cy="2206810"/>
-            </a:xfrm>
-            <a:prstGeom prst="rect">
-              <a:avLst/>
-            </a:prstGeom>
-            <a:noFill/>
-            <a:ln>
-              <a:noFill/>
-            </a:ln>
-            <a:effectLst/>
-            <a:extLst>
-              <a:ext uri="{909E8E84-426E-40DD-AFC4-6F175D3DCCD1}">
-                <a14:hiddenFill xmlns:a14="http://schemas.microsoft.com/office/drawing/2010/main">
-                  <a:solidFill>
-                    <a:schemeClr val="accent1"/>
-                  </a:solidFill>
-                </a14:hiddenFill>
-              </a:ext>
-              <a:ext uri="{91240B29-F687-4F45-9708-019B960494DF}">
-                <a14:hiddenLine xmlns:a14="http://schemas.microsoft.com/office/drawing/2010/main" w="9525">
-                  <a:solidFill>
-                    <a:schemeClr val="tx1"/>
-                  </a:solidFill>
-                  <a:miter lim="800000"/>
-                  <a:headEnd/>
-                  <a:tailEnd/>
-                </a14:hiddenLine>
-              </a:ext>
-              <a:ext uri="{AF507438-7753-43E0-B8FC-AC1667EBCBE1}">
-                <a14:hiddenEffects xmlns:a14="http://schemas.microsoft.com/office/drawing/2010/main">
-                  <a:effectLst>
-                    <a:outerShdw dist="35921" dir="2700000" algn="ctr" rotWithShape="0">
-                      <a:schemeClr val="bg2"/>
-                    </a:outerShdw>
-                  </a:effectLst>
-                </a14:hiddenEffects>
-              </a:ext>
-            </a:extLst>
-          </p:spPr>
-        </p:pic>
-        <p:sp>
-          <p:nvSpPr>
-            <p:cNvPr id="6" name="TextBox 5"/>
-            <p:cNvSpPr txBox="1"/>
-            <p:nvPr/>
-          </p:nvSpPr>
-          <p:spPr>
-            <a:xfrm>
-              <a:off x="755576" y="579110"/>
-              <a:ext cx="3005951" cy="369332"/>
-            </a:xfrm>
-            <a:prstGeom prst="rect">
-              <a:avLst/>
-            </a:prstGeom>
-            <a:noFill/>
-          </p:spPr>
-          <p:txBody>
-            <a:bodyPr wrap="none" rtlCol="0">
-              <a:spAutoFit/>
-            </a:bodyPr>
-            <a:lstStyle/>
-            <a:p>
-              <a:r>
-                <a:rPr lang="ko-KR" altLang="en-US" dirty="0">
-                  <a:latin typeface="마루 부리 Beta" pitchFamily="50" charset="-127"/>
-                  <a:ea typeface="마루 부리 Beta" pitchFamily="50" charset="-127"/>
-                </a:rPr>
-                <a:t>에일리어싱이 일어나는 경우</a:t>
-              </a:r>
-            </a:p>
-          </p:txBody>
-        </p:sp>
-        <p:sp>
-          <p:nvSpPr>
-            <p:cNvPr id="7" name="TextBox 6"/>
-            <p:cNvSpPr txBox="1"/>
-            <p:nvPr/>
-          </p:nvSpPr>
-          <p:spPr>
-            <a:xfrm>
-              <a:off x="755576" y="3473014"/>
-              <a:ext cx="6179897" cy="369332"/>
-            </a:xfrm>
-            <a:prstGeom prst="rect">
-              <a:avLst/>
-            </a:prstGeom>
-            <a:noFill/>
-          </p:spPr>
-          <p:txBody>
-            <a:bodyPr wrap="none" rtlCol="0">
-              <a:spAutoFit/>
-            </a:bodyPr>
-            <a:lstStyle/>
-            <a:p>
-              <a:r>
-                <a:rPr lang="ko-KR" altLang="en-US" dirty="0">
-                  <a:latin typeface="마루 부리 Beta" pitchFamily="50" charset="-127"/>
-                  <a:ea typeface="마루 부리 Beta" pitchFamily="50" charset="-127"/>
-                </a:rPr>
-                <a:t>충분히 높은 주파수로 샘플링해서 에일리어싱을 방지한 경우</a:t>
-              </a:r>
-            </a:p>
-          </p:txBody>
-        </p:sp>
-      </p:grpSp>
-    </p:spTree>
-    <p:extLst>
-      <p:ext uri="{BB962C8B-B14F-4D97-AF65-F5344CB8AC3E}">
-        <p14:creationId xmlns:p14="http://schemas.microsoft.com/office/powerpoint/2010/main" val="907403153"/>
-      </p:ext>
-    </p:extLst>
-  </p:cSld>
-  <p:clrMapOvr>
-    <a:masterClrMapping/>
-  </p:clrMapOvr>
-</p:sld>
-</file>
-
-<file path=ppt/slides/slide3.xml><?xml version="1.0" encoding="utf-8"?>
-<p:sld xmlns:a="http://schemas.openxmlformats.org/drawingml/2006/main" xmlns:r="http://schemas.openxmlformats.org/officeDocument/2006/relationships" xmlns:p="http://schemas.openxmlformats.org/presentationml/2006/main">
-  <p:cSld>
-    <p:spTree>
-      <p:nvGrpSpPr>
-        <p:cNvPr id="1" name=""/>
-        <p:cNvGrpSpPr/>
-        <p:nvPr/>
-      </p:nvGrpSpPr>
-      <p:grpSpPr>
-        <a:xfrm>
-          <a:off x="0" y="0"/>
-          <a:ext cx="0" cy="0"/>
-          <a:chOff x="0" y="0"/>
-          <a:chExt cx="0" cy="0"/>
-        </a:xfrm>
-      </p:grpSpPr>
-      <p:pic>
-        <p:nvPicPr>
-          <p:cNvPr id="1027" name="Picture 3"/>
-          <p:cNvPicPr>
-            <a:picLocks noChangeAspect="1" noChangeArrowheads="1"/>
-          </p:cNvPicPr>
-          <p:nvPr/>
-        </p:nvPicPr>
-        <p:blipFill>
-          <a:blip r:embed="rId2">
-            <a:extLst>
-              <a:ext uri="{28A0092B-C50C-407E-A947-70E740481C1C}">
-                <a14:useLocalDpi xmlns:a14="http://schemas.microsoft.com/office/drawing/2010/main" val="0"/>
-              </a:ext>
-            </a:extLst>
-          </a:blip>
-          <a:srcRect/>
-          <a:stretch>
-            <a:fillRect/>
-          </a:stretch>
-        </p:blipFill>
-        <p:spPr bwMode="auto">
-          <a:xfrm>
-            <a:off x="-661988" y="728663"/>
-            <a:ext cx="10467976" cy="5400675"/>
-          </a:xfrm>
-          <a:prstGeom prst="rect">
-            <a:avLst/>
-          </a:prstGeom>
-          <a:noFill/>
-          <a:ln>
-            <a:noFill/>
-          </a:ln>
-          <a:effectLst/>
-          <a:extLst>
-            <a:ext uri="{909E8E84-426E-40DD-AFC4-6F175D3DCCD1}">
-              <a14:hiddenFill xmlns:a14="http://schemas.microsoft.com/office/drawing/2010/main">
-                <a:solidFill>
-                  <a:schemeClr val="accent1"/>
-                </a:solidFill>
-              </a14:hiddenFill>
-            </a:ext>
-            <a:ext uri="{91240B29-F687-4F45-9708-019B960494DF}">
-              <a14:hiddenLine xmlns:a14="http://schemas.microsoft.com/office/drawing/2010/main" w="9525">
-                <a:solidFill>
-                  <a:schemeClr val="tx1"/>
-                </a:solidFill>
-                <a:miter lim="800000"/>
-                <a:headEnd/>
-                <a:tailEnd/>
-              </a14:hiddenLine>
-            </a:ext>
-            <a:ext uri="{AF507438-7753-43E0-B8FC-AC1667EBCBE1}">
-              <a14:hiddenEffects xmlns:a14="http://schemas.microsoft.com/office/drawing/2010/main">
-                <a:effectLst>
-                  <a:outerShdw dist="35921" dir="2700000" algn="ctr" rotWithShape="0">
-                    <a:schemeClr val="bg2"/>
-                  </a:outerShdw>
-                </a:effectLst>
-              </a14:hiddenEffects>
-            </a:ext>
-          </a:extLst>
-        </p:spPr>
-      </p:pic>
-    </p:spTree>
-    <p:extLst>
-      <p:ext uri="{BB962C8B-B14F-4D97-AF65-F5344CB8AC3E}">
-        <p14:creationId xmlns:p14="http://schemas.microsoft.com/office/powerpoint/2010/main" val="3842279371"/>
-      </p:ext>
-    </p:extLst>
-  </p:cSld>
-  <p:clrMapOvr>
-    <a:masterClrMapping/>
-  </p:clrMapOvr>
-</p:sld>
-</file>
-
-<file path=ppt/slides/slide4.xml><?xml version="1.0" encoding="utf-8"?>
-<p:sld xmlns:a="http://schemas.openxmlformats.org/drawingml/2006/main" xmlns:r="http://schemas.openxmlformats.org/officeDocument/2006/relationships" xmlns:p="http://schemas.openxmlformats.org/presentationml/2006/main">
-  <p:cSld>
-    <p:spTree>
-      <p:nvGrpSpPr>
-        <p:cNvPr id="1" name=""/>
-        <p:cNvGrpSpPr/>
-        <p:nvPr/>
-      </p:nvGrpSpPr>
-      <p:grpSpPr>
-        <a:xfrm>
-          <a:off x="0" y="0"/>
-          <a:ext cx="0" cy="0"/>
-          <a:chOff x="0" y="0"/>
-          <a:chExt cx="0" cy="0"/>
-        </a:xfrm>
-      </p:grpSpPr>
-      <p:pic>
-        <p:nvPicPr>
-          <p:cNvPr id="1026" name="Picture 2"/>
-          <p:cNvPicPr>
-            <a:picLocks noChangeAspect="1" noChangeArrowheads="1"/>
-          </p:cNvPicPr>
-          <p:nvPr/>
-        </p:nvPicPr>
-        <p:blipFill>
-          <a:blip r:embed="rId2">
-            <a:extLst>
-              <a:ext uri="{28A0092B-C50C-407E-A947-70E740481C1C}">
-                <a14:useLocalDpi xmlns:a14="http://schemas.microsoft.com/office/drawing/2010/main" val="0"/>
-              </a:ext>
-            </a:extLst>
-          </a:blip>
-          <a:srcRect/>
-          <a:stretch>
-            <a:fillRect/>
-          </a:stretch>
-        </p:blipFill>
-        <p:spPr bwMode="auto">
-          <a:xfrm>
-            <a:off x="623888" y="1157288"/>
-            <a:ext cx="7896225" cy="4543425"/>
-          </a:xfrm>
-          <a:prstGeom prst="rect">
-            <a:avLst/>
-          </a:prstGeom>
-          <a:noFill/>
-          <a:ln>
-            <a:noFill/>
-          </a:ln>
-          <a:effectLst/>
-          <a:extLst>
-            <a:ext uri="{909E8E84-426E-40DD-AFC4-6F175D3DCCD1}">
-              <a14:hiddenFill xmlns:a14="http://schemas.microsoft.com/office/drawing/2010/main">
-                <a:solidFill>
-                  <a:schemeClr val="accent1"/>
-                </a:solidFill>
-              </a14:hiddenFill>
-            </a:ext>
-            <a:ext uri="{91240B29-F687-4F45-9708-019B960494DF}">
-              <a14:hiddenLine xmlns:a14="http://schemas.microsoft.com/office/drawing/2010/main" w="9525">
-                <a:solidFill>
-                  <a:schemeClr val="tx1"/>
-                </a:solidFill>
-                <a:miter lim="800000"/>
-                <a:headEnd/>
-                <a:tailEnd/>
-              </a14:hiddenLine>
-            </a:ext>
-            <a:ext uri="{AF507438-7753-43E0-B8FC-AC1667EBCBE1}">
-              <a14:hiddenEffects xmlns:a14="http://schemas.microsoft.com/office/drawing/2010/main">
-                <a:effectLst>
-                  <a:outerShdw dist="35921" dir="2700000" algn="ctr" rotWithShape="0">
-                    <a:schemeClr val="bg2"/>
-                  </a:outerShdw>
-                </a:effectLst>
-              </a14:hiddenEffects>
-            </a:ext>
-          </a:extLst>
-        </p:spPr>
-      </p:pic>
-    </p:spTree>
-    <p:extLst>
-      <p:ext uri="{BB962C8B-B14F-4D97-AF65-F5344CB8AC3E}">
-        <p14:creationId xmlns:p14="http://schemas.microsoft.com/office/powerpoint/2010/main" val="3289364427"/>
-      </p:ext>
-    </p:extLst>
-  </p:cSld>
-  <p:clrMapOvr>
-    <a:masterClrMapping/>
-  </p:clrMapOvr>
-</p:sld>
-</file>
-
-<file path=ppt/slides/slide5.xml><?xml version="1.0" encoding="utf-8"?>
-<p:sld xmlns:a="http://schemas.openxmlformats.org/drawingml/2006/main" xmlns:r="http://schemas.openxmlformats.org/officeDocument/2006/relationships" xmlns:p="http://schemas.openxmlformats.org/presentationml/2006/main">
-  <p:cSld>
-    <p:spTree>
-      <p:nvGrpSpPr>
-        <p:cNvPr id="1" name=""/>
-        <p:cNvGrpSpPr/>
-        <p:nvPr/>
-      </p:nvGrpSpPr>
-      <p:grpSpPr>
-        <a:xfrm>
-          <a:off x="0" y="0"/>
-          <a:ext cx="0" cy="0"/>
-          <a:chOff x="0" y="0"/>
-          <a:chExt cx="0" cy="0"/>
-        </a:xfrm>
-      </p:grpSpPr>
-      <p:pic>
-        <p:nvPicPr>
-          <p:cNvPr id="1027" name="Picture 3"/>
-          <p:cNvPicPr>
-            <a:picLocks noChangeAspect="1" noChangeArrowheads="1"/>
-          </p:cNvPicPr>
-          <p:nvPr/>
-        </p:nvPicPr>
-        <p:blipFill>
-          <a:blip r:embed="rId2">
-            <a:extLst>
-              <a:ext uri="{28A0092B-C50C-407E-A947-70E740481C1C}">
-                <a14:useLocalDpi xmlns:a14="http://schemas.microsoft.com/office/drawing/2010/main" val="0"/>
-              </a:ext>
-            </a:extLst>
-          </a:blip>
-          <a:srcRect/>
-          <a:stretch>
-            <a:fillRect/>
-          </a:stretch>
-        </p:blipFill>
-        <p:spPr bwMode="auto">
-          <a:xfrm>
-            <a:off x="100013" y="1528763"/>
-            <a:ext cx="8943975" cy="3800475"/>
-          </a:xfrm>
-          <a:prstGeom prst="rect">
-            <a:avLst/>
-          </a:prstGeom>
-          <a:noFill/>
-          <a:ln>
-            <a:noFill/>
-          </a:ln>
-          <a:effectLst/>
-          <a:extLst>
-            <a:ext uri="{909E8E84-426E-40DD-AFC4-6F175D3DCCD1}">
-              <a14:hiddenFill xmlns:a14="http://schemas.microsoft.com/office/drawing/2010/main">
-                <a:solidFill>
-                  <a:schemeClr val="accent1"/>
-                </a:solidFill>
-              </a14:hiddenFill>
-            </a:ext>
-            <a:ext uri="{91240B29-F687-4F45-9708-019B960494DF}">
-              <a14:hiddenLine xmlns:a14="http://schemas.microsoft.com/office/drawing/2010/main" w="9525">
-                <a:solidFill>
-                  <a:schemeClr val="tx1"/>
-                </a:solidFill>
-                <a:miter lim="800000"/>
-                <a:headEnd/>
-                <a:tailEnd/>
-              </a14:hiddenLine>
-            </a:ext>
-            <a:ext uri="{AF507438-7753-43E0-B8FC-AC1667EBCBE1}">
-              <a14:hiddenEffects xmlns:a14="http://schemas.microsoft.com/office/drawing/2010/main">
-                <a:effectLst>
-                  <a:outerShdw dist="35921" dir="2700000" algn="ctr" rotWithShape="0">
-                    <a:schemeClr val="bg2"/>
-                  </a:outerShdw>
-                </a:effectLst>
-              </a14:hiddenEffects>
-            </a:ext>
-          </a:extLst>
-        </p:spPr>
-      </p:pic>
-      <mc:AlternateContent xmlns:mc="http://schemas.openxmlformats.org/markup-compatibility/2006" xmlns:a14="http://schemas.microsoft.com/office/drawing/2010/main">
-        <mc:Choice Requires="a14">
-          <p:sp>
-            <p:nvSpPr>
-              <p:cNvPr id="4" name="TextBox 3"/>
-              <p:cNvSpPr txBox="1"/>
-              <p:nvPr/>
-            </p:nvSpPr>
-            <p:spPr>
-              <a:xfrm>
-                <a:off x="3347864" y="2276872"/>
-                <a:ext cx="463588" cy="369332"/>
-              </a:xfrm>
-              <a:prstGeom prst="rect">
-                <a:avLst/>
-              </a:prstGeom>
-              <a:noFill/>
-            </p:spPr>
-            <p:txBody>
-              <a:bodyPr wrap="none" rtlCol="0">
-                <a:spAutoFit/>
-              </a:bodyPr>
-              <a:lstStyle/>
-              <a:p>
-                <a:pPr/>
-                <a14:m>
-                  <m:oMathPara xmlns:m="http://schemas.openxmlformats.org/officeDocument/2006/math">
-                    <m:oMathParaPr>
-                      <m:jc m:val="centerGroup"/>
-                    </m:oMathParaPr>
-                    <m:oMath xmlns:m="http://schemas.openxmlformats.org/officeDocument/2006/math">
-                      <m:r>
-                        <a:rPr lang="en-US" altLang="ko-KR" b="0" i="1" smtClean="0">
-                          <a:latin typeface="Cambria Math"/>
-                        </a:rPr>
-                        <m:t>⋯</m:t>
-                      </m:r>
-                    </m:oMath>
-                  </m:oMathPara>
-                </a14:m>
-                <a:endParaRPr lang="ko-KR" altLang="en-US" dirty="0"/>
-              </a:p>
-            </p:txBody>
-          </p:sp>
-        </mc:Choice>
-        <mc:Fallback xmlns="">
-          <p:sp>
-            <p:nvSpPr>
-              <p:cNvPr id="4" name="TextBox 3"/>
-              <p:cNvSpPr txBox="1">
-                <a:spLocks noRot="1" noChangeAspect="1" noMove="1" noResize="1" noEditPoints="1" noAdjustHandles="1" noChangeArrowheads="1" noChangeShapeType="1" noTextEdit="1"/>
-              </p:cNvSpPr>
-              <p:nvPr/>
-            </p:nvSpPr>
-            <p:spPr>
-              <a:xfrm>
-                <a:off x="3347864" y="2276872"/>
-                <a:ext cx="463588" cy="369332"/>
-              </a:xfrm>
-              <a:prstGeom prst="rect">
-                <a:avLst/>
-              </a:prstGeom>
-              <a:blipFill rotWithShape="1">
-                <a:blip r:embed="rId3"/>
-                <a:stretch>
-                  <a:fillRect/>
-                </a:stretch>
-              </a:blipFill>
-            </p:spPr>
-            <p:txBody>
-              <a:bodyPr/>
-              <a:lstStyle/>
-              <a:p>
-                <a:r>
-                  <a:rPr lang="ko-KR" altLang="en-US">
-                    <a:noFill/>
-                  </a:rPr>
-                  <a:t> </a:t>
-                </a:r>
-              </a:p>
-            </p:txBody>
-          </p:sp>
-        </mc:Fallback>
-      </mc:AlternateContent>
-      <mc:AlternateContent xmlns:mc="http://schemas.openxmlformats.org/markup-compatibility/2006" xmlns:a14="http://schemas.microsoft.com/office/drawing/2010/main">
-        <mc:Choice Requires="a14">
-          <p:sp>
-            <p:nvSpPr>
-              <p:cNvPr id="7" name="TextBox 6"/>
-              <p:cNvSpPr txBox="1"/>
-              <p:nvPr/>
-            </p:nvSpPr>
-            <p:spPr>
-              <a:xfrm>
-                <a:off x="5580112" y="2276872"/>
-                <a:ext cx="463588" cy="369332"/>
-              </a:xfrm>
-              <a:prstGeom prst="rect">
-                <a:avLst/>
-              </a:prstGeom>
-              <a:noFill/>
-            </p:spPr>
-            <p:txBody>
-              <a:bodyPr wrap="none" rtlCol="0">
-                <a:spAutoFit/>
-              </a:bodyPr>
-              <a:lstStyle/>
-              <a:p>
-                <a:pPr/>
-                <a14:m>
-                  <m:oMathPara xmlns:m="http://schemas.openxmlformats.org/officeDocument/2006/math">
-                    <m:oMathParaPr>
-                      <m:jc m:val="centerGroup"/>
-                    </m:oMathParaPr>
-                    <m:oMath xmlns:m="http://schemas.openxmlformats.org/officeDocument/2006/math">
-                      <m:r>
-                        <a:rPr lang="en-US" altLang="ko-KR" b="0" i="1" smtClean="0">
-                          <a:latin typeface="Cambria Math"/>
-                        </a:rPr>
-                        <m:t>⋯</m:t>
-                      </m:r>
-                    </m:oMath>
-                  </m:oMathPara>
-                </a14:m>
-                <a:endParaRPr lang="ko-KR" altLang="en-US" dirty="0"/>
-              </a:p>
-            </p:txBody>
-          </p:sp>
-        </mc:Choice>
-        <mc:Fallback xmlns="">
-          <p:sp>
-            <p:nvSpPr>
-              <p:cNvPr id="7" name="TextBox 6"/>
-              <p:cNvSpPr txBox="1">
-                <a:spLocks noRot="1" noChangeAspect="1" noMove="1" noResize="1" noEditPoints="1" noAdjustHandles="1" noChangeArrowheads="1" noChangeShapeType="1" noTextEdit="1"/>
-              </p:cNvSpPr>
-              <p:nvPr/>
-            </p:nvSpPr>
-            <p:spPr>
-              <a:xfrm>
-                <a:off x="5580112" y="2276872"/>
-                <a:ext cx="463588" cy="369332"/>
-              </a:xfrm>
-              <a:prstGeom prst="rect">
-                <a:avLst/>
-              </a:prstGeom>
-              <a:blipFill rotWithShape="1">
-                <a:blip r:embed="rId4"/>
-                <a:stretch>
-                  <a:fillRect/>
-                </a:stretch>
-              </a:blipFill>
-            </p:spPr>
-            <p:txBody>
-              <a:bodyPr/>
-              <a:lstStyle/>
-              <a:p>
-                <a:r>
-                  <a:rPr lang="ko-KR" altLang="en-US">
-                    <a:noFill/>
-                  </a:rPr>
-                  <a:t> </a:t>
-                </a:r>
-              </a:p>
-            </p:txBody>
-          </p:sp>
-        </mc:Fallback>
-      </mc:AlternateContent>
-    </p:spTree>
-    <p:extLst>
-      <p:ext uri="{BB962C8B-B14F-4D97-AF65-F5344CB8AC3E}">
-        <p14:creationId xmlns:p14="http://schemas.microsoft.com/office/powerpoint/2010/main" val="2639853143"/>
-      </p:ext>
-    </p:extLst>
-  </p:cSld>
-  <p:clrMapOvr>
-    <a:masterClrMapping/>
-  </p:clrMapOvr>
-</p:sld>
-</file>
-
-<file path=ppt/slides/slide6.xml><?xml version="1.0" encoding="utf-8"?>
+<file path=ppt/slides/slide10.xml><?xml version="1.0" encoding="utf-8"?>
 <p:sld xmlns:a="http://schemas.openxmlformats.org/drawingml/2006/main" xmlns:r="http://schemas.openxmlformats.org/officeDocument/2006/relationships" xmlns:p="http://schemas.openxmlformats.org/presentationml/2006/main">
   <p:cSld>
     <p:spTree>
@@ -11080,8 +10417,8 @@
           </a:p>
         </p:txBody>
       </p:sp>
-      <mc:AlternateContent xmlns:mc="http://schemas.openxmlformats.org/markup-compatibility/2006">
-        <mc:Choice xmlns:a14="http://schemas.microsoft.com/office/drawing/2010/main" Requires="a14">
+      <mc:AlternateContent xmlns:mc="http://schemas.openxmlformats.org/markup-compatibility/2006" xmlns:a14="http://schemas.microsoft.com/office/drawing/2010/main">
+        <mc:Choice Requires="a14">
           <p:sp>
             <p:nvSpPr>
               <p:cNvPr id="3" name="TextBox 2">
@@ -11133,7 +10470,7 @@
             </p:txBody>
           </p:sp>
         </mc:Choice>
-        <mc:Fallback>
+        <mc:Fallback xmlns="">
           <p:sp>
             <p:nvSpPr>
               <p:cNvPr id="3" name="TextBox 2">
@@ -11216,8 +10553,8 @@
           </a:p>
         </p:txBody>
       </p:sp>
-      <mc:AlternateContent xmlns:mc="http://schemas.openxmlformats.org/markup-compatibility/2006">
-        <mc:Choice xmlns:a14="http://schemas.microsoft.com/office/drawing/2010/main" Requires="a14">
+      <mc:AlternateContent xmlns:mc="http://schemas.openxmlformats.org/markup-compatibility/2006" xmlns:a14="http://schemas.microsoft.com/office/drawing/2010/main">
+        <mc:Choice Requires="a14">
           <p:sp>
             <p:nvSpPr>
               <p:cNvPr id="9" name="TextBox 8">
@@ -11280,7 +10617,7 @@
             </p:txBody>
           </p:sp>
         </mc:Choice>
-        <mc:Fallback>
+        <mc:Fallback xmlns="">
           <p:sp>
             <p:nvSpPr>
               <p:cNvPr id="9" name="TextBox 8">
@@ -11338,7 +10675,7 @@
 </p:sld>
 </file>
 
-<file path=ppt/slides/slide7.xml><?xml version="1.0" encoding="utf-8"?>
+<file path=ppt/slides/slide11.xml><?xml version="1.0" encoding="utf-8"?>
 <p:sld xmlns:a="http://schemas.openxmlformats.org/drawingml/2006/main" xmlns:r="http://schemas.openxmlformats.org/officeDocument/2006/relationships" xmlns:p="http://schemas.openxmlformats.org/presentationml/2006/main">
   <p:cSld>
     <p:spTree>
@@ -11536,7 +10873,7 @@
 </p:sld>
 </file>
 
-<file path=ppt/slides/slide8.xml><?xml version="1.0" encoding="utf-8"?>
+<file path=ppt/slides/slide12.xml><?xml version="1.0" encoding="utf-8"?>
 <p:sld xmlns:a="http://schemas.openxmlformats.org/drawingml/2006/main" xmlns:r="http://schemas.openxmlformats.org/officeDocument/2006/relationships" xmlns:p="http://schemas.openxmlformats.org/presentationml/2006/main">
   <p:cSld>
     <p:spTree>
@@ -11759,8 +11096,8 @@
           </a:p>
         </p:txBody>
       </p:sp>
-      <mc:AlternateContent xmlns:mc="http://schemas.openxmlformats.org/markup-compatibility/2006">
-        <mc:Choice xmlns:a14="http://schemas.microsoft.com/office/drawing/2010/main" Requires="a14">
+      <mc:AlternateContent xmlns:mc="http://schemas.openxmlformats.org/markup-compatibility/2006" xmlns:a14="http://schemas.microsoft.com/office/drawing/2010/main">
+        <mc:Choice Requires="a14">
           <p:sp>
             <p:nvSpPr>
               <p:cNvPr id="5" name="TextBox 4">
@@ -11812,7 +11149,7 @@
             </p:txBody>
           </p:sp>
         </mc:Choice>
-        <mc:Fallback>
+        <mc:Fallback xmlns="">
           <p:sp>
             <p:nvSpPr>
               <p:cNvPr id="5" name="TextBox 4">
@@ -11895,8 +11232,8 @@
           </a:p>
         </p:txBody>
       </p:sp>
-      <mc:AlternateContent xmlns:mc="http://schemas.openxmlformats.org/markup-compatibility/2006">
-        <mc:Choice xmlns:a14="http://schemas.microsoft.com/office/drawing/2010/main" Requires="a14">
+      <mc:AlternateContent xmlns:mc="http://schemas.openxmlformats.org/markup-compatibility/2006" xmlns:a14="http://schemas.microsoft.com/office/drawing/2010/main">
+        <mc:Choice Requires="a14">
           <p:sp>
             <p:nvSpPr>
               <p:cNvPr id="7" name="TextBox 6">
@@ -11959,7 +11296,7 @@
             </p:txBody>
           </p:sp>
         </mc:Choice>
-        <mc:Fallback>
+        <mc:Fallback xmlns="">
           <p:sp>
             <p:nvSpPr>
               <p:cNvPr id="7" name="TextBox 6">
@@ -12008,6 +11345,7640 @@
     <p:extLst>
       <p:ext uri="{BB962C8B-B14F-4D97-AF65-F5344CB8AC3E}">
         <p14:creationId xmlns:p14="http://schemas.microsoft.com/office/powerpoint/2010/main" val="3070032314"/>
+      </p:ext>
+    </p:extLst>
+  </p:cSld>
+  <p:clrMapOvr>
+    <a:masterClrMapping/>
+  </p:clrMapOvr>
+</p:sld>
+</file>
+
+<file path=ppt/slides/slide2.xml><?xml version="1.0" encoding="utf-8"?>
+<p:sld xmlns:a="http://schemas.openxmlformats.org/drawingml/2006/main" xmlns:r="http://schemas.openxmlformats.org/officeDocument/2006/relationships" xmlns:p="http://schemas.openxmlformats.org/presentationml/2006/main">
+  <p:cSld>
+    <p:spTree>
+      <p:nvGrpSpPr>
+        <p:cNvPr id="1" name=""/>
+        <p:cNvGrpSpPr/>
+        <p:nvPr/>
+      </p:nvGrpSpPr>
+      <p:grpSpPr>
+        <a:xfrm>
+          <a:off x="0" y="0"/>
+          <a:ext cx="0" cy="0"/>
+          <a:chOff x="0" y="0"/>
+          <a:chExt cx="0" cy="0"/>
+        </a:xfrm>
+      </p:grpSpPr>
+      <p:sp>
+        <p:nvSpPr>
+          <p:cNvPr id="16" name="직사각형 15"/>
+          <p:cNvSpPr/>
+          <p:nvPr/>
+        </p:nvSpPr>
+        <p:spPr>
+          <a:xfrm>
+            <a:off x="2223460" y="2965593"/>
+            <a:ext cx="1072410" cy="720080"/>
+          </a:xfrm>
+          <a:prstGeom prst="rect">
+            <a:avLst/>
+          </a:prstGeom>
+          <a:solidFill>
+            <a:schemeClr val="bg1"/>
+          </a:solidFill>
+          <a:ln>
+            <a:solidFill>
+              <a:schemeClr val="tx1"/>
+            </a:solidFill>
+          </a:ln>
+        </p:spPr>
+        <p:style>
+          <a:lnRef idx="2">
+            <a:schemeClr val="accent1">
+              <a:shade val="50000"/>
+            </a:schemeClr>
+          </a:lnRef>
+          <a:fillRef idx="1">
+            <a:schemeClr val="accent1"/>
+          </a:fillRef>
+          <a:effectRef idx="0">
+            <a:schemeClr val="accent1"/>
+          </a:effectRef>
+          <a:fontRef idx="minor">
+            <a:schemeClr val="lt1"/>
+          </a:fontRef>
+        </p:style>
+        <p:txBody>
+          <a:bodyPr rtlCol="0" anchor="ctr"/>
+          <a:lstStyle/>
+          <a:p>
+            <a:pPr algn="ctr"/>
+            <a:endParaRPr lang="ko-KR" altLang="en-US"/>
+          </a:p>
+        </p:txBody>
+      </p:sp>
+      <p:sp>
+        <p:nvSpPr>
+          <p:cNvPr id="17" name="직사각형 16"/>
+          <p:cNvSpPr/>
+          <p:nvPr/>
+        </p:nvSpPr>
+        <p:spPr>
+          <a:xfrm>
+            <a:off x="2223460" y="4384243"/>
+            <a:ext cx="1072410" cy="720080"/>
+          </a:xfrm>
+          <a:prstGeom prst="rect">
+            <a:avLst/>
+          </a:prstGeom>
+          <a:solidFill>
+            <a:schemeClr val="bg1"/>
+          </a:solidFill>
+          <a:ln>
+            <a:solidFill>
+              <a:schemeClr val="tx1"/>
+            </a:solidFill>
+          </a:ln>
+        </p:spPr>
+        <p:style>
+          <a:lnRef idx="2">
+            <a:schemeClr val="accent1">
+              <a:shade val="50000"/>
+            </a:schemeClr>
+          </a:lnRef>
+          <a:fillRef idx="1">
+            <a:schemeClr val="accent1"/>
+          </a:fillRef>
+          <a:effectRef idx="0">
+            <a:schemeClr val="accent1"/>
+          </a:effectRef>
+          <a:fontRef idx="minor">
+            <a:schemeClr val="lt1"/>
+          </a:fontRef>
+        </p:style>
+        <p:txBody>
+          <a:bodyPr rtlCol="0" anchor="ctr"/>
+          <a:lstStyle/>
+          <a:p>
+            <a:pPr algn="ctr"/>
+            <a:endParaRPr lang="ko-KR" altLang="en-US"/>
+          </a:p>
+        </p:txBody>
+      </p:sp>
+      <p:sp>
+        <p:nvSpPr>
+          <p:cNvPr id="6" name="직사각형 5"/>
+          <p:cNvSpPr/>
+          <p:nvPr/>
+        </p:nvSpPr>
+        <p:spPr>
+          <a:xfrm>
+            <a:off x="2223460" y="1556792"/>
+            <a:ext cx="1072410" cy="720080"/>
+          </a:xfrm>
+          <a:prstGeom prst="rect">
+            <a:avLst/>
+          </a:prstGeom>
+          <a:solidFill>
+            <a:schemeClr val="bg1"/>
+          </a:solidFill>
+          <a:ln>
+            <a:solidFill>
+              <a:schemeClr val="tx1"/>
+            </a:solidFill>
+          </a:ln>
+        </p:spPr>
+        <p:style>
+          <a:lnRef idx="2">
+            <a:schemeClr val="accent1">
+              <a:shade val="50000"/>
+            </a:schemeClr>
+          </a:lnRef>
+          <a:fillRef idx="1">
+            <a:schemeClr val="accent1"/>
+          </a:fillRef>
+          <a:effectRef idx="0">
+            <a:schemeClr val="accent1"/>
+          </a:effectRef>
+          <a:fontRef idx="minor">
+            <a:schemeClr val="lt1"/>
+          </a:fontRef>
+        </p:style>
+        <p:txBody>
+          <a:bodyPr rtlCol="0" anchor="ctr"/>
+          <a:lstStyle/>
+          <a:p>
+            <a:pPr algn="ctr"/>
+            <a:endParaRPr lang="ko-KR" altLang="en-US"/>
+          </a:p>
+        </p:txBody>
+      </p:sp>
+      <p:sp>
+        <p:nvSpPr>
+          <p:cNvPr id="5" name="TextBox 4"/>
+          <p:cNvSpPr txBox="1"/>
+          <p:nvPr/>
+        </p:nvSpPr>
+        <p:spPr>
+          <a:xfrm>
+            <a:off x="2293031" y="476672"/>
+            <a:ext cx="933269" cy="369332"/>
+          </a:xfrm>
+          <a:prstGeom prst="rect">
+            <a:avLst/>
+          </a:prstGeom>
+          <a:noFill/>
+        </p:spPr>
+        <p:txBody>
+          <a:bodyPr wrap="none" rtlCol="0">
+            <a:spAutoFit/>
+          </a:bodyPr>
+          <a:lstStyle/>
+          <a:p>
+            <a:pPr algn="ctr"/>
+            <a:r>
+              <a:rPr lang="en-US" altLang="ko-KR" dirty="0">
+                <a:latin typeface="마루 부리 Beta" pitchFamily="50" charset="-127"/>
+                <a:ea typeface="마루 부리 Beta" pitchFamily="50" charset="-127"/>
+              </a:rPr>
+              <a:t>Analog</a:t>
+            </a:r>
+            <a:endParaRPr lang="ko-KR" altLang="en-US" dirty="0">
+              <a:latin typeface="마루 부리 Beta" pitchFamily="50" charset="-127"/>
+              <a:ea typeface="마루 부리 Beta" pitchFamily="50" charset="-127"/>
+            </a:endParaRPr>
+          </a:p>
+        </p:txBody>
+      </p:sp>
+      <p:sp>
+        <p:nvSpPr>
+          <p:cNvPr id="10" name="TextBox 9"/>
+          <p:cNvSpPr txBox="1"/>
+          <p:nvPr/>
+        </p:nvSpPr>
+        <p:spPr>
+          <a:xfrm>
+            <a:off x="2428484" y="1739570"/>
+            <a:ext cx="662361" cy="369332"/>
+          </a:xfrm>
+          <a:prstGeom prst="rect">
+            <a:avLst/>
+          </a:prstGeom>
+          <a:noFill/>
+        </p:spPr>
+        <p:txBody>
+          <a:bodyPr wrap="none" rtlCol="0">
+            <a:spAutoFit/>
+          </a:bodyPr>
+          <a:lstStyle/>
+          <a:p>
+            <a:r>
+              <a:rPr lang="en-US" altLang="ko-KR" dirty="0">
+                <a:latin typeface="마루 부리 Beta" pitchFamily="50" charset="-127"/>
+                <a:ea typeface="마루 부리 Beta" pitchFamily="50" charset="-127"/>
+              </a:rPr>
+              <a:t>ADC</a:t>
+            </a:r>
+            <a:endParaRPr lang="ko-KR" altLang="en-US" dirty="0">
+              <a:latin typeface="마루 부리 Beta" pitchFamily="50" charset="-127"/>
+              <a:ea typeface="마루 부리 Beta" pitchFamily="50" charset="-127"/>
+            </a:endParaRPr>
+          </a:p>
+        </p:txBody>
+      </p:sp>
+      <p:sp>
+        <p:nvSpPr>
+          <p:cNvPr id="11" name="TextBox 10"/>
+          <p:cNvSpPr txBox="1"/>
+          <p:nvPr/>
+        </p:nvSpPr>
+        <p:spPr>
+          <a:xfrm>
+            <a:off x="2311847" y="3002468"/>
+            <a:ext cx="950901" cy="646331"/>
+          </a:xfrm>
+          <a:prstGeom prst="rect">
+            <a:avLst/>
+          </a:prstGeom>
+          <a:noFill/>
+        </p:spPr>
+        <p:txBody>
+          <a:bodyPr wrap="none" rtlCol="0">
+            <a:spAutoFit/>
+          </a:bodyPr>
+          <a:lstStyle/>
+          <a:p>
+            <a:pPr algn="ctr"/>
+            <a:r>
+              <a:rPr lang="en-US" altLang="ko-KR" dirty="0">
+                <a:latin typeface="마루 부리 Beta" pitchFamily="50" charset="-127"/>
+                <a:ea typeface="마루 부리 Beta" pitchFamily="50" charset="-127"/>
+              </a:rPr>
+              <a:t>Digital</a:t>
+            </a:r>
+          </a:p>
+          <a:p>
+            <a:pPr algn="ctr"/>
+            <a:r>
+              <a:rPr lang="en-US" altLang="ko-KR" dirty="0">
+                <a:latin typeface="마루 부리 Beta" pitchFamily="50" charset="-127"/>
+                <a:ea typeface="마루 부리 Beta" pitchFamily="50" charset="-127"/>
+              </a:rPr>
+              <a:t>System</a:t>
+            </a:r>
+            <a:endParaRPr lang="ko-KR" altLang="en-US" dirty="0">
+              <a:latin typeface="마루 부리 Beta" pitchFamily="50" charset="-127"/>
+              <a:ea typeface="마루 부리 Beta" pitchFamily="50" charset="-127"/>
+            </a:endParaRPr>
+          </a:p>
+        </p:txBody>
+      </p:sp>
+      <p:sp>
+        <p:nvSpPr>
+          <p:cNvPr id="12" name="TextBox 11"/>
+          <p:cNvSpPr txBox="1"/>
+          <p:nvPr/>
+        </p:nvSpPr>
+        <p:spPr>
+          <a:xfrm>
+            <a:off x="2428484" y="4559617"/>
+            <a:ext cx="662361" cy="369332"/>
+          </a:xfrm>
+          <a:prstGeom prst="rect">
+            <a:avLst/>
+          </a:prstGeom>
+          <a:noFill/>
+        </p:spPr>
+        <p:txBody>
+          <a:bodyPr wrap="none" rtlCol="0">
+            <a:spAutoFit/>
+          </a:bodyPr>
+          <a:lstStyle/>
+          <a:p>
+            <a:r>
+              <a:rPr lang="en-US" altLang="ko-KR" dirty="0">
+                <a:latin typeface="마루 부리 Beta" pitchFamily="50" charset="-127"/>
+                <a:ea typeface="마루 부리 Beta" pitchFamily="50" charset="-127"/>
+              </a:rPr>
+              <a:t>DAC</a:t>
+            </a:r>
+            <a:endParaRPr lang="ko-KR" altLang="en-US" dirty="0">
+              <a:latin typeface="마루 부리 Beta" pitchFamily="50" charset="-127"/>
+              <a:ea typeface="마루 부리 Beta" pitchFamily="50" charset="-127"/>
+            </a:endParaRPr>
+          </a:p>
+        </p:txBody>
+      </p:sp>
+      <p:sp>
+        <p:nvSpPr>
+          <p:cNvPr id="13" name="TextBox 12"/>
+          <p:cNvSpPr txBox="1"/>
+          <p:nvPr/>
+        </p:nvSpPr>
+        <p:spPr>
+          <a:xfrm>
+            <a:off x="2293031" y="5822516"/>
+            <a:ext cx="933269" cy="369332"/>
+          </a:xfrm>
+          <a:prstGeom prst="rect">
+            <a:avLst/>
+          </a:prstGeom>
+          <a:noFill/>
+        </p:spPr>
+        <p:txBody>
+          <a:bodyPr wrap="none" rtlCol="0">
+            <a:spAutoFit/>
+          </a:bodyPr>
+          <a:lstStyle/>
+          <a:p>
+            <a:pPr algn="ctr"/>
+            <a:r>
+              <a:rPr lang="en-US" altLang="ko-KR" dirty="0">
+                <a:latin typeface="마루 부리 Beta" pitchFamily="50" charset="-127"/>
+                <a:ea typeface="마루 부리 Beta" pitchFamily="50" charset="-127"/>
+              </a:rPr>
+              <a:t>Analog</a:t>
+            </a:r>
+            <a:endParaRPr lang="ko-KR" altLang="en-US" dirty="0">
+              <a:latin typeface="마루 부리 Beta" pitchFamily="50" charset="-127"/>
+              <a:ea typeface="마루 부리 Beta" pitchFamily="50" charset="-127"/>
+            </a:endParaRPr>
+          </a:p>
+        </p:txBody>
+      </p:sp>
+      <p:cxnSp>
+        <p:nvCxnSpPr>
+          <p:cNvPr id="8" name="직선 화살표 연결선 7"/>
+          <p:cNvCxnSpPr>
+            <a:stCxn id="5" idx="2"/>
+            <a:endCxn id="6" idx="0"/>
+          </p:cNvCxnSpPr>
+          <p:nvPr/>
+        </p:nvCxnSpPr>
+        <p:spPr>
+          <a:xfrm flipH="1">
+            <a:off x="2759665" y="846004"/>
+            <a:ext cx="1" cy="710788"/>
+          </a:xfrm>
+          <a:prstGeom prst="straightConnector1">
+            <a:avLst/>
+          </a:prstGeom>
+          <a:ln w="28575">
+            <a:solidFill>
+              <a:schemeClr val="tx1"/>
+            </a:solidFill>
+            <a:tailEnd type="arrow"/>
+          </a:ln>
+        </p:spPr>
+        <p:style>
+          <a:lnRef idx="1">
+            <a:schemeClr val="accent1"/>
+          </a:lnRef>
+          <a:fillRef idx="0">
+            <a:schemeClr val="accent1"/>
+          </a:fillRef>
+          <a:effectRef idx="0">
+            <a:schemeClr val="accent1"/>
+          </a:effectRef>
+          <a:fontRef idx="minor">
+            <a:schemeClr val="tx1"/>
+          </a:fontRef>
+        </p:style>
+      </p:cxnSp>
+      <p:cxnSp>
+        <p:nvCxnSpPr>
+          <p:cNvPr id="20" name="직선 화살표 연결선 19"/>
+          <p:cNvCxnSpPr/>
+          <p:nvPr/>
+        </p:nvCxnSpPr>
+        <p:spPr>
+          <a:xfrm>
+            <a:off x="2759664" y="2268246"/>
+            <a:ext cx="1" cy="710788"/>
+          </a:xfrm>
+          <a:prstGeom prst="straightConnector1">
+            <a:avLst/>
+          </a:prstGeom>
+          <a:ln w="28575">
+            <a:solidFill>
+              <a:schemeClr val="tx1"/>
+            </a:solidFill>
+            <a:tailEnd type="arrow"/>
+          </a:ln>
+        </p:spPr>
+        <p:style>
+          <a:lnRef idx="1">
+            <a:schemeClr val="accent1"/>
+          </a:lnRef>
+          <a:fillRef idx="0">
+            <a:schemeClr val="accent1"/>
+          </a:fillRef>
+          <a:effectRef idx="0">
+            <a:schemeClr val="accent1"/>
+          </a:effectRef>
+          <a:fontRef idx="minor">
+            <a:schemeClr val="tx1"/>
+          </a:fontRef>
+        </p:style>
+      </p:cxnSp>
+      <p:cxnSp>
+        <p:nvCxnSpPr>
+          <p:cNvPr id="21" name="직선 화살표 연결선 20"/>
+          <p:cNvCxnSpPr/>
+          <p:nvPr/>
+        </p:nvCxnSpPr>
+        <p:spPr>
+          <a:xfrm>
+            <a:off x="2759664" y="3685673"/>
+            <a:ext cx="1" cy="710788"/>
+          </a:xfrm>
+          <a:prstGeom prst="straightConnector1">
+            <a:avLst/>
+          </a:prstGeom>
+          <a:ln w="28575">
+            <a:solidFill>
+              <a:schemeClr val="tx1"/>
+            </a:solidFill>
+            <a:tailEnd type="arrow"/>
+          </a:ln>
+        </p:spPr>
+        <p:style>
+          <a:lnRef idx="1">
+            <a:schemeClr val="accent1"/>
+          </a:lnRef>
+          <a:fillRef idx="0">
+            <a:schemeClr val="accent1"/>
+          </a:fillRef>
+          <a:effectRef idx="0">
+            <a:schemeClr val="accent1"/>
+          </a:effectRef>
+          <a:fontRef idx="minor">
+            <a:schemeClr val="tx1"/>
+          </a:fontRef>
+        </p:style>
+      </p:cxnSp>
+      <p:cxnSp>
+        <p:nvCxnSpPr>
+          <p:cNvPr id="22" name="직선 화살표 연결선 21"/>
+          <p:cNvCxnSpPr/>
+          <p:nvPr/>
+        </p:nvCxnSpPr>
+        <p:spPr>
+          <a:xfrm>
+            <a:off x="2759664" y="5092620"/>
+            <a:ext cx="1" cy="710788"/>
+          </a:xfrm>
+          <a:prstGeom prst="straightConnector1">
+            <a:avLst/>
+          </a:prstGeom>
+          <a:ln w="28575">
+            <a:solidFill>
+              <a:schemeClr val="tx1"/>
+            </a:solidFill>
+            <a:tailEnd type="arrow"/>
+          </a:ln>
+        </p:spPr>
+        <p:style>
+          <a:lnRef idx="1">
+            <a:schemeClr val="accent1"/>
+          </a:lnRef>
+          <a:fillRef idx="0">
+            <a:schemeClr val="accent1"/>
+          </a:fillRef>
+          <a:effectRef idx="0">
+            <a:schemeClr val="accent1"/>
+          </a:effectRef>
+          <a:fontRef idx="minor">
+            <a:schemeClr val="tx1"/>
+          </a:fontRef>
+        </p:style>
+      </p:cxnSp>
+      <mc:AlternateContent xmlns:mc="http://schemas.openxmlformats.org/markup-compatibility/2006" xmlns:a14="http://schemas.microsoft.com/office/drawing/2010/main">
+        <mc:Choice Requires="a14">
+          <p:sp>
+            <p:nvSpPr>
+              <p:cNvPr id="9" name="TextBox 8"/>
+              <p:cNvSpPr txBox="1"/>
+              <p:nvPr/>
+            </p:nvSpPr>
+            <p:spPr>
+              <a:xfrm>
+                <a:off x="2875855" y="980728"/>
+                <a:ext cx="667940" cy="369332"/>
+              </a:xfrm>
+              <a:prstGeom prst="rect">
+                <a:avLst/>
+              </a:prstGeom>
+              <a:noFill/>
+            </p:spPr>
+            <p:txBody>
+              <a:bodyPr wrap="none" rtlCol="0">
+                <a:spAutoFit/>
+              </a:bodyPr>
+              <a:lstStyle/>
+              <a:p>
+                <a:pPr/>
+                <a14:m>
+                  <m:oMathPara xmlns:m="http://schemas.openxmlformats.org/officeDocument/2006/math">
+                    <m:oMathParaPr>
+                      <m:jc m:val="centerGroup"/>
+                    </m:oMathParaPr>
+                    <m:oMath xmlns:m="http://schemas.openxmlformats.org/officeDocument/2006/math">
+                      <m:r>
+                        <a:rPr lang="en-US" altLang="ko-KR" b="0" i="1" smtClean="0">
+                          <a:latin typeface="Cambria Math"/>
+                        </a:rPr>
+                        <m:t>𝑠</m:t>
+                      </m:r>
+                      <m:r>
+                        <a:rPr lang="en-US" altLang="ko-KR" b="0" i="1" smtClean="0">
+                          <a:latin typeface="Cambria Math"/>
+                        </a:rPr>
+                        <m:t>(</m:t>
+                      </m:r>
+                      <m:r>
+                        <a:rPr lang="en-US" altLang="ko-KR" b="0" i="1" smtClean="0">
+                          <a:latin typeface="Cambria Math"/>
+                        </a:rPr>
+                        <m:t>𝑡</m:t>
+                      </m:r>
+                      <m:r>
+                        <a:rPr lang="en-US" altLang="ko-KR" b="0" i="1" smtClean="0">
+                          <a:latin typeface="Cambria Math"/>
+                        </a:rPr>
+                        <m:t>)</m:t>
+                      </m:r>
+                    </m:oMath>
+                  </m:oMathPara>
+                </a14:m>
+                <a:endParaRPr lang="ko-KR" altLang="en-US" dirty="0"/>
+              </a:p>
+            </p:txBody>
+          </p:sp>
+        </mc:Choice>
+        <mc:Fallback xmlns="">
+          <p:sp>
+            <p:nvSpPr>
+              <p:cNvPr id="9" name="TextBox 8"/>
+              <p:cNvSpPr txBox="1">
+                <a:spLocks noRot="1" noChangeAspect="1" noMove="1" noResize="1" noEditPoints="1" noAdjustHandles="1" noChangeArrowheads="1" noChangeShapeType="1" noTextEdit="1"/>
+              </p:cNvSpPr>
+              <p:nvPr/>
+            </p:nvSpPr>
+            <p:spPr>
+              <a:xfrm>
+                <a:off x="2875855" y="980728"/>
+                <a:ext cx="667940" cy="369332"/>
+              </a:xfrm>
+              <a:prstGeom prst="rect">
+                <a:avLst/>
+              </a:prstGeom>
+              <a:blipFill rotWithShape="1">
+                <a:blip r:embed="rId2"/>
+                <a:stretch>
+                  <a:fillRect b="-16667"/>
+                </a:stretch>
+              </a:blipFill>
+            </p:spPr>
+            <p:txBody>
+              <a:bodyPr/>
+              <a:lstStyle/>
+              <a:p>
+                <a:r>
+                  <a:rPr lang="ko-KR" altLang="en-US">
+                    <a:noFill/>
+                  </a:rPr>
+                  <a:t> </a:t>
+                </a:r>
+              </a:p>
+            </p:txBody>
+          </p:sp>
+        </mc:Fallback>
+      </mc:AlternateContent>
+      <mc:AlternateContent xmlns:mc="http://schemas.openxmlformats.org/markup-compatibility/2006" xmlns:a14="http://schemas.microsoft.com/office/drawing/2010/main">
+        <mc:Choice Requires="a14">
+          <p:sp>
+            <p:nvSpPr>
+              <p:cNvPr id="24" name="TextBox 23"/>
+              <p:cNvSpPr txBox="1"/>
+              <p:nvPr/>
+            </p:nvSpPr>
+            <p:spPr>
+              <a:xfrm>
+                <a:off x="2875855" y="2438974"/>
+                <a:ext cx="694164" cy="369332"/>
+              </a:xfrm>
+              <a:prstGeom prst="rect">
+                <a:avLst/>
+              </a:prstGeom>
+              <a:noFill/>
+            </p:spPr>
+            <p:txBody>
+              <a:bodyPr wrap="none" rtlCol="0">
+                <a:spAutoFit/>
+              </a:bodyPr>
+              <a:lstStyle/>
+              <a:p>
+                <a:pPr/>
+                <a14:m>
+                  <m:oMathPara xmlns:m="http://schemas.openxmlformats.org/officeDocument/2006/math">
+                    <m:oMathParaPr>
+                      <m:jc m:val="centerGroup"/>
+                    </m:oMathParaPr>
+                    <m:oMath xmlns:m="http://schemas.openxmlformats.org/officeDocument/2006/math">
+                      <m:r>
+                        <a:rPr lang="en-US" altLang="ko-KR" b="0" i="1" smtClean="0">
+                          <a:latin typeface="Cambria Math"/>
+                        </a:rPr>
+                        <m:t>𝑥</m:t>
+                      </m:r>
+                      <m:r>
+                        <a:rPr lang="en-US" altLang="ko-KR" b="0" i="1" smtClean="0">
+                          <a:latin typeface="Cambria Math"/>
+                        </a:rPr>
+                        <m:t>[</m:t>
+                      </m:r>
+                      <m:r>
+                        <a:rPr lang="en-US" altLang="ko-KR" b="0" i="1" smtClean="0">
+                          <a:latin typeface="Cambria Math"/>
+                        </a:rPr>
+                        <m:t>𝑛</m:t>
+                      </m:r>
+                      <m:r>
+                        <a:rPr lang="en-US" altLang="ko-KR" b="0" i="1" smtClean="0">
+                          <a:latin typeface="Cambria Math"/>
+                        </a:rPr>
+                        <m:t>]</m:t>
+                      </m:r>
+                    </m:oMath>
+                  </m:oMathPara>
+                </a14:m>
+                <a:endParaRPr lang="ko-KR" altLang="en-US" dirty="0"/>
+              </a:p>
+            </p:txBody>
+          </p:sp>
+        </mc:Choice>
+        <mc:Fallback xmlns="">
+          <p:sp>
+            <p:nvSpPr>
+              <p:cNvPr id="24" name="TextBox 23"/>
+              <p:cNvSpPr txBox="1">
+                <a:spLocks noRot="1" noChangeAspect="1" noMove="1" noResize="1" noEditPoints="1" noAdjustHandles="1" noChangeArrowheads="1" noChangeShapeType="1" noTextEdit="1"/>
+              </p:cNvSpPr>
+              <p:nvPr/>
+            </p:nvSpPr>
+            <p:spPr>
+              <a:xfrm>
+                <a:off x="2875855" y="2438974"/>
+                <a:ext cx="694164" cy="369332"/>
+              </a:xfrm>
+              <a:prstGeom prst="rect">
+                <a:avLst/>
+              </a:prstGeom>
+              <a:blipFill rotWithShape="1">
+                <a:blip r:embed="rId3"/>
+                <a:stretch>
+                  <a:fillRect b="-18033"/>
+                </a:stretch>
+              </a:blipFill>
+            </p:spPr>
+            <p:txBody>
+              <a:bodyPr/>
+              <a:lstStyle/>
+              <a:p>
+                <a:r>
+                  <a:rPr lang="ko-KR" altLang="en-US">
+                    <a:noFill/>
+                  </a:rPr>
+                  <a:t> </a:t>
+                </a:r>
+              </a:p>
+            </p:txBody>
+          </p:sp>
+        </mc:Fallback>
+      </mc:AlternateContent>
+      <mc:AlternateContent xmlns:mc="http://schemas.openxmlformats.org/markup-compatibility/2006" xmlns:a14="http://schemas.microsoft.com/office/drawing/2010/main">
+        <mc:Choice Requires="a14">
+          <p:sp>
+            <p:nvSpPr>
+              <p:cNvPr id="25" name="TextBox 24"/>
+              <p:cNvSpPr txBox="1"/>
+              <p:nvPr/>
+            </p:nvSpPr>
+            <p:spPr>
+              <a:xfrm>
+                <a:off x="2875855" y="3856401"/>
+                <a:ext cx="694164" cy="369332"/>
+              </a:xfrm>
+              <a:prstGeom prst="rect">
+                <a:avLst/>
+              </a:prstGeom>
+              <a:noFill/>
+            </p:spPr>
+            <p:txBody>
+              <a:bodyPr wrap="none" rtlCol="0">
+                <a:spAutoFit/>
+              </a:bodyPr>
+              <a:lstStyle/>
+              <a:p>
+                <a:pPr/>
+                <a14:m>
+                  <m:oMathPara xmlns:m="http://schemas.openxmlformats.org/officeDocument/2006/math">
+                    <m:oMathParaPr>
+                      <m:jc m:val="centerGroup"/>
+                    </m:oMathParaPr>
+                    <m:oMath xmlns:m="http://schemas.openxmlformats.org/officeDocument/2006/math">
+                      <m:r>
+                        <a:rPr lang="en-US" altLang="ko-KR" b="0" i="1" smtClean="0">
+                          <a:latin typeface="Cambria Math"/>
+                        </a:rPr>
+                        <m:t>𝑦</m:t>
+                      </m:r>
+                      <m:r>
+                        <a:rPr lang="en-US" altLang="ko-KR" b="0" i="1" smtClean="0">
+                          <a:latin typeface="Cambria Math"/>
+                        </a:rPr>
+                        <m:t>[</m:t>
+                      </m:r>
+                      <m:r>
+                        <a:rPr lang="en-US" altLang="ko-KR" b="0" i="1" smtClean="0">
+                          <a:latin typeface="Cambria Math"/>
+                        </a:rPr>
+                        <m:t>𝑛</m:t>
+                      </m:r>
+                      <m:r>
+                        <a:rPr lang="en-US" altLang="ko-KR" b="0" i="1" smtClean="0">
+                          <a:latin typeface="Cambria Math"/>
+                        </a:rPr>
+                        <m:t>]</m:t>
+                      </m:r>
+                    </m:oMath>
+                  </m:oMathPara>
+                </a14:m>
+                <a:endParaRPr lang="ko-KR" altLang="en-US" dirty="0"/>
+              </a:p>
+            </p:txBody>
+          </p:sp>
+        </mc:Choice>
+        <mc:Fallback xmlns="">
+          <p:sp>
+            <p:nvSpPr>
+              <p:cNvPr id="25" name="TextBox 24"/>
+              <p:cNvSpPr txBox="1">
+                <a:spLocks noRot="1" noChangeAspect="1" noMove="1" noResize="1" noEditPoints="1" noAdjustHandles="1" noChangeArrowheads="1" noChangeShapeType="1" noTextEdit="1"/>
+              </p:cNvSpPr>
+              <p:nvPr/>
+            </p:nvSpPr>
+            <p:spPr>
+              <a:xfrm>
+                <a:off x="2875855" y="3856401"/>
+                <a:ext cx="694164" cy="369332"/>
+              </a:xfrm>
+              <a:prstGeom prst="rect">
+                <a:avLst/>
+              </a:prstGeom>
+              <a:blipFill rotWithShape="1">
+                <a:blip r:embed="rId4"/>
+                <a:stretch>
+                  <a:fillRect b="-20000"/>
+                </a:stretch>
+              </a:blipFill>
+            </p:spPr>
+            <p:txBody>
+              <a:bodyPr/>
+              <a:lstStyle/>
+              <a:p>
+                <a:r>
+                  <a:rPr lang="ko-KR" altLang="en-US">
+                    <a:noFill/>
+                  </a:rPr>
+                  <a:t> </a:t>
+                </a:r>
+              </a:p>
+            </p:txBody>
+          </p:sp>
+        </mc:Fallback>
+      </mc:AlternateContent>
+      <mc:AlternateContent xmlns:mc="http://schemas.openxmlformats.org/markup-compatibility/2006" xmlns:a14="http://schemas.microsoft.com/office/drawing/2010/main">
+        <mc:Choice Requires="a14">
+          <p:sp>
+            <p:nvSpPr>
+              <p:cNvPr id="26" name="TextBox 25"/>
+              <p:cNvSpPr txBox="1"/>
+              <p:nvPr/>
+            </p:nvSpPr>
+            <p:spPr>
+              <a:xfrm>
+                <a:off x="2875855" y="5263348"/>
+                <a:ext cx="689612" cy="369332"/>
+              </a:xfrm>
+              <a:prstGeom prst="rect">
+                <a:avLst/>
+              </a:prstGeom>
+              <a:noFill/>
+            </p:spPr>
+            <p:txBody>
+              <a:bodyPr wrap="none" rtlCol="0">
+                <a:spAutoFit/>
+              </a:bodyPr>
+              <a:lstStyle/>
+              <a:p>
+                <a:pPr/>
+                <a14:m>
+                  <m:oMathPara xmlns:m="http://schemas.openxmlformats.org/officeDocument/2006/math">
+                    <m:oMathParaPr>
+                      <m:jc m:val="centerGroup"/>
+                    </m:oMathParaPr>
+                    <m:oMath xmlns:m="http://schemas.openxmlformats.org/officeDocument/2006/math">
+                      <m:r>
+                        <a:rPr lang="en-US" altLang="ko-KR" b="0" i="1" smtClean="0">
+                          <a:latin typeface="Cambria Math"/>
+                        </a:rPr>
+                        <m:t>𝑦</m:t>
+                      </m:r>
+                      <m:r>
+                        <a:rPr lang="en-US" altLang="ko-KR" b="0" i="1" smtClean="0">
+                          <a:latin typeface="Cambria Math"/>
+                        </a:rPr>
+                        <m:t>(</m:t>
+                      </m:r>
+                      <m:r>
+                        <a:rPr lang="en-US" altLang="ko-KR" b="0" i="1" smtClean="0">
+                          <a:latin typeface="Cambria Math"/>
+                        </a:rPr>
+                        <m:t>𝑡</m:t>
+                      </m:r>
+                      <m:r>
+                        <a:rPr lang="en-US" altLang="ko-KR" b="0" i="1" smtClean="0">
+                          <a:latin typeface="Cambria Math"/>
+                        </a:rPr>
+                        <m:t>)</m:t>
+                      </m:r>
+                    </m:oMath>
+                  </m:oMathPara>
+                </a14:m>
+                <a:endParaRPr lang="ko-KR" altLang="en-US" dirty="0"/>
+              </a:p>
+            </p:txBody>
+          </p:sp>
+        </mc:Choice>
+        <mc:Fallback xmlns="">
+          <p:sp>
+            <p:nvSpPr>
+              <p:cNvPr id="26" name="TextBox 25"/>
+              <p:cNvSpPr txBox="1">
+                <a:spLocks noRot="1" noChangeAspect="1" noMove="1" noResize="1" noEditPoints="1" noAdjustHandles="1" noChangeArrowheads="1" noChangeShapeType="1" noTextEdit="1"/>
+              </p:cNvSpPr>
+              <p:nvPr/>
+            </p:nvSpPr>
+            <p:spPr>
+              <a:xfrm>
+                <a:off x="2875855" y="5263348"/>
+                <a:ext cx="689612" cy="369332"/>
+              </a:xfrm>
+              <a:prstGeom prst="rect">
+                <a:avLst/>
+              </a:prstGeom>
+              <a:blipFill rotWithShape="1">
+                <a:blip r:embed="rId5"/>
+                <a:stretch>
+                  <a:fillRect b="-14754"/>
+                </a:stretch>
+              </a:blipFill>
+            </p:spPr>
+            <p:txBody>
+              <a:bodyPr/>
+              <a:lstStyle/>
+              <a:p>
+                <a:r>
+                  <a:rPr lang="ko-KR" altLang="en-US">
+                    <a:noFill/>
+                  </a:rPr>
+                  <a:t> </a:t>
+                </a:r>
+              </a:p>
+            </p:txBody>
+          </p:sp>
+        </mc:Fallback>
+      </mc:AlternateContent>
+      <p:sp>
+        <p:nvSpPr>
+          <p:cNvPr id="27" name="Freeform 9"/>
+          <p:cNvSpPr>
+            <a:spLocks/>
+          </p:cNvSpPr>
+          <p:nvPr/>
+        </p:nvSpPr>
+        <p:spPr bwMode="auto">
+          <a:xfrm>
+            <a:off x="3984625" y="982663"/>
+            <a:ext cx="2638425" cy="741363"/>
+          </a:xfrm>
+          <a:custGeom>
+            <a:avLst/>
+            <a:gdLst>
+              <a:gd name="T0" fmla="*/ 17 w 1662"/>
+              <a:gd name="T1" fmla="*/ 466 h 467"/>
+              <a:gd name="T2" fmla="*/ 51 w 1662"/>
+              <a:gd name="T3" fmla="*/ 463 h 467"/>
+              <a:gd name="T4" fmla="*/ 84 w 1662"/>
+              <a:gd name="T5" fmla="*/ 460 h 467"/>
+              <a:gd name="T6" fmla="*/ 118 w 1662"/>
+              <a:gd name="T7" fmla="*/ 455 h 467"/>
+              <a:gd name="T8" fmla="*/ 151 w 1662"/>
+              <a:gd name="T9" fmla="*/ 449 h 467"/>
+              <a:gd name="T10" fmla="*/ 185 w 1662"/>
+              <a:gd name="T11" fmla="*/ 441 h 467"/>
+              <a:gd name="T12" fmla="*/ 218 w 1662"/>
+              <a:gd name="T13" fmla="*/ 431 h 467"/>
+              <a:gd name="T14" fmla="*/ 252 w 1662"/>
+              <a:gd name="T15" fmla="*/ 419 h 467"/>
+              <a:gd name="T16" fmla="*/ 286 w 1662"/>
+              <a:gd name="T17" fmla="*/ 404 h 467"/>
+              <a:gd name="T18" fmla="*/ 319 w 1662"/>
+              <a:gd name="T19" fmla="*/ 386 h 467"/>
+              <a:gd name="T20" fmla="*/ 353 w 1662"/>
+              <a:gd name="T21" fmla="*/ 366 h 467"/>
+              <a:gd name="T22" fmla="*/ 386 w 1662"/>
+              <a:gd name="T23" fmla="*/ 342 h 467"/>
+              <a:gd name="T24" fmla="*/ 420 w 1662"/>
+              <a:gd name="T25" fmla="*/ 315 h 467"/>
+              <a:gd name="T26" fmla="*/ 453 w 1662"/>
+              <a:gd name="T27" fmla="*/ 286 h 467"/>
+              <a:gd name="T28" fmla="*/ 487 w 1662"/>
+              <a:gd name="T29" fmla="*/ 254 h 467"/>
+              <a:gd name="T30" fmla="*/ 521 w 1662"/>
+              <a:gd name="T31" fmla="*/ 220 h 467"/>
+              <a:gd name="T32" fmla="*/ 554 w 1662"/>
+              <a:gd name="T33" fmla="*/ 185 h 467"/>
+              <a:gd name="T34" fmla="*/ 588 w 1662"/>
+              <a:gd name="T35" fmla="*/ 151 h 467"/>
+              <a:gd name="T36" fmla="*/ 621 w 1662"/>
+              <a:gd name="T37" fmla="*/ 117 h 467"/>
+              <a:gd name="T38" fmla="*/ 655 w 1662"/>
+              <a:gd name="T39" fmla="*/ 86 h 467"/>
+              <a:gd name="T40" fmla="*/ 688 w 1662"/>
+              <a:gd name="T41" fmla="*/ 58 h 467"/>
+              <a:gd name="T42" fmla="*/ 722 w 1662"/>
+              <a:gd name="T43" fmla="*/ 35 h 467"/>
+              <a:gd name="T44" fmla="*/ 756 w 1662"/>
+              <a:gd name="T45" fmla="*/ 17 h 467"/>
+              <a:gd name="T46" fmla="*/ 789 w 1662"/>
+              <a:gd name="T47" fmla="*/ 5 h 467"/>
+              <a:gd name="T48" fmla="*/ 823 w 1662"/>
+              <a:gd name="T49" fmla="*/ 0 h 467"/>
+              <a:gd name="T50" fmla="*/ 856 w 1662"/>
+              <a:gd name="T51" fmla="*/ 1 h 467"/>
+              <a:gd name="T52" fmla="*/ 890 w 1662"/>
+              <a:gd name="T53" fmla="*/ 10 h 467"/>
+              <a:gd name="T54" fmla="*/ 923 w 1662"/>
+              <a:gd name="T55" fmla="*/ 25 h 467"/>
+              <a:gd name="T56" fmla="*/ 957 w 1662"/>
+              <a:gd name="T57" fmla="*/ 46 h 467"/>
+              <a:gd name="T58" fmla="*/ 991 w 1662"/>
+              <a:gd name="T59" fmla="*/ 72 h 467"/>
+              <a:gd name="T60" fmla="*/ 1024 w 1662"/>
+              <a:gd name="T61" fmla="*/ 101 h 467"/>
+              <a:gd name="T62" fmla="*/ 1058 w 1662"/>
+              <a:gd name="T63" fmla="*/ 134 h 467"/>
+              <a:gd name="T64" fmla="*/ 1091 w 1662"/>
+              <a:gd name="T65" fmla="*/ 168 h 467"/>
+              <a:gd name="T66" fmla="*/ 1125 w 1662"/>
+              <a:gd name="T67" fmla="*/ 203 h 467"/>
+              <a:gd name="T68" fmla="*/ 1158 w 1662"/>
+              <a:gd name="T69" fmla="*/ 237 h 467"/>
+              <a:gd name="T70" fmla="*/ 1192 w 1662"/>
+              <a:gd name="T71" fmla="*/ 270 h 467"/>
+              <a:gd name="T72" fmla="*/ 1225 w 1662"/>
+              <a:gd name="T73" fmla="*/ 301 h 467"/>
+              <a:gd name="T74" fmla="*/ 1259 w 1662"/>
+              <a:gd name="T75" fmla="*/ 329 h 467"/>
+              <a:gd name="T76" fmla="*/ 1293 w 1662"/>
+              <a:gd name="T77" fmla="*/ 354 h 467"/>
+              <a:gd name="T78" fmla="*/ 1326 w 1662"/>
+              <a:gd name="T79" fmla="*/ 377 h 467"/>
+              <a:gd name="T80" fmla="*/ 1360 w 1662"/>
+              <a:gd name="T81" fmla="*/ 396 h 467"/>
+              <a:gd name="T82" fmla="*/ 1393 w 1662"/>
+              <a:gd name="T83" fmla="*/ 412 h 467"/>
+              <a:gd name="T84" fmla="*/ 1427 w 1662"/>
+              <a:gd name="T85" fmla="*/ 425 h 467"/>
+              <a:gd name="T86" fmla="*/ 1460 w 1662"/>
+              <a:gd name="T87" fmla="*/ 437 h 467"/>
+              <a:gd name="T88" fmla="*/ 1494 w 1662"/>
+              <a:gd name="T89" fmla="*/ 445 h 467"/>
+              <a:gd name="T90" fmla="*/ 1528 w 1662"/>
+              <a:gd name="T91" fmla="*/ 452 h 467"/>
+              <a:gd name="T92" fmla="*/ 1561 w 1662"/>
+              <a:gd name="T93" fmla="*/ 457 h 467"/>
+              <a:gd name="T94" fmla="*/ 1595 w 1662"/>
+              <a:gd name="T95" fmla="*/ 462 h 467"/>
+              <a:gd name="T96" fmla="*/ 1628 w 1662"/>
+              <a:gd name="T97" fmla="*/ 465 h 467"/>
+              <a:gd name="T98" fmla="*/ 1662 w 1662"/>
+              <a:gd name="T99" fmla="*/ 467 h 467"/>
+            </a:gdLst>
+            <a:ahLst/>
+            <a:cxnLst>
+              <a:cxn ang="0">
+                <a:pos x="T0" y="T1"/>
+              </a:cxn>
+              <a:cxn ang="0">
+                <a:pos x="T2" y="T3"/>
+              </a:cxn>
+              <a:cxn ang="0">
+                <a:pos x="T4" y="T5"/>
+              </a:cxn>
+              <a:cxn ang="0">
+                <a:pos x="T6" y="T7"/>
+              </a:cxn>
+              <a:cxn ang="0">
+                <a:pos x="T8" y="T9"/>
+              </a:cxn>
+              <a:cxn ang="0">
+                <a:pos x="T10" y="T11"/>
+              </a:cxn>
+              <a:cxn ang="0">
+                <a:pos x="T12" y="T13"/>
+              </a:cxn>
+              <a:cxn ang="0">
+                <a:pos x="T14" y="T15"/>
+              </a:cxn>
+              <a:cxn ang="0">
+                <a:pos x="T16" y="T17"/>
+              </a:cxn>
+              <a:cxn ang="0">
+                <a:pos x="T18" y="T19"/>
+              </a:cxn>
+              <a:cxn ang="0">
+                <a:pos x="T20" y="T21"/>
+              </a:cxn>
+              <a:cxn ang="0">
+                <a:pos x="T22" y="T23"/>
+              </a:cxn>
+              <a:cxn ang="0">
+                <a:pos x="T24" y="T25"/>
+              </a:cxn>
+              <a:cxn ang="0">
+                <a:pos x="T26" y="T27"/>
+              </a:cxn>
+              <a:cxn ang="0">
+                <a:pos x="T28" y="T29"/>
+              </a:cxn>
+              <a:cxn ang="0">
+                <a:pos x="T30" y="T31"/>
+              </a:cxn>
+              <a:cxn ang="0">
+                <a:pos x="T32" y="T33"/>
+              </a:cxn>
+              <a:cxn ang="0">
+                <a:pos x="T34" y="T35"/>
+              </a:cxn>
+              <a:cxn ang="0">
+                <a:pos x="T36" y="T37"/>
+              </a:cxn>
+              <a:cxn ang="0">
+                <a:pos x="T38" y="T39"/>
+              </a:cxn>
+              <a:cxn ang="0">
+                <a:pos x="T40" y="T41"/>
+              </a:cxn>
+              <a:cxn ang="0">
+                <a:pos x="T42" y="T43"/>
+              </a:cxn>
+              <a:cxn ang="0">
+                <a:pos x="T44" y="T45"/>
+              </a:cxn>
+              <a:cxn ang="0">
+                <a:pos x="T46" y="T47"/>
+              </a:cxn>
+              <a:cxn ang="0">
+                <a:pos x="T48" y="T49"/>
+              </a:cxn>
+              <a:cxn ang="0">
+                <a:pos x="T50" y="T51"/>
+              </a:cxn>
+              <a:cxn ang="0">
+                <a:pos x="T52" y="T53"/>
+              </a:cxn>
+              <a:cxn ang="0">
+                <a:pos x="T54" y="T55"/>
+              </a:cxn>
+              <a:cxn ang="0">
+                <a:pos x="T56" y="T57"/>
+              </a:cxn>
+              <a:cxn ang="0">
+                <a:pos x="T58" y="T59"/>
+              </a:cxn>
+              <a:cxn ang="0">
+                <a:pos x="T60" y="T61"/>
+              </a:cxn>
+              <a:cxn ang="0">
+                <a:pos x="T62" y="T63"/>
+              </a:cxn>
+              <a:cxn ang="0">
+                <a:pos x="T64" y="T65"/>
+              </a:cxn>
+              <a:cxn ang="0">
+                <a:pos x="T66" y="T67"/>
+              </a:cxn>
+              <a:cxn ang="0">
+                <a:pos x="T68" y="T69"/>
+              </a:cxn>
+              <a:cxn ang="0">
+                <a:pos x="T70" y="T71"/>
+              </a:cxn>
+              <a:cxn ang="0">
+                <a:pos x="T72" y="T73"/>
+              </a:cxn>
+              <a:cxn ang="0">
+                <a:pos x="T74" y="T75"/>
+              </a:cxn>
+              <a:cxn ang="0">
+                <a:pos x="T76" y="T77"/>
+              </a:cxn>
+              <a:cxn ang="0">
+                <a:pos x="T78" y="T79"/>
+              </a:cxn>
+              <a:cxn ang="0">
+                <a:pos x="T80" y="T81"/>
+              </a:cxn>
+              <a:cxn ang="0">
+                <a:pos x="T82" y="T83"/>
+              </a:cxn>
+              <a:cxn ang="0">
+                <a:pos x="T84" y="T85"/>
+              </a:cxn>
+              <a:cxn ang="0">
+                <a:pos x="T86" y="T87"/>
+              </a:cxn>
+              <a:cxn ang="0">
+                <a:pos x="T88" y="T89"/>
+              </a:cxn>
+              <a:cxn ang="0">
+                <a:pos x="T90" y="T91"/>
+              </a:cxn>
+              <a:cxn ang="0">
+                <a:pos x="T92" y="T93"/>
+              </a:cxn>
+              <a:cxn ang="0">
+                <a:pos x="T94" y="T95"/>
+              </a:cxn>
+              <a:cxn ang="0">
+                <a:pos x="T96" y="T97"/>
+              </a:cxn>
+              <a:cxn ang="0">
+                <a:pos x="T98" y="T99"/>
+              </a:cxn>
+            </a:cxnLst>
+            <a:rect l="0" t="0" r="r" b="b"/>
+            <a:pathLst>
+              <a:path w="1662" h="467">
+                <a:moveTo>
+                  <a:pt x="0" y="467"/>
+                </a:moveTo>
+                <a:lnTo>
+                  <a:pt x="17" y="466"/>
+                </a:lnTo>
+                <a:lnTo>
+                  <a:pt x="34" y="465"/>
+                </a:lnTo>
+                <a:lnTo>
+                  <a:pt x="51" y="463"/>
+                </a:lnTo>
+                <a:lnTo>
+                  <a:pt x="67" y="462"/>
+                </a:lnTo>
+                <a:lnTo>
+                  <a:pt x="84" y="460"/>
+                </a:lnTo>
+                <a:lnTo>
+                  <a:pt x="101" y="457"/>
+                </a:lnTo>
+                <a:lnTo>
+                  <a:pt x="118" y="455"/>
+                </a:lnTo>
+                <a:lnTo>
+                  <a:pt x="135" y="452"/>
+                </a:lnTo>
+                <a:lnTo>
+                  <a:pt x="151" y="449"/>
+                </a:lnTo>
+                <a:lnTo>
+                  <a:pt x="168" y="445"/>
+                </a:lnTo>
+                <a:lnTo>
+                  <a:pt x="185" y="441"/>
+                </a:lnTo>
+                <a:lnTo>
+                  <a:pt x="202" y="437"/>
+                </a:lnTo>
+                <a:lnTo>
+                  <a:pt x="218" y="431"/>
+                </a:lnTo>
+                <a:lnTo>
+                  <a:pt x="235" y="425"/>
+                </a:lnTo>
+                <a:lnTo>
+                  <a:pt x="252" y="419"/>
+                </a:lnTo>
+                <a:lnTo>
+                  <a:pt x="269" y="412"/>
+                </a:lnTo>
+                <a:lnTo>
+                  <a:pt x="286" y="404"/>
+                </a:lnTo>
+                <a:lnTo>
+                  <a:pt x="302" y="396"/>
+                </a:lnTo>
+                <a:lnTo>
+                  <a:pt x="319" y="386"/>
+                </a:lnTo>
+                <a:lnTo>
+                  <a:pt x="336" y="377"/>
+                </a:lnTo>
+                <a:lnTo>
+                  <a:pt x="353" y="366"/>
+                </a:lnTo>
+                <a:lnTo>
+                  <a:pt x="370" y="354"/>
+                </a:lnTo>
+                <a:lnTo>
+                  <a:pt x="386" y="342"/>
+                </a:lnTo>
+                <a:lnTo>
+                  <a:pt x="403" y="329"/>
+                </a:lnTo>
+                <a:lnTo>
+                  <a:pt x="420" y="315"/>
+                </a:lnTo>
+                <a:lnTo>
+                  <a:pt x="437" y="301"/>
+                </a:lnTo>
+                <a:lnTo>
+                  <a:pt x="453" y="286"/>
+                </a:lnTo>
+                <a:lnTo>
+                  <a:pt x="470" y="270"/>
+                </a:lnTo>
+                <a:lnTo>
+                  <a:pt x="487" y="254"/>
+                </a:lnTo>
+                <a:lnTo>
+                  <a:pt x="504" y="237"/>
+                </a:lnTo>
+                <a:lnTo>
+                  <a:pt x="521" y="220"/>
+                </a:lnTo>
+                <a:lnTo>
+                  <a:pt x="537" y="203"/>
+                </a:lnTo>
+                <a:lnTo>
+                  <a:pt x="554" y="185"/>
+                </a:lnTo>
+                <a:lnTo>
+                  <a:pt x="571" y="168"/>
+                </a:lnTo>
+                <a:lnTo>
+                  <a:pt x="588" y="151"/>
+                </a:lnTo>
+                <a:lnTo>
+                  <a:pt x="605" y="134"/>
+                </a:lnTo>
+                <a:lnTo>
+                  <a:pt x="621" y="117"/>
+                </a:lnTo>
+                <a:lnTo>
+                  <a:pt x="638" y="101"/>
+                </a:lnTo>
+                <a:lnTo>
+                  <a:pt x="655" y="86"/>
+                </a:lnTo>
+                <a:lnTo>
+                  <a:pt x="672" y="72"/>
+                </a:lnTo>
+                <a:lnTo>
+                  <a:pt x="688" y="58"/>
+                </a:lnTo>
+                <a:lnTo>
+                  <a:pt x="705" y="46"/>
+                </a:lnTo>
+                <a:lnTo>
+                  <a:pt x="722" y="35"/>
+                </a:lnTo>
+                <a:lnTo>
+                  <a:pt x="739" y="25"/>
+                </a:lnTo>
+                <a:lnTo>
+                  <a:pt x="756" y="17"/>
+                </a:lnTo>
+                <a:lnTo>
+                  <a:pt x="772" y="10"/>
+                </a:lnTo>
+                <a:lnTo>
+                  <a:pt x="789" y="5"/>
+                </a:lnTo>
+                <a:lnTo>
+                  <a:pt x="806" y="1"/>
+                </a:lnTo>
+                <a:lnTo>
+                  <a:pt x="823" y="0"/>
+                </a:lnTo>
+                <a:lnTo>
+                  <a:pt x="839" y="0"/>
+                </a:lnTo>
+                <a:lnTo>
+                  <a:pt x="856" y="1"/>
+                </a:lnTo>
+                <a:lnTo>
+                  <a:pt x="873" y="5"/>
+                </a:lnTo>
+                <a:lnTo>
+                  <a:pt x="890" y="10"/>
+                </a:lnTo>
+                <a:lnTo>
+                  <a:pt x="907" y="17"/>
+                </a:lnTo>
+                <a:lnTo>
+                  <a:pt x="923" y="25"/>
+                </a:lnTo>
+                <a:lnTo>
+                  <a:pt x="940" y="35"/>
+                </a:lnTo>
+                <a:lnTo>
+                  <a:pt x="957" y="46"/>
+                </a:lnTo>
+                <a:lnTo>
+                  <a:pt x="974" y="58"/>
+                </a:lnTo>
+                <a:lnTo>
+                  <a:pt x="991" y="72"/>
+                </a:lnTo>
+                <a:lnTo>
+                  <a:pt x="1007" y="86"/>
+                </a:lnTo>
+                <a:lnTo>
+                  <a:pt x="1024" y="101"/>
+                </a:lnTo>
+                <a:lnTo>
+                  <a:pt x="1041" y="117"/>
+                </a:lnTo>
+                <a:lnTo>
+                  <a:pt x="1058" y="134"/>
+                </a:lnTo>
+                <a:lnTo>
+                  <a:pt x="1074" y="151"/>
+                </a:lnTo>
+                <a:lnTo>
+                  <a:pt x="1091" y="168"/>
+                </a:lnTo>
+                <a:lnTo>
+                  <a:pt x="1108" y="185"/>
+                </a:lnTo>
+                <a:lnTo>
+                  <a:pt x="1125" y="203"/>
+                </a:lnTo>
+                <a:lnTo>
+                  <a:pt x="1142" y="220"/>
+                </a:lnTo>
+                <a:lnTo>
+                  <a:pt x="1158" y="237"/>
+                </a:lnTo>
+                <a:lnTo>
+                  <a:pt x="1175" y="254"/>
+                </a:lnTo>
+                <a:lnTo>
+                  <a:pt x="1192" y="270"/>
+                </a:lnTo>
+                <a:lnTo>
+                  <a:pt x="1209" y="286"/>
+                </a:lnTo>
+                <a:lnTo>
+                  <a:pt x="1225" y="301"/>
+                </a:lnTo>
+                <a:lnTo>
+                  <a:pt x="1242" y="315"/>
+                </a:lnTo>
+                <a:lnTo>
+                  <a:pt x="1259" y="329"/>
+                </a:lnTo>
+                <a:lnTo>
+                  <a:pt x="1276" y="342"/>
+                </a:lnTo>
+                <a:lnTo>
+                  <a:pt x="1293" y="354"/>
+                </a:lnTo>
+                <a:lnTo>
+                  <a:pt x="1309" y="366"/>
+                </a:lnTo>
+                <a:lnTo>
+                  <a:pt x="1326" y="377"/>
+                </a:lnTo>
+                <a:lnTo>
+                  <a:pt x="1343" y="386"/>
+                </a:lnTo>
+                <a:lnTo>
+                  <a:pt x="1360" y="396"/>
+                </a:lnTo>
+                <a:lnTo>
+                  <a:pt x="1377" y="404"/>
+                </a:lnTo>
+                <a:lnTo>
+                  <a:pt x="1393" y="412"/>
+                </a:lnTo>
+                <a:lnTo>
+                  <a:pt x="1410" y="419"/>
+                </a:lnTo>
+                <a:lnTo>
+                  <a:pt x="1427" y="425"/>
+                </a:lnTo>
+                <a:lnTo>
+                  <a:pt x="1444" y="431"/>
+                </a:lnTo>
+                <a:lnTo>
+                  <a:pt x="1460" y="437"/>
+                </a:lnTo>
+                <a:lnTo>
+                  <a:pt x="1477" y="441"/>
+                </a:lnTo>
+                <a:lnTo>
+                  <a:pt x="1494" y="445"/>
+                </a:lnTo>
+                <a:lnTo>
+                  <a:pt x="1511" y="449"/>
+                </a:lnTo>
+                <a:lnTo>
+                  <a:pt x="1528" y="452"/>
+                </a:lnTo>
+                <a:lnTo>
+                  <a:pt x="1544" y="455"/>
+                </a:lnTo>
+                <a:lnTo>
+                  <a:pt x="1561" y="457"/>
+                </a:lnTo>
+                <a:lnTo>
+                  <a:pt x="1578" y="460"/>
+                </a:lnTo>
+                <a:lnTo>
+                  <a:pt x="1595" y="462"/>
+                </a:lnTo>
+                <a:lnTo>
+                  <a:pt x="1612" y="463"/>
+                </a:lnTo>
+                <a:lnTo>
+                  <a:pt x="1628" y="465"/>
+                </a:lnTo>
+                <a:lnTo>
+                  <a:pt x="1645" y="466"/>
+                </a:lnTo>
+                <a:lnTo>
+                  <a:pt x="1662" y="467"/>
+                </a:lnTo>
+              </a:path>
+            </a:pathLst>
+          </a:custGeom>
+          <a:noFill/>
+          <a:ln w="38100" cap="flat">
+            <a:solidFill>
+              <a:srgbClr val="0072BD"/>
+            </a:solidFill>
+            <a:prstDash val="solid"/>
+            <a:round/>
+            <a:headEnd/>
+            <a:tailEnd/>
+          </a:ln>
+          <a:extLst>
+            <a:ext uri="{909E8E84-426E-40DD-AFC4-6F175D3DCCD1}">
+              <a14:hiddenFill xmlns:a14="http://schemas.microsoft.com/office/drawing/2010/main">
+                <a:solidFill>
+                  <a:srgbClr val="FFFFFF"/>
+                </a:solidFill>
+              </a14:hiddenFill>
+            </a:ext>
+          </a:extLst>
+        </p:spPr>
+        <p:txBody>
+          <a:bodyPr vert="horz" wrap="square" lIns="91440" tIns="45720" rIns="91440" bIns="45720" numCol="1" anchor="t" anchorCtr="0" compatLnSpc="1">
+            <a:prstTxWarp prst="textNoShape">
+              <a:avLst/>
+            </a:prstTxWarp>
+          </a:bodyPr>
+          <a:lstStyle/>
+          <a:p>
+            <a:endParaRPr lang="ko-KR" altLang="en-US"/>
+          </a:p>
+        </p:txBody>
+      </p:sp>
+      <p:sp>
+        <p:nvSpPr>
+          <p:cNvPr id="30" name="Line 13"/>
+          <p:cNvSpPr>
+            <a:spLocks noChangeShapeType="1"/>
+          </p:cNvSpPr>
+          <p:nvPr/>
+        </p:nvSpPr>
+        <p:spPr bwMode="auto">
+          <a:xfrm>
+            <a:off x="3984625" y="2909888"/>
+            <a:ext cx="2638425" cy="0"/>
+          </a:xfrm>
+          <a:prstGeom prst="line">
+            <a:avLst/>
+          </a:prstGeom>
+          <a:noFill/>
+          <a:ln w="3" cap="flat">
+            <a:solidFill>
+              <a:srgbClr val="262626"/>
+            </a:solidFill>
+            <a:prstDash val="solid"/>
+            <a:round/>
+            <a:headEnd/>
+            <a:tailEnd/>
+          </a:ln>
+          <a:extLst>
+            <a:ext uri="{909E8E84-426E-40DD-AFC4-6F175D3DCCD1}">
+              <a14:hiddenFill xmlns:a14="http://schemas.microsoft.com/office/drawing/2010/main">
+                <a:noFill/>
+              </a14:hiddenFill>
+            </a:ext>
+          </a:extLst>
+        </p:spPr>
+        <p:txBody>
+          <a:bodyPr vert="horz" wrap="square" lIns="91440" tIns="45720" rIns="91440" bIns="45720" numCol="1" anchor="t" anchorCtr="0" compatLnSpc="1">
+            <a:prstTxWarp prst="textNoShape">
+              <a:avLst/>
+            </a:prstTxWarp>
+          </a:bodyPr>
+          <a:lstStyle/>
+          <a:p>
+            <a:endParaRPr lang="ko-KR" altLang="en-US"/>
+          </a:p>
+        </p:txBody>
+      </p:sp>
+      <p:sp>
+        <p:nvSpPr>
+          <p:cNvPr id="31" name="Freeform 14"/>
+          <p:cNvSpPr>
+            <a:spLocks noEditPoints="1"/>
+          </p:cNvSpPr>
+          <p:nvPr/>
+        </p:nvSpPr>
+        <p:spPr bwMode="auto">
+          <a:xfrm>
+            <a:off x="3984625" y="2157413"/>
+            <a:ext cx="2627313" cy="746125"/>
+          </a:xfrm>
+          <a:custGeom>
+            <a:avLst/>
+            <a:gdLst>
+              <a:gd name="T0" fmla="*/ 97 w 1655"/>
+              <a:gd name="T1" fmla="*/ 459 h 470"/>
+              <a:gd name="T2" fmla="*/ 120 w 1655"/>
+              <a:gd name="T3" fmla="*/ 458 h 470"/>
+              <a:gd name="T4" fmla="*/ 151 w 1655"/>
+              <a:gd name="T5" fmla="*/ 450 h 470"/>
+              <a:gd name="T6" fmla="*/ 185 w 1655"/>
+              <a:gd name="T7" fmla="*/ 444 h 470"/>
+              <a:gd name="T8" fmla="*/ 185 w 1655"/>
+              <a:gd name="T9" fmla="*/ 442 h 470"/>
+              <a:gd name="T10" fmla="*/ 269 w 1655"/>
+              <a:gd name="T11" fmla="*/ 415 h 470"/>
+              <a:gd name="T12" fmla="*/ 236 w 1655"/>
+              <a:gd name="T13" fmla="*/ 426 h 470"/>
+              <a:gd name="T14" fmla="*/ 325 w 1655"/>
+              <a:gd name="T15" fmla="*/ 386 h 470"/>
+              <a:gd name="T16" fmla="*/ 292 w 1655"/>
+              <a:gd name="T17" fmla="*/ 404 h 470"/>
+              <a:gd name="T18" fmla="*/ 374 w 1655"/>
+              <a:gd name="T19" fmla="*/ 351 h 470"/>
+              <a:gd name="T20" fmla="*/ 394 w 1655"/>
+              <a:gd name="T21" fmla="*/ 340 h 470"/>
+              <a:gd name="T22" fmla="*/ 419 w 1655"/>
+              <a:gd name="T23" fmla="*/ 316 h 470"/>
+              <a:gd name="T24" fmla="*/ 454 w 1655"/>
+              <a:gd name="T25" fmla="*/ 289 h 470"/>
+              <a:gd name="T26" fmla="*/ 440 w 1655"/>
+              <a:gd name="T27" fmla="*/ 301 h 470"/>
+              <a:gd name="T28" fmla="*/ 509 w 1655"/>
+              <a:gd name="T29" fmla="*/ 232 h 470"/>
+              <a:gd name="T30" fmla="*/ 527 w 1655"/>
+              <a:gd name="T31" fmla="*/ 218 h 470"/>
+              <a:gd name="T32" fmla="*/ 525 w 1655"/>
+              <a:gd name="T33" fmla="*/ 216 h 470"/>
+              <a:gd name="T34" fmla="*/ 595 w 1655"/>
+              <a:gd name="T35" fmla="*/ 148 h 470"/>
+              <a:gd name="T36" fmla="*/ 569 w 1655"/>
+              <a:gd name="T37" fmla="*/ 175 h 470"/>
+              <a:gd name="T38" fmla="*/ 620 w 1655"/>
+              <a:gd name="T39" fmla="*/ 119 h 470"/>
+              <a:gd name="T40" fmla="*/ 672 w 1655"/>
+              <a:gd name="T41" fmla="*/ 75 h 470"/>
+              <a:gd name="T42" fmla="*/ 653 w 1655"/>
+              <a:gd name="T43" fmla="*/ 89 h 470"/>
+              <a:gd name="T44" fmla="*/ 732 w 1655"/>
+              <a:gd name="T45" fmla="*/ 32 h 470"/>
+              <a:gd name="T46" fmla="*/ 701 w 1655"/>
+              <a:gd name="T47" fmla="*/ 53 h 470"/>
+              <a:gd name="T48" fmla="*/ 773 w 1655"/>
+              <a:gd name="T49" fmla="*/ 13 h 470"/>
+              <a:gd name="T50" fmla="*/ 772 w 1655"/>
+              <a:gd name="T51" fmla="*/ 11 h 470"/>
+              <a:gd name="T52" fmla="*/ 752 w 1655"/>
+              <a:gd name="T53" fmla="*/ 22 h 470"/>
+              <a:gd name="T54" fmla="*/ 839 w 1655"/>
+              <a:gd name="T55" fmla="*/ 3 h 470"/>
+              <a:gd name="T56" fmla="*/ 840 w 1655"/>
+              <a:gd name="T57" fmla="*/ 0 h 470"/>
+              <a:gd name="T58" fmla="*/ 809 w 1655"/>
+              <a:gd name="T59" fmla="*/ 4 h 470"/>
+              <a:gd name="T60" fmla="*/ 890 w 1655"/>
+              <a:gd name="T61" fmla="*/ 13 h 470"/>
+              <a:gd name="T62" fmla="*/ 890 w 1655"/>
+              <a:gd name="T63" fmla="*/ 11 h 470"/>
+              <a:gd name="T64" fmla="*/ 868 w 1655"/>
+              <a:gd name="T65" fmla="*/ 7 h 470"/>
+              <a:gd name="T66" fmla="*/ 941 w 1655"/>
+              <a:gd name="T67" fmla="*/ 36 h 470"/>
+              <a:gd name="T68" fmla="*/ 1003 w 1655"/>
+              <a:gd name="T69" fmla="*/ 86 h 470"/>
+              <a:gd name="T70" fmla="*/ 1019 w 1655"/>
+              <a:gd name="T71" fmla="*/ 101 h 470"/>
+              <a:gd name="T72" fmla="*/ 1042 w 1655"/>
+              <a:gd name="T73" fmla="*/ 119 h 470"/>
+              <a:gd name="T74" fmla="*/ 1073 w 1655"/>
+              <a:gd name="T75" fmla="*/ 154 h 470"/>
+              <a:gd name="T76" fmla="*/ 1063 w 1655"/>
+              <a:gd name="T77" fmla="*/ 143 h 470"/>
+              <a:gd name="T78" fmla="*/ 1133 w 1655"/>
+              <a:gd name="T79" fmla="*/ 211 h 470"/>
+              <a:gd name="T80" fmla="*/ 1147 w 1655"/>
+              <a:gd name="T81" fmla="*/ 229 h 470"/>
+              <a:gd name="T82" fmla="*/ 1148 w 1655"/>
+              <a:gd name="T83" fmla="*/ 227 h 470"/>
+              <a:gd name="T84" fmla="*/ 1217 w 1655"/>
+              <a:gd name="T85" fmla="*/ 297 h 470"/>
+              <a:gd name="T86" fmla="*/ 1190 w 1655"/>
+              <a:gd name="T87" fmla="*/ 271 h 470"/>
+              <a:gd name="T88" fmla="*/ 1265 w 1655"/>
+              <a:gd name="T89" fmla="*/ 334 h 470"/>
+              <a:gd name="T90" fmla="*/ 1281 w 1655"/>
+              <a:gd name="T91" fmla="*/ 349 h 470"/>
+              <a:gd name="T92" fmla="*/ 1310 w 1655"/>
+              <a:gd name="T93" fmla="*/ 367 h 470"/>
+              <a:gd name="T94" fmla="*/ 1342 w 1655"/>
+              <a:gd name="T95" fmla="*/ 390 h 470"/>
+              <a:gd name="T96" fmla="*/ 1344 w 1655"/>
+              <a:gd name="T97" fmla="*/ 388 h 470"/>
+              <a:gd name="T98" fmla="*/ 1410 w 1655"/>
+              <a:gd name="T99" fmla="*/ 422 h 470"/>
+              <a:gd name="T100" fmla="*/ 1385 w 1655"/>
+              <a:gd name="T101" fmla="*/ 409 h 470"/>
+              <a:gd name="T102" fmla="*/ 1476 w 1655"/>
+              <a:gd name="T103" fmla="*/ 444 h 470"/>
+              <a:gd name="T104" fmla="*/ 1440 w 1655"/>
+              <a:gd name="T105" fmla="*/ 433 h 470"/>
+              <a:gd name="T106" fmla="*/ 1536 w 1655"/>
+              <a:gd name="T107" fmla="*/ 454 h 470"/>
+              <a:gd name="T108" fmla="*/ 1558 w 1655"/>
+              <a:gd name="T109" fmla="*/ 460 h 470"/>
+              <a:gd name="T110" fmla="*/ 1595 w 1655"/>
+              <a:gd name="T111" fmla="*/ 462 h 470"/>
+              <a:gd name="T112" fmla="*/ 1558 w 1655"/>
+              <a:gd name="T113" fmla="*/ 460 h 470"/>
+              <a:gd name="T114" fmla="*/ 1655 w 1655"/>
+              <a:gd name="T115" fmla="*/ 467 h 470"/>
+              <a:gd name="T116" fmla="*/ 0 w 1655"/>
+              <a:gd name="T117" fmla="*/ 470 h 470"/>
+              <a:gd name="T118" fmla="*/ 34 w 1655"/>
+              <a:gd name="T119" fmla="*/ 465 h 470"/>
+            </a:gdLst>
+            <a:ahLst/>
+            <a:cxnLst>
+              <a:cxn ang="0">
+                <a:pos x="T0" y="T1"/>
+              </a:cxn>
+              <a:cxn ang="0">
+                <a:pos x="T2" y="T3"/>
+              </a:cxn>
+              <a:cxn ang="0">
+                <a:pos x="T4" y="T5"/>
+              </a:cxn>
+              <a:cxn ang="0">
+                <a:pos x="T6" y="T7"/>
+              </a:cxn>
+              <a:cxn ang="0">
+                <a:pos x="T8" y="T9"/>
+              </a:cxn>
+              <a:cxn ang="0">
+                <a:pos x="T10" y="T11"/>
+              </a:cxn>
+              <a:cxn ang="0">
+                <a:pos x="T12" y="T13"/>
+              </a:cxn>
+              <a:cxn ang="0">
+                <a:pos x="T14" y="T15"/>
+              </a:cxn>
+              <a:cxn ang="0">
+                <a:pos x="T16" y="T17"/>
+              </a:cxn>
+              <a:cxn ang="0">
+                <a:pos x="T18" y="T19"/>
+              </a:cxn>
+              <a:cxn ang="0">
+                <a:pos x="T20" y="T21"/>
+              </a:cxn>
+              <a:cxn ang="0">
+                <a:pos x="T22" y="T23"/>
+              </a:cxn>
+              <a:cxn ang="0">
+                <a:pos x="T24" y="T25"/>
+              </a:cxn>
+              <a:cxn ang="0">
+                <a:pos x="T26" y="T27"/>
+              </a:cxn>
+              <a:cxn ang="0">
+                <a:pos x="T28" y="T29"/>
+              </a:cxn>
+              <a:cxn ang="0">
+                <a:pos x="T30" y="T31"/>
+              </a:cxn>
+              <a:cxn ang="0">
+                <a:pos x="T32" y="T33"/>
+              </a:cxn>
+              <a:cxn ang="0">
+                <a:pos x="T34" y="T35"/>
+              </a:cxn>
+              <a:cxn ang="0">
+                <a:pos x="T36" y="T37"/>
+              </a:cxn>
+              <a:cxn ang="0">
+                <a:pos x="T38" y="T39"/>
+              </a:cxn>
+              <a:cxn ang="0">
+                <a:pos x="T40" y="T41"/>
+              </a:cxn>
+              <a:cxn ang="0">
+                <a:pos x="T42" y="T43"/>
+              </a:cxn>
+              <a:cxn ang="0">
+                <a:pos x="T44" y="T45"/>
+              </a:cxn>
+              <a:cxn ang="0">
+                <a:pos x="T46" y="T47"/>
+              </a:cxn>
+              <a:cxn ang="0">
+                <a:pos x="T48" y="T49"/>
+              </a:cxn>
+              <a:cxn ang="0">
+                <a:pos x="T50" y="T51"/>
+              </a:cxn>
+              <a:cxn ang="0">
+                <a:pos x="T52" y="T53"/>
+              </a:cxn>
+              <a:cxn ang="0">
+                <a:pos x="T54" y="T55"/>
+              </a:cxn>
+              <a:cxn ang="0">
+                <a:pos x="T56" y="T57"/>
+              </a:cxn>
+              <a:cxn ang="0">
+                <a:pos x="T58" y="T59"/>
+              </a:cxn>
+              <a:cxn ang="0">
+                <a:pos x="T60" y="T61"/>
+              </a:cxn>
+              <a:cxn ang="0">
+                <a:pos x="T62" y="T63"/>
+              </a:cxn>
+              <a:cxn ang="0">
+                <a:pos x="T64" y="T65"/>
+              </a:cxn>
+              <a:cxn ang="0">
+                <a:pos x="T66" y="T67"/>
+              </a:cxn>
+              <a:cxn ang="0">
+                <a:pos x="T68" y="T69"/>
+              </a:cxn>
+              <a:cxn ang="0">
+                <a:pos x="T70" y="T71"/>
+              </a:cxn>
+              <a:cxn ang="0">
+                <a:pos x="T72" y="T73"/>
+              </a:cxn>
+              <a:cxn ang="0">
+                <a:pos x="T74" y="T75"/>
+              </a:cxn>
+              <a:cxn ang="0">
+                <a:pos x="T76" y="T77"/>
+              </a:cxn>
+              <a:cxn ang="0">
+                <a:pos x="T78" y="T79"/>
+              </a:cxn>
+              <a:cxn ang="0">
+                <a:pos x="T80" y="T81"/>
+              </a:cxn>
+              <a:cxn ang="0">
+                <a:pos x="T82" y="T83"/>
+              </a:cxn>
+              <a:cxn ang="0">
+                <a:pos x="T84" y="T85"/>
+              </a:cxn>
+              <a:cxn ang="0">
+                <a:pos x="T86" y="T87"/>
+              </a:cxn>
+              <a:cxn ang="0">
+                <a:pos x="T88" y="T89"/>
+              </a:cxn>
+              <a:cxn ang="0">
+                <a:pos x="T90" y="T91"/>
+              </a:cxn>
+              <a:cxn ang="0">
+                <a:pos x="T92" y="T93"/>
+              </a:cxn>
+              <a:cxn ang="0">
+                <a:pos x="T94" y="T95"/>
+              </a:cxn>
+              <a:cxn ang="0">
+                <a:pos x="T96" y="T97"/>
+              </a:cxn>
+              <a:cxn ang="0">
+                <a:pos x="T98" y="T99"/>
+              </a:cxn>
+              <a:cxn ang="0">
+                <a:pos x="T100" y="T101"/>
+              </a:cxn>
+              <a:cxn ang="0">
+                <a:pos x="T102" y="T103"/>
+              </a:cxn>
+              <a:cxn ang="0">
+                <a:pos x="T104" y="T105"/>
+              </a:cxn>
+              <a:cxn ang="0">
+                <a:pos x="T106" y="T107"/>
+              </a:cxn>
+              <a:cxn ang="0">
+                <a:pos x="T108" y="T109"/>
+              </a:cxn>
+              <a:cxn ang="0">
+                <a:pos x="T110" y="T111"/>
+              </a:cxn>
+              <a:cxn ang="0">
+                <a:pos x="T112" y="T113"/>
+              </a:cxn>
+              <a:cxn ang="0">
+                <a:pos x="T114" y="T115"/>
+              </a:cxn>
+              <a:cxn ang="0">
+                <a:pos x="T116" y="T117"/>
+              </a:cxn>
+              <a:cxn ang="0">
+                <a:pos x="T118" y="T119"/>
+              </a:cxn>
+            </a:cxnLst>
+            <a:rect l="0" t="0" r="r" b="b"/>
+            <a:pathLst>
+              <a:path w="1655" h="470">
+                <a:moveTo>
+                  <a:pt x="60" y="466"/>
+                </a:moveTo>
+                <a:lnTo>
+                  <a:pt x="68" y="465"/>
+                </a:lnTo>
+                <a:lnTo>
+                  <a:pt x="84" y="463"/>
+                </a:lnTo>
+                <a:lnTo>
+                  <a:pt x="98" y="461"/>
+                </a:lnTo>
+                <a:lnTo>
+                  <a:pt x="97" y="459"/>
+                </a:lnTo>
+                <a:lnTo>
+                  <a:pt x="84" y="460"/>
+                </a:lnTo>
+                <a:lnTo>
+                  <a:pt x="67" y="462"/>
+                </a:lnTo>
+                <a:lnTo>
+                  <a:pt x="60" y="463"/>
+                </a:lnTo>
+                <a:lnTo>
+                  <a:pt x="60" y="466"/>
+                </a:lnTo>
+                <a:close/>
+                <a:moveTo>
+                  <a:pt x="120" y="458"/>
+                </a:moveTo>
+                <a:lnTo>
+                  <a:pt x="135" y="455"/>
+                </a:lnTo>
+                <a:lnTo>
+                  <a:pt x="152" y="452"/>
+                </a:lnTo>
+                <a:lnTo>
+                  <a:pt x="157" y="451"/>
+                </a:lnTo>
+                <a:lnTo>
+                  <a:pt x="157" y="448"/>
+                </a:lnTo>
+                <a:lnTo>
+                  <a:pt x="151" y="450"/>
+                </a:lnTo>
+                <a:lnTo>
+                  <a:pt x="134" y="453"/>
+                </a:lnTo>
+                <a:lnTo>
+                  <a:pt x="120" y="455"/>
+                </a:lnTo>
+                <a:lnTo>
+                  <a:pt x="120" y="458"/>
+                </a:lnTo>
+                <a:close/>
+                <a:moveTo>
+                  <a:pt x="179" y="446"/>
+                </a:moveTo>
+                <a:lnTo>
+                  <a:pt x="185" y="444"/>
+                </a:lnTo>
+                <a:lnTo>
+                  <a:pt x="202" y="440"/>
+                </a:lnTo>
+                <a:lnTo>
+                  <a:pt x="215" y="435"/>
+                </a:lnTo>
+                <a:lnTo>
+                  <a:pt x="215" y="433"/>
+                </a:lnTo>
+                <a:lnTo>
+                  <a:pt x="201" y="437"/>
+                </a:lnTo>
+                <a:lnTo>
+                  <a:pt x="185" y="442"/>
+                </a:lnTo>
+                <a:lnTo>
+                  <a:pt x="179" y="443"/>
+                </a:lnTo>
+                <a:lnTo>
+                  <a:pt x="179" y="446"/>
+                </a:lnTo>
+                <a:close/>
+                <a:moveTo>
+                  <a:pt x="237" y="428"/>
+                </a:moveTo>
+                <a:lnTo>
+                  <a:pt x="253" y="422"/>
+                </a:lnTo>
+                <a:lnTo>
+                  <a:pt x="269" y="415"/>
+                </a:lnTo>
+                <a:lnTo>
+                  <a:pt x="272" y="414"/>
+                </a:lnTo>
+                <a:lnTo>
+                  <a:pt x="271" y="412"/>
+                </a:lnTo>
+                <a:lnTo>
+                  <a:pt x="268" y="413"/>
+                </a:lnTo>
+                <a:lnTo>
+                  <a:pt x="252" y="420"/>
+                </a:lnTo>
+                <a:lnTo>
+                  <a:pt x="236" y="426"/>
+                </a:lnTo>
+                <a:lnTo>
+                  <a:pt x="237" y="428"/>
+                </a:lnTo>
+                <a:close/>
+                <a:moveTo>
+                  <a:pt x="292" y="404"/>
+                </a:moveTo>
+                <a:lnTo>
+                  <a:pt x="303" y="399"/>
+                </a:lnTo>
+                <a:lnTo>
+                  <a:pt x="320" y="390"/>
+                </a:lnTo>
+                <a:lnTo>
+                  <a:pt x="325" y="386"/>
+                </a:lnTo>
+                <a:lnTo>
+                  <a:pt x="324" y="384"/>
+                </a:lnTo>
+                <a:lnTo>
+                  <a:pt x="319" y="388"/>
+                </a:lnTo>
+                <a:lnTo>
+                  <a:pt x="302" y="397"/>
+                </a:lnTo>
+                <a:lnTo>
+                  <a:pt x="291" y="402"/>
+                </a:lnTo>
+                <a:lnTo>
+                  <a:pt x="292" y="404"/>
+                </a:lnTo>
+                <a:close/>
+                <a:moveTo>
+                  <a:pt x="344" y="375"/>
+                </a:moveTo>
+                <a:lnTo>
+                  <a:pt x="353" y="369"/>
+                </a:lnTo>
+                <a:lnTo>
+                  <a:pt x="370" y="357"/>
+                </a:lnTo>
+                <a:lnTo>
+                  <a:pt x="376" y="353"/>
+                </a:lnTo>
+                <a:lnTo>
+                  <a:pt x="374" y="351"/>
+                </a:lnTo>
+                <a:lnTo>
+                  <a:pt x="369" y="355"/>
+                </a:lnTo>
+                <a:lnTo>
+                  <a:pt x="352" y="367"/>
+                </a:lnTo>
+                <a:lnTo>
+                  <a:pt x="343" y="372"/>
+                </a:lnTo>
+                <a:lnTo>
+                  <a:pt x="344" y="375"/>
+                </a:lnTo>
+                <a:close/>
+                <a:moveTo>
+                  <a:pt x="394" y="340"/>
+                </a:moveTo>
+                <a:lnTo>
+                  <a:pt x="404" y="332"/>
+                </a:lnTo>
+                <a:lnTo>
+                  <a:pt x="421" y="318"/>
+                </a:lnTo>
+                <a:lnTo>
+                  <a:pt x="423" y="316"/>
+                </a:lnTo>
+                <a:lnTo>
+                  <a:pt x="421" y="314"/>
+                </a:lnTo>
+                <a:lnTo>
+                  <a:pt x="419" y="316"/>
+                </a:lnTo>
+                <a:lnTo>
+                  <a:pt x="402" y="330"/>
+                </a:lnTo>
+                <a:lnTo>
+                  <a:pt x="392" y="338"/>
+                </a:lnTo>
+                <a:lnTo>
+                  <a:pt x="394" y="340"/>
+                </a:lnTo>
+                <a:close/>
+                <a:moveTo>
+                  <a:pt x="440" y="301"/>
+                </a:moveTo>
+                <a:lnTo>
+                  <a:pt x="454" y="289"/>
+                </a:lnTo>
+                <a:lnTo>
+                  <a:pt x="468" y="276"/>
+                </a:lnTo>
+                <a:lnTo>
+                  <a:pt x="466" y="274"/>
+                </a:lnTo>
+                <a:lnTo>
+                  <a:pt x="453" y="287"/>
+                </a:lnTo>
+                <a:lnTo>
+                  <a:pt x="438" y="300"/>
+                </a:lnTo>
+                <a:lnTo>
+                  <a:pt x="440" y="301"/>
+                </a:lnTo>
+                <a:close/>
+                <a:moveTo>
+                  <a:pt x="484" y="260"/>
+                </a:moveTo>
+                <a:lnTo>
+                  <a:pt x="488" y="257"/>
+                </a:lnTo>
+                <a:lnTo>
+                  <a:pt x="505" y="240"/>
+                </a:lnTo>
+                <a:lnTo>
+                  <a:pt x="511" y="234"/>
+                </a:lnTo>
+                <a:lnTo>
+                  <a:pt x="509" y="232"/>
+                </a:lnTo>
+                <a:lnTo>
+                  <a:pt x="503" y="238"/>
+                </a:lnTo>
+                <a:lnTo>
+                  <a:pt x="486" y="255"/>
+                </a:lnTo>
+                <a:lnTo>
+                  <a:pt x="482" y="258"/>
+                </a:lnTo>
+                <a:lnTo>
+                  <a:pt x="484" y="260"/>
+                </a:lnTo>
+                <a:close/>
+                <a:moveTo>
+                  <a:pt x="527" y="218"/>
+                </a:moveTo>
+                <a:lnTo>
+                  <a:pt x="538" y="206"/>
+                </a:lnTo>
+                <a:lnTo>
+                  <a:pt x="553" y="191"/>
+                </a:lnTo>
+                <a:lnTo>
+                  <a:pt x="551" y="189"/>
+                </a:lnTo>
+                <a:lnTo>
+                  <a:pt x="537" y="204"/>
+                </a:lnTo>
+                <a:lnTo>
+                  <a:pt x="525" y="216"/>
+                </a:lnTo>
+                <a:lnTo>
+                  <a:pt x="527" y="218"/>
+                </a:lnTo>
+                <a:close/>
+                <a:moveTo>
+                  <a:pt x="569" y="175"/>
+                </a:moveTo>
+                <a:lnTo>
+                  <a:pt x="572" y="171"/>
+                </a:lnTo>
+                <a:lnTo>
+                  <a:pt x="589" y="154"/>
+                </a:lnTo>
+                <a:lnTo>
+                  <a:pt x="595" y="148"/>
+                </a:lnTo>
+                <a:lnTo>
+                  <a:pt x="593" y="146"/>
+                </a:lnTo>
+                <a:lnTo>
+                  <a:pt x="587" y="152"/>
+                </a:lnTo>
+                <a:lnTo>
+                  <a:pt x="570" y="169"/>
+                </a:lnTo>
+                <a:lnTo>
+                  <a:pt x="567" y="173"/>
+                </a:lnTo>
+                <a:lnTo>
+                  <a:pt x="569" y="175"/>
+                </a:lnTo>
+                <a:close/>
+                <a:moveTo>
+                  <a:pt x="611" y="132"/>
+                </a:moveTo>
+                <a:lnTo>
+                  <a:pt x="622" y="120"/>
+                </a:lnTo>
+                <a:lnTo>
+                  <a:pt x="638" y="105"/>
+                </a:lnTo>
+                <a:lnTo>
+                  <a:pt x="636" y="104"/>
+                </a:lnTo>
+                <a:lnTo>
+                  <a:pt x="620" y="119"/>
+                </a:lnTo>
+                <a:lnTo>
+                  <a:pt x="609" y="130"/>
+                </a:lnTo>
+                <a:lnTo>
+                  <a:pt x="611" y="132"/>
+                </a:lnTo>
+                <a:close/>
+                <a:moveTo>
+                  <a:pt x="654" y="90"/>
+                </a:moveTo>
+                <a:lnTo>
+                  <a:pt x="656" y="89"/>
+                </a:lnTo>
+                <a:lnTo>
+                  <a:pt x="672" y="75"/>
+                </a:lnTo>
+                <a:lnTo>
+                  <a:pt x="683" y="66"/>
+                </a:lnTo>
+                <a:lnTo>
+                  <a:pt x="682" y="64"/>
+                </a:lnTo>
+                <a:lnTo>
+                  <a:pt x="671" y="73"/>
+                </a:lnTo>
+                <a:lnTo>
+                  <a:pt x="654" y="87"/>
+                </a:lnTo>
+                <a:lnTo>
+                  <a:pt x="653" y="89"/>
+                </a:lnTo>
+                <a:lnTo>
+                  <a:pt x="654" y="90"/>
+                </a:lnTo>
+                <a:close/>
+                <a:moveTo>
+                  <a:pt x="701" y="53"/>
+                </a:moveTo>
+                <a:lnTo>
+                  <a:pt x="706" y="49"/>
+                </a:lnTo>
+                <a:lnTo>
+                  <a:pt x="723" y="38"/>
+                </a:lnTo>
+                <a:lnTo>
+                  <a:pt x="732" y="32"/>
+                </a:lnTo>
+                <a:lnTo>
+                  <a:pt x="731" y="30"/>
+                </a:lnTo>
+                <a:lnTo>
+                  <a:pt x="721" y="36"/>
+                </a:lnTo>
+                <a:lnTo>
+                  <a:pt x="705" y="47"/>
+                </a:lnTo>
+                <a:lnTo>
+                  <a:pt x="699" y="51"/>
+                </a:lnTo>
+                <a:lnTo>
+                  <a:pt x="701" y="53"/>
+                </a:lnTo>
+                <a:close/>
+                <a:moveTo>
+                  <a:pt x="752" y="22"/>
+                </a:moveTo>
+                <a:lnTo>
+                  <a:pt x="756" y="20"/>
+                </a:lnTo>
+                <a:lnTo>
+                  <a:pt x="756" y="19"/>
+                </a:lnTo>
+                <a:lnTo>
+                  <a:pt x="756" y="20"/>
+                </a:lnTo>
+                <a:lnTo>
+                  <a:pt x="773" y="13"/>
+                </a:lnTo>
+                <a:lnTo>
+                  <a:pt x="772" y="12"/>
+                </a:lnTo>
+                <a:lnTo>
+                  <a:pt x="773" y="13"/>
+                </a:lnTo>
+                <a:lnTo>
+                  <a:pt x="787" y="9"/>
+                </a:lnTo>
+                <a:lnTo>
+                  <a:pt x="787" y="7"/>
+                </a:lnTo>
+                <a:lnTo>
+                  <a:pt x="772" y="11"/>
+                </a:lnTo>
+                <a:lnTo>
+                  <a:pt x="772" y="11"/>
+                </a:lnTo>
+                <a:lnTo>
+                  <a:pt x="755" y="18"/>
+                </a:lnTo>
+                <a:lnTo>
+                  <a:pt x="755" y="18"/>
+                </a:lnTo>
+                <a:lnTo>
+                  <a:pt x="751" y="20"/>
+                </a:lnTo>
+                <a:lnTo>
+                  <a:pt x="752" y="22"/>
+                </a:lnTo>
+                <a:close/>
+                <a:moveTo>
+                  <a:pt x="809" y="4"/>
+                </a:moveTo>
+                <a:lnTo>
+                  <a:pt x="823" y="3"/>
+                </a:lnTo>
+                <a:lnTo>
+                  <a:pt x="823" y="2"/>
+                </a:lnTo>
+                <a:lnTo>
+                  <a:pt x="823" y="3"/>
+                </a:lnTo>
+                <a:lnTo>
+                  <a:pt x="839" y="3"/>
+                </a:lnTo>
+                <a:lnTo>
+                  <a:pt x="839" y="2"/>
+                </a:lnTo>
+                <a:lnTo>
+                  <a:pt x="839" y="3"/>
+                </a:lnTo>
+                <a:lnTo>
+                  <a:pt x="846" y="4"/>
+                </a:lnTo>
+                <a:lnTo>
+                  <a:pt x="847" y="1"/>
+                </a:lnTo>
+                <a:lnTo>
+                  <a:pt x="840" y="0"/>
+                </a:lnTo>
+                <a:lnTo>
+                  <a:pt x="839" y="0"/>
+                </a:lnTo>
+                <a:lnTo>
+                  <a:pt x="823" y="0"/>
+                </a:lnTo>
+                <a:lnTo>
+                  <a:pt x="823" y="0"/>
+                </a:lnTo>
+                <a:lnTo>
+                  <a:pt x="809" y="2"/>
+                </a:lnTo>
+                <a:lnTo>
+                  <a:pt x="809" y="4"/>
+                </a:lnTo>
+                <a:close/>
+                <a:moveTo>
+                  <a:pt x="868" y="7"/>
+                </a:moveTo>
+                <a:lnTo>
+                  <a:pt x="873" y="8"/>
+                </a:lnTo>
+                <a:lnTo>
+                  <a:pt x="873" y="7"/>
+                </a:lnTo>
+                <a:lnTo>
+                  <a:pt x="873" y="8"/>
+                </a:lnTo>
+                <a:lnTo>
+                  <a:pt x="890" y="13"/>
+                </a:lnTo>
+                <a:lnTo>
+                  <a:pt x="890" y="12"/>
+                </a:lnTo>
+                <a:lnTo>
+                  <a:pt x="890" y="13"/>
+                </a:lnTo>
+                <a:lnTo>
+                  <a:pt x="904" y="19"/>
+                </a:lnTo>
+                <a:lnTo>
+                  <a:pt x="905" y="17"/>
+                </a:lnTo>
+                <a:lnTo>
+                  <a:pt x="890" y="11"/>
+                </a:lnTo>
+                <a:lnTo>
+                  <a:pt x="890" y="11"/>
+                </a:lnTo>
+                <a:lnTo>
+                  <a:pt x="874" y="6"/>
+                </a:lnTo>
+                <a:lnTo>
+                  <a:pt x="873" y="6"/>
+                </a:lnTo>
+                <a:lnTo>
+                  <a:pt x="869" y="5"/>
+                </a:lnTo>
+                <a:lnTo>
+                  <a:pt x="868" y="7"/>
+                </a:lnTo>
+                <a:close/>
+                <a:moveTo>
+                  <a:pt x="924" y="29"/>
+                </a:moveTo>
+                <a:lnTo>
+                  <a:pt x="940" y="38"/>
+                </a:lnTo>
+                <a:lnTo>
+                  <a:pt x="956" y="49"/>
+                </a:lnTo>
+                <a:lnTo>
+                  <a:pt x="957" y="46"/>
+                </a:lnTo>
+                <a:lnTo>
+                  <a:pt x="941" y="36"/>
+                </a:lnTo>
+                <a:lnTo>
+                  <a:pt x="925" y="27"/>
+                </a:lnTo>
+                <a:lnTo>
+                  <a:pt x="924" y="29"/>
+                </a:lnTo>
+                <a:close/>
+                <a:moveTo>
+                  <a:pt x="974" y="62"/>
+                </a:moveTo>
+                <a:lnTo>
+                  <a:pt x="990" y="75"/>
+                </a:lnTo>
+                <a:lnTo>
+                  <a:pt x="1003" y="86"/>
+                </a:lnTo>
+                <a:lnTo>
+                  <a:pt x="1004" y="84"/>
+                </a:lnTo>
+                <a:lnTo>
+                  <a:pt x="991" y="73"/>
+                </a:lnTo>
+                <a:lnTo>
+                  <a:pt x="976" y="60"/>
+                </a:lnTo>
+                <a:lnTo>
+                  <a:pt x="974" y="62"/>
+                </a:lnTo>
+                <a:close/>
+                <a:moveTo>
+                  <a:pt x="1019" y="101"/>
+                </a:moveTo>
+                <a:lnTo>
+                  <a:pt x="1023" y="104"/>
+                </a:lnTo>
+                <a:lnTo>
+                  <a:pt x="1040" y="120"/>
+                </a:lnTo>
+                <a:lnTo>
+                  <a:pt x="1047" y="127"/>
+                </a:lnTo>
+                <a:lnTo>
+                  <a:pt x="1048" y="125"/>
+                </a:lnTo>
+                <a:lnTo>
+                  <a:pt x="1042" y="119"/>
+                </a:lnTo>
+                <a:lnTo>
+                  <a:pt x="1025" y="103"/>
+                </a:lnTo>
+                <a:lnTo>
+                  <a:pt x="1021" y="99"/>
+                </a:lnTo>
+                <a:lnTo>
+                  <a:pt x="1019" y="101"/>
+                </a:lnTo>
+                <a:close/>
+                <a:moveTo>
+                  <a:pt x="1063" y="143"/>
+                </a:moveTo>
+                <a:lnTo>
+                  <a:pt x="1073" y="154"/>
+                </a:lnTo>
+                <a:lnTo>
+                  <a:pt x="1089" y="170"/>
+                </a:lnTo>
+                <a:lnTo>
+                  <a:pt x="1091" y="168"/>
+                </a:lnTo>
+                <a:lnTo>
+                  <a:pt x="1075" y="152"/>
+                </a:lnTo>
+                <a:lnTo>
+                  <a:pt x="1065" y="141"/>
+                </a:lnTo>
+                <a:lnTo>
+                  <a:pt x="1063" y="143"/>
+                </a:lnTo>
+                <a:close/>
+                <a:moveTo>
+                  <a:pt x="1105" y="186"/>
+                </a:moveTo>
+                <a:lnTo>
+                  <a:pt x="1107" y="188"/>
+                </a:lnTo>
+                <a:lnTo>
+                  <a:pt x="1124" y="206"/>
+                </a:lnTo>
+                <a:lnTo>
+                  <a:pt x="1131" y="213"/>
+                </a:lnTo>
+                <a:lnTo>
+                  <a:pt x="1133" y="211"/>
+                </a:lnTo>
+                <a:lnTo>
+                  <a:pt x="1126" y="204"/>
+                </a:lnTo>
+                <a:lnTo>
+                  <a:pt x="1109" y="187"/>
+                </a:lnTo>
+                <a:lnTo>
+                  <a:pt x="1106" y="184"/>
+                </a:lnTo>
+                <a:lnTo>
+                  <a:pt x="1105" y="186"/>
+                </a:lnTo>
+                <a:close/>
+                <a:moveTo>
+                  <a:pt x="1147" y="229"/>
+                </a:moveTo>
+                <a:lnTo>
+                  <a:pt x="1158" y="240"/>
+                </a:lnTo>
+                <a:lnTo>
+                  <a:pt x="1173" y="256"/>
+                </a:lnTo>
+                <a:lnTo>
+                  <a:pt x="1175" y="254"/>
+                </a:lnTo>
+                <a:lnTo>
+                  <a:pt x="1159" y="238"/>
+                </a:lnTo>
+                <a:lnTo>
+                  <a:pt x="1148" y="227"/>
+                </a:lnTo>
+                <a:lnTo>
+                  <a:pt x="1147" y="229"/>
+                </a:lnTo>
+                <a:close/>
+                <a:moveTo>
+                  <a:pt x="1190" y="271"/>
+                </a:moveTo>
+                <a:lnTo>
+                  <a:pt x="1191" y="273"/>
+                </a:lnTo>
+                <a:lnTo>
+                  <a:pt x="1208" y="289"/>
+                </a:lnTo>
+                <a:lnTo>
+                  <a:pt x="1217" y="297"/>
+                </a:lnTo>
+                <a:lnTo>
+                  <a:pt x="1219" y="295"/>
+                </a:lnTo>
+                <a:lnTo>
+                  <a:pt x="1210" y="287"/>
+                </a:lnTo>
+                <a:lnTo>
+                  <a:pt x="1193" y="271"/>
+                </a:lnTo>
+                <a:lnTo>
+                  <a:pt x="1191" y="270"/>
+                </a:lnTo>
+                <a:lnTo>
+                  <a:pt x="1190" y="271"/>
+                </a:lnTo>
+                <a:close/>
+                <a:moveTo>
+                  <a:pt x="1234" y="312"/>
+                </a:moveTo>
+                <a:lnTo>
+                  <a:pt x="1241" y="318"/>
+                </a:lnTo>
+                <a:lnTo>
+                  <a:pt x="1258" y="332"/>
+                </a:lnTo>
+                <a:lnTo>
+                  <a:pt x="1263" y="336"/>
+                </a:lnTo>
+                <a:lnTo>
+                  <a:pt x="1265" y="334"/>
+                </a:lnTo>
+                <a:lnTo>
+                  <a:pt x="1260" y="330"/>
+                </a:lnTo>
+                <a:lnTo>
+                  <a:pt x="1243" y="316"/>
+                </a:lnTo>
+                <a:lnTo>
+                  <a:pt x="1236" y="310"/>
+                </a:lnTo>
+                <a:lnTo>
+                  <a:pt x="1234" y="312"/>
+                </a:lnTo>
+                <a:close/>
+                <a:moveTo>
+                  <a:pt x="1281" y="349"/>
+                </a:moveTo>
+                <a:lnTo>
+                  <a:pt x="1292" y="357"/>
+                </a:lnTo>
+                <a:lnTo>
+                  <a:pt x="1309" y="369"/>
+                </a:lnTo>
+                <a:lnTo>
+                  <a:pt x="1312" y="371"/>
+                </a:lnTo>
+                <a:lnTo>
+                  <a:pt x="1313" y="369"/>
+                </a:lnTo>
+                <a:lnTo>
+                  <a:pt x="1310" y="367"/>
+                </a:lnTo>
+                <a:lnTo>
+                  <a:pt x="1293" y="355"/>
+                </a:lnTo>
+                <a:lnTo>
+                  <a:pt x="1283" y="347"/>
+                </a:lnTo>
+                <a:lnTo>
+                  <a:pt x="1281" y="349"/>
+                </a:lnTo>
+                <a:close/>
+                <a:moveTo>
+                  <a:pt x="1331" y="383"/>
+                </a:moveTo>
+                <a:lnTo>
+                  <a:pt x="1342" y="390"/>
+                </a:lnTo>
+                <a:lnTo>
+                  <a:pt x="1359" y="399"/>
+                </a:lnTo>
+                <a:lnTo>
+                  <a:pt x="1364" y="401"/>
+                </a:lnTo>
+                <a:lnTo>
+                  <a:pt x="1365" y="399"/>
+                </a:lnTo>
+                <a:lnTo>
+                  <a:pt x="1360" y="397"/>
+                </a:lnTo>
+                <a:lnTo>
+                  <a:pt x="1344" y="388"/>
+                </a:lnTo>
+                <a:lnTo>
+                  <a:pt x="1332" y="381"/>
+                </a:lnTo>
+                <a:lnTo>
+                  <a:pt x="1331" y="383"/>
+                </a:lnTo>
+                <a:close/>
+                <a:moveTo>
+                  <a:pt x="1384" y="411"/>
+                </a:moveTo>
+                <a:lnTo>
+                  <a:pt x="1393" y="415"/>
+                </a:lnTo>
+                <a:lnTo>
+                  <a:pt x="1410" y="422"/>
+                </a:lnTo>
+                <a:lnTo>
+                  <a:pt x="1419" y="426"/>
+                </a:lnTo>
+                <a:lnTo>
+                  <a:pt x="1420" y="423"/>
+                </a:lnTo>
+                <a:lnTo>
+                  <a:pt x="1411" y="420"/>
+                </a:lnTo>
+                <a:lnTo>
+                  <a:pt x="1394" y="413"/>
+                </a:lnTo>
+                <a:lnTo>
+                  <a:pt x="1385" y="409"/>
+                </a:lnTo>
+                <a:lnTo>
+                  <a:pt x="1384" y="411"/>
+                </a:lnTo>
+                <a:close/>
+                <a:moveTo>
+                  <a:pt x="1440" y="433"/>
+                </a:moveTo>
+                <a:lnTo>
+                  <a:pt x="1443" y="434"/>
+                </a:lnTo>
+                <a:lnTo>
+                  <a:pt x="1460" y="440"/>
+                </a:lnTo>
+                <a:lnTo>
+                  <a:pt x="1476" y="444"/>
+                </a:lnTo>
+                <a:lnTo>
+                  <a:pt x="1477" y="442"/>
+                </a:lnTo>
+                <a:lnTo>
+                  <a:pt x="1461" y="437"/>
+                </a:lnTo>
+                <a:lnTo>
+                  <a:pt x="1444" y="432"/>
+                </a:lnTo>
+                <a:lnTo>
+                  <a:pt x="1441" y="431"/>
+                </a:lnTo>
+                <a:lnTo>
+                  <a:pt x="1440" y="433"/>
+                </a:lnTo>
+                <a:close/>
+                <a:moveTo>
+                  <a:pt x="1499" y="449"/>
+                </a:moveTo>
+                <a:lnTo>
+                  <a:pt x="1510" y="452"/>
+                </a:lnTo>
+                <a:lnTo>
+                  <a:pt x="1527" y="455"/>
+                </a:lnTo>
+                <a:lnTo>
+                  <a:pt x="1535" y="457"/>
+                </a:lnTo>
+                <a:lnTo>
+                  <a:pt x="1536" y="454"/>
+                </a:lnTo>
+                <a:lnTo>
+                  <a:pt x="1528" y="453"/>
+                </a:lnTo>
+                <a:lnTo>
+                  <a:pt x="1511" y="450"/>
+                </a:lnTo>
+                <a:lnTo>
+                  <a:pt x="1499" y="447"/>
+                </a:lnTo>
+                <a:lnTo>
+                  <a:pt x="1499" y="449"/>
+                </a:lnTo>
+                <a:close/>
+                <a:moveTo>
+                  <a:pt x="1558" y="460"/>
+                </a:moveTo>
+                <a:lnTo>
+                  <a:pt x="1561" y="461"/>
+                </a:lnTo>
+                <a:lnTo>
+                  <a:pt x="1578" y="463"/>
+                </a:lnTo>
+                <a:lnTo>
+                  <a:pt x="1595" y="465"/>
+                </a:lnTo>
+                <a:lnTo>
+                  <a:pt x="1595" y="465"/>
+                </a:lnTo>
+                <a:lnTo>
+                  <a:pt x="1595" y="462"/>
+                </a:lnTo>
+                <a:lnTo>
+                  <a:pt x="1595" y="462"/>
+                </a:lnTo>
+                <a:lnTo>
+                  <a:pt x="1578" y="460"/>
+                </a:lnTo>
+                <a:lnTo>
+                  <a:pt x="1561" y="458"/>
+                </a:lnTo>
+                <a:lnTo>
+                  <a:pt x="1558" y="458"/>
+                </a:lnTo>
+                <a:lnTo>
+                  <a:pt x="1558" y="460"/>
+                </a:lnTo>
+                <a:close/>
+                <a:moveTo>
+                  <a:pt x="1617" y="467"/>
+                </a:moveTo>
+                <a:lnTo>
+                  <a:pt x="1628" y="468"/>
+                </a:lnTo>
+                <a:lnTo>
+                  <a:pt x="1645" y="469"/>
+                </a:lnTo>
+                <a:lnTo>
+                  <a:pt x="1655" y="470"/>
+                </a:lnTo>
+                <a:lnTo>
+                  <a:pt x="1655" y="467"/>
+                </a:lnTo>
+                <a:lnTo>
+                  <a:pt x="1645" y="466"/>
+                </a:lnTo>
+                <a:lnTo>
+                  <a:pt x="1628" y="465"/>
+                </a:lnTo>
+                <a:lnTo>
+                  <a:pt x="1618" y="464"/>
+                </a:lnTo>
+                <a:lnTo>
+                  <a:pt x="1617" y="467"/>
+                </a:lnTo>
+                <a:close/>
+                <a:moveTo>
+                  <a:pt x="0" y="470"/>
+                </a:moveTo>
+                <a:lnTo>
+                  <a:pt x="17" y="469"/>
+                </a:lnTo>
+                <a:lnTo>
+                  <a:pt x="34" y="468"/>
+                </a:lnTo>
+                <a:lnTo>
+                  <a:pt x="38" y="467"/>
+                </a:lnTo>
+                <a:lnTo>
+                  <a:pt x="38" y="465"/>
+                </a:lnTo>
+                <a:lnTo>
+                  <a:pt x="34" y="465"/>
+                </a:lnTo>
+                <a:lnTo>
+                  <a:pt x="17" y="466"/>
+                </a:lnTo>
+                <a:lnTo>
+                  <a:pt x="0" y="468"/>
+                </a:lnTo>
+                <a:lnTo>
+                  <a:pt x="0" y="470"/>
+                </a:lnTo>
+                <a:close/>
+              </a:path>
+            </a:pathLst>
+          </a:custGeom>
+          <a:solidFill>
+            <a:srgbClr val="0072BD"/>
+          </a:solidFill>
+          <a:ln>
+            <a:noFill/>
+          </a:ln>
+          <a:extLst>
+            <a:ext uri="{91240B29-F687-4F45-9708-019B960494DF}">
+              <a14:hiddenLine xmlns:a14="http://schemas.microsoft.com/office/drawing/2010/main" w="9525">
+                <a:solidFill>
+                  <a:srgbClr val="000000"/>
+                </a:solidFill>
+                <a:round/>
+                <a:headEnd/>
+                <a:tailEnd/>
+              </a14:hiddenLine>
+            </a:ext>
+          </a:extLst>
+        </p:spPr>
+        <p:txBody>
+          <a:bodyPr vert="horz" wrap="square" lIns="91440" tIns="45720" rIns="91440" bIns="45720" numCol="1" anchor="t" anchorCtr="0" compatLnSpc="1">
+            <a:prstTxWarp prst="textNoShape">
+              <a:avLst/>
+            </a:prstTxWarp>
+          </a:bodyPr>
+          <a:lstStyle/>
+          <a:p>
+            <a:endParaRPr lang="ko-KR" altLang="en-US"/>
+          </a:p>
+        </p:txBody>
+      </p:sp>
+      <p:sp>
+        <p:nvSpPr>
+          <p:cNvPr id="32" name="Oval 15"/>
+          <p:cNvSpPr>
+            <a:spLocks noChangeArrowheads="1"/>
+          </p:cNvSpPr>
+          <p:nvPr/>
+        </p:nvSpPr>
+        <p:spPr bwMode="auto">
+          <a:xfrm>
+            <a:off x="3957638" y="2874963"/>
+            <a:ext cx="47625" cy="47625"/>
+          </a:xfrm>
+          <a:prstGeom prst="ellipse">
+            <a:avLst/>
+          </a:prstGeom>
+          <a:noFill/>
+          <a:ln w="28575" cap="flat">
+            <a:solidFill>
+              <a:srgbClr val="D95319"/>
+            </a:solidFill>
+            <a:prstDash val="solid"/>
+            <a:miter lim="800000"/>
+            <a:headEnd/>
+            <a:tailEnd/>
+          </a:ln>
+          <a:extLst>
+            <a:ext uri="{909E8E84-426E-40DD-AFC4-6F175D3DCCD1}">
+              <a14:hiddenFill xmlns:a14="http://schemas.microsoft.com/office/drawing/2010/main">
+                <a:solidFill>
+                  <a:srgbClr val="FFFFFF"/>
+                </a:solidFill>
+              </a14:hiddenFill>
+            </a:ext>
+          </a:extLst>
+        </p:spPr>
+        <p:txBody>
+          <a:bodyPr vert="horz" wrap="square" lIns="91440" tIns="45720" rIns="91440" bIns="45720" numCol="1" anchor="t" anchorCtr="0" compatLnSpc="1">
+            <a:prstTxWarp prst="textNoShape">
+              <a:avLst/>
+            </a:prstTxWarp>
+          </a:bodyPr>
+          <a:lstStyle/>
+          <a:p>
+            <a:endParaRPr lang="ko-KR" altLang="en-US"/>
+          </a:p>
+        </p:txBody>
+      </p:sp>
+      <p:sp>
+        <p:nvSpPr>
+          <p:cNvPr id="33" name="Oval 16"/>
+          <p:cNvSpPr>
+            <a:spLocks noChangeArrowheads="1"/>
+          </p:cNvSpPr>
+          <p:nvPr/>
+        </p:nvSpPr>
+        <p:spPr bwMode="auto">
+          <a:xfrm>
+            <a:off x="4251325" y="2833688"/>
+            <a:ext cx="47625" cy="47625"/>
+          </a:xfrm>
+          <a:prstGeom prst="ellipse">
+            <a:avLst/>
+          </a:prstGeom>
+          <a:noFill/>
+          <a:ln w="28575" cap="flat">
+            <a:solidFill>
+              <a:srgbClr val="D95319"/>
+            </a:solidFill>
+            <a:prstDash val="solid"/>
+            <a:miter lim="800000"/>
+            <a:headEnd/>
+            <a:tailEnd/>
+          </a:ln>
+          <a:extLst>
+            <a:ext uri="{909E8E84-426E-40DD-AFC4-6F175D3DCCD1}">
+              <a14:hiddenFill xmlns:a14="http://schemas.microsoft.com/office/drawing/2010/main">
+                <a:solidFill>
+                  <a:srgbClr val="FFFFFF"/>
+                </a:solidFill>
+              </a14:hiddenFill>
+            </a:ext>
+          </a:extLst>
+        </p:spPr>
+        <p:txBody>
+          <a:bodyPr vert="horz" wrap="square" lIns="91440" tIns="45720" rIns="91440" bIns="45720" numCol="1" anchor="t" anchorCtr="0" compatLnSpc="1">
+            <a:prstTxWarp prst="textNoShape">
+              <a:avLst/>
+            </a:prstTxWarp>
+          </a:bodyPr>
+          <a:lstStyle/>
+          <a:p>
+            <a:endParaRPr lang="ko-KR" altLang="en-US"/>
+          </a:p>
+        </p:txBody>
+      </p:sp>
+      <p:sp>
+        <p:nvSpPr>
+          <p:cNvPr id="34" name="Oval 17"/>
+          <p:cNvSpPr>
+            <a:spLocks noChangeArrowheads="1"/>
+          </p:cNvSpPr>
+          <p:nvPr/>
+        </p:nvSpPr>
+        <p:spPr bwMode="auto">
+          <a:xfrm>
+            <a:off x="4545013" y="2695575"/>
+            <a:ext cx="47625" cy="47625"/>
+          </a:xfrm>
+          <a:prstGeom prst="ellipse">
+            <a:avLst/>
+          </a:prstGeom>
+          <a:noFill/>
+          <a:ln w="28575" cap="flat">
+            <a:solidFill>
+              <a:srgbClr val="D95319"/>
+            </a:solidFill>
+            <a:prstDash val="solid"/>
+            <a:miter lim="800000"/>
+            <a:headEnd/>
+            <a:tailEnd/>
+          </a:ln>
+          <a:extLst>
+            <a:ext uri="{909E8E84-426E-40DD-AFC4-6F175D3DCCD1}">
+              <a14:hiddenFill xmlns:a14="http://schemas.microsoft.com/office/drawing/2010/main">
+                <a:solidFill>
+                  <a:srgbClr val="FFFFFF"/>
+                </a:solidFill>
+              </a14:hiddenFill>
+            </a:ext>
+          </a:extLst>
+        </p:spPr>
+        <p:txBody>
+          <a:bodyPr vert="horz" wrap="square" lIns="91440" tIns="45720" rIns="91440" bIns="45720" numCol="1" anchor="t" anchorCtr="0" compatLnSpc="1">
+            <a:prstTxWarp prst="textNoShape">
+              <a:avLst/>
+            </a:prstTxWarp>
+          </a:bodyPr>
+          <a:lstStyle/>
+          <a:p>
+            <a:endParaRPr lang="ko-KR" altLang="en-US"/>
+          </a:p>
+        </p:txBody>
+      </p:sp>
+      <p:sp>
+        <p:nvSpPr>
+          <p:cNvPr id="35" name="Oval 18"/>
+          <p:cNvSpPr>
+            <a:spLocks noChangeArrowheads="1"/>
+          </p:cNvSpPr>
+          <p:nvPr/>
+        </p:nvSpPr>
+        <p:spPr bwMode="auto">
+          <a:xfrm>
+            <a:off x="4837113" y="2428875"/>
+            <a:ext cx="47625" cy="47625"/>
+          </a:xfrm>
+          <a:prstGeom prst="ellipse">
+            <a:avLst/>
+          </a:prstGeom>
+          <a:noFill/>
+          <a:ln w="28575" cap="flat">
+            <a:solidFill>
+              <a:srgbClr val="D95319"/>
+            </a:solidFill>
+            <a:prstDash val="solid"/>
+            <a:miter lim="800000"/>
+            <a:headEnd/>
+            <a:tailEnd/>
+          </a:ln>
+          <a:extLst>
+            <a:ext uri="{909E8E84-426E-40DD-AFC4-6F175D3DCCD1}">
+              <a14:hiddenFill xmlns:a14="http://schemas.microsoft.com/office/drawing/2010/main">
+                <a:solidFill>
+                  <a:srgbClr val="FFFFFF"/>
+                </a:solidFill>
+              </a14:hiddenFill>
+            </a:ext>
+          </a:extLst>
+        </p:spPr>
+        <p:txBody>
+          <a:bodyPr vert="horz" wrap="square" lIns="91440" tIns="45720" rIns="91440" bIns="45720" numCol="1" anchor="t" anchorCtr="0" compatLnSpc="1">
+            <a:prstTxWarp prst="textNoShape">
+              <a:avLst/>
+            </a:prstTxWarp>
+          </a:bodyPr>
+          <a:lstStyle/>
+          <a:p>
+            <a:endParaRPr lang="ko-KR" altLang="en-US"/>
+          </a:p>
+        </p:txBody>
+      </p:sp>
+      <p:sp>
+        <p:nvSpPr>
+          <p:cNvPr id="36" name="Oval 19"/>
+          <p:cNvSpPr>
+            <a:spLocks noChangeArrowheads="1"/>
+          </p:cNvSpPr>
+          <p:nvPr/>
+        </p:nvSpPr>
+        <p:spPr bwMode="auto">
+          <a:xfrm>
+            <a:off x="5130800" y="2173288"/>
+            <a:ext cx="47625" cy="47625"/>
+          </a:xfrm>
+          <a:prstGeom prst="ellipse">
+            <a:avLst/>
+          </a:prstGeom>
+          <a:noFill/>
+          <a:ln w="28575" cap="flat">
+            <a:solidFill>
+              <a:srgbClr val="D95319"/>
+            </a:solidFill>
+            <a:prstDash val="solid"/>
+            <a:miter lim="800000"/>
+            <a:headEnd/>
+            <a:tailEnd/>
+          </a:ln>
+          <a:extLst>
+            <a:ext uri="{909E8E84-426E-40DD-AFC4-6F175D3DCCD1}">
+              <a14:hiddenFill xmlns:a14="http://schemas.microsoft.com/office/drawing/2010/main">
+                <a:solidFill>
+                  <a:srgbClr val="FFFFFF"/>
+                </a:solidFill>
+              </a14:hiddenFill>
+            </a:ext>
+          </a:extLst>
+        </p:spPr>
+        <p:txBody>
+          <a:bodyPr vert="horz" wrap="square" lIns="91440" tIns="45720" rIns="91440" bIns="45720" numCol="1" anchor="t" anchorCtr="0" compatLnSpc="1">
+            <a:prstTxWarp prst="textNoShape">
+              <a:avLst/>
+            </a:prstTxWarp>
+          </a:bodyPr>
+          <a:lstStyle/>
+          <a:p>
+            <a:endParaRPr lang="ko-KR" altLang="en-US"/>
+          </a:p>
+        </p:txBody>
+      </p:sp>
+      <p:sp>
+        <p:nvSpPr>
+          <p:cNvPr id="37" name="Oval 20"/>
+          <p:cNvSpPr>
+            <a:spLocks noChangeArrowheads="1"/>
+          </p:cNvSpPr>
+          <p:nvPr/>
+        </p:nvSpPr>
+        <p:spPr bwMode="auto">
+          <a:xfrm>
+            <a:off x="5422900" y="2173288"/>
+            <a:ext cx="49213" cy="47625"/>
+          </a:xfrm>
+          <a:prstGeom prst="ellipse">
+            <a:avLst/>
+          </a:prstGeom>
+          <a:noFill/>
+          <a:ln w="28575" cap="flat">
+            <a:solidFill>
+              <a:srgbClr val="D95319"/>
+            </a:solidFill>
+            <a:prstDash val="solid"/>
+            <a:miter lim="800000"/>
+            <a:headEnd/>
+            <a:tailEnd/>
+          </a:ln>
+          <a:extLst>
+            <a:ext uri="{909E8E84-426E-40DD-AFC4-6F175D3DCCD1}">
+              <a14:hiddenFill xmlns:a14="http://schemas.microsoft.com/office/drawing/2010/main">
+                <a:solidFill>
+                  <a:srgbClr val="FFFFFF"/>
+                </a:solidFill>
+              </a14:hiddenFill>
+            </a:ext>
+          </a:extLst>
+        </p:spPr>
+        <p:txBody>
+          <a:bodyPr vert="horz" wrap="square" lIns="91440" tIns="45720" rIns="91440" bIns="45720" numCol="1" anchor="t" anchorCtr="0" compatLnSpc="1">
+            <a:prstTxWarp prst="textNoShape">
+              <a:avLst/>
+            </a:prstTxWarp>
+          </a:bodyPr>
+          <a:lstStyle/>
+          <a:p>
+            <a:endParaRPr lang="ko-KR" altLang="en-US"/>
+          </a:p>
+        </p:txBody>
+      </p:sp>
+      <p:sp>
+        <p:nvSpPr>
+          <p:cNvPr id="38" name="Oval 21"/>
+          <p:cNvSpPr>
+            <a:spLocks noChangeArrowheads="1"/>
+          </p:cNvSpPr>
+          <p:nvPr/>
+        </p:nvSpPr>
+        <p:spPr bwMode="auto">
+          <a:xfrm>
+            <a:off x="5716588" y="2428875"/>
+            <a:ext cx="47625" cy="47625"/>
+          </a:xfrm>
+          <a:prstGeom prst="ellipse">
+            <a:avLst/>
+          </a:prstGeom>
+          <a:noFill/>
+          <a:ln w="28575" cap="flat">
+            <a:solidFill>
+              <a:srgbClr val="D95319"/>
+            </a:solidFill>
+            <a:prstDash val="solid"/>
+            <a:miter lim="800000"/>
+            <a:headEnd/>
+            <a:tailEnd/>
+          </a:ln>
+          <a:extLst>
+            <a:ext uri="{909E8E84-426E-40DD-AFC4-6F175D3DCCD1}">
+              <a14:hiddenFill xmlns:a14="http://schemas.microsoft.com/office/drawing/2010/main">
+                <a:solidFill>
+                  <a:srgbClr val="FFFFFF"/>
+                </a:solidFill>
+              </a14:hiddenFill>
+            </a:ext>
+          </a:extLst>
+        </p:spPr>
+        <p:txBody>
+          <a:bodyPr vert="horz" wrap="square" lIns="91440" tIns="45720" rIns="91440" bIns="45720" numCol="1" anchor="t" anchorCtr="0" compatLnSpc="1">
+            <a:prstTxWarp prst="textNoShape">
+              <a:avLst/>
+            </a:prstTxWarp>
+          </a:bodyPr>
+          <a:lstStyle/>
+          <a:p>
+            <a:endParaRPr lang="ko-KR" altLang="en-US"/>
+          </a:p>
+        </p:txBody>
+      </p:sp>
+      <p:sp>
+        <p:nvSpPr>
+          <p:cNvPr id="39" name="Oval 22"/>
+          <p:cNvSpPr>
+            <a:spLocks noChangeArrowheads="1"/>
+          </p:cNvSpPr>
+          <p:nvPr/>
+        </p:nvSpPr>
+        <p:spPr bwMode="auto">
+          <a:xfrm>
+            <a:off x="6010275" y="2695575"/>
+            <a:ext cx="47625" cy="47625"/>
+          </a:xfrm>
+          <a:prstGeom prst="ellipse">
+            <a:avLst/>
+          </a:prstGeom>
+          <a:noFill/>
+          <a:ln w="28575" cap="flat">
+            <a:solidFill>
+              <a:srgbClr val="D95319"/>
+            </a:solidFill>
+            <a:prstDash val="solid"/>
+            <a:miter lim="800000"/>
+            <a:headEnd/>
+            <a:tailEnd/>
+          </a:ln>
+          <a:extLst>
+            <a:ext uri="{909E8E84-426E-40DD-AFC4-6F175D3DCCD1}">
+              <a14:hiddenFill xmlns:a14="http://schemas.microsoft.com/office/drawing/2010/main">
+                <a:solidFill>
+                  <a:srgbClr val="FFFFFF"/>
+                </a:solidFill>
+              </a14:hiddenFill>
+            </a:ext>
+          </a:extLst>
+        </p:spPr>
+        <p:txBody>
+          <a:bodyPr vert="horz" wrap="square" lIns="91440" tIns="45720" rIns="91440" bIns="45720" numCol="1" anchor="t" anchorCtr="0" compatLnSpc="1">
+            <a:prstTxWarp prst="textNoShape">
+              <a:avLst/>
+            </a:prstTxWarp>
+          </a:bodyPr>
+          <a:lstStyle/>
+          <a:p>
+            <a:endParaRPr lang="ko-KR" altLang="en-US"/>
+          </a:p>
+        </p:txBody>
+      </p:sp>
+      <p:sp>
+        <p:nvSpPr>
+          <p:cNvPr id="40" name="Oval 23"/>
+          <p:cNvSpPr>
+            <a:spLocks noChangeArrowheads="1"/>
+          </p:cNvSpPr>
+          <p:nvPr/>
+        </p:nvSpPr>
+        <p:spPr bwMode="auto">
+          <a:xfrm>
+            <a:off x="6302375" y="2833688"/>
+            <a:ext cx="49213" cy="47625"/>
+          </a:xfrm>
+          <a:prstGeom prst="ellipse">
+            <a:avLst/>
+          </a:prstGeom>
+          <a:noFill/>
+          <a:ln w="28575" cap="flat">
+            <a:solidFill>
+              <a:srgbClr val="D95319"/>
+            </a:solidFill>
+            <a:prstDash val="solid"/>
+            <a:miter lim="800000"/>
+            <a:headEnd/>
+            <a:tailEnd/>
+          </a:ln>
+          <a:extLst>
+            <a:ext uri="{909E8E84-426E-40DD-AFC4-6F175D3DCCD1}">
+              <a14:hiddenFill xmlns:a14="http://schemas.microsoft.com/office/drawing/2010/main">
+                <a:solidFill>
+                  <a:srgbClr val="FFFFFF"/>
+                </a:solidFill>
+              </a14:hiddenFill>
+            </a:ext>
+          </a:extLst>
+        </p:spPr>
+        <p:txBody>
+          <a:bodyPr vert="horz" wrap="square" lIns="91440" tIns="45720" rIns="91440" bIns="45720" numCol="1" anchor="t" anchorCtr="0" compatLnSpc="1">
+            <a:prstTxWarp prst="textNoShape">
+              <a:avLst/>
+            </a:prstTxWarp>
+          </a:bodyPr>
+          <a:lstStyle/>
+          <a:p>
+            <a:endParaRPr lang="ko-KR" altLang="en-US"/>
+          </a:p>
+        </p:txBody>
+      </p:sp>
+      <p:sp>
+        <p:nvSpPr>
+          <p:cNvPr id="41" name="Oval 24"/>
+          <p:cNvSpPr>
+            <a:spLocks noChangeArrowheads="1"/>
+          </p:cNvSpPr>
+          <p:nvPr/>
+        </p:nvSpPr>
+        <p:spPr bwMode="auto">
+          <a:xfrm>
+            <a:off x="6596063" y="2874963"/>
+            <a:ext cx="47625" cy="47625"/>
+          </a:xfrm>
+          <a:prstGeom prst="ellipse">
+            <a:avLst/>
+          </a:prstGeom>
+          <a:noFill/>
+          <a:ln w="28575" cap="flat">
+            <a:solidFill>
+              <a:srgbClr val="D95319"/>
+            </a:solidFill>
+            <a:prstDash val="solid"/>
+            <a:miter lim="800000"/>
+            <a:headEnd/>
+            <a:tailEnd/>
+          </a:ln>
+          <a:extLst>
+            <a:ext uri="{909E8E84-426E-40DD-AFC4-6F175D3DCCD1}">
+              <a14:hiddenFill xmlns:a14="http://schemas.microsoft.com/office/drawing/2010/main">
+                <a:solidFill>
+                  <a:srgbClr val="FFFFFF"/>
+                </a:solidFill>
+              </a14:hiddenFill>
+            </a:ext>
+          </a:extLst>
+        </p:spPr>
+        <p:txBody>
+          <a:bodyPr vert="horz" wrap="square" lIns="91440" tIns="45720" rIns="91440" bIns="45720" numCol="1" anchor="t" anchorCtr="0" compatLnSpc="1">
+            <a:prstTxWarp prst="textNoShape">
+              <a:avLst/>
+            </a:prstTxWarp>
+          </a:bodyPr>
+          <a:lstStyle/>
+          <a:p>
+            <a:endParaRPr lang="ko-KR" altLang="en-US"/>
+          </a:p>
+        </p:txBody>
+      </p:sp>
+      <p:sp>
+        <p:nvSpPr>
+          <p:cNvPr id="42" name="Line 25"/>
+          <p:cNvSpPr>
+            <a:spLocks noChangeShapeType="1"/>
+          </p:cNvSpPr>
+          <p:nvPr/>
+        </p:nvSpPr>
+        <p:spPr bwMode="auto">
+          <a:xfrm flipV="1">
+            <a:off x="3984625" y="2901950"/>
+            <a:ext cx="0" cy="7938"/>
+          </a:xfrm>
+          <a:prstGeom prst="line">
+            <a:avLst/>
+          </a:prstGeom>
+          <a:noFill/>
+          <a:ln w="28575" cap="flat">
+            <a:solidFill>
+              <a:srgbClr val="D95319"/>
+            </a:solidFill>
+            <a:prstDash val="solid"/>
+            <a:round/>
+            <a:headEnd/>
+            <a:tailEnd/>
+          </a:ln>
+          <a:extLst>
+            <a:ext uri="{909E8E84-426E-40DD-AFC4-6F175D3DCCD1}">
+              <a14:hiddenFill xmlns:a14="http://schemas.microsoft.com/office/drawing/2010/main">
+                <a:noFill/>
+              </a14:hiddenFill>
+            </a:ext>
+          </a:extLst>
+        </p:spPr>
+        <p:txBody>
+          <a:bodyPr vert="horz" wrap="square" lIns="91440" tIns="45720" rIns="91440" bIns="45720" numCol="1" anchor="t" anchorCtr="0" compatLnSpc="1">
+            <a:prstTxWarp prst="textNoShape">
+              <a:avLst/>
+            </a:prstTxWarp>
+          </a:bodyPr>
+          <a:lstStyle/>
+          <a:p>
+            <a:endParaRPr lang="ko-KR" altLang="en-US"/>
+          </a:p>
+        </p:txBody>
+      </p:sp>
+      <p:sp>
+        <p:nvSpPr>
+          <p:cNvPr id="43" name="Line 26"/>
+          <p:cNvSpPr>
+            <a:spLocks noChangeShapeType="1"/>
+          </p:cNvSpPr>
+          <p:nvPr/>
+        </p:nvSpPr>
+        <p:spPr bwMode="auto">
+          <a:xfrm flipV="1">
+            <a:off x="4278313" y="2860675"/>
+            <a:ext cx="0" cy="49213"/>
+          </a:xfrm>
+          <a:prstGeom prst="line">
+            <a:avLst/>
+          </a:prstGeom>
+          <a:noFill/>
+          <a:ln w="28575" cap="flat">
+            <a:solidFill>
+              <a:srgbClr val="D95319"/>
+            </a:solidFill>
+            <a:prstDash val="solid"/>
+            <a:round/>
+            <a:headEnd/>
+            <a:tailEnd/>
+          </a:ln>
+          <a:extLst>
+            <a:ext uri="{909E8E84-426E-40DD-AFC4-6F175D3DCCD1}">
+              <a14:hiddenFill xmlns:a14="http://schemas.microsoft.com/office/drawing/2010/main">
+                <a:noFill/>
+              </a14:hiddenFill>
+            </a:ext>
+          </a:extLst>
+        </p:spPr>
+        <p:txBody>
+          <a:bodyPr vert="horz" wrap="square" lIns="91440" tIns="45720" rIns="91440" bIns="45720" numCol="1" anchor="t" anchorCtr="0" compatLnSpc="1">
+            <a:prstTxWarp prst="textNoShape">
+              <a:avLst/>
+            </a:prstTxWarp>
+          </a:bodyPr>
+          <a:lstStyle/>
+          <a:p>
+            <a:endParaRPr lang="ko-KR" altLang="en-US"/>
+          </a:p>
+        </p:txBody>
+      </p:sp>
+      <p:sp>
+        <p:nvSpPr>
+          <p:cNvPr id="44" name="Line 27"/>
+          <p:cNvSpPr>
+            <a:spLocks noChangeShapeType="1"/>
+          </p:cNvSpPr>
+          <p:nvPr/>
+        </p:nvSpPr>
+        <p:spPr bwMode="auto">
+          <a:xfrm flipV="1">
+            <a:off x="4572000" y="2722563"/>
+            <a:ext cx="0" cy="187325"/>
+          </a:xfrm>
+          <a:prstGeom prst="line">
+            <a:avLst/>
+          </a:prstGeom>
+          <a:noFill/>
+          <a:ln w="28575" cap="flat">
+            <a:solidFill>
+              <a:srgbClr val="D95319"/>
+            </a:solidFill>
+            <a:prstDash val="solid"/>
+            <a:round/>
+            <a:headEnd/>
+            <a:tailEnd/>
+          </a:ln>
+          <a:extLst>
+            <a:ext uri="{909E8E84-426E-40DD-AFC4-6F175D3DCCD1}">
+              <a14:hiddenFill xmlns:a14="http://schemas.microsoft.com/office/drawing/2010/main">
+                <a:noFill/>
+              </a14:hiddenFill>
+            </a:ext>
+          </a:extLst>
+        </p:spPr>
+        <p:txBody>
+          <a:bodyPr vert="horz" wrap="square" lIns="91440" tIns="45720" rIns="91440" bIns="45720" numCol="1" anchor="t" anchorCtr="0" compatLnSpc="1">
+            <a:prstTxWarp prst="textNoShape">
+              <a:avLst/>
+            </a:prstTxWarp>
+          </a:bodyPr>
+          <a:lstStyle/>
+          <a:p>
+            <a:endParaRPr lang="ko-KR" altLang="en-US"/>
+          </a:p>
+        </p:txBody>
+      </p:sp>
+      <p:sp>
+        <p:nvSpPr>
+          <p:cNvPr id="45" name="Line 28"/>
+          <p:cNvSpPr>
+            <a:spLocks noChangeShapeType="1"/>
+          </p:cNvSpPr>
+          <p:nvPr/>
+        </p:nvSpPr>
+        <p:spPr bwMode="auto">
+          <a:xfrm flipV="1">
+            <a:off x="4864100" y="2454275"/>
+            <a:ext cx="0" cy="455613"/>
+          </a:xfrm>
+          <a:prstGeom prst="line">
+            <a:avLst/>
+          </a:prstGeom>
+          <a:noFill/>
+          <a:ln w="28575" cap="flat">
+            <a:solidFill>
+              <a:srgbClr val="D95319"/>
+            </a:solidFill>
+            <a:prstDash val="solid"/>
+            <a:round/>
+            <a:headEnd/>
+            <a:tailEnd/>
+          </a:ln>
+          <a:extLst>
+            <a:ext uri="{909E8E84-426E-40DD-AFC4-6F175D3DCCD1}">
+              <a14:hiddenFill xmlns:a14="http://schemas.microsoft.com/office/drawing/2010/main">
+                <a:noFill/>
+              </a14:hiddenFill>
+            </a:ext>
+          </a:extLst>
+        </p:spPr>
+        <p:txBody>
+          <a:bodyPr vert="horz" wrap="square" lIns="91440" tIns="45720" rIns="91440" bIns="45720" numCol="1" anchor="t" anchorCtr="0" compatLnSpc="1">
+            <a:prstTxWarp prst="textNoShape">
+              <a:avLst/>
+            </a:prstTxWarp>
+          </a:bodyPr>
+          <a:lstStyle/>
+          <a:p>
+            <a:endParaRPr lang="ko-KR" altLang="en-US"/>
+          </a:p>
+        </p:txBody>
+      </p:sp>
+      <p:sp>
+        <p:nvSpPr>
+          <p:cNvPr id="46" name="Line 29"/>
+          <p:cNvSpPr>
+            <a:spLocks noChangeShapeType="1"/>
+          </p:cNvSpPr>
+          <p:nvPr/>
+        </p:nvSpPr>
+        <p:spPr bwMode="auto">
+          <a:xfrm flipV="1">
+            <a:off x="5157788" y="2200275"/>
+            <a:ext cx="0" cy="709613"/>
+          </a:xfrm>
+          <a:prstGeom prst="line">
+            <a:avLst/>
+          </a:prstGeom>
+          <a:noFill/>
+          <a:ln w="28575" cap="flat">
+            <a:solidFill>
+              <a:srgbClr val="D95319"/>
+            </a:solidFill>
+            <a:prstDash val="solid"/>
+            <a:round/>
+            <a:headEnd/>
+            <a:tailEnd/>
+          </a:ln>
+          <a:extLst>
+            <a:ext uri="{909E8E84-426E-40DD-AFC4-6F175D3DCCD1}">
+              <a14:hiddenFill xmlns:a14="http://schemas.microsoft.com/office/drawing/2010/main">
+                <a:noFill/>
+              </a14:hiddenFill>
+            </a:ext>
+          </a:extLst>
+        </p:spPr>
+        <p:txBody>
+          <a:bodyPr vert="horz" wrap="square" lIns="91440" tIns="45720" rIns="91440" bIns="45720" numCol="1" anchor="t" anchorCtr="0" compatLnSpc="1">
+            <a:prstTxWarp prst="textNoShape">
+              <a:avLst/>
+            </a:prstTxWarp>
+          </a:bodyPr>
+          <a:lstStyle/>
+          <a:p>
+            <a:endParaRPr lang="ko-KR" altLang="en-US"/>
+          </a:p>
+        </p:txBody>
+      </p:sp>
+      <p:sp>
+        <p:nvSpPr>
+          <p:cNvPr id="47" name="Line 30"/>
+          <p:cNvSpPr>
+            <a:spLocks noChangeShapeType="1"/>
+          </p:cNvSpPr>
+          <p:nvPr/>
+        </p:nvSpPr>
+        <p:spPr bwMode="auto">
+          <a:xfrm flipV="1">
+            <a:off x="5449888" y="2200275"/>
+            <a:ext cx="0" cy="709613"/>
+          </a:xfrm>
+          <a:prstGeom prst="line">
+            <a:avLst/>
+          </a:prstGeom>
+          <a:noFill/>
+          <a:ln w="28575" cap="flat">
+            <a:solidFill>
+              <a:srgbClr val="D95319"/>
+            </a:solidFill>
+            <a:prstDash val="solid"/>
+            <a:round/>
+            <a:headEnd/>
+            <a:tailEnd/>
+          </a:ln>
+          <a:extLst>
+            <a:ext uri="{909E8E84-426E-40DD-AFC4-6F175D3DCCD1}">
+              <a14:hiddenFill xmlns:a14="http://schemas.microsoft.com/office/drawing/2010/main">
+                <a:noFill/>
+              </a14:hiddenFill>
+            </a:ext>
+          </a:extLst>
+        </p:spPr>
+        <p:txBody>
+          <a:bodyPr vert="horz" wrap="square" lIns="91440" tIns="45720" rIns="91440" bIns="45720" numCol="1" anchor="t" anchorCtr="0" compatLnSpc="1">
+            <a:prstTxWarp prst="textNoShape">
+              <a:avLst/>
+            </a:prstTxWarp>
+          </a:bodyPr>
+          <a:lstStyle/>
+          <a:p>
+            <a:endParaRPr lang="ko-KR" altLang="en-US"/>
+          </a:p>
+        </p:txBody>
+      </p:sp>
+      <p:sp>
+        <p:nvSpPr>
+          <p:cNvPr id="48" name="Line 31"/>
+          <p:cNvSpPr>
+            <a:spLocks noChangeShapeType="1"/>
+          </p:cNvSpPr>
+          <p:nvPr/>
+        </p:nvSpPr>
+        <p:spPr bwMode="auto">
+          <a:xfrm flipV="1">
+            <a:off x="5743575" y="2454275"/>
+            <a:ext cx="0" cy="455613"/>
+          </a:xfrm>
+          <a:prstGeom prst="line">
+            <a:avLst/>
+          </a:prstGeom>
+          <a:noFill/>
+          <a:ln w="28575" cap="flat">
+            <a:solidFill>
+              <a:srgbClr val="D95319"/>
+            </a:solidFill>
+            <a:prstDash val="solid"/>
+            <a:round/>
+            <a:headEnd/>
+            <a:tailEnd/>
+          </a:ln>
+          <a:extLst>
+            <a:ext uri="{909E8E84-426E-40DD-AFC4-6F175D3DCCD1}">
+              <a14:hiddenFill xmlns:a14="http://schemas.microsoft.com/office/drawing/2010/main">
+                <a:noFill/>
+              </a14:hiddenFill>
+            </a:ext>
+          </a:extLst>
+        </p:spPr>
+        <p:txBody>
+          <a:bodyPr vert="horz" wrap="square" lIns="91440" tIns="45720" rIns="91440" bIns="45720" numCol="1" anchor="t" anchorCtr="0" compatLnSpc="1">
+            <a:prstTxWarp prst="textNoShape">
+              <a:avLst/>
+            </a:prstTxWarp>
+          </a:bodyPr>
+          <a:lstStyle/>
+          <a:p>
+            <a:endParaRPr lang="ko-KR" altLang="en-US"/>
+          </a:p>
+        </p:txBody>
+      </p:sp>
+      <p:sp>
+        <p:nvSpPr>
+          <p:cNvPr id="49" name="Line 32"/>
+          <p:cNvSpPr>
+            <a:spLocks noChangeShapeType="1"/>
+          </p:cNvSpPr>
+          <p:nvPr/>
+        </p:nvSpPr>
+        <p:spPr bwMode="auto">
+          <a:xfrm flipV="1">
+            <a:off x="6037263" y="2722563"/>
+            <a:ext cx="0" cy="187325"/>
+          </a:xfrm>
+          <a:prstGeom prst="line">
+            <a:avLst/>
+          </a:prstGeom>
+          <a:noFill/>
+          <a:ln w="28575" cap="flat">
+            <a:solidFill>
+              <a:srgbClr val="D95319"/>
+            </a:solidFill>
+            <a:prstDash val="solid"/>
+            <a:round/>
+            <a:headEnd/>
+            <a:tailEnd/>
+          </a:ln>
+          <a:extLst>
+            <a:ext uri="{909E8E84-426E-40DD-AFC4-6F175D3DCCD1}">
+              <a14:hiddenFill xmlns:a14="http://schemas.microsoft.com/office/drawing/2010/main">
+                <a:noFill/>
+              </a14:hiddenFill>
+            </a:ext>
+          </a:extLst>
+        </p:spPr>
+        <p:txBody>
+          <a:bodyPr vert="horz" wrap="square" lIns="91440" tIns="45720" rIns="91440" bIns="45720" numCol="1" anchor="t" anchorCtr="0" compatLnSpc="1">
+            <a:prstTxWarp prst="textNoShape">
+              <a:avLst/>
+            </a:prstTxWarp>
+          </a:bodyPr>
+          <a:lstStyle/>
+          <a:p>
+            <a:endParaRPr lang="ko-KR" altLang="en-US"/>
+          </a:p>
+        </p:txBody>
+      </p:sp>
+      <p:sp>
+        <p:nvSpPr>
+          <p:cNvPr id="50" name="Line 33"/>
+          <p:cNvSpPr>
+            <a:spLocks noChangeShapeType="1"/>
+          </p:cNvSpPr>
+          <p:nvPr/>
+        </p:nvSpPr>
+        <p:spPr bwMode="auto">
+          <a:xfrm flipV="1">
+            <a:off x="6329363" y="2860675"/>
+            <a:ext cx="0" cy="49213"/>
+          </a:xfrm>
+          <a:prstGeom prst="line">
+            <a:avLst/>
+          </a:prstGeom>
+          <a:noFill/>
+          <a:ln w="28575" cap="flat">
+            <a:solidFill>
+              <a:srgbClr val="D95319"/>
+            </a:solidFill>
+            <a:prstDash val="solid"/>
+            <a:round/>
+            <a:headEnd/>
+            <a:tailEnd/>
+          </a:ln>
+          <a:extLst>
+            <a:ext uri="{909E8E84-426E-40DD-AFC4-6F175D3DCCD1}">
+              <a14:hiddenFill xmlns:a14="http://schemas.microsoft.com/office/drawing/2010/main">
+                <a:noFill/>
+              </a14:hiddenFill>
+            </a:ext>
+          </a:extLst>
+        </p:spPr>
+        <p:txBody>
+          <a:bodyPr vert="horz" wrap="square" lIns="91440" tIns="45720" rIns="91440" bIns="45720" numCol="1" anchor="t" anchorCtr="0" compatLnSpc="1">
+            <a:prstTxWarp prst="textNoShape">
+              <a:avLst/>
+            </a:prstTxWarp>
+          </a:bodyPr>
+          <a:lstStyle/>
+          <a:p>
+            <a:endParaRPr lang="ko-KR" altLang="en-US"/>
+          </a:p>
+        </p:txBody>
+      </p:sp>
+      <p:sp>
+        <p:nvSpPr>
+          <p:cNvPr id="51" name="Line 34"/>
+          <p:cNvSpPr>
+            <a:spLocks noChangeShapeType="1"/>
+          </p:cNvSpPr>
+          <p:nvPr/>
+        </p:nvSpPr>
+        <p:spPr bwMode="auto">
+          <a:xfrm flipV="1">
+            <a:off x="6623050" y="2901950"/>
+            <a:ext cx="0" cy="7938"/>
+          </a:xfrm>
+          <a:prstGeom prst="line">
+            <a:avLst/>
+          </a:prstGeom>
+          <a:noFill/>
+          <a:ln w="28575" cap="flat">
+            <a:solidFill>
+              <a:srgbClr val="D95319"/>
+            </a:solidFill>
+            <a:prstDash val="solid"/>
+            <a:round/>
+            <a:headEnd/>
+            <a:tailEnd/>
+          </a:ln>
+          <a:extLst>
+            <a:ext uri="{909E8E84-426E-40DD-AFC4-6F175D3DCCD1}">
+              <a14:hiddenFill xmlns:a14="http://schemas.microsoft.com/office/drawing/2010/main">
+                <a:noFill/>
+              </a14:hiddenFill>
+            </a:ext>
+          </a:extLst>
+        </p:spPr>
+        <p:txBody>
+          <a:bodyPr vert="horz" wrap="square" lIns="91440" tIns="45720" rIns="91440" bIns="45720" numCol="1" anchor="t" anchorCtr="0" compatLnSpc="1">
+            <a:prstTxWarp prst="textNoShape">
+              <a:avLst/>
+            </a:prstTxWarp>
+          </a:bodyPr>
+          <a:lstStyle/>
+          <a:p>
+            <a:endParaRPr lang="ko-KR" altLang="en-US"/>
+          </a:p>
+        </p:txBody>
+      </p:sp>
+      <p:sp>
+        <p:nvSpPr>
+          <p:cNvPr id="54" name="Line 38"/>
+          <p:cNvSpPr>
+            <a:spLocks noChangeShapeType="1"/>
+          </p:cNvSpPr>
+          <p:nvPr/>
+        </p:nvSpPr>
+        <p:spPr bwMode="auto">
+          <a:xfrm>
+            <a:off x="3984625" y="4078288"/>
+            <a:ext cx="2638425" cy="0"/>
+          </a:xfrm>
+          <a:prstGeom prst="line">
+            <a:avLst/>
+          </a:prstGeom>
+          <a:noFill/>
+          <a:ln w="3" cap="flat">
+            <a:solidFill>
+              <a:srgbClr val="262626"/>
+            </a:solidFill>
+            <a:prstDash val="solid"/>
+            <a:round/>
+            <a:headEnd/>
+            <a:tailEnd/>
+          </a:ln>
+          <a:extLst>
+            <a:ext uri="{909E8E84-426E-40DD-AFC4-6F175D3DCCD1}">
+              <a14:hiddenFill xmlns:a14="http://schemas.microsoft.com/office/drawing/2010/main">
+                <a:noFill/>
+              </a14:hiddenFill>
+            </a:ext>
+          </a:extLst>
+        </p:spPr>
+        <p:txBody>
+          <a:bodyPr vert="horz" wrap="square" lIns="91440" tIns="45720" rIns="91440" bIns="45720" numCol="1" anchor="t" anchorCtr="0" compatLnSpc="1">
+            <a:prstTxWarp prst="textNoShape">
+              <a:avLst/>
+            </a:prstTxWarp>
+          </a:bodyPr>
+          <a:lstStyle/>
+          <a:p>
+            <a:endParaRPr lang="ko-KR" altLang="en-US"/>
+          </a:p>
+        </p:txBody>
+      </p:sp>
+      <p:sp>
+        <p:nvSpPr>
+          <p:cNvPr id="55" name="Freeform 39"/>
+          <p:cNvSpPr>
+            <a:spLocks noEditPoints="1"/>
+          </p:cNvSpPr>
+          <p:nvPr/>
+        </p:nvSpPr>
+        <p:spPr bwMode="auto">
+          <a:xfrm>
+            <a:off x="3984625" y="3849688"/>
+            <a:ext cx="2635250" cy="458788"/>
+          </a:xfrm>
+          <a:custGeom>
+            <a:avLst/>
+            <a:gdLst>
+              <a:gd name="T0" fmla="*/ 97 w 1660"/>
+              <a:gd name="T1" fmla="*/ 124 h 289"/>
+              <a:gd name="T2" fmla="*/ 120 w 1660"/>
+              <a:gd name="T3" fmla="*/ 123 h 289"/>
+              <a:gd name="T4" fmla="*/ 151 w 1660"/>
+              <a:gd name="T5" fmla="*/ 114 h 289"/>
+              <a:gd name="T6" fmla="*/ 185 w 1660"/>
+              <a:gd name="T7" fmla="*/ 109 h 289"/>
+              <a:gd name="T8" fmla="*/ 185 w 1660"/>
+              <a:gd name="T9" fmla="*/ 107 h 289"/>
+              <a:gd name="T10" fmla="*/ 269 w 1660"/>
+              <a:gd name="T11" fmla="*/ 84 h 289"/>
+              <a:gd name="T12" fmla="*/ 236 w 1660"/>
+              <a:gd name="T13" fmla="*/ 92 h 289"/>
+              <a:gd name="T14" fmla="*/ 329 w 1660"/>
+              <a:gd name="T15" fmla="*/ 63 h 289"/>
+              <a:gd name="T16" fmla="*/ 294 w 1660"/>
+              <a:gd name="T17" fmla="*/ 76 h 289"/>
+              <a:gd name="T18" fmla="*/ 385 w 1660"/>
+              <a:gd name="T19" fmla="*/ 39 h 289"/>
+              <a:gd name="T20" fmla="*/ 407 w 1660"/>
+              <a:gd name="T21" fmla="*/ 34 h 289"/>
+              <a:gd name="T22" fmla="*/ 436 w 1660"/>
+              <a:gd name="T23" fmla="*/ 21 h 289"/>
+              <a:gd name="T24" fmla="*/ 471 w 1660"/>
+              <a:gd name="T25" fmla="*/ 14 h 289"/>
+              <a:gd name="T26" fmla="*/ 470 w 1660"/>
+              <a:gd name="T27" fmla="*/ 11 h 289"/>
+              <a:gd name="T28" fmla="*/ 554 w 1660"/>
+              <a:gd name="T29" fmla="*/ 2 h 289"/>
+              <a:gd name="T30" fmla="*/ 523 w 1660"/>
+              <a:gd name="T31" fmla="*/ 1 h 289"/>
+              <a:gd name="T32" fmla="*/ 619 w 1660"/>
+              <a:gd name="T33" fmla="*/ 11 h 289"/>
+              <a:gd name="T34" fmla="*/ 582 w 1660"/>
+              <a:gd name="T35" fmla="*/ 4 h 289"/>
+              <a:gd name="T36" fmla="*/ 676 w 1660"/>
+              <a:gd name="T37" fmla="*/ 30 h 289"/>
+              <a:gd name="T38" fmla="*/ 695 w 1660"/>
+              <a:gd name="T39" fmla="*/ 43 h 289"/>
+              <a:gd name="T40" fmla="*/ 723 w 1660"/>
+              <a:gd name="T41" fmla="*/ 57 h 289"/>
+              <a:gd name="T42" fmla="*/ 755 w 1660"/>
+              <a:gd name="T43" fmla="*/ 83 h 289"/>
+              <a:gd name="T44" fmla="*/ 756 w 1660"/>
+              <a:gd name="T45" fmla="*/ 81 h 289"/>
+              <a:gd name="T46" fmla="*/ 821 w 1660"/>
+              <a:gd name="T47" fmla="*/ 137 h 289"/>
+              <a:gd name="T48" fmla="*/ 838 w 1660"/>
+              <a:gd name="T49" fmla="*/ 152 h 289"/>
+              <a:gd name="T50" fmla="*/ 857 w 1660"/>
+              <a:gd name="T51" fmla="*/ 165 h 289"/>
+              <a:gd name="T52" fmla="*/ 889 w 1660"/>
+              <a:gd name="T53" fmla="*/ 194 h 289"/>
+              <a:gd name="T54" fmla="*/ 891 w 1660"/>
+              <a:gd name="T55" fmla="*/ 192 h 289"/>
+              <a:gd name="T56" fmla="*/ 956 w 1660"/>
+              <a:gd name="T57" fmla="*/ 242 h 289"/>
+              <a:gd name="T58" fmla="*/ 934 w 1660"/>
+              <a:gd name="T59" fmla="*/ 224 h 289"/>
+              <a:gd name="T60" fmla="*/ 1018 w 1660"/>
+              <a:gd name="T61" fmla="*/ 273 h 289"/>
+              <a:gd name="T62" fmla="*/ 984 w 1660"/>
+              <a:gd name="T63" fmla="*/ 257 h 289"/>
+              <a:gd name="T64" fmla="*/ 1077 w 1660"/>
+              <a:gd name="T65" fmla="*/ 287 h 289"/>
+              <a:gd name="T66" fmla="*/ 1041 w 1660"/>
+              <a:gd name="T67" fmla="*/ 277 h 289"/>
+              <a:gd name="T68" fmla="*/ 1137 w 1660"/>
+              <a:gd name="T69" fmla="*/ 287 h 289"/>
+              <a:gd name="T70" fmla="*/ 1100 w 1660"/>
+              <a:gd name="T71" fmla="*/ 288 h 289"/>
+              <a:gd name="T72" fmla="*/ 1196 w 1660"/>
+              <a:gd name="T73" fmla="*/ 274 h 289"/>
+              <a:gd name="T74" fmla="*/ 1218 w 1660"/>
+              <a:gd name="T75" fmla="*/ 270 h 289"/>
+              <a:gd name="T76" fmla="*/ 1242 w 1660"/>
+              <a:gd name="T77" fmla="*/ 259 h 289"/>
+              <a:gd name="T78" fmla="*/ 1276 w 1660"/>
+              <a:gd name="T79" fmla="*/ 250 h 289"/>
+              <a:gd name="T80" fmla="*/ 1309 w 1660"/>
+              <a:gd name="T81" fmla="*/ 235 h 289"/>
+              <a:gd name="T82" fmla="*/ 1332 w 1660"/>
+              <a:gd name="T83" fmla="*/ 229 h 289"/>
+              <a:gd name="T84" fmla="*/ 1359 w 1660"/>
+              <a:gd name="T85" fmla="*/ 216 h 289"/>
+              <a:gd name="T86" fmla="*/ 1394 w 1660"/>
+              <a:gd name="T87" fmla="*/ 206 h 289"/>
+              <a:gd name="T88" fmla="*/ 1393 w 1660"/>
+              <a:gd name="T89" fmla="*/ 204 h 289"/>
+              <a:gd name="T90" fmla="*/ 1478 w 1660"/>
+              <a:gd name="T91" fmla="*/ 182 h 289"/>
+              <a:gd name="T92" fmla="*/ 1445 w 1660"/>
+              <a:gd name="T93" fmla="*/ 188 h 289"/>
+              <a:gd name="T94" fmla="*/ 1541 w 1660"/>
+              <a:gd name="T95" fmla="*/ 168 h 289"/>
+              <a:gd name="T96" fmla="*/ 1504 w 1660"/>
+              <a:gd name="T97" fmla="*/ 176 h 289"/>
+              <a:gd name="T98" fmla="*/ 1600 w 1660"/>
+              <a:gd name="T99" fmla="*/ 157 h 289"/>
+              <a:gd name="T100" fmla="*/ 1622 w 1660"/>
+              <a:gd name="T101" fmla="*/ 157 h 289"/>
+              <a:gd name="T102" fmla="*/ 1645 w 1660"/>
+              <a:gd name="T103" fmla="*/ 152 h 289"/>
+              <a:gd name="T104" fmla="*/ 17 w 1660"/>
+              <a:gd name="T105" fmla="*/ 136 h 289"/>
+              <a:gd name="T106" fmla="*/ 17 w 1660"/>
+              <a:gd name="T107" fmla="*/ 134 h 289"/>
+            </a:gdLst>
+            <a:ahLst/>
+            <a:cxnLst>
+              <a:cxn ang="0">
+                <a:pos x="T0" y="T1"/>
+              </a:cxn>
+              <a:cxn ang="0">
+                <a:pos x="T2" y="T3"/>
+              </a:cxn>
+              <a:cxn ang="0">
+                <a:pos x="T4" y="T5"/>
+              </a:cxn>
+              <a:cxn ang="0">
+                <a:pos x="T6" y="T7"/>
+              </a:cxn>
+              <a:cxn ang="0">
+                <a:pos x="T8" y="T9"/>
+              </a:cxn>
+              <a:cxn ang="0">
+                <a:pos x="T10" y="T11"/>
+              </a:cxn>
+              <a:cxn ang="0">
+                <a:pos x="T12" y="T13"/>
+              </a:cxn>
+              <a:cxn ang="0">
+                <a:pos x="T14" y="T15"/>
+              </a:cxn>
+              <a:cxn ang="0">
+                <a:pos x="T16" y="T17"/>
+              </a:cxn>
+              <a:cxn ang="0">
+                <a:pos x="T18" y="T19"/>
+              </a:cxn>
+              <a:cxn ang="0">
+                <a:pos x="T20" y="T21"/>
+              </a:cxn>
+              <a:cxn ang="0">
+                <a:pos x="T22" y="T23"/>
+              </a:cxn>
+              <a:cxn ang="0">
+                <a:pos x="T24" y="T25"/>
+              </a:cxn>
+              <a:cxn ang="0">
+                <a:pos x="T26" y="T27"/>
+              </a:cxn>
+              <a:cxn ang="0">
+                <a:pos x="T28" y="T29"/>
+              </a:cxn>
+              <a:cxn ang="0">
+                <a:pos x="T30" y="T31"/>
+              </a:cxn>
+              <a:cxn ang="0">
+                <a:pos x="T32" y="T33"/>
+              </a:cxn>
+              <a:cxn ang="0">
+                <a:pos x="T34" y="T35"/>
+              </a:cxn>
+              <a:cxn ang="0">
+                <a:pos x="T36" y="T37"/>
+              </a:cxn>
+              <a:cxn ang="0">
+                <a:pos x="T38" y="T39"/>
+              </a:cxn>
+              <a:cxn ang="0">
+                <a:pos x="T40" y="T41"/>
+              </a:cxn>
+              <a:cxn ang="0">
+                <a:pos x="T42" y="T43"/>
+              </a:cxn>
+              <a:cxn ang="0">
+                <a:pos x="T44" y="T45"/>
+              </a:cxn>
+              <a:cxn ang="0">
+                <a:pos x="T46" y="T47"/>
+              </a:cxn>
+              <a:cxn ang="0">
+                <a:pos x="T48" y="T49"/>
+              </a:cxn>
+              <a:cxn ang="0">
+                <a:pos x="T50" y="T51"/>
+              </a:cxn>
+              <a:cxn ang="0">
+                <a:pos x="T52" y="T53"/>
+              </a:cxn>
+              <a:cxn ang="0">
+                <a:pos x="T54" y="T55"/>
+              </a:cxn>
+              <a:cxn ang="0">
+                <a:pos x="T56" y="T57"/>
+              </a:cxn>
+              <a:cxn ang="0">
+                <a:pos x="T58" y="T59"/>
+              </a:cxn>
+              <a:cxn ang="0">
+                <a:pos x="T60" y="T61"/>
+              </a:cxn>
+              <a:cxn ang="0">
+                <a:pos x="T62" y="T63"/>
+              </a:cxn>
+              <a:cxn ang="0">
+                <a:pos x="T64" y="T65"/>
+              </a:cxn>
+              <a:cxn ang="0">
+                <a:pos x="T66" y="T67"/>
+              </a:cxn>
+              <a:cxn ang="0">
+                <a:pos x="T68" y="T69"/>
+              </a:cxn>
+              <a:cxn ang="0">
+                <a:pos x="T70" y="T71"/>
+              </a:cxn>
+              <a:cxn ang="0">
+                <a:pos x="T72" y="T73"/>
+              </a:cxn>
+              <a:cxn ang="0">
+                <a:pos x="T74" y="T75"/>
+              </a:cxn>
+              <a:cxn ang="0">
+                <a:pos x="T76" y="T77"/>
+              </a:cxn>
+              <a:cxn ang="0">
+                <a:pos x="T78" y="T79"/>
+              </a:cxn>
+              <a:cxn ang="0">
+                <a:pos x="T80" y="T81"/>
+              </a:cxn>
+              <a:cxn ang="0">
+                <a:pos x="T82" y="T83"/>
+              </a:cxn>
+              <a:cxn ang="0">
+                <a:pos x="T84" y="T85"/>
+              </a:cxn>
+              <a:cxn ang="0">
+                <a:pos x="T86" y="T87"/>
+              </a:cxn>
+              <a:cxn ang="0">
+                <a:pos x="T88" y="T89"/>
+              </a:cxn>
+              <a:cxn ang="0">
+                <a:pos x="T90" y="T91"/>
+              </a:cxn>
+              <a:cxn ang="0">
+                <a:pos x="T92" y="T93"/>
+              </a:cxn>
+              <a:cxn ang="0">
+                <a:pos x="T94" y="T95"/>
+              </a:cxn>
+              <a:cxn ang="0">
+                <a:pos x="T96" y="T97"/>
+              </a:cxn>
+              <a:cxn ang="0">
+                <a:pos x="T98" y="T99"/>
+              </a:cxn>
+              <a:cxn ang="0">
+                <a:pos x="T100" y="T101"/>
+              </a:cxn>
+              <a:cxn ang="0">
+                <a:pos x="T102" y="T103"/>
+              </a:cxn>
+              <a:cxn ang="0">
+                <a:pos x="T104" y="T105"/>
+              </a:cxn>
+              <a:cxn ang="0">
+                <a:pos x="T106" y="T107"/>
+              </a:cxn>
+            </a:cxnLst>
+            <a:rect l="0" t="0" r="r" b="b"/>
+            <a:pathLst>
+              <a:path w="1660" h="289">
+                <a:moveTo>
+                  <a:pt x="60" y="132"/>
+                </a:moveTo>
+                <a:lnTo>
+                  <a:pt x="68" y="131"/>
+                </a:lnTo>
+                <a:lnTo>
+                  <a:pt x="84" y="129"/>
+                </a:lnTo>
+                <a:lnTo>
+                  <a:pt x="98" y="127"/>
+                </a:lnTo>
+                <a:lnTo>
+                  <a:pt x="97" y="124"/>
+                </a:lnTo>
+                <a:lnTo>
+                  <a:pt x="84" y="126"/>
+                </a:lnTo>
+                <a:lnTo>
+                  <a:pt x="67" y="128"/>
+                </a:lnTo>
+                <a:lnTo>
+                  <a:pt x="60" y="129"/>
+                </a:lnTo>
+                <a:lnTo>
+                  <a:pt x="60" y="132"/>
+                </a:lnTo>
+                <a:close/>
+                <a:moveTo>
+                  <a:pt x="120" y="123"/>
+                </a:moveTo>
+                <a:lnTo>
+                  <a:pt x="135" y="120"/>
+                </a:lnTo>
+                <a:lnTo>
+                  <a:pt x="152" y="117"/>
+                </a:lnTo>
+                <a:lnTo>
+                  <a:pt x="157" y="116"/>
+                </a:lnTo>
+                <a:lnTo>
+                  <a:pt x="156" y="113"/>
+                </a:lnTo>
+                <a:lnTo>
+                  <a:pt x="151" y="114"/>
+                </a:lnTo>
+                <a:lnTo>
+                  <a:pt x="134" y="118"/>
+                </a:lnTo>
+                <a:lnTo>
+                  <a:pt x="120" y="121"/>
+                </a:lnTo>
+                <a:lnTo>
+                  <a:pt x="120" y="123"/>
+                </a:lnTo>
+                <a:close/>
+                <a:moveTo>
+                  <a:pt x="179" y="111"/>
+                </a:moveTo>
+                <a:lnTo>
+                  <a:pt x="185" y="109"/>
+                </a:lnTo>
+                <a:lnTo>
+                  <a:pt x="202" y="105"/>
+                </a:lnTo>
+                <a:lnTo>
+                  <a:pt x="215" y="101"/>
+                </a:lnTo>
+                <a:lnTo>
+                  <a:pt x="214" y="99"/>
+                </a:lnTo>
+                <a:lnTo>
+                  <a:pt x="201" y="102"/>
+                </a:lnTo>
+                <a:lnTo>
+                  <a:pt x="185" y="107"/>
+                </a:lnTo>
+                <a:lnTo>
+                  <a:pt x="178" y="108"/>
+                </a:lnTo>
+                <a:lnTo>
+                  <a:pt x="179" y="111"/>
+                </a:lnTo>
+                <a:close/>
+                <a:moveTo>
+                  <a:pt x="237" y="95"/>
+                </a:moveTo>
+                <a:lnTo>
+                  <a:pt x="253" y="90"/>
+                </a:lnTo>
+                <a:lnTo>
+                  <a:pt x="269" y="84"/>
+                </a:lnTo>
+                <a:lnTo>
+                  <a:pt x="273" y="83"/>
+                </a:lnTo>
+                <a:lnTo>
+                  <a:pt x="272" y="81"/>
+                </a:lnTo>
+                <a:lnTo>
+                  <a:pt x="269" y="82"/>
+                </a:lnTo>
+                <a:lnTo>
+                  <a:pt x="252" y="87"/>
+                </a:lnTo>
+                <a:lnTo>
+                  <a:pt x="236" y="92"/>
+                </a:lnTo>
+                <a:lnTo>
+                  <a:pt x="237" y="95"/>
+                </a:lnTo>
+                <a:close/>
+                <a:moveTo>
+                  <a:pt x="294" y="76"/>
+                </a:moveTo>
+                <a:lnTo>
+                  <a:pt x="303" y="72"/>
+                </a:lnTo>
+                <a:lnTo>
+                  <a:pt x="320" y="66"/>
+                </a:lnTo>
+                <a:lnTo>
+                  <a:pt x="329" y="63"/>
+                </a:lnTo>
+                <a:lnTo>
+                  <a:pt x="328" y="60"/>
+                </a:lnTo>
+                <a:lnTo>
+                  <a:pt x="319" y="64"/>
+                </a:lnTo>
+                <a:lnTo>
+                  <a:pt x="302" y="70"/>
+                </a:lnTo>
+                <a:lnTo>
+                  <a:pt x="293" y="73"/>
+                </a:lnTo>
+                <a:lnTo>
+                  <a:pt x="294" y="76"/>
+                </a:lnTo>
+                <a:close/>
+                <a:moveTo>
+                  <a:pt x="350" y="55"/>
+                </a:moveTo>
+                <a:lnTo>
+                  <a:pt x="353" y="54"/>
+                </a:lnTo>
+                <a:lnTo>
+                  <a:pt x="370" y="47"/>
+                </a:lnTo>
+                <a:lnTo>
+                  <a:pt x="386" y="41"/>
+                </a:lnTo>
+                <a:lnTo>
+                  <a:pt x="385" y="39"/>
+                </a:lnTo>
+                <a:lnTo>
+                  <a:pt x="369" y="45"/>
+                </a:lnTo>
+                <a:lnTo>
+                  <a:pt x="352" y="51"/>
+                </a:lnTo>
+                <a:lnTo>
+                  <a:pt x="350" y="52"/>
+                </a:lnTo>
+                <a:lnTo>
+                  <a:pt x="350" y="55"/>
+                </a:lnTo>
+                <a:close/>
+                <a:moveTo>
+                  <a:pt x="407" y="34"/>
+                </a:moveTo>
+                <a:lnTo>
+                  <a:pt x="420" y="29"/>
+                </a:lnTo>
+                <a:lnTo>
+                  <a:pt x="437" y="23"/>
+                </a:lnTo>
+                <a:lnTo>
+                  <a:pt x="442" y="22"/>
+                </a:lnTo>
+                <a:lnTo>
+                  <a:pt x="442" y="19"/>
+                </a:lnTo>
+                <a:lnTo>
+                  <a:pt x="436" y="21"/>
+                </a:lnTo>
+                <a:lnTo>
+                  <a:pt x="420" y="27"/>
+                </a:lnTo>
+                <a:lnTo>
+                  <a:pt x="406" y="31"/>
+                </a:lnTo>
+                <a:lnTo>
+                  <a:pt x="407" y="34"/>
+                </a:lnTo>
+                <a:close/>
+                <a:moveTo>
+                  <a:pt x="464" y="16"/>
+                </a:moveTo>
+                <a:lnTo>
+                  <a:pt x="471" y="14"/>
+                </a:lnTo>
+                <a:lnTo>
+                  <a:pt x="487" y="10"/>
+                </a:lnTo>
+                <a:lnTo>
+                  <a:pt x="500" y="7"/>
+                </a:lnTo>
+                <a:lnTo>
+                  <a:pt x="500" y="5"/>
+                </a:lnTo>
+                <a:lnTo>
+                  <a:pt x="487" y="7"/>
+                </a:lnTo>
+                <a:lnTo>
+                  <a:pt x="470" y="11"/>
+                </a:lnTo>
+                <a:lnTo>
+                  <a:pt x="463" y="13"/>
+                </a:lnTo>
+                <a:lnTo>
+                  <a:pt x="464" y="16"/>
+                </a:lnTo>
+                <a:close/>
+                <a:moveTo>
+                  <a:pt x="523" y="4"/>
+                </a:moveTo>
+                <a:lnTo>
+                  <a:pt x="538" y="3"/>
+                </a:lnTo>
+                <a:lnTo>
+                  <a:pt x="554" y="2"/>
+                </a:lnTo>
+                <a:lnTo>
+                  <a:pt x="560" y="2"/>
+                </a:lnTo>
+                <a:lnTo>
+                  <a:pt x="560" y="0"/>
+                </a:lnTo>
+                <a:lnTo>
+                  <a:pt x="554" y="0"/>
+                </a:lnTo>
+                <a:lnTo>
+                  <a:pt x="537" y="0"/>
+                </a:lnTo>
+                <a:lnTo>
+                  <a:pt x="523" y="1"/>
+                </a:lnTo>
+                <a:lnTo>
+                  <a:pt x="523" y="4"/>
+                </a:lnTo>
+                <a:close/>
+                <a:moveTo>
+                  <a:pt x="582" y="4"/>
+                </a:moveTo>
+                <a:lnTo>
+                  <a:pt x="588" y="4"/>
+                </a:lnTo>
+                <a:lnTo>
+                  <a:pt x="604" y="7"/>
+                </a:lnTo>
+                <a:lnTo>
+                  <a:pt x="619" y="11"/>
+                </a:lnTo>
+                <a:lnTo>
+                  <a:pt x="620" y="8"/>
+                </a:lnTo>
+                <a:lnTo>
+                  <a:pt x="605" y="5"/>
+                </a:lnTo>
+                <a:lnTo>
+                  <a:pt x="588" y="2"/>
+                </a:lnTo>
+                <a:lnTo>
+                  <a:pt x="583" y="1"/>
+                </a:lnTo>
+                <a:lnTo>
+                  <a:pt x="582" y="4"/>
+                </a:lnTo>
+                <a:close/>
+                <a:moveTo>
+                  <a:pt x="641" y="17"/>
+                </a:moveTo>
+                <a:lnTo>
+                  <a:pt x="655" y="23"/>
+                </a:lnTo>
+                <a:lnTo>
+                  <a:pt x="671" y="30"/>
+                </a:lnTo>
+                <a:lnTo>
+                  <a:pt x="675" y="32"/>
+                </a:lnTo>
+                <a:lnTo>
+                  <a:pt x="676" y="30"/>
+                </a:lnTo>
+                <a:lnTo>
+                  <a:pt x="672" y="28"/>
+                </a:lnTo>
+                <a:lnTo>
+                  <a:pt x="655" y="20"/>
+                </a:lnTo>
+                <a:lnTo>
+                  <a:pt x="641" y="15"/>
+                </a:lnTo>
+                <a:lnTo>
+                  <a:pt x="641" y="17"/>
+                </a:lnTo>
+                <a:close/>
+                <a:moveTo>
+                  <a:pt x="695" y="43"/>
+                </a:moveTo>
+                <a:lnTo>
+                  <a:pt x="705" y="48"/>
+                </a:lnTo>
+                <a:lnTo>
+                  <a:pt x="721" y="59"/>
+                </a:lnTo>
+                <a:lnTo>
+                  <a:pt x="726" y="63"/>
+                </a:lnTo>
+                <a:lnTo>
+                  <a:pt x="728" y="61"/>
+                </a:lnTo>
+                <a:lnTo>
+                  <a:pt x="723" y="57"/>
+                </a:lnTo>
+                <a:lnTo>
+                  <a:pt x="706" y="46"/>
+                </a:lnTo>
+                <a:lnTo>
+                  <a:pt x="696" y="40"/>
+                </a:lnTo>
+                <a:lnTo>
+                  <a:pt x="695" y="43"/>
+                </a:lnTo>
+                <a:close/>
+                <a:moveTo>
+                  <a:pt x="745" y="76"/>
+                </a:moveTo>
+                <a:lnTo>
+                  <a:pt x="755" y="83"/>
+                </a:lnTo>
+                <a:lnTo>
+                  <a:pt x="772" y="96"/>
+                </a:lnTo>
+                <a:lnTo>
+                  <a:pt x="775" y="98"/>
+                </a:lnTo>
+                <a:lnTo>
+                  <a:pt x="776" y="97"/>
+                </a:lnTo>
+                <a:lnTo>
+                  <a:pt x="773" y="94"/>
+                </a:lnTo>
+                <a:lnTo>
+                  <a:pt x="756" y="81"/>
+                </a:lnTo>
+                <a:lnTo>
+                  <a:pt x="746" y="74"/>
+                </a:lnTo>
+                <a:lnTo>
+                  <a:pt x="745" y="76"/>
+                </a:lnTo>
+                <a:close/>
+                <a:moveTo>
+                  <a:pt x="792" y="113"/>
+                </a:moveTo>
+                <a:lnTo>
+                  <a:pt x="805" y="124"/>
+                </a:lnTo>
+                <a:lnTo>
+                  <a:pt x="821" y="137"/>
+                </a:lnTo>
+                <a:lnTo>
+                  <a:pt x="823" y="135"/>
+                </a:lnTo>
+                <a:lnTo>
+                  <a:pt x="807" y="122"/>
+                </a:lnTo>
+                <a:lnTo>
+                  <a:pt x="794" y="111"/>
+                </a:lnTo>
+                <a:lnTo>
+                  <a:pt x="792" y="113"/>
+                </a:lnTo>
+                <a:close/>
+                <a:moveTo>
+                  <a:pt x="838" y="152"/>
+                </a:moveTo>
+                <a:lnTo>
+                  <a:pt x="839" y="152"/>
+                </a:lnTo>
+                <a:lnTo>
+                  <a:pt x="855" y="167"/>
+                </a:lnTo>
+                <a:lnTo>
+                  <a:pt x="867" y="176"/>
+                </a:lnTo>
+                <a:lnTo>
+                  <a:pt x="868" y="174"/>
+                </a:lnTo>
+                <a:lnTo>
+                  <a:pt x="857" y="165"/>
+                </a:lnTo>
+                <a:lnTo>
+                  <a:pt x="840" y="150"/>
+                </a:lnTo>
+                <a:lnTo>
+                  <a:pt x="840" y="150"/>
+                </a:lnTo>
+                <a:lnTo>
+                  <a:pt x="838" y="152"/>
+                </a:lnTo>
+                <a:close/>
+                <a:moveTo>
+                  <a:pt x="884" y="190"/>
+                </a:moveTo>
+                <a:lnTo>
+                  <a:pt x="889" y="194"/>
+                </a:lnTo>
+                <a:lnTo>
+                  <a:pt x="906" y="207"/>
+                </a:lnTo>
+                <a:lnTo>
+                  <a:pt x="914" y="213"/>
+                </a:lnTo>
+                <a:lnTo>
+                  <a:pt x="916" y="211"/>
+                </a:lnTo>
+                <a:lnTo>
+                  <a:pt x="907" y="205"/>
+                </a:lnTo>
+                <a:lnTo>
+                  <a:pt x="891" y="192"/>
+                </a:lnTo>
+                <a:lnTo>
+                  <a:pt x="886" y="188"/>
+                </a:lnTo>
+                <a:lnTo>
+                  <a:pt x="884" y="190"/>
+                </a:lnTo>
+                <a:close/>
+                <a:moveTo>
+                  <a:pt x="932" y="226"/>
+                </a:moveTo>
+                <a:lnTo>
+                  <a:pt x="940" y="231"/>
+                </a:lnTo>
+                <a:lnTo>
+                  <a:pt x="956" y="242"/>
+                </a:lnTo>
+                <a:lnTo>
+                  <a:pt x="964" y="247"/>
+                </a:lnTo>
+                <a:lnTo>
+                  <a:pt x="965" y="244"/>
+                </a:lnTo>
+                <a:lnTo>
+                  <a:pt x="958" y="240"/>
+                </a:lnTo>
+                <a:lnTo>
+                  <a:pt x="941" y="229"/>
+                </a:lnTo>
+                <a:lnTo>
+                  <a:pt x="934" y="224"/>
+                </a:lnTo>
+                <a:lnTo>
+                  <a:pt x="932" y="226"/>
+                </a:lnTo>
+                <a:close/>
+                <a:moveTo>
+                  <a:pt x="984" y="257"/>
+                </a:moveTo>
+                <a:lnTo>
+                  <a:pt x="990" y="261"/>
+                </a:lnTo>
+                <a:lnTo>
+                  <a:pt x="1007" y="268"/>
+                </a:lnTo>
+                <a:lnTo>
+                  <a:pt x="1018" y="273"/>
+                </a:lnTo>
+                <a:lnTo>
+                  <a:pt x="1019" y="270"/>
+                </a:lnTo>
+                <a:lnTo>
+                  <a:pt x="1008" y="266"/>
+                </a:lnTo>
+                <a:lnTo>
+                  <a:pt x="991" y="258"/>
+                </a:lnTo>
+                <a:lnTo>
+                  <a:pt x="985" y="255"/>
+                </a:lnTo>
+                <a:lnTo>
+                  <a:pt x="984" y="257"/>
+                </a:lnTo>
+                <a:close/>
+                <a:moveTo>
+                  <a:pt x="1040" y="280"/>
+                </a:moveTo>
+                <a:lnTo>
+                  <a:pt x="1041" y="280"/>
+                </a:lnTo>
+                <a:lnTo>
+                  <a:pt x="1058" y="284"/>
+                </a:lnTo>
+                <a:lnTo>
+                  <a:pt x="1074" y="287"/>
+                </a:lnTo>
+                <a:lnTo>
+                  <a:pt x="1077" y="287"/>
+                </a:lnTo>
+                <a:lnTo>
+                  <a:pt x="1077" y="284"/>
+                </a:lnTo>
+                <a:lnTo>
+                  <a:pt x="1075" y="284"/>
+                </a:lnTo>
+                <a:lnTo>
+                  <a:pt x="1058" y="281"/>
+                </a:lnTo>
+                <a:lnTo>
+                  <a:pt x="1041" y="277"/>
+                </a:lnTo>
+                <a:lnTo>
+                  <a:pt x="1041" y="277"/>
+                </a:lnTo>
+                <a:lnTo>
+                  <a:pt x="1040" y="280"/>
+                </a:lnTo>
+                <a:close/>
+                <a:moveTo>
+                  <a:pt x="1100" y="288"/>
+                </a:moveTo>
+                <a:lnTo>
+                  <a:pt x="1108" y="289"/>
+                </a:lnTo>
+                <a:lnTo>
+                  <a:pt x="1125" y="288"/>
+                </a:lnTo>
+                <a:lnTo>
+                  <a:pt x="1137" y="287"/>
+                </a:lnTo>
+                <a:lnTo>
+                  <a:pt x="1137" y="285"/>
+                </a:lnTo>
+                <a:lnTo>
+                  <a:pt x="1125" y="286"/>
+                </a:lnTo>
+                <a:lnTo>
+                  <a:pt x="1108" y="286"/>
+                </a:lnTo>
+                <a:lnTo>
+                  <a:pt x="1100" y="286"/>
+                </a:lnTo>
+                <a:lnTo>
+                  <a:pt x="1100" y="288"/>
+                </a:lnTo>
+                <a:close/>
+                <a:moveTo>
+                  <a:pt x="1160" y="284"/>
+                </a:moveTo>
+                <a:lnTo>
+                  <a:pt x="1175" y="281"/>
+                </a:lnTo>
+                <a:lnTo>
+                  <a:pt x="1192" y="277"/>
+                </a:lnTo>
+                <a:lnTo>
+                  <a:pt x="1197" y="276"/>
+                </a:lnTo>
+                <a:lnTo>
+                  <a:pt x="1196" y="274"/>
+                </a:lnTo>
+                <a:lnTo>
+                  <a:pt x="1192" y="275"/>
+                </a:lnTo>
+                <a:lnTo>
+                  <a:pt x="1175" y="279"/>
+                </a:lnTo>
+                <a:lnTo>
+                  <a:pt x="1159" y="282"/>
+                </a:lnTo>
+                <a:lnTo>
+                  <a:pt x="1160" y="284"/>
+                </a:lnTo>
+                <a:close/>
+                <a:moveTo>
+                  <a:pt x="1218" y="270"/>
+                </a:moveTo>
+                <a:lnTo>
+                  <a:pt x="1226" y="267"/>
+                </a:lnTo>
+                <a:lnTo>
+                  <a:pt x="1243" y="262"/>
+                </a:lnTo>
+                <a:lnTo>
+                  <a:pt x="1254" y="258"/>
+                </a:lnTo>
+                <a:lnTo>
+                  <a:pt x="1253" y="255"/>
+                </a:lnTo>
+                <a:lnTo>
+                  <a:pt x="1242" y="259"/>
+                </a:lnTo>
+                <a:lnTo>
+                  <a:pt x="1225" y="265"/>
+                </a:lnTo>
+                <a:lnTo>
+                  <a:pt x="1218" y="267"/>
+                </a:lnTo>
+                <a:lnTo>
+                  <a:pt x="1218" y="270"/>
+                </a:lnTo>
+                <a:close/>
+                <a:moveTo>
+                  <a:pt x="1275" y="250"/>
+                </a:moveTo>
+                <a:lnTo>
+                  <a:pt x="1276" y="250"/>
+                </a:lnTo>
+                <a:lnTo>
+                  <a:pt x="1293" y="244"/>
+                </a:lnTo>
+                <a:lnTo>
+                  <a:pt x="1310" y="237"/>
+                </a:lnTo>
+                <a:lnTo>
+                  <a:pt x="1311" y="237"/>
+                </a:lnTo>
+                <a:lnTo>
+                  <a:pt x="1310" y="235"/>
+                </a:lnTo>
+                <a:lnTo>
+                  <a:pt x="1309" y="235"/>
+                </a:lnTo>
+                <a:lnTo>
+                  <a:pt x="1292" y="241"/>
+                </a:lnTo>
+                <a:lnTo>
+                  <a:pt x="1276" y="247"/>
+                </a:lnTo>
+                <a:lnTo>
+                  <a:pt x="1275" y="248"/>
+                </a:lnTo>
+                <a:lnTo>
+                  <a:pt x="1275" y="250"/>
+                </a:lnTo>
+                <a:close/>
+                <a:moveTo>
+                  <a:pt x="1332" y="229"/>
+                </a:moveTo>
+                <a:lnTo>
+                  <a:pt x="1343" y="224"/>
+                </a:lnTo>
+                <a:lnTo>
+                  <a:pt x="1360" y="218"/>
+                </a:lnTo>
+                <a:lnTo>
+                  <a:pt x="1367" y="216"/>
+                </a:lnTo>
+                <a:lnTo>
+                  <a:pt x="1366" y="214"/>
+                </a:lnTo>
+                <a:lnTo>
+                  <a:pt x="1359" y="216"/>
+                </a:lnTo>
+                <a:lnTo>
+                  <a:pt x="1342" y="222"/>
+                </a:lnTo>
+                <a:lnTo>
+                  <a:pt x="1331" y="227"/>
+                </a:lnTo>
+                <a:lnTo>
+                  <a:pt x="1332" y="229"/>
+                </a:lnTo>
+                <a:close/>
+                <a:moveTo>
+                  <a:pt x="1388" y="208"/>
+                </a:moveTo>
+                <a:lnTo>
+                  <a:pt x="1394" y="206"/>
+                </a:lnTo>
+                <a:lnTo>
+                  <a:pt x="1411" y="201"/>
+                </a:lnTo>
+                <a:lnTo>
+                  <a:pt x="1424" y="197"/>
+                </a:lnTo>
+                <a:lnTo>
+                  <a:pt x="1423" y="194"/>
+                </a:lnTo>
+                <a:lnTo>
+                  <a:pt x="1410" y="199"/>
+                </a:lnTo>
+                <a:lnTo>
+                  <a:pt x="1393" y="204"/>
+                </a:lnTo>
+                <a:lnTo>
+                  <a:pt x="1387" y="206"/>
+                </a:lnTo>
+                <a:lnTo>
+                  <a:pt x="1388" y="208"/>
+                </a:lnTo>
+                <a:close/>
+                <a:moveTo>
+                  <a:pt x="1445" y="190"/>
+                </a:moveTo>
+                <a:lnTo>
+                  <a:pt x="1461" y="186"/>
+                </a:lnTo>
+                <a:lnTo>
+                  <a:pt x="1478" y="182"/>
+                </a:lnTo>
+                <a:lnTo>
+                  <a:pt x="1482" y="181"/>
+                </a:lnTo>
+                <a:lnTo>
+                  <a:pt x="1481" y="178"/>
+                </a:lnTo>
+                <a:lnTo>
+                  <a:pt x="1477" y="179"/>
+                </a:lnTo>
+                <a:lnTo>
+                  <a:pt x="1460" y="184"/>
+                </a:lnTo>
+                <a:lnTo>
+                  <a:pt x="1445" y="188"/>
+                </a:lnTo>
+                <a:lnTo>
+                  <a:pt x="1445" y="190"/>
+                </a:lnTo>
+                <a:close/>
+                <a:moveTo>
+                  <a:pt x="1504" y="176"/>
+                </a:moveTo>
+                <a:lnTo>
+                  <a:pt x="1511" y="174"/>
+                </a:lnTo>
+                <a:lnTo>
+                  <a:pt x="1528" y="171"/>
+                </a:lnTo>
+                <a:lnTo>
+                  <a:pt x="1541" y="168"/>
+                </a:lnTo>
+                <a:lnTo>
+                  <a:pt x="1540" y="166"/>
+                </a:lnTo>
+                <a:lnTo>
+                  <a:pt x="1527" y="168"/>
+                </a:lnTo>
+                <a:lnTo>
+                  <a:pt x="1511" y="172"/>
+                </a:lnTo>
+                <a:lnTo>
+                  <a:pt x="1503" y="173"/>
+                </a:lnTo>
+                <a:lnTo>
+                  <a:pt x="1504" y="176"/>
+                </a:lnTo>
+                <a:close/>
+                <a:moveTo>
+                  <a:pt x="1563" y="165"/>
+                </a:moveTo>
+                <a:lnTo>
+                  <a:pt x="1578" y="162"/>
+                </a:lnTo>
+                <a:lnTo>
+                  <a:pt x="1595" y="160"/>
+                </a:lnTo>
+                <a:lnTo>
+                  <a:pt x="1600" y="159"/>
+                </a:lnTo>
+                <a:lnTo>
+                  <a:pt x="1600" y="157"/>
+                </a:lnTo>
+                <a:lnTo>
+                  <a:pt x="1595" y="157"/>
+                </a:lnTo>
+                <a:lnTo>
+                  <a:pt x="1578" y="160"/>
+                </a:lnTo>
+                <a:lnTo>
+                  <a:pt x="1562" y="162"/>
+                </a:lnTo>
+                <a:lnTo>
+                  <a:pt x="1563" y="165"/>
+                </a:lnTo>
+                <a:close/>
+                <a:moveTo>
+                  <a:pt x="1622" y="157"/>
+                </a:moveTo>
+                <a:lnTo>
+                  <a:pt x="1628" y="156"/>
+                </a:lnTo>
+                <a:lnTo>
+                  <a:pt x="1645" y="155"/>
+                </a:lnTo>
+                <a:lnTo>
+                  <a:pt x="1660" y="153"/>
+                </a:lnTo>
+                <a:lnTo>
+                  <a:pt x="1659" y="151"/>
+                </a:lnTo>
+                <a:lnTo>
+                  <a:pt x="1645" y="152"/>
+                </a:lnTo>
+                <a:lnTo>
+                  <a:pt x="1628" y="154"/>
+                </a:lnTo>
+                <a:lnTo>
+                  <a:pt x="1622" y="154"/>
+                </a:lnTo>
+                <a:lnTo>
+                  <a:pt x="1622" y="157"/>
+                </a:lnTo>
+                <a:close/>
+                <a:moveTo>
+                  <a:pt x="0" y="138"/>
+                </a:moveTo>
+                <a:lnTo>
+                  <a:pt x="17" y="136"/>
+                </a:lnTo>
+                <a:lnTo>
+                  <a:pt x="34" y="135"/>
+                </a:lnTo>
+                <a:lnTo>
+                  <a:pt x="38" y="134"/>
+                </a:lnTo>
+                <a:lnTo>
+                  <a:pt x="38" y="132"/>
+                </a:lnTo>
+                <a:lnTo>
+                  <a:pt x="34" y="132"/>
+                </a:lnTo>
+                <a:lnTo>
+                  <a:pt x="17" y="134"/>
+                </a:lnTo>
+                <a:lnTo>
+                  <a:pt x="0" y="135"/>
+                </a:lnTo>
+                <a:lnTo>
+                  <a:pt x="0" y="138"/>
+                </a:lnTo>
+                <a:close/>
+              </a:path>
+            </a:pathLst>
+          </a:custGeom>
+          <a:solidFill>
+            <a:srgbClr val="0072BD"/>
+          </a:solidFill>
+          <a:ln>
+            <a:noFill/>
+          </a:ln>
+          <a:extLst>
+            <a:ext uri="{91240B29-F687-4F45-9708-019B960494DF}">
+              <a14:hiddenLine xmlns:a14="http://schemas.microsoft.com/office/drawing/2010/main" w="9525">
+                <a:solidFill>
+                  <a:srgbClr val="000000"/>
+                </a:solidFill>
+                <a:round/>
+                <a:headEnd/>
+                <a:tailEnd/>
+              </a14:hiddenLine>
+            </a:ext>
+          </a:extLst>
+        </p:spPr>
+        <p:txBody>
+          <a:bodyPr vert="horz" wrap="square" lIns="91440" tIns="45720" rIns="91440" bIns="45720" numCol="1" anchor="t" anchorCtr="0" compatLnSpc="1">
+            <a:prstTxWarp prst="textNoShape">
+              <a:avLst/>
+            </a:prstTxWarp>
+          </a:bodyPr>
+          <a:lstStyle/>
+          <a:p>
+            <a:endParaRPr lang="ko-KR" altLang="en-US"/>
+          </a:p>
+        </p:txBody>
+      </p:sp>
+      <p:sp>
+        <p:nvSpPr>
+          <p:cNvPr id="56" name="Oval 40"/>
+          <p:cNvSpPr>
+            <a:spLocks noChangeArrowheads="1"/>
+          </p:cNvSpPr>
+          <p:nvPr/>
+        </p:nvSpPr>
+        <p:spPr bwMode="auto">
+          <a:xfrm>
+            <a:off x="3957638" y="4038601"/>
+            <a:ext cx="47625" cy="47625"/>
+          </a:xfrm>
+          <a:prstGeom prst="ellipse">
+            <a:avLst/>
+          </a:prstGeom>
+          <a:noFill/>
+          <a:ln w="28575" cap="flat">
+            <a:solidFill>
+              <a:srgbClr val="D95319"/>
+            </a:solidFill>
+            <a:prstDash val="solid"/>
+            <a:miter lim="800000"/>
+            <a:headEnd/>
+            <a:tailEnd/>
+          </a:ln>
+          <a:extLst>
+            <a:ext uri="{909E8E84-426E-40DD-AFC4-6F175D3DCCD1}">
+              <a14:hiddenFill xmlns:a14="http://schemas.microsoft.com/office/drawing/2010/main">
+                <a:solidFill>
+                  <a:srgbClr val="FFFFFF"/>
+                </a:solidFill>
+              </a14:hiddenFill>
+            </a:ext>
+          </a:extLst>
+        </p:spPr>
+        <p:txBody>
+          <a:bodyPr vert="horz" wrap="square" lIns="91440" tIns="45720" rIns="91440" bIns="45720" numCol="1" anchor="t" anchorCtr="0" compatLnSpc="1">
+            <a:prstTxWarp prst="textNoShape">
+              <a:avLst/>
+            </a:prstTxWarp>
+          </a:bodyPr>
+          <a:lstStyle/>
+          <a:p>
+            <a:endParaRPr lang="ko-KR" altLang="en-US"/>
+          </a:p>
+        </p:txBody>
+      </p:sp>
+      <p:sp>
+        <p:nvSpPr>
+          <p:cNvPr id="57" name="Oval 41"/>
+          <p:cNvSpPr>
+            <a:spLocks noChangeArrowheads="1"/>
+          </p:cNvSpPr>
+          <p:nvPr/>
+        </p:nvSpPr>
+        <p:spPr bwMode="auto">
+          <a:xfrm>
+            <a:off x="4251325" y="3994151"/>
+            <a:ext cx="47625" cy="47625"/>
+          </a:xfrm>
+          <a:prstGeom prst="ellipse">
+            <a:avLst/>
+          </a:prstGeom>
+          <a:noFill/>
+          <a:ln w="28575" cap="flat">
+            <a:solidFill>
+              <a:srgbClr val="D95319"/>
+            </a:solidFill>
+            <a:prstDash val="solid"/>
+            <a:miter lim="800000"/>
+            <a:headEnd/>
+            <a:tailEnd/>
+          </a:ln>
+          <a:extLst>
+            <a:ext uri="{909E8E84-426E-40DD-AFC4-6F175D3DCCD1}">
+              <a14:hiddenFill xmlns:a14="http://schemas.microsoft.com/office/drawing/2010/main">
+                <a:solidFill>
+                  <a:srgbClr val="FFFFFF"/>
+                </a:solidFill>
+              </a14:hiddenFill>
+            </a:ext>
+          </a:extLst>
+        </p:spPr>
+        <p:txBody>
+          <a:bodyPr vert="horz" wrap="square" lIns="91440" tIns="45720" rIns="91440" bIns="45720" numCol="1" anchor="t" anchorCtr="0" compatLnSpc="1">
+            <a:prstTxWarp prst="textNoShape">
+              <a:avLst/>
+            </a:prstTxWarp>
+          </a:bodyPr>
+          <a:lstStyle/>
+          <a:p>
+            <a:endParaRPr lang="ko-KR" altLang="en-US"/>
+          </a:p>
+        </p:txBody>
+      </p:sp>
+      <p:sp>
+        <p:nvSpPr>
+          <p:cNvPr id="58" name="Oval 42"/>
+          <p:cNvSpPr>
+            <a:spLocks noChangeArrowheads="1"/>
+          </p:cNvSpPr>
+          <p:nvPr/>
+        </p:nvSpPr>
+        <p:spPr bwMode="auto">
+          <a:xfrm>
+            <a:off x="4545013" y="3895726"/>
+            <a:ext cx="47625" cy="47625"/>
+          </a:xfrm>
+          <a:prstGeom prst="ellipse">
+            <a:avLst/>
+          </a:prstGeom>
+          <a:noFill/>
+          <a:ln w="28575" cap="flat">
+            <a:solidFill>
+              <a:srgbClr val="D95319"/>
+            </a:solidFill>
+            <a:prstDash val="solid"/>
+            <a:miter lim="800000"/>
+            <a:headEnd/>
+            <a:tailEnd/>
+          </a:ln>
+          <a:extLst>
+            <a:ext uri="{909E8E84-426E-40DD-AFC4-6F175D3DCCD1}">
+              <a14:hiddenFill xmlns:a14="http://schemas.microsoft.com/office/drawing/2010/main">
+                <a:solidFill>
+                  <a:srgbClr val="FFFFFF"/>
+                </a:solidFill>
+              </a14:hiddenFill>
+            </a:ext>
+          </a:extLst>
+        </p:spPr>
+        <p:txBody>
+          <a:bodyPr vert="horz" wrap="square" lIns="91440" tIns="45720" rIns="91440" bIns="45720" numCol="1" anchor="t" anchorCtr="0" compatLnSpc="1">
+            <a:prstTxWarp prst="textNoShape">
+              <a:avLst/>
+            </a:prstTxWarp>
+          </a:bodyPr>
+          <a:lstStyle/>
+          <a:p>
+            <a:endParaRPr lang="ko-KR" altLang="en-US"/>
+          </a:p>
+        </p:txBody>
+      </p:sp>
+      <p:sp>
+        <p:nvSpPr>
+          <p:cNvPr id="59" name="Oval 43"/>
+          <p:cNvSpPr>
+            <a:spLocks noChangeArrowheads="1"/>
+          </p:cNvSpPr>
+          <p:nvPr/>
+        </p:nvSpPr>
+        <p:spPr bwMode="auto">
+          <a:xfrm>
+            <a:off x="4837113" y="3824288"/>
+            <a:ext cx="47625" cy="47625"/>
+          </a:xfrm>
+          <a:prstGeom prst="ellipse">
+            <a:avLst/>
+          </a:prstGeom>
+          <a:noFill/>
+          <a:ln w="28575" cap="flat">
+            <a:solidFill>
+              <a:srgbClr val="D95319"/>
+            </a:solidFill>
+            <a:prstDash val="solid"/>
+            <a:miter lim="800000"/>
+            <a:headEnd/>
+            <a:tailEnd/>
+          </a:ln>
+          <a:extLst>
+            <a:ext uri="{909E8E84-426E-40DD-AFC4-6F175D3DCCD1}">
+              <a14:hiddenFill xmlns:a14="http://schemas.microsoft.com/office/drawing/2010/main">
+                <a:solidFill>
+                  <a:srgbClr val="FFFFFF"/>
+                </a:solidFill>
+              </a14:hiddenFill>
+            </a:ext>
+          </a:extLst>
+        </p:spPr>
+        <p:txBody>
+          <a:bodyPr vert="horz" wrap="square" lIns="91440" tIns="45720" rIns="91440" bIns="45720" numCol="1" anchor="t" anchorCtr="0" compatLnSpc="1">
+            <a:prstTxWarp prst="textNoShape">
+              <a:avLst/>
+            </a:prstTxWarp>
+          </a:bodyPr>
+          <a:lstStyle/>
+          <a:p>
+            <a:endParaRPr lang="ko-KR" altLang="en-US"/>
+          </a:p>
+        </p:txBody>
+      </p:sp>
+      <p:sp>
+        <p:nvSpPr>
+          <p:cNvPr id="60" name="Oval 44"/>
+          <p:cNvSpPr>
+            <a:spLocks noChangeArrowheads="1"/>
+          </p:cNvSpPr>
+          <p:nvPr/>
+        </p:nvSpPr>
+        <p:spPr bwMode="auto">
+          <a:xfrm>
+            <a:off x="5130800" y="3933826"/>
+            <a:ext cx="47625" cy="47625"/>
+          </a:xfrm>
+          <a:prstGeom prst="ellipse">
+            <a:avLst/>
+          </a:prstGeom>
+          <a:noFill/>
+          <a:ln w="28575" cap="flat">
+            <a:solidFill>
+              <a:srgbClr val="D95319"/>
+            </a:solidFill>
+            <a:prstDash val="solid"/>
+            <a:miter lim="800000"/>
+            <a:headEnd/>
+            <a:tailEnd/>
+          </a:ln>
+          <a:extLst>
+            <a:ext uri="{909E8E84-426E-40DD-AFC4-6F175D3DCCD1}">
+              <a14:hiddenFill xmlns:a14="http://schemas.microsoft.com/office/drawing/2010/main">
+                <a:solidFill>
+                  <a:srgbClr val="FFFFFF"/>
+                </a:solidFill>
+              </a14:hiddenFill>
+            </a:ext>
+          </a:extLst>
+        </p:spPr>
+        <p:txBody>
+          <a:bodyPr vert="horz" wrap="square" lIns="91440" tIns="45720" rIns="91440" bIns="45720" numCol="1" anchor="t" anchorCtr="0" compatLnSpc="1">
+            <a:prstTxWarp prst="textNoShape">
+              <a:avLst/>
+            </a:prstTxWarp>
+          </a:bodyPr>
+          <a:lstStyle/>
+          <a:p>
+            <a:endParaRPr lang="ko-KR" altLang="en-US"/>
+          </a:p>
+        </p:txBody>
+      </p:sp>
+      <p:sp>
+        <p:nvSpPr>
+          <p:cNvPr id="61" name="Oval 45"/>
+          <p:cNvSpPr>
+            <a:spLocks noChangeArrowheads="1"/>
+          </p:cNvSpPr>
+          <p:nvPr/>
+        </p:nvSpPr>
+        <p:spPr bwMode="auto">
+          <a:xfrm>
+            <a:off x="5422900" y="4170363"/>
+            <a:ext cx="49213" cy="47625"/>
+          </a:xfrm>
+          <a:prstGeom prst="ellipse">
+            <a:avLst/>
+          </a:prstGeom>
+          <a:noFill/>
+          <a:ln w="28575" cap="flat">
+            <a:solidFill>
+              <a:srgbClr val="D95319"/>
+            </a:solidFill>
+            <a:prstDash val="solid"/>
+            <a:miter lim="800000"/>
+            <a:headEnd/>
+            <a:tailEnd/>
+          </a:ln>
+          <a:extLst>
+            <a:ext uri="{909E8E84-426E-40DD-AFC4-6F175D3DCCD1}">
+              <a14:hiddenFill xmlns:a14="http://schemas.microsoft.com/office/drawing/2010/main">
+                <a:solidFill>
+                  <a:srgbClr val="FFFFFF"/>
+                </a:solidFill>
+              </a14:hiddenFill>
+            </a:ext>
+          </a:extLst>
+        </p:spPr>
+        <p:txBody>
+          <a:bodyPr vert="horz" wrap="square" lIns="91440" tIns="45720" rIns="91440" bIns="45720" numCol="1" anchor="t" anchorCtr="0" compatLnSpc="1">
+            <a:prstTxWarp prst="textNoShape">
+              <a:avLst/>
+            </a:prstTxWarp>
+          </a:bodyPr>
+          <a:lstStyle/>
+          <a:p>
+            <a:endParaRPr lang="ko-KR" altLang="en-US"/>
+          </a:p>
+        </p:txBody>
+      </p:sp>
+      <p:sp>
+        <p:nvSpPr>
+          <p:cNvPr id="62" name="Oval 46"/>
+          <p:cNvSpPr>
+            <a:spLocks noChangeArrowheads="1"/>
+          </p:cNvSpPr>
+          <p:nvPr/>
+        </p:nvSpPr>
+        <p:spPr bwMode="auto">
+          <a:xfrm>
+            <a:off x="5716588" y="4279901"/>
+            <a:ext cx="47625" cy="47625"/>
+          </a:xfrm>
+          <a:prstGeom prst="ellipse">
+            <a:avLst/>
+          </a:prstGeom>
+          <a:noFill/>
+          <a:ln w="28575" cap="flat">
+            <a:solidFill>
+              <a:srgbClr val="D95319"/>
+            </a:solidFill>
+            <a:prstDash val="solid"/>
+            <a:miter lim="800000"/>
+            <a:headEnd/>
+            <a:tailEnd/>
+          </a:ln>
+          <a:extLst>
+            <a:ext uri="{909E8E84-426E-40DD-AFC4-6F175D3DCCD1}">
+              <a14:hiddenFill xmlns:a14="http://schemas.microsoft.com/office/drawing/2010/main">
+                <a:solidFill>
+                  <a:srgbClr val="FFFFFF"/>
+                </a:solidFill>
+              </a14:hiddenFill>
+            </a:ext>
+          </a:extLst>
+        </p:spPr>
+        <p:txBody>
+          <a:bodyPr vert="horz" wrap="square" lIns="91440" tIns="45720" rIns="91440" bIns="45720" numCol="1" anchor="t" anchorCtr="0" compatLnSpc="1">
+            <a:prstTxWarp prst="textNoShape">
+              <a:avLst/>
+            </a:prstTxWarp>
+          </a:bodyPr>
+          <a:lstStyle/>
+          <a:p>
+            <a:endParaRPr lang="ko-KR" altLang="en-US"/>
+          </a:p>
+        </p:txBody>
+      </p:sp>
+      <p:sp>
+        <p:nvSpPr>
+          <p:cNvPr id="63" name="Oval 47"/>
+          <p:cNvSpPr>
+            <a:spLocks noChangeArrowheads="1"/>
+          </p:cNvSpPr>
+          <p:nvPr/>
+        </p:nvSpPr>
+        <p:spPr bwMode="auto">
+          <a:xfrm>
+            <a:off x="6010275" y="4206876"/>
+            <a:ext cx="47625" cy="47625"/>
+          </a:xfrm>
+          <a:prstGeom prst="ellipse">
+            <a:avLst/>
+          </a:prstGeom>
+          <a:noFill/>
+          <a:ln w="28575" cap="flat">
+            <a:solidFill>
+              <a:srgbClr val="D95319"/>
+            </a:solidFill>
+            <a:prstDash val="solid"/>
+            <a:miter lim="800000"/>
+            <a:headEnd/>
+            <a:tailEnd/>
+          </a:ln>
+          <a:extLst>
+            <a:ext uri="{909E8E84-426E-40DD-AFC4-6F175D3DCCD1}">
+              <a14:hiddenFill xmlns:a14="http://schemas.microsoft.com/office/drawing/2010/main">
+                <a:solidFill>
+                  <a:srgbClr val="FFFFFF"/>
+                </a:solidFill>
+              </a14:hiddenFill>
+            </a:ext>
+          </a:extLst>
+        </p:spPr>
+        <p:txBody>
+          <a:bodyPr vert="horz" wrap="square" lIns="91440" tIns="45720" rIns="91440" bIns="45720" numCol="1" anchor="t" anchorCtr="0" compatLnSpc="1">
+            <a:prstTxWarp prst="textNoShape">
+              <a:avLst/>
+            </a:prstTxWarp>
+          </a:bodyPr>
+          <a:lstStyle/>
+          <a:p>
+            <a:endParaRPr lang="ko-KR" altLang="en-US"/>
+          </a:p>
+        </p:txBody>
+      </p:sp>
+      <p:sp>
+        <p:nvSpPr>
+          <p:cNvPr id="1024" name="Oval 48"/>
+          <p:cNvSpPr>
+            <a:spLocks noChangeArrowheads="1"/>
+          </p:cNvSpPr>
+          <p:nvPr/>
+        </p:nvSpPr>
+        <p:spPr bwMode="auto">
+          <a:xfrm>
+            <a:off x="6302375" y="4110038"/>
+            <a:ext cx="49213" cy="47625"/>
+          </a:xfrm>
+          <a:prstGeom prst="ellipse">
+            <a:avLst/>
+          </a:prstGeom>
+          <a:noFill/>
+          <a:ln w="28575" cap="flat">
+            <a:solidFill>
+              <a:srgbClr val="D95319"/>
+            </a:solidFill>
+            <a:prstDash val="solid"/>
+            <a:miter lim="800000"/>
+            <a:headEnd/>
+            <a:tailEnd/>
+          </a:ln>
+          <a:extLst>
+            <a:ext uri="{909E8E84-426E-40DD-AFC4-6F175D3DCCD1}">
+              <a14:hiddenFill xmlns:a14="http://schemas.microsoft.com/office/drawing/2010/main">
+                <a:solidFill>
+                  <a:srgbClr val="FFFFFF"/>
+                </a:solidFill>
+              </a14:hiddenFill>
+            </a:ext>
+          </a:extLst>
+        </p:spPr>
+        <p:txBody>
+          <a:bodyPr vert="horz" wrap="square" lIns="91440" tIns="45720" rIns="91440" bIns="45720" numCol="1" anchor="t" anchorCtr="0" compatLnSpc="1">
+            <a:prstTxWarp prst="textNoShape">
+              <a:avLst/>
+            </a:prstTxWarp>
+          </a:bodyPr>
+          <a:lstStyle/>
+          <a:p>
+            <a:endParaRPr lang="ko-KR" altLang="en-US"/>
+          </a:p>
+        </p:txBody>
+      </p:sp>
+      <p:sp>
+        <p:nvSpPr>
+          <p:cNvPr id="1025" name="Oval 49"/>
+          <p:cNvSpPr>
+            <a:spLocks noChangeArrowheads="1"/>
+          </p:cNvSpPr>
+          <p:nvPr/>
+        </p:nvSpPr>
+        <p:spPr bwMode="auto">
+          <a:xfrm>
+            <a:off x="6596063" y="4064001"/>
+            <a:ext cx="47625" cy="47625"/>
+          </a:xfrm>
+          <a:prstGeom prst="ellipse">
+            <a:avLst/>
+          </a:prstGeom>
+          <a:noFill/>
+          <a:ln w="28575" cap="flat">
+            <a:solidFill>
+              <a:srgbClr val="D95319"/>
+            </a:solidFill>
+            <a:prstDash val="solid"/>
+            <a:miter lim="800000"/>
+            <a:headEnd/>
+            <a:tailEnd/>
+          </a:ln>
+          <a:extLst>
+            <a:ext uri="{909E8E84-426E-40DD-AFC4-6F175D3DCCD1}">
+              <a14:hiddenFill xmlns:a14="http://schemas.microsoft.com/office/drawing/2010/main">
+                <a:solidFill>
+                  <a:srgbClr val="FFFFFF"/>
+                </a:solidFill>
+              </a14:hiddenFill>
+            </a:ext>
+          </a:extLst>
+        </p:spPr>
+        <p:txBody>
+          <a:bodyPr vert="horz" wrap="square" lIns="91440" tIns="45720" rIns="91440" bIns="45720" numCol="1" anchor="t" anchorCtr="0" compatLnSpc="1">
+            <a:prstTxWarp prst="textNoShape">
+              <a:avLst/>
+            </a:prstTxWarp>
+          </a:bodyPr>
+          <a:lstStyle/>
+          <a:p>
+            <a:endParaRPr lang="ko-KR" altLang="en-US"/>
+          </a:p>
+        </p:txBody>
+      </p:sp>
+      <p:sp>
+        <p:nvSpPr>
+          <p:cNvPr id="1030" name="Line 50"/>
+          <p:cNvSpPr>
+            <a:spLocks noChangeShapeType="1"/>
+          </p:cNvSpPr>
+          <p:nvPr/>
+        </p:nvSpPr>
+        <p:spPr bwMode="auto">
+          <a:xfrm flipV="1">
+            <a:off x="3984625" y="4065588"/>
+            <a:ext cx="0" cy="12700"/>
+          </a:xfrm>
+          <a:prstGeom prst="line">
+            <a:avLst/>
+          </a:prstGeom>
+          <a:noFill/>
+          <a:ln w="28575" cap="flat">
+            <a:solidFill>
+              <a:srgbClr val="D95319"/>
+            </a:solidFill>
+            <a:prstDash val="solid"/>
+            <a:round/>
+            <a:headEnd/>
+            <a:tailEnd/>
+          </a:ln>
+          <a:extLst>
+            <a:ext uri="{909E8E84-426E-40DD-AFC4-6F175D3DCCD1}">
+              <a14:hiddenFill xmlns:a14="http://schemas.microsoft.com/office/drawing/2010/main">
+                <a:noFill/>
+              </a14:hiddenFill>
+            </a:ext>
+          </a:extLst>
+        </p:spPr>
+        <p:txBody>
+          <a:bodyPr vert="horz" wrap="square" lIns="91440" tIns="45720" rIns="91440" bIns="45720" numCol="1" anchor="t" anchorCtr="0" compatLnSpc="1">
+            <a:prstTxWarp prst="textNoShape">
+              <a:avLst/>
+            </a:prstTxWarp>
+          </a:bodyPr>
+          <a:lstStyle/>
+          <a:p>
+            <a:endParaRPr lang="ko-KR" altLang="en-US"/>
+          </a:p>
+        </p:txBody>
+      </p:sp>
+      <p:sp>
+        <p:nvSpPr>
+          <p:cNvPr id="1031" name="Line 51"/>
+          <p:cNvSpPr>
+            <a:spLocks noChangeShapeType="1"/>
+          </p:cNvSpPr>
+          <p:nvPr/>
+        </p:nvSpPr>
+        <p:spPr bwMode="auto">
+          <a:xfrm flipV="1">
+            <a:off x="4278313" y="4021138"/>
+            <a:ext cx="0" cy="57150"/>
+          </a:xfrm>
+          <a:prstGeom prst="line">
+            <a:avLst/>
+          </a:prstGeom>
+          <a:noFill/>
+          <a:ln w="28575" cap="flat">
+            <a:solidFill>
+              <a:srgbClr val="D95319"/>
+            </a:solidFill>
+            <a:prstDash val="solid"/>
+            <a:round/>
+            <a:headEnd/>
+            <a:tailEnd/>
+          </a:ln>
+          <a:extLst>
+            <a:ext uri="{909E8E84-426E-40DD-AFC4-6F175D3DCCD1}">
+              <a14:hiddenFill xmlns:a14="http://schemas.microsoft.com/office/drawing/2010/main">
+                <a:noFill/>
+              </a14:hiddenFill>
+            </a:ext>
+          </a:extLst>
+        </p:spPr>
+        <p:txBody>
+          <a:bodyPr vert="horz" wrap="square" lIns="91440" tIns="45720" rIns="91440" bIns="45720" numCol="1" anchor="t" anchorCtr="0" compatLnSpc="1">
+            <a:prstTxWarp prst="textNoShape">
+              <a:avLst/>
+            </a:prstTxWarp>
+          </a:bodyPr>
+          <a:lstStyle/>
+          <a:p>
+            <a:endParaRPr lang="ko-KR" altLang="en-US"/>
+          </a:p>
+        </p:txBody>
+      </p:sp>
+      <p:sp>
+        <p:nvSpPr>
+          <p:cNvPr id="1032" name="Line 52"/>
+          <p:cNvSpPr>
+            <a:spLocks noChangeShapeType="1"/>
+          </p:cNvSpPr>
+          <p:nvPr/>
+        </p:nvSpPr>
+        <p:spPr bwMode="auto">
+          <a:xfrm flipV="1">
+            <a:off x="4572000" y="3922713"/>
+            <a:ext cx="0" cy="155575"/>
+          </a:xfrm>
+          <a:prstGeom prst="line">
+            <a:avLst/>
+          </a:prstGeom>
+          <a:noFill/>
+          <a:ln w="28575" cap="flat">
+            <a:solidFill>
+              <a:srgbClr val="D95319"/>
+            </a:solidFill>
+            <a:prstDash val="solid"/>
+            <a:round/>
+            <a:headEnd/>
+            <a:tailEnd/>
+          </a:ln>
+          <a:extLst>
+            <a:ext uri="{909E8E84-426E-40DD-AFC4-6F175D3DCCD1}">
+              <a14:hiddenFill xmlns:a14="http://schemas.microsoft.com/office/drawing/2010/main">
+                <a:noFill/>
+              </a14:hiddenFill>
+            </a:ext>
+          </a:extLst>
+        </p:spPr>
+        <p:txBody>
+          <a:bodyPr vert="horz" wrap="square" lIns="91440" tIns="45720" rIns="91440" bIns="45720" numCol="1" anchor="t" anchorCtr="0" compatLnSpc="1">
+            <a:prstTxWarp prst="textNoShape">
+              <a:avLst/>
+            </a:prstTxWarp>
+          </a:bodyPr>
+          <a:lstStyle/>
+          <a:p>
+            <a:endParaRPr lang="ko-KR" altLang="en-US"/>
+          </a:p>
+        </p:txBody>
+      </p:sp>
+      <p:sp>
+        <p:nvSpPr>
+          <p:cNvPr id="1033" name="Line 53"/>
+          <p:cNvSpPr>
+            <a:spLocks noChangeShapeType="1"/>
+          </p:cNvSpPr>
+          <p:nvPr/>
+        </p:nvSpPr>
+        <p:spPr bwMode="auto">
+          <a:xfrm flipV="1">
+            <a:off x="4864100" y="3851276"/>
+            <a:ext cx="0" cy="227013"/>
+          </a:xfrm>
+          <a:prstGeom prst="line">
+            <a:avLst/>
+          </a:prstGeom>
+          <a:noFill/>
+          <a:ln w="28575" cap="flat">
+            <a:solidFill>
+              <a:srgbClr val="D95319"/>
+            </a:solidFill>
+            <a:prstDash val="solid"/>
+            <a:round/>
+            <a:headEnd/>
+            <a:tailEnd/>
+          </a:ln>
+          <a:extLst>
+            <a:ext uri="{909E8E84-426E-40DD-AFC4-6F175D3DCCD1}">
+              <a14:hiddenFill xmlns:a14="http://schemas.microsoft.com/office/drawing/2010/main">
+                <a:noFill/>
+              </a14:hiddenFill>
+            </a:ext>
+          </a:extLst>
+        </p:spPr>
+        <p:txBody>
+          <a:bodyPr vert="horz" wrap="square" lIns="91440" tIns="45720" rIns="91440" bIns="45720" numCol="1" anchor="t" anchorCtr="0" compatLnSpc="1">
+            <a:prstTxWarp prst="textNoShape">
+              <a:avLst/>
+            </a:prstTxWarp>
+          </a:bodyPr>
+          <a:lstStyle/>
+          <a:p>
+            <a:endParaRPr lang="ko-KR" altLang="en-US"/>
+          </a:p>
+        </p:txBody>
+      </p:sp>
+      <p:sp>
+        <p:nvSpPr>
+          <p:cNvPr id="1034" name="Line 54"/>
+          <p:cNvSpPr>
+            <a:spLocks noChangeShapeType="1"/>
+          </p:cNvSpPr>
+          <p:nvPr/>
+        </p:nvSpPr>
+        <p:spPr bwMode="auto">
+          <a:xfrm flipV="1">
+            <a:off x="5157788" y="3960813"/>
+            <a:ext cx="0" cy="117475"/>
+          </a:xfrm>
+          <a:prstGeom prst="line">
+            <a:avLst/>
+          </a:prstGeom>
+          <a:noFill/>
+          <a:ln w="28575" cap="flat">
+            <a:solidFill>
+              <a:srgbClr val="D95319"/>
+            </a:solidFill>
+            <a:prstDash val="solid"/>
+            <a:round/>
+            <a:headEnd/>
+            <a:tailEnd/>
+          </a:ln>
+          <a:extLst>
+            <a:ext uri="{909E8E84-426E-40DD-AFC4-6F175D3DCCD1}">
+              <a14:hiddenFill xmlns:a14="http://schemas.microsoft.com/office/drawing/2010/main">
+                <a:noFill/>
+              </a14:hiddenFill>
+            </a:ext>
+          </a:extLst>
+        </p:spPr>
+        <p:txBody>
+          <a:bodyPr vert="horz" wrap="square" lIns="91440" tIns="45720" rIns="91440" bIns="45720" numCol="1" anchor="t" anchorCtr="0" compatLnSpc="1">
+            <a:prstTxWarp prst="textNoShape">
+              <a:avLst/>
+            </a:prstTxWarp>
+          </a:bodyPr>
+          <a:lstStyle/>
+          <a:p>
+            <a:endParaRPr lang="ko-KR" altLang="en-US"/>
+          </a:p>
+        </p:txBody>
+      </p:sp>
+      <p:sp>
+        <p:nvSpPr>
+          <p:cNvPr id="1035" name="Line 55"/>
+          <p:cNvSpPr>
+            <a:spLocks noChangeShapeType="1"/>
+          </p:cNvSpPr>
+          <p:nvPr/>
+        </p:nvSpPr>
+        <p:spPr bwMode="auto">
+          <a:xfrm>
+            <a:off x="5449888" y="4078288"/>
+            <a:ext cx="0" cy="119063"/>
+          </a:xfrm>
+          <a:prstGeom prst="line">
+            <a:avLst/>
+          </a:prstGeom>
+          <a:noFill/>
+          <a:ln w="28575" cap="flat">
+            <a:solidFill>
+              <a:srgbClr val="D95319"/>
+            </a:solidFill>
+            <a:prstDash val="solid"/>
+            <a:round/>
+            <a:headEnd/>
+            <a:tailEnd/>
+          </a:ln>
+          <a:extLst>
+            <a:ext uri="{909E8E84-426E-40DD-AFC4-6F175D3DCCD1}">
+              <a14:hiddenFill xmlns:a14="http://schemas.microsoft.com/office/drawing/2010/main">
+                <a:noFill/>
+              </a14:hiddenFill>
+            </a:ext>
+          </a:extLst>
+        </p:spPr>
+        <p:txBody>
+          <a:bodyPr vert="horz" wrap="square" lIns="91440" tIns="45720" rIns="91440" bIns="45720" numCol="1" anchor="t" anchorCtr="0" compatLnSpc="1">
+            <a:prstTxWarp prst="textNoShape">
+              <a:avLst/>
+            </a:prstTxWarp>
+          </a:bodyPr>
+          <a:lstStyle/>
+          <a:p>
+            <a:endParaRPr lang="ko-KR" altLang="en-US"/>
+          </a:p>
+        </p:txBody>
+      </p:sp>
+      <p:sp>
+        <p:nvSpPr>
+          <p:cNvPr id="1036" name="Line 56"/>
+          <p:cNvSpPr>
+            <a:spLocks noChangeShapeType="1"/>
+          </p:cNvSpPr>
+          <p:nvPr/>
+        </p:nvSpPr>
+        <p:spPr bwMode="auto">
+          <a:xfrm>
+            <a:off x="5743575" y="4078288"/>
+            <a:ext cx="0" cy="227013"/>
+          </a:xfrm>
+          <a:prstGeom prst="line">
+            <a:avLst/>
+          </a:prstGeom>
+          <a:noFill/>
+          <a:ln w="28575" cap="flat">
+            <a:solidFill>
+              <a:srgbClr val="D95319"/>
+            </a:solidFill>
+            <a:prstDash val="solid"/>
+            <a:round/>
+            <a:headEnd/>
+            <a:tailEnd/>
+          </a:ln>
+          <a:extLst>
+            <a:ext uri="{909E8E84-426E-40DD-AFC4-6F175D3DCCD1}">
+              <a14:hiddenFill xmlns:a14="http://schemas.microsoft.com/office/drawing/2010/main">
+                <a:noFill/>
+              </a14:hiddenFill>
+            </a:ext>
+          </a:extLst>
+        </p:spPr>
+        <p:txBody>
+          <a:bodyPr vert="horz" wrap="square" lIns="91440" tIns="45720" rIns="91440" bIns="45720" numCol="1" anchor="t" anchorCtr="0" compatLnSpc="1">
+            <a:prstTxWarp prst="textNoShape">
+              <a:avLst/>
+            </a:prstTxWarp>
+          </a:bodyPr>
+          <a:lstStyle/>
+          <a:p>
+            <a:endParaRPr lang="ko-KR" altLang="en-US"/>
+          </a:p>
+        </p:txBody>
+      </p:sp>
+      <p:sp>
+        <p:nvSpPr>
+          <p:cNvPr id="1037" name="Line 57"/>
+          <p:cNvSpPr>
+            <a:spLocks noChangeShapeType="1"/>
+          </p:cNvSpPr>
+          <p:nvPr/>
+        </p:nvSpPr>
+        <p:spPr bwMode="auto">
+          <a:xfrm>
+            <a:off x="6037263" y="4078288"/>
+            <a:ext cx="0" cy="155575"/>
+          </a:xfrm>
+          <a:prstGeom prst="line">
+            <a:avLst/>
+          </a:prstGeom>
+          <a:noFill/>
+          <a:ln w="28575" cap="flat">
+            <a:solidFill>
+              <a:srgbClr val="D95319"/>
+            </a:solidFill>
+            <a:prstDash val="solid"/>
+            <a:round/>
+            <a:headEnd/>
+            <a:tailEnd/>
+          </a:ln>
+          <a:extLst>
+            <a:ext uri="{909E8E84-426E-40DD-AFC4-6F175D3DCCD1}">
+              <a14:hiddenFill xmlns:a14="http://schemas.microsoft.com/office/drawing/2010/main">
+                <a:noFill/>
+              </a14:hiddenFill>
+            </a:ext>
+          </a:extLst>
+        </p:spPr>
+        <p:txBody>
+          <a:bodyPr vert="horz" wrap="square" lIns="91440" tIns="45720" rIns="91440" bIns="45720" numCol="1" anchor="t" anchorCtr="0" compatLnSpc="1">
+            <a:prstTxWarp prst="textNoShape">
+              <a:avLst/>
+            </a:prstTxWarp>
+          </a:bodyPr>
+          <a:lstStyle/>
+          <a:p>
+            <a:endParaRPr lang="ko-KR" altLang="en-US"/>
+          </a:p>
+        </p:txBody>
+      </p:sp>
+      <p:sp>
+        <p:nvSpPr>
+          <p:cNvPr id="1038" name="Line 58"/>
+          <p:cNvSpPr>
+            <a:spLocks noChangeShapeType="1"/>
+          </p:cNvSpPr>
+          <p:nvPr/>
+        </p:nvSpPr>
+        <p:spPr bwMode="auto">
+          <a:xfrm>
+            <a:off x="6329363" y="4078288"/>
+            <a:ext cx="0" cy="58738"/>
+          </a:xfrm>
+          <a:prstGeom prst="line">
+            <a:avLst/>
+          </a:prstGeom>
+          <a:noFill/>
+          <a:ln w="28575" cap="flat">
+            <a:solidFill>
+              <a:srgbClr val="D95319"/>
+            </a:solidFill>
+            <a:prstDash val="solid"/>
+            <a:round/>
+            <a:headEnd/>
+            <a:tailEnd/>
+          </a:ln>
+          <a:extLst>
+            <a:ext uri="{909E8E84-426E-40DD-AFC4-6F175D3DCCD1}">
+              <a14:hiddenFill xmlns:a14="http://schemas.microsoft.com/office/drawing/2010/main">
+                <a:noFill/>
+              </a14:hiddenFill>
+            </a:ext>
+          </a:extLst>
+        </p:spPr>
+        <p:txBody>
+          <a:bodyPr vert="horz" wrap="square" lIns="91440" tIns="45720" rIns="91440" bIns="45720" numCol="1" anchor="t" anchorCtr="0" compatLnSpc="1">
+            <a:prstTxWarp prst="textNoShape">
+              <a:avLst/>
+            </a:prstTxWarp>
+          </a:bodyPr>
+          <a:lstStyle/>
+          <a:p>
+            <a:endParaRPr lang="ko-KR" altLang="en-US"/>
+          </a:p>
+        </p:txBody>
+      </p:sp>
+      <p:sp>
+        <p:nvSpPr>
+          <p:cNvPr id="1039" name="Line 59"/>
+          <p:cNvSpPr>
+            <a:spLocks noChangeShapeType="1"/>
+          </p:cNvSpPr>
+          <p:nvPr/>
+        </p:nvSpPr>
+        <p:spPr bwMode="auto">
+          <a:xfrm>
+            <a:off x="6623050" y="4078288"/>
+            <a:ext cx="0" cy="12700"/>
+          </a:xfrm>
+          <a:prstGeom prst="line">
+            <a:avLst/>
+          </a:prstGeom>
+          <a:noFill/>
+          <a:ln w="28575" cap="flat">
+            <a:solidFill>
+              <a:srgbClr val="D95319"/>
+            </a:solidFill>
+            <a:prstDash val="solid"/>
+            <a:round/>
+            <a:headEnd/>
+            <a:tailEnd/>
+          </a:ln>
+          <a:extLst>
+            <a:ext uri="{909E8E84-426E-40DD-AFC4-6F175D3DCCD1}">
+              <a14:hiddenFill xmlns:a14="http://schemas.microsoft.com/office/drawing/2010/main">
+                <a:noFill/>
+              </a14:hiddenFill>
+            </a:ext>
+          </a:extLst>
+        </p:spPr>
+        <p:txBody>
+          <a:bodyPr vert="horz" wrap="square" lIns="91440" tIns="45720" rIns="91440" bIns="45720" numCol="1" anchor="t" anchorCtr="0" compatLnSpc="1">
+            <a:prstTxWarp prst="textNoShape">
+              <a:avLst/>
+            </a:prstTxWarp>
+          </a:bodyPr>
+          <a:lstStyle/>
+          <a:p>
+            <a:endParaRPr lang="ko-KR" altLang="en-US"/>
+          </a:p>
+        </p:txBody>
+      </p:sp>
+      <p:sp>
+        <p:nvSpPr>
+          <p:cNvPr id="1042" name="Freeform 63"/>
+          <p:cNvSpPr>
+            <a:spLocks/>
+          </p:cNvSpPr>
+          <p:nvPr/>
+        </p:nvSpPr>
+        <p:spPr bwMode="auto">
+          <a:xfrm>
+            <a:off x="3984625" y="5176838"/>
+            <a:ext cx="2638425" cy="454025"/>
+          </a:xfrm>
+          <a:custGeom>
+            <a:avLst/>
+            <a:gdLst>
+              <a:gd name="T0" fmla="*/ 17 w 1662"/>
+              <a:gd name="T1" fmla="*/ 134 h 286"/>
+              <a:gd name="T2" fmla="*/ 51 w 1662"/>
+              <a:gd name="T3" fmla="*/ 131 h 286"/>
+              <a:gd name="T4" fmla="*/ 84 w 1662"/>
+              <a:gd name="T5" fmla="*/ 126 h 286"/>
+              <a:gd name="T6" fmla="*/ 118 w 1662"/>
+              <a:gd name="T7" fmla="*/ 121 h 286"/>
+              <a:gd name="T8" fmla="*/ 151 w 1662"/>
+              <a:gd name="T9" fmla="*/ 115 h 286"/>
+              <a:gd name="T10" fmla="*/ 185 w 1662"/>
+              <a:gd name="T11" fmla="*/ 107 h 286"/>
+              <a:gd name="T12" fmla="*/ 218 w 1662"/>
+              <a:gd name="T13" fmla="*/ 98 h 286"/>
+              <a:gd name="T14" fmla="*/ 252 w 1662"/>
+              <a:gd name="T15" fmla="*/ 88 h 286"/>
+              <a:gd name="T16" fmla="*/ 286 w 1662"/>
+              <a:gd name="T17" fmla="*/ 76 h 286"/>
+              <a:gd name="T18" fmla="*/ 319 w 1662"/>
+              <a:gd name="T19" fmla="*/ 64 h 286"/>
+              <a:gd name="T20" fmla="*/ 353 w 1662"/>
+              <a:gd name="T21" fmla="*/ 51 h 286"/>
+              <a:gd name="T22" fmla="*/ 386 w 1662"/>
+              <a:gd name="T23" fmla="*/ 39 h 286"/>
+              <a:gd name="T24" fmla="*/ 420 w 1662"/>
+              <a:gd name="T25" fmla="*/ 27 h 286"/>
+              <a:gd name="T26" fmla="*/ 453 w 1662"/>
+              <a:gd name="T27" fmla="*/ 16 h 286"/>
+              <a:gd name="T28" fmla="*/ 487 w 1662"/>
+              <a:gd name="T29" fmla="*/ 7 h 286"/>
+              <a:gd name="T30" fmla="*/ 521 w 1662"/>
+              <a:gd name="T31" fmla="*/ 2 h 286"/>
+              <a:gd name="T32" fmla="*/ 554 w 1662"/>
+              <a:gd name="T33" fmla="*/ 0 h 286"/>
+              <a:gd name="T34" fmla="*/ 588 w 1662"/>
+              <a:gd name="T35" fmla="*/ 2 h 286"/>
+              <a:gd name="T36" fmla="*/ 621 w 1662"/>
+              <a:gd name="T37" fmla="*/ 9 h 286"/>
+              <a:gd name="T38" fmla="*/ 655 w 1662"/>
+              <a:gd name="T39" fmla="*/ 20 h 286"/>
+              <a:gd name="T40" fmla="*/ 688 w 1662"/>
+              <a:gd name="T41" fmla="*/ 37 h 286"/>
+              <a:gd name="T42" fmla="*/ 722 w 1662"/>
+              <a:gd name="T43" fmla="*/ 57 h 286"/>
+              <a:gd name="T44" fmla="*/ 756 w 1662"/>
+              <a:gd name="T45" fmla="*/ 81 h 286"/>
+              <a:gd name="T46" fmla="*/ 789 w 1662"/>
+              <a:gd name="T47" fmla="*/ 108 h 286"/>
+              <a:gd name="T48" fmla="*/ 823 w 1662"/>
+              <a:gd name="T49" fmla="*/ 136 h 286"/>
+              <a:gd name="T50" fmla="*/ 856 w 1662"/>
+              <a:gd name="T51" fmla="*/ 164 h 286"/>
+              <a:gd name="T52" fmla="*/ 890 w 1662"/>
+              <a:gd name="T53" fmla="*/ 192 h 286"/>
+              <a:gd name="T54" fmla="*/ 923 w 1662"/>
+              <a:gd name="T55" fmla="*/ 218 h 286"/>
+              <a:gd name="T56" fmla="*/ 957 w 1662"/>
+              <a:gd name="T57" fmla="*/ 240 h 286"/>
+              <a:gd name="T58" fmla="*/ 991 w 1662"/>
+              <a:gd name="T59" fmla="*/ 258 h 286"/>
+              <a:gd name="T60" fmla="*/ 1024 w 1662"/>
+              <a:gd name="T61" fmla="*/ 272 h 286"/>
+              <a:gd name="T62" fmla="*/ 1058 w 1662"/>
+              <a:gd name="T63" fmla="*/ 282 h 286"/>
+              <a:gd name="T64" fmla="*/ 1091 w 1662"/>
+              <a:gd name="T65" fmla="*/ 286 h 286"/>
+              <a:gd name="T66" fmla="*/ 1125 w 1662"/>
+              <a:gd name="T67" fmla="*/ 286 h 286"/>
+              <a:gd name="T68" fmla="*/ 1158 w 1662"/>
+              <a:gd name="T69" fmla="*/ 282 h 286"/>
+              <a:gd name="T70" fmla="*/ 1192 w 1662"/>
+              <a:gd name="T71" fmla="*/ 275 h 286"/>
+              <a:gd name="T72" fmla="*/ 1225 w 1662"/>
+              <a:gd name="T73" fmla="*/ 265 h 286"/>
+              <a:gd name="T74" fmla="*/ 1259 w 1662"/>
+              <a:gd name="T75" fmla="*/ 254 h 286"/>
+              <a:gd name="T76" fmla="*/ 1293 w 1662"/>
+              <a:gd name="T77" fmla="*/ 241 h 286"/>
+              <a:gd name="T78" fmla="*/ 1326 w 1662"/>
+              <a:gd name="T79" fmla="*/ 229 h 286"/>
+              <a:gd name="T80" fmla="*/ 1360 w 1662"/>
+              <a:gd name="T81" fmla="*/ 216 h 286"/>
+              <a:gd name="T82" fmla="*/ 1393 w 1662"/>
+              <a:gd name="T83" fmla="*/ 204 h 286"/>
+              <a:gd name="T84" fmla="*/ 1427 w 1662"/>
+              <a:gd name="T85" fmla="*/ 193 h 286"/>
+              <a:gd name="T86" fmla="*/ 1460 w 1662"/>
+              <a:gd name="T87" fmla="*/ 184 h 286"/>
+              <a:gd name="T88" fmla="*/ 1494 w 1662"/>
+              <a:gd name="T89" fmla="*/ 176 h 286"/>
+              <a:gd name="T90" fmla="*/ 1528 w 1662"/>
+              <a:gd name="T91" fmla="*/ 168 h 286"/>
+              <a:gd name="T92" fmla="*/ 1561 w 1662"/>
+              <a:gd name="T93" fmla="*/ 163 h 286"/>
+              <a:gd name="T94" fmla="*/ 1595 w 1662"/>
+              <a:gd name="T95" fmla="*/ 158 h 286"/>
+              <a:gd name="T96" fmla="*/ 1628 w 1662"/>
+              <a:gd name="T97" fmla="*/ 154 h 286"/>
+              <a:gd name="T98" fmla="*/ 1662 w 1662"/>
+              <a:gd name="T99" fmla="*/ 151 h 286"/>
+            </a:gdLst>
+            <a:ahLst/>
+            <a:cxnLst>
+              <a:cxn ang="0">
+                <a:pos x="T0" y="T1"/>
+              </a:cxn>
+              <a:cxn ang="0">
+                <a:pos x="T2" y="T3"/>
+              </a:cxn>
+              <a:cxn ang="0">
+                <a:pos x="T4" y="T5"/>
+              </a:cxn>
+              <a:cxn ang="0">
+                <a:pos x="T6" y="T7"/>
+              </a:cxn>
+              <a:cxn ang="0">
+                <a:pos x="T8" y="T9"/>
+              </a:cxn>
+              <a:cxn ang="0">
+                <a:pos x="T10" y="T11"/>
+              </a:cxn>
+              <a:cxn ang="0">
+                <a:pos x="T12" y="T13"/>
+              </a:cxn>
+              <a:cxn ang="0">
+                <a:pos x="T14" y="T15"/>
+              </a:cxn>
+              <a:cxn ang="0">
+                <a:pos x="T16" y="T17"/>
+              </a:cxn>
+              <a:cxn ang="0">
+                <a:pos x="T18" y="T19"/>
+              </a:cxn>
+              <a:cxn ang="0">
+                <a:pos x="T20" y="T21"/>
+              </a:cxn>
+              <a:cxn ang="0">
+                <a:pos x="T22" y="T23"/>
+              </a:cxn>
+              <a:cxn ang="0">
+                <a:pos x="T24" y="T25"/>
+              </a:cxn>
+              <a:cxn ang="0">
+                <a:pos x="T26" y="T27"/>
+              </a:cxn>
+              <a:cxn ang="0">
+                <a:pos x="T28" y="T29"/>
+              </a:cxn>
+              <a:cxn ang="0">
+                <a:pos x="T30" y="T31"/>
+              </a:cxn>
+              <a:cxn ang="0">
+                <a:pos x="T32" y="T33"/>
+              </a:cxn>
+              <a:cxn ang="0">
+                <a:pos x="T34" y="T35"/>
+              </a:cxn>
+              <a:cxn ang="0">
+                <a:pos x="T36" y="T37"/>
+              </a:cxn>
+              <a:cxn ang="0">
+                <a:pos x="T38" y="T39"/>
+              </a:cxn>
+              <a:cxn ang="0">
+                <a:pos x="T40" y="T41"/>
+              </a:cxn>
+              <a:cxn ang="0">
+                <a:pos x="T42" y="T43"/>
+              </a:cxn>
+              <a:cxn ang="0">
+                <a:pos x="T44" y="T45"/>
+              </a:cxn>
+              <a:cxn ang="0">
+                <a:pos x="T46" y="T47"/>
+              </a:cxn>
+              <a:cxn ang="0">
+                <a:pos x="T48" y="T49"/>
+              </a:cxn>
+              <a:cxn ang="0">
+                <a:pos x="T50" y="T51"/>
+              </a:cxn>
+              <a:cxn ang="0">
+                <a:pos x="T52" y="T53"/>
+              </a:cxn>
+              <a:cxn ang="0">
+                <a:pos x="T54" y="T55"/>
+              </a:cxn>
+              <a:cxn ang="0">
+                <a:pos x="T56" y="T57"/>
+              </a:cxn>
+              <a:cxn ang="0">
+                <a:pos x="T58" y="T59"/>
+              </a:cxn>
+              <a:cxn ang="0">
+                <a:pos x="T60" y="T61"/>
+              </a:cxn>
+              <a:cxn ang="0">
+                <a:pos x="T62" y="T63"/>
+              </a:cxn>
+              <a:cxn ang="0">
+                <a:pos x="T64" y="T65"/>
+              </a:cxn>
+              <a:cxn ang="0">
+                <a:pos x="T66" y="T67"/>
+              </a:cxn>
+              <a:cxn ang="0">
+                <a:pos x="T68" y="T69"/>
+              </a:cxn>
+              <a:cxn ang="0">
+                <a:pos x="T70" y="T71"/>
+              </a:cxn>
+              <a:cxn ang="0">
+                <a:pos x="T72" y="T73"/>
+              </a:cxn>
+              <a:cxn ang="0">
+                <a:pos x="T74" y="T75"/>
+              </a:cxn>
+              <a:cxn ang="0">
+                <a:pos x="T76" y="T77"/>
+              </a:cxn>
+              <a:cxn ang="0">
+                <a:pos x="T78" y="T79"/>
+              </a:cxn>
+              <a:cxn ang="0">
+                <a:pos x="T80" y="T81"/>
+              </a:cxn>
+              <a:cxn ang="0">
+                <a:pos x="T82" y="T83"/>
+              </a:cxn>
+              <a:cxn ang="0">
+                <a:pos x="T84" y="T85"/>
+              </a:cxn>
+              <a:cxn ang="0">
+                <a:pos x="T86" y="T87"/>
+              </a:cxn>
+              <a:cxn ang="0">
+                <a:pos x="T88" y="T89"/>
+              </a:cxn>
+              <a:cxn ang="0">
+                <a:pos x="T90" y="T91"/>
+              </a:cxn>
+              <a:cxn ang="0">
+                <a:pos x="T92" y="T93"/>
+              </a:cxn>
+              <a:cxn ang="0">
+                <a:pos x="T94" y="T95"/>
+              </a:cxn>
+              <a:cxn ang="0">
+                <a:pos x="T96" y="T97"/>
+              </a:cxn>
+              <a:cxn ang="0">
+                <a:pos x="T98" y="T99"/>
+              </a:cxn>
+            </a:cxnLst>
+            <a:rect l="0" t="0" r="r" b="b"/>
+            <a:pathLst>
+              <a:path w="1662" h="286">
+                <a:moveTo>
+                  <a:pt x="0" y="135"/>
+                </a:moveTo>
+                <a:lnTo>
+                  <a:pt x="17" y="134"/>
+                </a:lnTo>
+                <a:lnTo>
+                  <a:pt x="34" y="133"/>
+                </a:lnTo>
+                <a:lnTo>
+                  <a:pt x="51" y="131"/>
+                </a:lnTo>
+                <a:lnTo>
+                  <a:pt x="67" y="129"/>
+                </a:lnTo>
+                <a:lnTo>
+                  <a:pt x="84" y="126"/>
+                </a:lnTo>
+                <a:lnTo>
+                  <a:pt x="101" y="124"/>
+                </a:lnTo>
+                <a:lnTo>
+                  <a:pt x="118" y="121"/>
+                </a:lnTo>
+                <a:lnTo>
+                  <a:pt x="135" y="118"/>
+                </a:lnTo>
+                <a:lnTo>
+                  <a:pt x="151" y="115"/>
+                </a:lnTo>
+                <a:lnTo>
+                  <a:pt x="168" y="111"/>
+                </a:lnTo>
+                <a:lnTo>
+                  <a:pt x="185" y="107"/>
+                </a:lnTo>
+                <a:lnTo>
+                  <a:pt x="202" y="103"/>
+                </a:lnTo>
+                <a:lnTo>
+                  <a:pt x="218" y="98"/>
+                </a:lnTo>
+                <a:lnTo>
+                  <a:pt x="235" y="93"/>
+                </a:lnTo>
+                <a:lnTo>
+                  <a:pt x="252" y="88"/>
+                </a:lnTo>
+                <a:lnTo>
+                  <a:pt x="269" y="82"/>
+                </a:lnTo>
+                <a:lnTo>
+                  <a:pt x="286" y="76"/>
+                </a:lnTo>
+                <a:lnTo>
+                  <a:pt x="302" y="70"/>
+                </a:lnTo>
+                <a:lnTo>
+                  <a:pt x="319" y="64"/>
+                </a:lnTo>
+                <a:lnTo>
+                  <a:pt x="336" y="58"/>
+                </a:lnTo>
+                <a:lnTo>
+                  <a:pt x="353" y="51"/>
+                </a:lnTo>
+                <a:lnTo>
+                  <a:pt x="370" y="45"/>
+                </a:lnTo>
+                <a:lnTo>
+                  <a:pt x="386" y="39"/>
+                </a:lnTo>
+                <a:lnTo>
+                  <a:pt x="403" y="33"/>
+                </a:lnTo>
+                <a:lnTo>
+                  <a:pt x="420" y="27"/>
+                </a:lnTo>
+                <a:lnTo>
+                  <a:pt x="437" y="21"/>
+                </a:lnTo>
+                <a:lnTo>
+                  <a:pt x="453" y="16"/>
+                </a:lnTo>
+                <a:lnTo>
+                  <a:pt x="470" y="11"/>
+                </a:lnTo>
+                <a:lnTo>
+                  <a:pt x="487" y="7"/>
+                </a:lnTo>
+                <a:lnTo>
+                  <a:pt x="504" y="4"/>
+                </a:lnTo>
+                <a:lnTo>
+                  <a:pt x="521" y="2"/>
+                </a:lnTo>
+                <a:lnTo>
+                  <a:pt x="537" y="0"/>
+                </a:lnTo>
+                <a:lnTo>
+                  <a:pt x="554" y="0"/>
+                </a:lnTo>
+                <a:lnTo>
+                  <a:pt x="571" y="0"/>
+                </a:lnTo>
+                <a:lnTo>
+                  <a:pt x="588" y="2"/>
+                </a:lnTo>
+                <a:lnTo>
+                  <a:pt x="605" y="5"/>
+                </a:lnTo>
+                <a:lnTo>
+                  <a:pt x="621" y="9"/>
+                </a:lnTo>
+                <a:lnTo>
+                  <a:pt x="638" y="14"/>
+                </a:lnTo>
+                <a:lnTo>
+                  <a:pt x="655" y="20"/>
+                </a:lnTo>
+                <a:lnTo>
+                  <a:pt x="672" y="28"/>
+                </a:lnTo>
+                <a:lnTo>
+                  <a:pt x="688" y="37"/>
+                </a:lnTo>
+                <a:lnTo>
+                  <a:pt x="705" y="46"/>
+                </a:lnTo>
+                <a:lnTo>
+                  <a:pt x="722" y="57"/>
+                </a:lnTo>
+                <a:lnTo>
+                  <a:pt x="739" y="69"/>
+                </a:lnTo>
+                <a:lnTo>
+                  <a:pt x="756" y="81"/>
+                </a:lnTo>
+                <a:lnTo>
+                  <a:pt x="772" y="94"/>
+                </a:lnTo>
+                <a:lnTo>
+                  <a:pt x="789" y="108"/>
+                </a:lnTo>
+                <a:lnTo>
+                  <a:pt x="806" y="122"/>
+                </a:lnTo>
+                <a:lnTo>
+                  <a:pt x="823" y="136"/>
+                </a:lnTo>
+                <a:lnTo>
+                  <a:pt x="839" y="150"/>
+                </a:lnTo>
+                <a:lnTo>
+                  <a:pt x="856" y="164"/>
+                </a:lnTo>
+                <a:lnTo>
+                  <a:pt x="873" y="179"/>
+                </a:lnTo>
+                <a:lnTo>
+                  <a:pt x="890" y="192"/>
+                </a:lnTo>
+                <a:lnTo>
+                  <a:pt x="907" y="205"/>
+                </a:lnTo>
+                <a:lnTo>
+                  <a:pt x="923" y="218"/>
+                </a:lnTo>
+                <a:lnTo>
+                  <a:pt x="940" y="229"/>
+                </a:lnTo>
+                <a:lnTo>
+                  <a:pt x="957" y="240"/>
+                </a:lnTo>
+                <a:lnTo>
+                  <a:pt x="974" y="250"/>
+                </a:lnTo>
+                <a:lnTo>
+                  <a:pt x="991" y="258"/>
+                </a:lnTo>
+                <a:lnTo>
+                  <a:pt x="1007" y="266"/>
+                </a:lnTo>
+                <a:lnTo>
+                  <a:pt x="1024" y="272"/>
+                </a:lnTo>
+                <a:lnTo>
+                  <a:pt x="1041" y="278"/>
+                </a:lnTo>
+                <a:lnTo>
+                  <a:pt x="1058" y="282"/>
+                </a:lnTo>
+                <a:lnTo>
+                  <a:pt x="1074" y="284"/>
+                </a:lnTo>
+                <a:lnTo>
+                  <a:pt x="1091" y="286"/>
+                </a:lnTo>
+                <a:lnTo>
+                  <a:pt x="1108" y="286"/>
+                </a:lnTo>
+                <a:lnTo>
+                  <a:pt x="1125" y="286"/>
+                </a:lnTo>
+                <a:lnTo>
+                  <a:pt x="1142" y="285"/>
+                </a:lnTo>
+                <a:lnTo>
+                  <a:pt x="1158" y="282"/>
+                </a:lnTo>
+                <a:lnTo>
+                  <a:pt x="1175" y="279"/>
+                </a:lnTo>
+                <a:lnTo>
+                  <a:pt x="1192" y="275"/>
+                </a:lnTo>
+                <a:lnTo>
+                  <a:pt x="1209" y="270"/>
+                </a:lnTo>
+                <a:lnTo>
+                  <a:pt x="1225" y="265"/>
+                </a:lnTo>
+                <a:lnTo>
+                  <a:pt x="1242" y="260"/>
+                </a:lnTo>
+                <a:lnTo>
+                  <a:pt x="1259" y="254"/>
+                </a:lnTo>
+                <a:lnTo>
+                  <a:pt x="1276" y="248"/>
+                </a:lnTo>
+                <a:lnTo>
+                  <a:pt x="1293" y="241"/>
+                </a:lnTo>
+                <a:lnTo>
+                  <a:pt x="1309" y="235"/>
+                </a:lnTo>
+                <a:lnTo>
+                  <a:pt x="1326" y="229"/>
+                </a:lnTo>
+                <a:lnTo>
+                  <a:pt x="1343" y="222"/>
+                </a:lnTo>
+                <a:lnTo>
+                  <a:pt x="1360" y="216"/>
+                </a:lnTo>
+                <a:lnTo>
+                  <a:pt x="1377" y="210"/>
+                </a:lnTo>
+                <a:lnTo>
+                  <a:pt x="1393" y="204"/>
+                </a:lnTo>
+                <a:lnTo>
+                  <a:pt x="1410" y="199"/>
+                </a:lnTo>
+                <a:lnTo>
+                  <a:pt x="1427" y="193"/>
+                </a:lnTo>
+                <a:lnTo>
+                  <a:pt x="1444" y="188"/>
+                </a:lnTo>
+                <a:lnTo>
+                  <a:pt x="1460" y="184"/>
+                </a:lnTo>
+                <a:lnTo>
+                  <a:pt x="1477" y="180"/>
+                </a:lnTo>
+                <a:lnTo>
+                  <a:pt x="1494" y="176"/>
+                </a:lnTo>
+                <a:lnTo>
+                  <a:pt x="1511" y="172"/>
+                </a:lnTo>
+                <a:lnTo>
+                  <a:pt x="1528" y="168"/>
+                </a:lnTo>
+                <a:lnTo>
+                  <a:pt x="1544" y="165"/>
+                </a:lnTo>
+                <a:lnTo>
+                  <a:pt x="1561" y="163"/>
+                </a:lnTo>
+                <a:lnTo>
+                  <a:pt x="1578" y="160"/>
+                </a:lnTo>
+                <a:lnTo>
+                  <a:pt x="1595" y="158"/>
+                </a:lnTo>
+                <a:lnTo>
+                  <a:pt x="1612" y="156"/>
+                </a:lnTo>
+                <a:lnTo>
+                  <a:pt x="1628" y="154"/>
+                </a:lnTo>
+                <a:lnTo>
+                  <a:pt x="1645" y="152"/>
+                </a:lnTo>
+                <a:lnTo>
+                  <a:pt x="1662" y="151"/>
+                </a:lnTo>
+              </a:path>
+            </a:pathLst>
+          </a:custGeom>
+          <a:noFill/>
+          <a:ln w="38100" cap="flat">
+            <a:solidFill>
+              <a:srgbClr val="0072BD"/>
+            </a:solidFill>
+            <a:prstDash val="solid"/>
+            <a:round/>
+            <a:headEnd/>
+            <a:tailEnd/>
+          </a:ln>
+          <a:extLst>
+            <a:ext uri="{909E8E84-426E-40DD-AFC4-6F175D3DCCD1}">
+              <a14:hiddenFill xmlns:a14="http://schemas.microsoft.com/office/drawing/2010/main">
+                <a:solidFill>
+                  <a:srgbClr val="FFFFFF"/>
+                </a:solidFill>
+              </a14:hiddenFill>
+            </a:ext>
+          </a:extLst>
+        </p:spPr>
+        <p:txBody>
+          <a:bodyPr vert="horz" wrap="square" lIns="91440" tIns="45720" rIns="91440" bIns="45720" numCol="1" anchor="t" anchorCtr="0" compatLnSpc="1">
+            <a:prstTxWarp prst="textNoShape">
+              <a:avLst/>
+            </a:prstTxWarp>
+          </a:bodyPr>
+          <a:lstStyle/>
+          <a:p>
+            <a:endParaRPr lang="ko-KR" altLang="en-US"/>
+          </a:p>
+        </p:txBody>
+      </p:sp>
+    </p:spTree>
+    <p:extLst>
+      <p:ext uri="{BB962C8B-B14F-4D97-AF65-F5344CB8AC3E}">
+        <p14:creationId xmlns:p14="http://schemas.microsoft.com/office/powerpoint/2010/main" val="784054308"/>
+      </p:ext>
+    </p:extLst>
+  </p:cSld>
+  <p:clrMapOvr>
+    <a:masterClrMapping/>
+  </p:clrMapOvr>
+</p:sld>
+</file>
+
+<file path=ppt/slides/slide3.xml><?xml version="1.0" encoding="utf-8"?>
+<p:sld xmlns:a="http://schemas.openxmlformats.org/drawingml/2006/main" xmlns:r="http://schemas.openxmlformats.org/officeDocument/2006/relationships" xmlns:p="http://schemas.openxmlformats.org/presentationml/2006/main">
+  <p:cSld>
+    <p:spTree>
+      <p:nvGrpSpPr>
+        <p:cNvPr id="1" name=""/>
+        <p:cNvGrpSpPr/>
+        <p:nvPr/>
+      </p:nvGrpSpPr>
+      <p:grpSpPr>
+        <a:xfrm>
+          <a:off x="0" y="0"/>
+          <a:ext cx="0" cy="0"/>
+          <a:chOff x="0" y="0"/>
+          <a:chExt cx="0" cy="0"/>
+        </a:xfrm>
+      </p:grpSpPr>
+      <p:grpSp>
+        <p:nvGrpSpPr>
+          <p:cNvPr id="4" name="그룹 3"/>
+          <p:cNvGrpSpPr/>
+          <p:nvPr/>
+        </p:nvGrpSpPr>
+        <p:grpSpPr>
+          <a:xfrm>
+            <a:off x="755576" y="579110"/>
+            <a:ext cx="6711029" cy="5477532"/>
+            <a:chOff x="755576" y="579110"/>
+            <a:chExt cx="6711029" cy="5477532"/>
+          </a:xfrm>
+        </p:grpSpPr>
+        <p:pic>
+          <p:nvPicPr>
+            <p:cNvPr id="1026" name="Picture 2"/>
+            <p:cNvPicPr>
+              <a:picLocks noChangeAspect="1" noChangeArrowheads="1"/>
+            </p:cNvPicPr>
+            <p:nvPr/>
+          </p:nvPicPr>
+          <p:blipFill>
+            <a:blip r:embed="rId2">
+              <a:extLst>
+                <a:ext uri="{28A0092B-C50C-407E-A947-70E740481C1C}">
+                  <a14:useLocalDpi xmlns:a14="http://schemas.microsoft.com/office/drawing/2010/main" val="0"/>
+                </a:ext>
+              </a:extLst>
+            </a:blip>
+            <a:srcRect/>
+            <a:stretch>
+              <a:fillRect/>
+            </a:stretch>
+          </p:blipFill>
+          <p:spPr bwMode="auto">
+            <a:xfrm>
+              <a:off x="1690093" y="980728"/>
+              <a:ext cx="5762228" cy="2206810"/>
+            </a:xfrm>
+            <a:prstGeom prst="rect">
+              <a:avLst/>
+            </a:prstGeom>
+            <a:noFill/>
+            <a:ln>
+              <a:noFill/>
+            </a:ln>
+            <a:effectLst/>
+            <a:extLst>
+              <a:ext uri="{909E8E84-426E-40DD-AFC4-6F175D3DCCD1}">
+                <a14:hiddenFill xmlns:a14="http://schemas.microsoft.com/office/drawing/2010/main">
+                  <a:solidFill>
+                    <a:schemeClr val="accent1"/>
+                  </a:solidFill>
+                </a14:hiddenFill>
+              </a:ext>
+              <a:ext uri="{91240B29-F687-4F45-9708-019B960494DF}">
+                <a14:hiddenLine xmlns:a14="http://schemas.microsoft.com/office/drawing/2010/main" w="9525">
+                  <a:solidFill>
+                    <a:schemeClr val="tx1"/>
+                  </a:solidFill>
+                  <a:miter lim="800000"/>
+                  <a:headEnd/>
+                  <a:tailEnd/>
+                </a14:hiddenLine>
+              </a:ext>
+              <a:ext uri="{AF507438-7753-43E0-B8FC-AC1667EBCBE1}">
+                <a14:hiddenEffects xmlns:a14="http://schemas.microsoft.com/office/drawing/2010/main">
+                  <a:effectLst>
+                    <a:outerShdw dist="35921" dir="2700000" algn="ctr" rotWithShape="0">
+                      <a:schemeClr val="bg2"/>
+                    </a:outerShdw>
+                  </a:effectLst>
+                </a14:hiddenEffects>
+              </a:ext>
+            </a:extLst>
+          </p:spPr>
+        </p:pic>
+        <p:pic>
+          <p:nvPicPr>
+            <p:cNvPr id="1027" name="Picture 3"/>
+            <p:cNvPicPr>
+              <a:picLocks noChangeAspect="1" noChangeArrowheads="1"/>
+            </p:cNvPicPr>
+            <p:nvPr/>
+          </p:nvPicPr>
+          <p:blipFill>
+            <a:blip r:embed="rId3">
+              <a:extLst>
+                <a:ext uri="{28A0092B-C50C-407E-A947-70E740481C1C}">
+                  <a14:useLocalDpi xmlns:a14="http://schemas.microsoft.com/office/drawing/2010/main" val="0"/>
+                </a:ext>
+              </a:extLst>
+            </a:blip>
+            <a:srcRect/>
+            <a:stretch>
+              <a:fillRect/>
+            </a:stretch>
+          </p:blipFill>
+          <p:spPr bwMode="auto">
+            <a:xfrm>
+              <a:off x="1675809" y="3849832"/>
+              <a:ext cx="5790796" cy="2206810"/>
+            </a:xfrm>
+            <a:prstGeom prst="rect">
+              <a:avLst/>
+            </a:prstGeom>
+            <a:noFill/>
+            <a:ln>
+              <a:noFill/>
+            </a:ln>
+            <a:effectLst/>
+            <a:extLst>
+              <a:ext uri="{909E8E84-426E-40DD-AFC4-6F175D3DCCD1}">
+                <a14:hiddenFill xmlns:a14="http://schemas.microsoft.com/office/drawing/2010/main">
+                  <a:solidFill>
+                    <a:schemeClr val="accent1"/>
+                  </a:solidFill>
+                </a14:hiddenFill>
+              </a:ext>
+              <a:ext uri="{91240B29-F687-4F45-9708-019B960494DF}">
+                <a14:hiddenLine xmlns:a14="http://schemas.microsoft.com/office/drawing/2010/main" w="9525">
+                  <a:solidFill>
+                    <a:schemeClr val="tx1"/>
+                  </a:solidFill>
+                  <a:miter lim="800000"/>
+                  <a:headEnd/>
+                  <a:tailEnd/>
+                </a14:hiddenLine>
+              </a:ext>
+              <a:ext uri="{AF507438-7753-43E0-B8FC-AC1667EBCBE1}">
+                <a14:hiddenEffects xmlns:a14="http://schemas.microsoft.com/office/drawing/2010/main">
+                  <a:effectLst>
+                    <a:outerShdw dist="35921" dir="2700000" algn="ctr" rotWithShape="0">
+                      <a:schemeClr val="bg2"/>
+                    </a:outerShdw>
+                  </a:effectLst>
+                </a14:hiddenEffects>
+              </a:ext>
+            </a:extLst>
+          </p:spPr>
+        </p:pic>
+        <p:sp>
+          <p:nvSpPr>
+            <p:cNvPr id="6" name="TextBox 5"/>
+            <p:cNvSpPr txBox="1"/>
+            <p:nvPr/>
+          </p:nvSpPr>
+          <p:spPr>
+            <a:xfrm>
+              <a:off x="755576" y="579110"/>
+              <a:ext cx="3005951" cy="369332"/>
+            </a:xfrm>
+            <a:prstGeom prst="rect">
+              <a:avLst/>
+            </a:prstGeom>
+            <a:noFill/>
+          </p:spPr>
+          <p:txBody>
+            <a:bodyPr wrap="none" rtlCol="0">
+              <a:spAutoFit/>
+            </a:bodyPr>
+            <a:lstStyle/>
+            <a:p>
+              <a:r>
+                <a:rPr lang="ko-KR" altLang="en-US" dirty="0">
+                  <a:latin typeface="마루 부리 Beta" pitchFamily="50" charset="-127"/>
+                  <a:ea typeface="마루 부리 Beta" pitchFamily="50" charset="-127"/>
+                </a:rPr>
+                <a:t>에일리어싱이 일어나는 경우</a:t>
+              </a:r>
+            </a:p>
+          </p:txBody>
+        </p:sp>
+        <p:sp>
+          <p:nvSpPr>
+            <p:cNvPr id="7" name="TextBox 6"/>
+            <p:cNvSpPr txBox="1"/>
+            <p:nvPr/>
+          </p:nvSpPr>
+          <p:spPr>
+            <a:xfrm>
+              <a:off x="755576" y="3473014"/>
+              <a:ext cx="6179897" cy="369332"/>
+            </a:xfrm>
+            <a:prstGeom prst="rect">
+              <a:avLst/>
+            </a:prstGeom>
+            <a:noFill/>
+          </p:spPr>
+          <p:txBody>
+            <a:bodyPr wrap="none" rtlCol="0">
+              <a:spAutoFit/>
+            </a:bodyPr>
+            <a:lstStyle/>
+            <a:p>
+              <a:r>
+                <a:rPr lang="ko-KR" altLang="en-US" dirty="0">
+                  <a:latin typeface="마루 부리 Beta" pitchFamily="50" charset="-127"/>
+                  <a:ea typeface="마루 부리 Beta" pitchFamily="50" charset="-127"/>
+                </a:rPr>
+                <a:t>충분히 높은 주파수로 샘플링해서 에일리어싱을 방지한 경우</a:t>
+              </a:r>
+            </a:p>
+          </p:txBody>
+        </p:sp>
+      </p:grpSp>
+    </p:spTree>
+    <p:extLst>
+      <p:ext uri="{BB962C8B-B14F-4D97-AF65-F5344CB8AC3E}">
+        <p14:creationId xmlns:p14="http://schemas.microsoft.com/office/powerpoint/2010/main" val="907403153"/>
+      </p:ext>
+    </p:extLst>
+  </p:cSld>
+  <p:clrMapOvr>
+    <a:masterClrMapping/>
+  </p:clrMapOvr>
+</p:sld>
+</file>
+
+<file path=ppt/slides/slide4.xml><?xml version="1.0" encoding="utf-8"?>
+<p:sld xmlns:a="http://schemas.openxmlformats.org/drawingml/2006/main" xmlns:r="http://schemas.openxmlformats.org/officeDocument/2006/relationships" xmlns:p="http://schemas.openxmlformats.org/presentationml/2006/main">
+  <p:cSld>
+    <p:spTree>
+      <p:nvGrpSpPr>
+        <p:cNvPr id="1" name=""/>
+        <p:cNvGrpSpPr/>
+        <p:nvPr/>
+      </p:nvGrpSpPr>
+      <p:grpSpPr>
+        <a:xfrm>
+          <a:off x="0" y="0"/>
+          <a:ext cx="0" cy="0"/>
+          <a:chOff x="0" y="0"/>
+          <a:chExt cx="0" cy="0"/>
+        </a:xfrm>
+      </p:grpSpPr>
+      <p:grpSp>
+        <p:nvGrpSpPr>
+          <p:cNvPr id="4" name="그룹 3"/>
+          <p:cNvGrpSpPr/>
+          <p:nvPr/>
+        </p:nvGrpSpPr>
+        <p:grpSpPr>
+          <a:xfrm>
+            <a:off x="755576" y="579110"/>
+            <a:ext cx="6712094" cy="5477532"/>
+            <a:chOff x="755576" y="579110"/>
+            <a:chExt cx="6712094" cy="5477532"/>
+          </a:xfrm>
+        </p:grpSpPr>
+        <p:pic>
+          <p:nvPicPr>
+            <p:cNvPr id="1026" name="Picture 2"/>
+            <p:cNvPicPr>
+              <a:picLocks noChangeAspect="1" noChangeArrowheads="1"/>
+            </p:cNvPicPr>
+            <p:nvPr/>
+          </p:nvPicPr>
+          <p:blipFill>
+            <a:blip r:embed="rId2">
+              <a:extLst>
+                <a:ext uri="{28A0092B-C50C-407E-A947-70E740481C1C}">
+                  <a14:useLocalDpi xmlns:a14="http://schemas.microsoft.com/office/drawing/2010/main" val="0"/>
+                </a:ext>
+              </a:extLst>
+            </a:blip>
+            <a:srcRect/>
+            <a:stretch>
+              <a:fillRect/>
+            </a:stretch>
+          </p:blipFill>
+          <p:spPr bwMode="auto">
+            <a:xfrm>
+              <a:off x="1690093" y="980728"/>
+              <a:ext cx="5762228" cy="2206810"/>
+            </a:xfrm>
+            <a:prstGeom prst="rect">
+              <a:avLst/>
+            </a:prstGeom>
+            <a:noFill/>
+            <a:ln>
+              <a:noFill/>
+            </a:ln>
+            <a:effectLst/>
+            <a:extLst>
+              <a:ext uri="{909E8E84-426E-40DD-AFC4-6F175D3DCCD1}">
+                <a14:hiddenFill xmlns:a14="http://schemas.microsoft.com/office/drawing/2010/main">
+                  <a:solidFill>
+                    <a:schemeClr val="accent1"/>
+                  </a:solidFill>
+                </a14:hiddenFill>
+              </a:ext>
+              <a:ext uri="{91240B29-F687-4F45-9708-019B960494DF}">
+                <a14:hiddenLine xmlns:a14="http://schemas.microsoft.com/office/drawing/2010/main" w="9525">
+                  <a:solidFill>
+                    <a:schemeClr val="tx1"/>
+                  </a:solidFill>
+                  <a:miter lim="800000"/>
+                  <a:headEnd/>
+                  <a:tailEnd/>
+                </a14:hiddenLine>
+              </a:ext>
+              <a:ext uri="{AF507438-7753-43E0-B8FC-AC1667EBCBE1}">
+                <a14:hiddenEffects xmlns:a14="http://schemas.microsoft.com/office/drawing/2010/main">
+                  <a:effectLst>
+                    <a:outerShdw dist="35921" dir="2700000" algn="ctr" rotWithShape="0">
+                      <a:schemeClr val="bg2"/>
+                    </a:outerShdw>
+                  </a:effectLst>
+                </a14:hiddenEffects>
+              </a:ext>
+            </a:extLst>
+          </p:spPr>
+        </p:pic>
+        <p:pic>
+          <p:nvPicPr>
+            <p:cNvPr id="1027" name="Picture 3"/>
+            <p:cNvPicPr>
+              <a:picLocks noChangeAspect="1" noChangeArrowheads="1"/>
+            </p:cNvPicPr>
+            <p:nvPr/>
+          </p:nvPicPr>
+          <p:blipFill>
+            <a:blip r:embed="rId3">
+              <a:extLst>
+                <a:ext uri="{28A0092B-C50C-407E-A947-70E740481C1C}">
+                  <a14:useLocalDpi xmlns:a14="http://schemas.microsoft.com/office/drawing/2010/main" val="0"/>
+                </a:ext>
+              </a:extLst>
+            </a:blip>
+            <a:srcRect/>
+            <a:stretch>
+              <a:fillRect/>
+            </a:stretch>
+          </p:blipFill>
+          <p:spPr bwMode="auto">
+            <a:xfrm>
+              <a:off x="1675809" y="3849832"/>
+              <a:ext cx="5790796" cy="2206810"/>
+            </a:xfrm>
+            <a:prstGeom prst="rect">
+              <a:avLst/>
+            </a:prstGeom>
+            <a:noFill/>
+            <a:ln>
+              <a:noFill/>
+            </a:ln>
+            <a:effectLst/>
+            <a:extLst>
+              <a:ext uri="{909E8E84-426E-40DD-AFC4-6F175D3DCCD1}">
+                <a14:hiddenFill xmlns:a14="http://schemas.microsoft.com/office/drawing/2010/main">
+                  <a:solidFill>
+                    <a:schemeClr val="accent1"/>
+                  </a:solidFill>
+                </a14:hiddenFill>
+              </a:ext>
+              <a:ext uri="{91240B29-F687-4F45-9708-019B960494DF}">
+                <a14:hiddenLine xmlns:a14="http://schemas.microsoft.com/office/drawing/2010/main" w="9525">
+                  <a:solidFill>
+                    <a:schemeClr val="tx1"/>
+                  </a:solidFill>
+                  <a:miter lim="800000"/>
+                  <a:headEnd/>
+                  <a:tailEnd/>
+                </a14:hiddenLine>
+              </a:ext>
+              <a:ext uri="{AF507438-7753-43E0-B8FC-AC1667EBCBE1}">
+                <a14:hiddenEffects xmlns:a14="http://schemas.microsoft.com/office/drawing/2010/main">
+                  <a:effectLst>
+                    <a:outerShdw dist="35921" dir="2700000" algn="ctr" rotWithShape="0">
+                      <a:schemeClr val="bg2"/>
+                    </a:outerShdw>
+                  </a:effectLst>
+                </a14:hiddenEffects>
+              </a:ext>
+            </a:extLst>
+          </p:spPr>
+        </p:pic>
+        <p:sp>
+          <p:nvSpPr>
+            <p:cNvPr id="6" name="TextBox 5"/>
+            <p:cNvSpPr txBox="1"/>
+            <p:nvPr/>
+          </p:nvSpPr>
+          <p:spPr>
+            <a:xfrm>
+              <a:off x="755576" y="579110"/>
+              <a:ext cx="1617751" cy="369332"/>
+            </a:xfrm>
+            <a:prstGeom prst="rect">
+              <a:avLst/>
+            </a:prstGeom>
+            <a:noFill/>
+          </p:spPr>
+          <p:txBody>
+            <a:bodyPr wrap="none" rtlCol="0">
+              <a:spAutoFit/>
+            </a:bodyPr>
+            <a:lstStyle/>
+            <a:p>
+              <a:r>
+                <a:rPr lang="en-US" altLang="ko-KR" dirty="0">
+                  <a:latin typeface="마루 부리 Beta" pitchFamily="50" charset="-127"/>
+                  <a:ea typeface="마루 부리 Beta" pitchFamily="50" charset="-127"/>
+                </a:rPr>
+                <a:t>When aliased</a:t>
+              </a:r>
+              <a:endParaRPr lang="ko-KR" altLang="en-US" dirty="0">
+                <a:latin typeface="마루 부리 Beta" pitchFamily="50" charset="-127"/>
+                <a:ea typeface="마루 부리 Beta" pitchFamily="50" charset="-127"/>
+              </a:endParaRPr>
+            </a:p>
+          </p:txBody>
+        </p:sp>
+        <p:sp>
+          <p:nvSpPr>
+            <p:cNvPr id="7" name="TextBox 6"/>
+            <p:cNvSpPr txBox="1"/>
+            <p:nvPr/>
+          </p:nvSpPr>
+          <p:spPr>
+            <a:xfrm>
+              <a:off x="755576" y="3473014"/>
+              <a:ext cx="6712094" cy="369332"/>
+            </a:xfrm>
+            <a:prstGeom prst="rect">
+              <a:avLst/>
+            </a:prstGeom>
+            <a:noFill/>
+          </p:spPr>
+          <p:txBody>
+            <a:bodyPr wrap="none" rtlCol="0">
+              <a:spAutoFit/>
+            </a:bodyPr>
+            <a:lstStyle/>
+            <a:p>
+              <a:r>
+                <a:rPr lang="en-US" altLang="ko-KR" dirty="0">
+                  <a:latin typeface="마루 부리 Beta" pitchFamily="50" charset="-127"/>
+                  <a:ea typeface="마루 부리 Beta" pitchFamily="50" charset="-127"/>
+                </a:rPr>
+                <a:t>When aliasing is prevented via sampling with high frequency</a:t>
+              </a:r>
+              <a:endParaRPr lang="ko-KR" altLang="en-US" dirty="0">
+                <a:latin typeface="마루 부리 Beta" pitchFamily="50" charset="-127"/>
+                <a:ea typeface="마루 부리 Beta" pitchFamily="50" charset="-127"/>
+              </a:endParaRPr>
+            </a:p>
+          </p:txBody>
+        </p:sp>
+      </p:grpSp>
+    </p:spTree>
+    <p:extLst>
+      <p:ext uri="{BB962C8B-B14F-4D97-AF65-F5344CB8AC3E}">
+        <p14:creationId xmlns:p14="http://schemas.microsoft.com/office/powerpoint/2010/main" val="568834937"/>
+      </p:ext>
+    </p:extLst>
+  </p:cSld>
+  <p:clrMapOvr>
+    <a:masterClrMapping/>
+  </p:clrMapOvr>
+</p:sld>
+</file>
+
+<file path=ppt/slides/slide5.xml><?xml version="1.0" encoding="utf-8"?>
+<p:sld xmlns:a="http://schemas.openxmlformats.org/drawingml/2006/main" xmlns:r="http://schemas.openxmlformats.org/officeDocument/2006/relationships" xmlns:p="http://schemas.openxmlformats.org/presentationml/2006/main">
+  <p:cSld>
+    <p:spTree>
+      <p:nvGrpSpPr>
+        <p:cNvPr id="1" name=""/>
+        <p:cNvGrpSpPr/>
+        <p:nvPr/>
+      </p:nvGrpSpPr>
+      <p:grpSpPr>
+        <a:xfrm>
+          <a:off x="0" y="0"/>
+          <a:ext cx="0" cy="0"/>
+          <a:chOff x="0" y="0"/>
+          <a:chExt cx="0" cy="0"/>
+        </a:xfrm>
+      </p:grpSpPr>
+      <p:pic>
+        <p:nvPicPr>
+          <p:cNvPr id="1027" name="Picture 3"/>
+          <p:cNvPicPr>
+            <a:picLocks noChangeAspect="1" noChangeArrowheads="1"/>
+          </p:cNvPicPr>
+          <p:nvPr/>
+        </p:nvPicPr>
+        <p:blipFill>
+          <a:blip r:embed="rId2">
+            <a:extLst>
+              <a:ext uri="{28A0092B-C50C-407E-A947-70E740481C1C}">
+                <a14:useLocalDpi xmlns:a14="http://schemas.microsoft.com/office/drawing/2010/main" val="0"/>
+              </a:ext>
+            </a:extLst>
+          </a:blip>
+          <a:srcRect/>
+          <a:stretch>
+            <a:fillRect/>
+          </a:stretch>
+        </p:blipFill>
+        <p:spPr bwMode="auto">
+          <a:xfrm>
+            <a:off x="-661988" y="728663"/>
+            <a:ext cx="10467976" cy="5400675"/>
+          </a:xfrm>
+          <a:prstGeom prst="rect">
+            <a:avLst/>
+          </a:prstGeom>
+          <a:noFill/>
+          <a:ln>
+            <a:noFill/>
+          </a:ln>
+          <a:effectLst/>
+          <a:extLst>
+            <a:ext uri="{909E8E84-426E-40DD-AFC4-6F175D3DCCD1}">
+              <a14:hiddenFill xmlns:a14="http://schemas.microsoft.com/office/drawing/2010/main">
+                <a:solidFill>
+                  <a:schemeClr val="accent1"/>
+                </a:solidFill>
+              </a14:hiddenFill>
+            </a:ext>
+            <a:ext uri="{91240B29-F687-4F45-9708-019B960494DF}">
+              <a14:hiddenLine xmlns:a14="http://schemas.microsoft.com/office/drawing/2010/main" w="9525">
+                <a:solidFill>
+                  <a:schemeClr val="tx1"/>
+                </a:solidFill>
+                <a:miter lim="800000"/>
+                <a:headEnd/>
+                <a:tailEnd/>
+              </a14:hiddenLine>
+            </a:ext>
+            <a:ext uri="{AF507438-7753-43E0-B8FC-AC1667EBCBE1}">
+              <a14:hiddenEffects xmlns:a14="http://schemas.microsoft.com/office/drawing/2010/main">
+                <a:effectLst>
+                  <a:outerShdw dist="35921" dir="2700000" algn="ctr" rotWithShape="0">
+                    <a:schemeClr val="bg2"/>
+                  </a:outerShdw>
+                </a:effectLst>
+              </a14:hiddenEffects>
+            </a:ext>
+          </a:extLst>
+        </p:spPr>
+      </p:pic>
+    </p:spTree>
+    <p:extLst>
+      <p:ext uri="{BB962C8B-B14F-4D97-AF65-F5344CB8AC3E}">
+        <p14:creationId xmlns:p14="http://schemas.microsoft.com/office/powerpoint/2010/main" val="3842279371"/>
+      </p:ext>
+    </p:extLst>
+  </p:cSld>
+  <p:clrMapOvr>
+    <a:masterClrMapping/>
+  </p:clrMapOvr>
+</p:sld>
+</file>
+
+<file path=ppt/slides/slide6.xml><?xml version="1.0" encoding="utf-8"?>
+<p:sld xmlns:a="http://schemas.openxmlformats.org/drawingml/2006/main" xmlns:r="http://schemas.openxmlformats.org/officeDocument/2006/relationships" xmlns:p="http://schemas.openxmlformats.org/presentationml/2006/main">
+  <p:cSld>
+    <p:spTree>
+      <p:nvGrpSpPr>
+        <p:cNvPr id="1" name=""/>
+        <p:cNvGrpSpPr/>
+        <p:nvPr/>
+      </p:nvGrpSpPr>
+      <p:grpSpPr>
+        <a:xfrm>
+          <a:off x="0" y="0"/>
+          <a:ext cx="0" cy="0"/>
+          <a:chOff x="0" y="0"/>
+          <a:chExt cx="0" cy="0"/>
+        </a:xfrm>
+      </p:grpSpPr>
+      <p:pic>
+        <p:nvPicPr>
+          <p:cNvPr id="1026" name="Picture 2"/>
+          <p:cNvPicPr>
+            <a:picLocks noChangeAspect="1" noChangeArrowheads="1"/>
+          </p:cNvPicPr>
+          <p:nvPr/>
+        </p:nvPicPr>
+        <p:blipFill>
+          <a:blip r:embed="rId2">
+            <a:extLst>
+              <a:ext uri="{28A0092B-C50C-407E-A947-70E740481C1C}">
+                <a14:useLocalDpi xmlns:a14="http://schemas.microsoft.com/office/drawing/2010/main" val="0"/>
+              </a:ext>
+            </a:extLst>
+          </a:blip>
+          <a:srcRect/>
+          <a:stretch>
+            <a:fillRect/>
+          </a:stretch>
+        </p:blipFill>
+        <p:spPr bwMode="auto">
+          <a:xfrm>
+            <a:off x="623888" y="1157288"/>
+            <a:ext cx="7896225" cy="4543425"/>
+          </a:xfrm>
+          <a:prstGeom prst="rect">
+            <a:avLst/>
+          </a:prstGeom>
+          <a:noFill/>
+          <a:ln>
+            <a:noFill/>
+          </a:ln>
+          <a:effectLst/>
+          <a:extLst>
+            <a:ext uri="{909E8E84-426E-40DD-AFC4-6F175D3DCCD1}">
+              <a14:hiddenFill xmlns:a14="http://schemas.microsoft.com/office/drawing/2010/main">
+                <a:solidFill>
+                  <a:schemeClr val="accent1"/>
+                </a:solidFill>
+              </a14:hiddenFill>
+            </a:ext>
+            <a:ext uri="{91240B29-F687-4F45-9708-019B960494DF}">
+              <a14:hiddenLine xmlns:a14="http://schemas.microsoft.com/office/drawing/2010/main" w="9525">
+                <a:solidFill>
+                  <a:schemeClr val="tx1"/>
+                </a:solidFill>
+                <a:miter lim="800000"/>
+                <a:headEnd/>
+                <a:tailEnd/>
+              </a14:hiddenLine>
+            </a:ext>
+            <a:ext uri="{AF507438-7753-43E0-B8FC-AC1667EBCBE1}">
+              <a14:hiddenEffects xmlns:a14="http://schemas.microsoft.com/office/drawing/2010/main">
+                <a:effectLst>
+                  <a:outerShdw dist="35921" dir="2700000" algn="ctr" rotWithShape="0">
+                    <a:schemeClr val="bg2"/>
+                  </a:outerShdw>
+                </a:effectLst>
+              </a14:hiddenEffects>
+            </a:ext>
+          </a:extLst>
+        </p:spPr>
+      </p:pic>
+    </p:spTree>
+    <p:extLst>
+      <p:ext uri="{BB962C8B-B14F-4D97-AF65-F5344CB8AC3E}">
+        <p14:creationId xmlns:p14="http://schemas.microsoft.com/office/powerpoint/2010/main" val="3289364427"/>
+      </p:ext>
+    </p:extLst>
+  </p:cSld>
+  <p:clrMapOvr>
+    <a:masterClrMapping/>
+  </p:clrMapOvr>
+</p:sld>
+</file>
+
+<file path=ppt/slides/slide7.xml><?xml version="1.0" encoding="utf-8"?>
+<p:sld xmlns:a="http://schemas.openxmlformats.org/drawingml/2006/main" xmlns:r="http://schemas.openxmlformats.org/officeDocument/2006/relationships" xmlns:p="http://schemas.openxmlformats.org/presentationml/2006/main">
+  <p:cSld>
+    <p:spTree>
+      <p:nvGrpSpPr>
+        <p:cNvPr id="1" name=""/>
+        <p:cNvGrpSpPr/>
+        <p:nvPr/>
+      </p:nvGrpSpPr>
+      <p:grpSpPr>
+        <a:xfrm>
+          <a:off x="0" y="0"/>
+          <a:ext cx="0" cy="0"/>
+          <a:chOff x="0" y="0"/>
+          <a:chExt cx="0" cy="0"/>
+        </a:xfrm>
+      </p:grpSpPr>
+      <p:pic>
+        <p:nvPicPr>
+          <p:cNvPr id="5" name="Picture 4">
+            <a:extLst>
+              <a:ext uri="{FF2B5EF4-FFF2-40B4-BE49-F238E27FC236}">
+                <a16:creationId xmlns:a16="http://schemas.microsoft.com/office/drawing/2014/main" id="{CAA2306E-829F-6B2A-699C-03030668E941}"/>
+              </a:ext>
+            </a:extLst>
+          </p:cNvPr>
+          <p:cNvPicPr>
+            <a:picLocks noChangeAspect="1"/>
+          </p:cNvPicPr>
+          <p:nvPr/>
+        </p:nvPicPr>
+        <p:blipFill>
+          <a:blip r:embed="rId2"/>
+          <a:stretch>
+            <a:fillRect/>
+          </a:stretch>
+        </p:blipFill>
+        <p:spPr>
+          <a:xfrm>
+            <a:off x="619125" y="1152525"/>
+            <a:ext cx="7905750" cy="4552950"/>
+          </a:xfrm>
+          <a:prstGeom prst="rect">
+            <a:avLst/>
+          </a:prstGeom>
+        </p:spPr>
+      </p:pic>
+    </p:spTree>
+    <p:extLst>
+      <p:ext uri="{BB962C8B-B14F-4D97-AF65-F5344CB8AC3E}">
+        <p14:creationId xmlns:p14="http://schemas.microsoft.com/office/powerpoint/2010/main" val="1012247749"/>
+      </p:ext>
+    </p:extLst>
+  </p:cSld>
+  <p:clrMapOvr>
+    <a:masterClrMapping/>
+  </p:clrMapOvr>
+</p:sld>
+</file>
+
+<file path=ppt/slides/slide8.xml><?xml version="1.0" encoding="utf-8"?>
+<p:sld xmlns:a="http://schemas.openxmlformats.org/drawingml/2006/main" xmlns:r="http://schemas.openxmlformats.org/officeDocument/2006/relationships" xmlns:p="http://schemas.openxmlformats.org/presentationml/2006/main">
+  <p:cSld>
+    <p:spTree>
+      <p:nvGrpSpPr>
+        <p:cNvPr id="1" name=""/>
+        <p:cNvGrpSpPr/>
+        <p:nvPr/>
+      </p:nvGrpSpPr>
+      <p:grpSpPr>
+        <a:xfrm>
+          <a:off x="0" y="0"/>
+          <a:ext cx="0" cy="0"/>
+          <a:chOff x="0" y="0"/>
+          <a:chExt cx="0" cy="0"/>
+        </a:xfrm>
+      </p:grpSpPr>
+      <p:pic>
+        <p:nvPicPr>
+          <p:cNvPr id="1027" name="Picture 3"/>
+          <p:cNvPicPr>
+            <a:picLocks noChangeAspect="1" noChangeArrowheads="1"/>
+          </p:cNvPicPr>
+          <p:nvPr/>
+        </p:nvPicPr>
+        <p:blipFill>
+          <a:blip r:embed="rId2">
+            <a:extLst>
+              <a:ext uri="{28A0092B-C50C-407E-A947-70E740481C1C}">
+                <a14:useLocalDpi xmlns:a14="http://schemas.microsoft.com/office/drawing/2010/main" val="0"/>
+              </a:ext>
+            </a:extLst>
+          </a:blip>
+          <a:srcRect/>
+          <a:stretch>
+            <a:fillRect/>
+          </a:stretch>
+        </p:blipFill>
+        <p:spPr bwMode="auto">
+          <a:xfrm>
+            <a:off x="100013" y="1528763"/>
+            <a:ext cx="8943975" cy="3800475"/>
+          </a:xfrm>
+          <a:prstGeom prst="rect">
+            <a:avLst/>
+          </a:prstGeom>
+          <a:noFill/>
+          <a:ln>
+            <a:noFill/>
+          </a:ln>
+          <a:effectLst/>
+          <a:extLst>
+            <a:ext uri="{909E8E84-426E-40DD-AFC4-6F175D3DCCD1}">
+              <a14:hiddenFill xmlns:a14="http://schemas.microsoft.com/office/drawing/2010/main">
+                <a:solidFill>
+                  <a:schemeClr val="accent1"/>
+                </a:solidFill>
+              </a14:hiddenFill>
+            </a:ext>
+            <a:ext uri="{91240B29-F687-4F45-9708-019B960494DF}">
+              <a14:hiddenLine xmlns:a14="http://schemas.microsoft.com/office/drawing/2010/main" w="9525">
+                <a:solidFill>
+                  <a:schemeClr val="tx1"/>
+                </a:solidFill>
+                <a:miter lim="800000"/>
+                <a:headEnd/>
+                <a:tailEnd/>
+              </a14:hiddenLine>
+            </a:ext>
+            <a:ext uri="{AF507438-7753-43E0-B8FC-AC1667EBCBE1}">
+              <a14:hiddenEffects xmlns:a14="http://schemas.microsoft.com/office/drawing/2010/main">
+                <a:effectLst>
+                  <a:outerShdw dist="35921" dir="2700000" algn="ctr" rotWithShape="0">
+                    <a:schemeClr val="bg2"/>
+                  </a:outerShdw>
+                </a:effectLst>
+              </a14:hiddenEffects>
+            </a:ext>
+          </a:extLst>
+        </p:spPr>
+      </p:pic>
+      <mc:AlternateContent xmlns:mc="http://schemas.openxmlformats.org/markup-compatibility/2006" xmlns:a14="http://schemas.microsoft.com/office/drawing/2010/main">
+        <mc:Choice Requires="a14">
+          <p:sp>
+            <p:nvSpPr>
+              <p:cNvPr id="4" name="TextBox 3"/>
+              <p:cNvSpPr txBox="1"/>
+              <p:nvPr/>
+            </p:nvSpPr>
+            <p:spPr>
+              <a:xfrm>
+                <a:off x="3347864" y="2276872"/>
+                <a:ext cx="463588" cy="369332"/>
+              </a:xfrm>
+              <a:prstGeom prst="rect">
+                <a:avLst/>
+              </a:prstGeom>
+              <a:noFill/>
+            </p:spPr>
+            <p:txBody>
+              <a:bodyPr wrap="none" rtlCol="0">
+                <a:spAutoFit/>
+              </a:bodyPr>
+              <a:lstStyle/>
+              <a:p>
+                <a:pPr/>
+                <a14:m>
+                  <m:oMathPara xmlns:m="http://schemas.openxmlformats.org/officeDocument/2006/math">
+                    <m:oMathParaPr>
+                      <m:jc m:val="centerGroup"/>
+                    </m:oMathParaPr>
+                    <m:oMath xmlns:m="http://schemas.openxmlformats.org/officeDocument/2006/math">
+                      <m:r>
+                        <a:rPr lang="en-US" altLang="ko-KR" b="0" i="1" smtClean="0">
+                          <a:latin typeface="Cambria Math"/>
+                        </a:rPr>
+                        <m:t>⋯</m:t>
+                      </m:r>
+                    </m:oMath>
+                  </m:oMathPara>
+                </a14:m>
+                <a:endParaRPr lang="ko-KR" altLang="en-US" dirty="0"/>
+              </a:p>
+            </p:txBody>
+          </p:sp>
+        </mc:Choice>
+        <mc:Fallback xmlns="">
+          <p:sp>
+            <p:nvSpPr>
+              <p:cNvPr id="4" name="TextBox 3"/>
+              <p:cNvSpPr txBox="1">
+                <a:spLocks noRot="1" noChangeAspect="1" noMove="1" noResize="1" noEditPoints="1" noAdjustHandles="1" noChangeArrowheads="1" noChangeShapeType="1" noTextEdit="1"/>
+              </p:cNvSpPr>
+              <p:nvPr/>
+            </p:nvSpPr>
+            <p:spPr>
+              <a:xfrm>
+                <a:off x="3347864" y="2276872"/>
+                <a:ext cx="463588" cy="369332"/>
+              </a:xfrm>
+              <a:prstGeom prst="rect">
+                <a:avLst/>
+              </a:prstGeom>
+              <a:blipFill rotWithShape="1">
+                <a:blip r:embed="rId3"/>
+                <a:stretch>
+                  <a:fillRect/>
+                </a:stretch>
+              </a:blipFill>
+            </p:spPr>
+            <p:txBody>
+              <a:bodyPr/>
+              <a:lstStyle/>
+              <a:p>
+                <a:r>
+                  <a:rPr lang="ko-KR" altLang="en-US">
+                    <a:noFill/>
+                  </a:rPr>
+                  <a:t> </a:t>
+                </a:r>
+              </a:p>
+            </p:txBody>
+          </p:sp>
+        </mc:Fallback>
+      </mc:AlternateContent>
+      <mc:AlternateContent xmlns:mc="http://schemas.openxmlformats.org/markup-compatibility/2006" xmlns:a14="http://schemas.microsoft.com/office/drawing/2010/main">
+        <mc:Choice Requires="a14">
+          <p:sp>
+            <p:nvSpPr>
+              <p:cNvPr id="7" name="TextBox 6"/>
+              <p:cNvSpPr txBox="1"/>
+              <p:nvPr/>
+            </p:nvSpPr>
+            <p:spPr>
+              <a:xfrm>
+                <a:off x="5580112" y="2276872"/>
+                <a:ext cx="463588" cy="369332"/>
+              </a:xfrm>
+              <a:prstGeom prst="rect">
+                <a:avLst/>
+              </a:prstGeom>
+              <a:noFill/>
+            </p:spPr>
+            <p:txBody>
+              <a:bodyPr wrap="none" rtlCol="0">
+                <a:spAutoFit/>
+              </a:bodyPr>
+              <a:lstStyle/>
+              <a:p>
+                <a:pPr/>
+                <a14:m>
+                  <m:oMathPara xmlns:m="http://schemas.openxmlformats.org/officeDocument/2006/math">
+                    <m:oMathParaPr>
+                      <m:jc m:val="centerGroup"/>
+                    </m:oMathParaPr>
+                    <m:oMath xmlns:m="http://schemas.openxmlformats.org/officeDocument/2006/math">
+                      <m:r>
+                        <a:rPr lang="en-US" altLang="ko-KR" b="0" i="1" smtClean="0">
+                          <a:latin typeface="Cambria Math"/>
+                        </a:rPr>
+                        <m:t>⋯</m:t>
+                      </m:r>
+                    </m:oMath>
+                  </m:oMathPara>
+                </a14:m>
+                <a:endParaRPr lang="ko-KR" altLang="en-US" dirty="0"/>
+              </a:p>
+            </p:txBody>
+          </p:sp>
+        </mc:Choice>
+        <mc:Fallback xmlns="">
+          <p:sp>
+            <p:nvSpPr>
+              <p:cNvPr id="7" name="TextBox 6"/>
+              <p:cNvSpPr txBox="1">
+                <a:spLocks noRot="1" noChangeAspect="1" noMove="1" noResize="1" noEditPoints="1" noAdjustHandles="1" noChangeArrowheads="1" noChangeShapeType="1" noTextEdit="1"/>
+              </p:cNvSpPr>
+              <p:nvPr/>
+            </p:nvSpPr>
+            <p:spPr>
+              <a:xfrm>
+                <a:off x="5580112" y="2276872"/>
+                <a:ext cx="463588" cy="369332"/>
+              </a:xfrm>
+              <a:prstGeom prst="rect">
+                <a:avLst/>
+              </a:prstGeom>
+              <a:blipFill rotWithShape="1">
+                <a:blip r:embed="rId4"/>
+                <a:stretch>
+                  <a:fillRect/>
+                </a:stretch>
+              </a:blipFill>
+            </p:spPr>
+            <p:txBody>
+              <a:bodyPr/>
+              <a:lstStyle/>
+              <a:p>
+                <a:r>
+                  <a:rPr lang="ko-KR" altLang="en-US">
+                    <a:noFill/>
+                  </a:rPr>
+                  <a:t> </a:t>
+                </a:r>
+              </a:p>
+            </p:txBody>
+          </p:sp>
+        </mc:Fallback>
+      </mc:AlternateContent>
+    </p:spTree>
+    <p:extLst>
+      <p:ext uri="{BB962C8B-B14F-4D97-AF65-F5344CB8AC3E}">
+        <p14:creationId xmlns:p14="http://schemas.microsoft.com/office/powerpoint/2010/main" val="2639853143"/>
+      </p:ext>
+    </p:extLst>
+  </p:cSld>
+  <p:clrMapOvr>
+    <a:masterClrMapping/>
+  </p:clrMapOvr>
+</p:sld>
+</file>
+
+<file path=ppt/slides/slide9.xml><?xml version="1.0" encoding="utf-8"?>
+<p:sld xmlns:a="http://schemas.openxmlformats.org/drawingml/2006/main" xmlns:r="http://schemas.openxmlformats.org/officeDocument/2006/relationships" xmlns:p="http://schemas.openxmlformats.org/presentationml/2006/main">
+  <p:cSld>
+    <p:spTree>
+      <p:nvGrpSpPr>
+        <p:cNvPr id="1" name=""/>
+        <p:cNvGrpSpPr/>
+        <p:nvPr/>
+      </p:nvGrpSpPr>
+      <p:grpSpPr>
+        <a:xfrm>
+          <a:off x="0" y="0"/>
+          <a:ext cx="0" cy="0"/>
+          <a:chOff x="0" y="0"/>
+          <a:chExt cx="0" cy="0"/>
+        </a:xfrm>
+      </p:grpSpPr>
+      <p:pic>
+        <p:nvPicPr>
+          <p:cNvPr id="5" name="Picture 4">
+            <a:extLst>
+              <a:ext uri="{FF2B5EF4-FFF2-40B4-BE49-F238E27FC236}">
+                <a16:creationId xmlns:a16="http://schemas.microsoft.com/office/drawing/2014/main" id="{AE43CBDD-0740-03C2-9A38-66576CA4B14D}"/>
+              </a:ext>
+            </a:extLst>
+          </p:cNvPr>
+          <p:cNvPicPr>
+            <a:picLocks noChangeAspect="1"/>
+          </p:cNvPicPr>
+          <p:nvPr/>
+        </p:nvPicPr>
+        <p:blipFill>
+          <a:blip r:embed="rId2"/>
+          <a:stretch>
+            <a:fillRect/>
+          </a:stretch>
+        </p:blipFill>
+        <p:spPr>
+          <a:xfrm>
+            <a:off x="95250" y="1524000"/>
+            <a:ext cx="8953500" cy="3810000"/>
+          </a:xfrm>
+          <a:prstGeom prst="rect">
+            <a:avLst/>
+          </a:prstGeom>
+        </p:spPr>
+      </p:pic>
+    </p:spTree>
+    <p:extLst>
+      <p:ext uri="{BB962C8B-B14F-4D97-AF65-F5344CB8AC3E}">
+        <p14:creationId xmlns:p14="http://schemas.microsoft.com/office/powerpoint/2010/main" val="3148680442"/>
       </p:ext>
     </p:extLst>
   </p:cSld>
